--- a/Presentations/Aula03-Aplicacao-EmailDNS/03-DNSEmail.pptx
+++ b/Presentations/Aula03-Aplicacao-EmailDNS/03-DNSEmail.pptx
@@ -6,7 +6,7 @@
     <p:sldMasterId id="2147484236" r:id="rId2"/>
   </p:sldMasterIdLst>
   <p:notesMasterIdLst>
-    <p:notesMasterId r:id="rId26"/>
+    <p:notesMasterId r:id="rId27"/>
   </p:notesMasterIdLst>
   <p:sldIdLst>
     <p:sldId id="257" r:id="rId3"/>
@@ -32,6 +32,7 @@
     <p:sldId id="600" r:id="rId23"/>
     <p:sldId id="601" r:id="rId24"/>
     <p:sldId id="602" r:id="rId25"/>
+    <p:sldId id="603" r:id="rId26"/>
   </p:sldIdLst>
   <p:sldSz cx="9144000" cy="6858000" type="screen4x3"/>
   <p:notesSz cx="6669088" cy="9928225"/>
@@ -9049,8 +9050,19 @@
           <a:p>
             <a:r>
               <a:rPr lang="pt-BR" dirty="0" smtClean="0"/>
-              <a:t>RFC 1034, RFC 1035 e outras</a:t>
-            </a:r>
+              <a:t>RFC 1034, RFC 1035 e </a:t>
+            </a:r>
+            <a:r>
+              <a:rPr lang="pt-BR" dirty="0" smtClean="0"/>
+              <a:t>outras</a:t>
+            </a:r>
+          </a:p>
+          <a:p>
+            <a:r>
+              <a:rPr lang="pt-BR" dirty="0" smtClean="0"/>
+              <a:t>Porta 53, sobre UDP</a:t>
+            </a:r>
+            <a:endParaRPr lang="pt-BR" dirty="0" smtClean="0"/>
           </a:p>
           <a:p>
             <a:r>
@@ -10729,6 +10741,77 @@
             <a:endParaRPr lang="pt-BR" dirty="0">
               <a:latin typeface="Courier" pitchFamily="49" charset="0"/>
             </a:endParaRPr>
+          </a:p>
+        </p:txBody>
+      </p:sp>
+    </p:spTree>
+  </p:cSld>
+  <p:clrMapOvr>
+    <a:masterClrMapping/>
+  </p:clrMapOvr>
+</p:sld>
+</file>
+
+<file path=ppt/slides/slide24.xml><?xml version="1.0" encoding="utf-8"?>
+<p:sld xmlns:a="http://schemas.openxmlformats.org/drawingml/2006/main" xmlns:r="http://schemas.openxmlformats.org/officeDocument/2006/relationships" xmlns:p="http://schemas.openxmlformats.org/presentationml/2006/main">
+  <p:cSld>
+    <p:spTree>
+      <p:nvGrpSpPr>
+        <p:cNvPr id="1" name=""/>
+        <p:cNvGrpSpPr/>
+        <p:nvPr/>
+      </p:nvGrpSpPr>
+      <p:grpSpPr>
+        <a:xfrm>
+          <a:off x="0" y="0"/>
+          <a:ext cx="0" cy="0"/>
+          <a:chOff x="0" y="0"/>
+          <a:chExt cx="0" cy="0"/>
+        </a:xfrm>
+      </p:grpSpPr>
+      <p:sp>
+        <p:nvSpPr>
+          <p:cNvPr id="2" name="Title 1"/>
+          <p:cNvSpPr>
+            <a:spLocks noGrp="1"/>
+          </p:cNvSpPr>
+          <p:nvPr>
+            <p:ph type="title"/>
+          </p:nvPr>
+        </p:nvSpPr>
+        <p:spPr/>
+        <p:txBody>
+          <a:bodyPr/>
+          <a:lstStyle/>
+          <a:p>
+            <a:r>
+              <a:rPr lang="pt-BR" dirty="0" smtClean="0"/>
+              <a:t>Referências</a:t>
+            </a:r>
+            <a:endParaRPr lang="pt-BR" dirty="0"/>
+          </a:p>
+        </p:txBody>
+      </p:sp>
+      <p:sp>
+        <p:nvSpPr>
+          <p:cNvPr id="3" name="Content Placeholder 2"/>
+          <p:cNvSpPr>
+            <a:spLocks noGrp="1"/>
+          </p:cNvSpPr>
+          <p:nvPr>
+            <p:ph idx="1"/>
+          </p:nvPr>
+        </p:nvSpPr>
+        <p:spPr/>
+        <p:txBody>
+          <a:bodyPr/>
+          <a:lstStyle/>
+          <a:p>
+            <a:r>
+              <a:rPr lang="pt-BR" smtClean="0"/>
+              <a:t>Kurose, cap2.</a:t>
+            </a:r>
+            <a:endParaRPr lang="pt-BR"/>
           </a:p>
         </p:txBody>
       </p:sp>

--- a/Presentations/Aula03-Aplicacao-EmailDNS/03-DNSEmail.pptx
+++ b/Presentations/Aula03-Aplicacao-EmailDNS/03-DNSEmail.pptx
@@ -273,7 +273,7 @@
               <a:pPr>
                 <a:defRPr/>
               </a:pPr>
-              <a:t>09/08/2016</a:t>
+              <a:t>10/08/2016</a:t>
             </a:fld>
             <a:endParaRPr lang="pt-BR"/>
           </a:p>
@@ -1002,7 +1002,7 @@
               <a:pPr>
                 <a:defRPr/>
               </a:pPr>
-              <a:t>09/08/2016</a:t>
+              <a:t>10/08/2016</a:t>
             </a:fld>
             <a:endParaRPr lang="pt-BR"/>
           </a:p>
@@ -1372,7 +1372,7 @@
               <a:pPr>
                 <a:defRPr/>
               </a:pPr>
-              <a:t>09/08/2016</a:t>
+              <a:t>10/08/2016</a:t>
             </a:fld>
             <a:endParaRPr lang="pt-BR"/>
           </a:p>
@@ -1574,7 +1574,7 @@
               <a:pPr>
                 <a:defRPr/>
               </a:pPr>
-              <a:t>09/08/2016</a:t>
+              <a:t>10/08/2016</a:t>
             </a:fld>
             <a:endParaRPr lang="pt-BR"/>
           </a:p>
@@ -1838,7 +1838,7 @@
               <a:pPr>
                 <a:defRPr/>
               </a:pPr>
-              <a:t>09/08/2016</a:t>
+              <a:t>10/08/2016</a:t>
             </a:fld>
             <a:endParaRPr lang="pt-BR"/>
           </a:p>
@@ -2030,7 +2030,7 @@
               <a:pPr>
                 <a:defRPr/>
               </a:pPr>
-              <a:t>09/08/2016</a:t>
+              <a:t>10/08/2016</a:t>
             </a:fld>
             <a:endParaRPr lang="pt-BR"/>
           </a:p>
@@ -2298,7 +2298,7 @@
               <a:pPr>
                 <a:defRPr/>
               </a:pPr>
-              <a:t>09/08/2016</a:t>
+              <a:t>10/08/2016</a:t>
             </a:fld>
             <a:endParaRPr lang="pt-BR"/>
           </a:p>
@@ -2608,7 +2608,7 @@
               <a:pPr>
                 <a:defRPr/>
               </a:pPr>
-              <a:t>09/08/2016</a:t>
+              <a:t>10/08/2016</a:t>
             </a:fld>
             <a:endParaRPr lang="pt-BR"/>
           </a:p>
@@ -3052,7 +3052,7 @@
               <a:pPr>
                 <a:defRPr/>
               </a:pPr>
-              <a:t>09/08/2016</a:t>
+              <a:t>10/08/2016</a:t>
             </a:fld>
             <a:endParaRPr lang="pt-BR"/>
           </a:p>
@@ -3192,7 +3192,7 @@
               <a:pPr>
                 <a:defRPr/>
               </a:pPr>
-              <a:t>09/08/2016</a:t>
+              <a:t>10/08/2016</a:t>
             </a:fld>
             <a:endParaRPr lang="pt-BR"/>
           </a:p>
@@ -3309,7 +3309,7 @@
               <a:pPr>
                 <a:defRPr/>
               </a:pPr>
-              <a:t>09/08/2016</a:t>
+              <a:t>10/08/2016</a:t>
             </a:fld>
             <a:endParaRPr lang="pt-BR"/>
           </a:p>
@@ -3501,7 +3501,7 @@
               <a:pPr>
                 <a:defRPr/>
               </a:pPr>
-              <a:t>09/08/2016</a:t>
+              <a:t>10/08/2016</a:t>
             </a:fld>
             <a:endParaRPr lang="pt-BR"/>
           </a:p>
@@ -3800,7 +3800,7 @@
               <a:pPr>
                 <a:defRPr/>
               </a:pPr>
-              <a:t>09/08/2016</a:t>
+              <a:t>10/08/2016</a:t>
             </a:fld>
             <a:endParaRPr lang="pt-BR"/>
           </a:p>
@@ -4078,7 +4078,7 @@
               <a:pPr>
                 <a:defRPr/>
               </a:pPr>
-              <a:t>09/08/2016</a:t>
+              <a:t>10/08/2016</a:t>
             </a:fld>
             <a:endParaRPr lang="pt-BR"/>
           </a:p>
@@ -4270,7 +4270,7 @@
               <a:pPr>
                 <a:defRPr/>
               </a:pPr>
-              <a:t>09/08/2016</a:t>
+              <a:t>10/08/2016</a:t>
             </a:fld>
             <a:endParaRPr lang="pt-BR"/>
           </a:p>
@@ -4472,7 +4472,7 @@
               <a:pPr>
                 <a:defRPr/>
               </a:pPr>
-              <a:t>09/08/2016</a:t>
+              <a:t>10/08/2016</a:t>
             </a:fld>
             <a:endParaRPr lang="pt-BR"/>
           </a:p>
@@ -4740,7 +4740,7 @@
               <a:pPr>
                 <a:defRPr/>
               </a:pPr>
-              <a:t>09/08/2016</a:t>
+              <a:t>10/08/2016</a:t>
             </a:fld>
             <a:endParaRPr lang="pt-BR"/>
           </a:p>
@@ -5050,7 +5050,7 @@
               <a:pPr>
                 <a:defRPr/>
               </a:pPr>
-              <a:t>09/08/2016</a:t>
+              <a:t>10/08/2016</a:t>
             </a:fld>
             <a:endParaRPr lang="pt-BR"/>
           </a:p>
@@ -5494,7 +5494,7 @@
               <a:pPr>
                 <a:defRPr/>
               </a:pPr>
-              <a:t>09/08/2016</a:t>
+              <a:t>10/08/2016</a:t>
             </a:fld>
             <a:endParaRPr lang="pt-BR"/>
           </a:p>
@@ -5634,7 +5634,7 @@
               <a:pPr>
                 <a:defRPr/>
               </a:pPr>
-              <a:t>09/08/2016</a:t>
+              <a:t>10/08/2016</a:t>
             </a:fld>
             <a:endParaRPr lang="pt-BR"/>
           </a:p>
@@ -5751,7 +5751,7 @@
               <a:pPr>
                 <a:defRPr/>
               </a:pPr>
-              <a:t>09/08/2016</a:t>
+              <a:t>10/08/2016</a:t>
             </a:fld>
             <a:endParaRPr lang="pt-BR"/>
           </a:p>
@@ -6050,7 +6050,7 @@
               <a:pPr>
                 <a:defRPr/>
               </a:pPr>
-              <a:t>09/08/2016</a:t>
+              <a:t>10/08/2016</a:t>
             </a:fld>
             <a:endParaRPr lang="pt-BR"/>
           </a:p>
@@ -6357,7 +6357,7 @@
               <a:pPr>
                 <a:defRPr/>
               </a:pPr>
-              <a:t>09/08/2016</a:t>
+              <a:t>10/08/2016</a:t>
             </a:fld>
             <a:endParaRPr lang="pt-BR"/>
           </a:p>
@@ -6613,7 +6613,7 @@
               <a:pPr>
                 <a:defRPr/>
               </a:pPr>
-              <a:t>09/08/2016</a:t>
+              <a:t>10/08/2016</a:t>
             </a:fld>
             <a:endParaRPr lang="pt-BR"/>
           </a:p>
@@ -7362,7 +7362,7 @@
               <a:pPr>
                 <a:defRPr/>
               </a:pPr>
-              <a:t>09/08/2016</a:t>
+              <a:t>10/08/2016</a:t>
             </a:fld>
             <a:endParaRPr lang="pt-BR"/>
           </a:p>
@@ -7926,7 +7926,7 @@
                 <a:latin typeface="+mn-lt"/>
                 <a:cs typeface="Arial" pitchFamily="34" charset="0"/>
               </a:rPr>
-              <a:t>07</a:t>
+              <a:t>11</a:t>
             </a:r>
             <a:r>
               <a:rPr lang="pt-BR" sz="2200" b="1" dirty="0" smtClean="0">
@@ -9050,11 +9050,7 @@
           <a:p>
             <a:r>
               <a:rPr lang="pt-BR" dirty="0" smtClean="0"/>
-              <a:t>RFC 1034, RFC 1035 e </a:t>
-            </a:r>
-            <a:r>
-              <a:rPr lang="pt-BR" dirty="0" smtClean="0"/>
-              <a:t>outras</a:t>
+              <a:t>RFC 1034, RFC 1035 e outras</a:t>
             </a:r>
           </a:p>
           <a:p>
@@ -9062,7 +9058,6 @@
               <a:rPr lang="pt-BR" dirty="0" smtClean="0"/>
               <a:t>Porta 53, sobre UDP</a:t>
             </a:r>
-            <a:endParaRPr lang="pt-BR" dirty="0" smtClean="0"/>
           </a:p>
           <a:p>
             <a:r>
@@ -9931,26 +9926,14 @@
             <a:pPr lvl="1"/>
             <a:r>
               <a:rPr lang="pt-BR" sz="2000" dirty="0" smtClean="0"/>
-              <a:t>nome </a:t>
-            </a:r>
+              <a:t>nome é hostname</a:t>
+            </a:r>
+          </a:p>
+          <a:p>
+            <a:pPr lvl="1"/>
             <a:r>
               <a:rPr lang="pt-BR" sz="2000" dirty="0" smtClean="0"/>
-              <a:t>é hostname</a:t>
-            </a:r>
-          </a:p>
-          <a:p>
-            <a:pPr lvl="1"/>
-            <a:r>
-              <a:rPr lang="pt-BR" sz="2000" dirty="0" smtClean="0"/>
-              <a:t>valor </a:t>
-            </a:r>
-            <a:r>
-              <a:rPr lang="pt-BR" sz="2000" dirty="0" smtClean="0"/>
-              <a:t>é endereço </a:t>
-            </a:r>
-            <a:r>
-              <a:rPr lang="pt-BR" sz="2000" dirty="0" smtClean="0"/>
-              <a:t>IP</a:t>
+              <a:t>valor é endereço IP</a:t>
             </a:r>
           </a:p>
           <a:p>
@@ -9963,42 +9946,14 @@
             <a:pPr lvl="1"/>
             <a:r>
               <a:rPr lang="pt-BR" sz="2000" dirty="0" smtClean="0"/>
-              <a:t>nome </a:t>
-            </a:r>
+              <a:t>nome é domínio (e.g.foo.com)</a:t>
+            </a:r>
+          </a:p>
+          <a:p>
+            <a:pPr lvl="1"/>
             <a:r>
               <a:rPr lang="pt-BR" sz="2000" dirty="0" smtClean="0"/>
-              <a:t>é domínio (</a:t>
-            </a:r>
-            <a:r>
-              <a:rPr lang="pt-BR" sz="2000" dirty="0" smtClean="0"/>
-              <a:t>e.g.foo.com</a:t>
-            </a:r>
-            <a:r>
-              <a:rPr lang="pt-BR" sz="2000" dirty="0" smtClean="0"/>
-              <a:t>)</a:t>
-            </a:r>
-          </a:p>
-          <a:p>
-            <a:pPr lvl="1"/>
-            <a:r>
-              <a:rPr lang="pt-BR" sz="2000" dirty="0" smtClean="0"/>
-              <a:t>valor </a:t>
-            </a:r>
-            <a:r>
-              <a:rPr lang="pt-BR" sz="2000" dirty="0" smtClean="0"/>
-              <a:t>é hostname </a:t>
-            </a:r>
-            <a:r>
-              <a:rPr lang="pt-BR" sz="2000" dirty="0" smtClean="0"/>
-              <a:t>do servidor </a:t>
-            </a:r>
-            <a:r>
-              <a:rPr lang="pt-BR" sz="2000" dirty="0" smtClean="0"/>
-              <a:t>de </a:t>
-            </a:r>
-            <a:r>
-              <a:rPr lang="pt-BR" sz="2000" dirty="0" smtClean="0"/>
-              <a:t>nome autorizado para este domínio</a:t>
+              <a:t>valor é hostname do servidor de nome autorizado para este domínio</a:t>
             </a:r>
           </a:p>
           <a:p>
@@ -10011,54 +9966,21 @@
             <a:pPr lvl="1"/>
             <a:r>
               <a:rPr lang="pt-BR" sz="2000" dirty="0" smtClean="0"/>
-              <a:t>name </a:t>
-            </a:r>
+              <a:t>name é “nome alternativo” para algum nome canônico (o real)</a:t>
+            </a:r>
+          </a:p>
+          <a:p>
+            <a:pPr lvl="2"/>
+            <a:r>
+              <a:rPr lang="pt-BR" sz="1800" dirty="0" smtClean="0"/>
+              <a:t>www.ibm.com é na realidade servereast.backup2.ibm.com</a:t>
+            </a:r>
+          </a:p>
+          <a:p>
+            <a:pPr lvl="1"/>
             <a:r>
               <a:rPr lang="pt-BR" sz="2000" dirty="0" smtClean="0"/>
-              <a:t>é “nome alternativo</a:t>
-            </a:r>
-            <a:r>
-              <a:rPr lang="pt-BR" sz="2000" dirty="0" smtClean="0"/>
-              <a:t>” para </a:t>
-            </a:r>
-            <a:r>
-              <a:rPr lang="pt-BR" sz="2000" dirty="0" smtClean="0"/>
-              <a:t>algum nome canônico (</a:t>
-            </a:r>
-            <a:r>
-              <a:rPr lang="pt-BR" sz="2000" dirty="0" smtClean="0"/>
-              <a:t>o real</a:t>
-            </a:r>
-            <a:r>
-              <a:rPr lang="pt-BR" sz="2000" dirty="0" smtClean="0"/>
-              <a:t>)</a:t>
-            </a:r>
-          </a:p>
-          <a:p>
-            <a:pPr lvl="2"/>
-            <a:r>
-              <a:rPr lang="pt-BR" sz="1800" dirty="0" smtClean="0"/>
-              <a:t>www.ibm.com é na </a:t>
-            </a:r>
-            <a:r>
-              <a:rPr lang="pt-BR" sz="1800" dirty="0" smtClean="0"/>
-              <a:t>realidade servereast.backup2.ibm.com</a:t>
-            </a:r>
-            <a:endParaRPr lang="pt-BR" sz="1800" dirty="0" smtClean="0"/>
-          </a:p>
-          <a:p>
-            <a:pPr lvl="1"/>
-            <a:r>
-              <a:rPr lang="pt-BR" sz="2000" dirty="0" smtClean="0"/>
-              <a:t>valor </a:t>
-            </a:r>
-            <a:r>
-              <a:rPr lang="pt-BR" sz="2000" dirty="0" smtClean="0"/>
-              <a:t>é o nome </a:t>
-            </a:r>
-            <a:r>
-              <a:rPr lang="pt-BR" sz="2000" dirty="0" smtClean="0"/>
-              <a:t>canônico</a:t>
+              <a:t>valor é o nome canônico</a:t>
             </a:r>
           </a:p>
           <a:p>
@@ -10071,11 +9993,7 @@
             <a:pPr lvl="1"/>
             <a:r>
               <a:rPr lang="pt-BR" sz="2000" dirty="0" smtClean="0"/>
-              <a:t>valor </a:t>
-            </a:r>
-            <a:r>
-              <a:rPr lang="pt-BR" sz="2000" dirty="0" smtClean="0"/>
-              <a:t>é nome do servidor de</a:t>
+              <a:t>valor é nome do servidor de</a:t>
             </a:r>
           </a:p>
           <a:p>
@@ -10400,15 +10318,7 @@
           <a:p>
             <a:r>
               <a:rPr lang="pt-BR" dirty="0" smtClean="0"/>
-              <a:t>para </a:t>
-            </a:r>
-            <a:r>
-              <a:rPr lang="pt-BR" dirty="0" smtClean="0"/>
-              <a:t>query. Reply </a:t>
-            </a:r>
-            <a:r>
-              <a:rPr lang="pt-BR" dirty="0" smtClean="0"/>
-              <a:t>ao</a:t>
+              <a:t>para query. Reply ao</a:t>
             </a:r>
           </a:p>
           <a:p>
@@ -11139,8 +11049,13 @@
             <a:pPr algn="ctr"/>
             <a:r>
               <a:rPr lang="pt-BR" dirty="0" smtClean="0"/>
-              <a:t>Servidor do Remetende</a:t>
-            </a:r>
+              <a:t>Servidor do </a:t>
+            </a:r>
+            <a:r>
+              <a:rPr lang="pt-BR" dirty="0" smtClean="0"/>
+              <a:t>Remetente</a:t>
+            </a:r>
+            <a:endParaRPr lang="pt-BR" dirty="0" smtClean="0"/>
           </a:p>
           <a:p>
             <a:pPr algn="ctr"/>

--- a/Presentations/Aula03-Aplicacao-EmailDNS/03-DNSEmail.pptx
+++ b/Presentations/Aula03-Aplicacao-EmailDNS/03-DNSEmail.pptx
@@ -273,7 +273,7 @@
               <a:pPr>
                 <a:defRPr/>
               </a:pPr>
-              <a:t>10/08/2016</a:t>
+              <a:t>20/08/2017</a:t>
             </a:fld>
             <a:endParaRPr lang="pt-BR"/>
           </a:p>
@@ -1002,7 +1002,7 @@
               <a:pPr>
                 <a:defRPr/>
               </a:pPr>
-              <a:t>10/08/2016</a:t>
+              <a:t>20/08/2017</a:t>
             </a:fld>
             <a:endParaRPr lang="pt-BR"/>
           </a:p>
@@ -1101,7 +1101,7 @@
           <p:nvPr userDrawn="1"/>
         </p:nvPicPr>
         <p:blipFill>
-          <a:blip r:embed="rId2"/>
+          <a:blip r:embed="rId2" cstate="print"/>
           <a:srcRect l="52994" t="61194" r="26041" b="19403"/>
           <a:stretch>
             <a:fillRect/>
@@ -1133,7 +1133,7 @@
           <p:nvPr userDrawn="1"/>
         </p:nvPicPr>
         <p:blipFill>
-          <a:blip r:embed="rId3"/>
+          <a:blip r:embed="rId3" cstate="print"/>
           <a:srcRect/>
           <a:stretch>
             <a:fillRect/>
@@ -1372,7 +1372,7 @@
               <a:pPr>
                 <a:defRPr/>
               </a:pPr>
-              <a:t>10/08/2016</a:t>
+              <a:t>20/08/2017</a:t>
             </a:fld>
             <a:endParaRPr lang="pt-BR"/>
           </a:p>
@@ -1574,7 +1574,7 @@
               <a:pPr>
                 <a:defRPr/>
               </a:pPr>
-              <a:t>10/08/2016</a:t>
+              <a:t>20/08/2017</a:t>
             </a:fld>
             <a:endParaRPr lang="pt-BR"/>
           </a:p>
@@ -1838,7 +1838,7 @@
               <a:pPr>
                 <a:defRPr/>
               </a:pPr>
-              <a:t>10/08/2016</a:t>
+              <a:t>20/08/2017</a:t>
             </a:fld>
             <a:endParaRPr lang="pt-BR"/>
           </a:p>
@@ -2030,7 +2030,7 @@
               <a:pPr>
                 <a:defRPr/>
               </a:pPr>
-              <a:t>10/08/2016</a:t>
+              <a:t>20/08/2017</a:t>
             </a:fld>
             <a:endParaRPr lang="pt-BR"/>
           </a:p>
@@ -2298,7 +2298,7 @@
               <a:pPr>
                 <a:defRPr/>
               </a:pPr>
-              <a:t>10/08/2016</a:t>
+              <a:t>20/08/2017</a:t>
             </a:fld>
             <a:endParaRPr lang="pt-BR"/>
           </a:p>
@@ -2608,7 +2608,7 @@
               <a:pPr>
                 <a:defRPr/>
               </a:pPr>
-              <a:t>10/08/2016</a:t>
+              <a:t>20/08/2017</a:t>
             </a:fld>
             <a:endParaRPr lang="pt-BR"/>
           </a:p>
@@ -3052,7 +3052,7 @@
               <a:pPr>
                 <a:defRPr/>
               </a:pPr>
-              <a:t>10/08/2016</a:t>
+              <a:t>20/08/2017</a:t>
             </a:fld>
             <a:endParaRPr lang="pt-BR"/>
           </a:p>
@@ -3192,7 +3192,7 @@
               <a:pPr>
                 <a:defRPr/>
               </a:pPr>
-              <a:t>10/08/2016</a:t>
+              <a:t>20/08/2017</a:t>
             </a:fld>
             <a:endParaRPr lang="pt-BR"/>
           </a:p>
@@ -3309,7 +3309,7 @@
               <a:pPr>
                 <a:defRPr/>
               </a:pPr>
-              <a:t>10/08/2016</a:t>
+              <a:t>20/08/2017</a:t>
             </a:fld>
             <a:endParaRPr lang="pt-BR"/>
           </a:p>
@@ -3501,7 +3501,7 @@
               <a:pPr>
                 <a:defRPr/>
               </a:pPr>
-              <a:t>10/08/2016</a:t>
+              <a:t>20/08/2017</a:t>
             </a:fld>
             <a:endParaRPr lang="pt-BR"/>
           </a:p>
@@ -3800,7 +3800,7 @@
               <a:pPr>
                 <a:defRPr/>
               </a:pPr>
-              <a:t>10/08/2016</a:t>
+              <a:t>20/08/2017</a:t>
             </a:fld>
             <a:endParaRPr lang="pt-BR"/>
           </a:p>
@@ -4078,7 +4078,7 @@
               <a:pPr>
                 <a:defRPr/>
               </a:pPr>
-              <a:t>10/08/2016</a:t>
+              <a:t>20/08/2017</a:t>
             </a:fld>
             <a:endParaRPr lang="pt-BR"/>
           </a:p>
@@ -4270,7 +4270,7 @@
               <a:pPr>
                 <a:defRPr/>
               </a:pPr>
-              <a:t>10/08/2016</a:t>
+              <a:t>20/08/2017</a:t>
             </a:fld>
             <a:endParaRPr lang="pt-BR"/>
           </a:p>
@@ -4472,7 +4472,7 @@
               <a:pPr>
                 <a:defRPr/>
               </a:pPr>
-              <a:t>10/08/2016</a:t>
+              <a:t>20/08/2017</a:t>
             </a:fld>
             <a:endParaRPr lang="pt-BR"/>
           </a:p>
@@ -4740,7 +4740,7 @@
               <a:pPr>
                 <a:defRPr/>
               </a:pPr>
-              <a:t>10/08/2016</a:t>
+              <a:t>20/08/2017</a:t>
             </a:fld>
             <a:endParaRPr lang="pt-BR"/>
           </a:p>
@@ -5050,7 +5050,7 @@
               <a:pPr>
                 <a:defRPr/>
               </a:pPr>
-              <a:t>10/08/2016</a:t>
+              <a:t>20/08/2017</a:t>
             </a:fld>
             <a:endParaRPr lang="pt-BR"/>
           </a:p>
@@ -5494,7 +5494,7 @@
               <a:pPr>
                 <a:defRPr/>
               </a:pPr>
-              <a:t>10/08/2016</a:t>
+              <a:t>20/08/2017</a:t>
             </a:fld>
             <a:endParaRPr lang="pt-BR"/>
           </a:p>
@@ -5634,7 +5634,7 @@
               <a:pPr>
                 <a:defRPr/>
               </a:pPr>
-              <a:t>10/08/2016</a:t>
+              <a:t>20/08/2017</a:t>
             </a:fld>
             <a:endParaRPr lang="pt-BR"/>
           </a:p>
@@ -5751,7 +5751,7 @@
               <a:pPr>
                 <a:defRPr/>
               </a:pPr>
-              <a:t>10/08/2016</a:t>
+              <a:t>20/08/2017</a:t>
             </a:fld>
             <a:endParaRPr lang="pt-BR"/>
           </a:p>
@@ -6050,7 +6050,7 @@
               <a:pPr>
                 <a:defRPr/>
               </a:pPr>
-              <a:t>10/08/2016</a:t>
+              <a:t>20/08/2017</a:t>
             </a:fld>
             <a:endParaRPr lang="pt-BR"/>
           </a:p>
@@ -6149,7 +6149,7 @@
           <p:nvPr userDrawn="1"/>
         </p:nvPicPr>
         <p:blipFill>
-          <a:blip r:embed="rId2"/>
+          <a:blip r:embed="rId2" cstate="print"/>
           <a:srcRect l="52994" t="61194" r="26041" b="19403"/>
           <a:stretch>
             <a:fillRect/>
@@ -6181,7 +6181,7 @@
           <p:nvPr userDrawn="1"/>
         </p:nvPicPr>
         <p:blipFill>
-          <a:blip r:embed="rId3"/>
+          <a:blip r:embed="rId3" cstate="print"/>
           <a:srcRect/>
           <a:stretch>
             <a:fillRect/>
@@ -6357,7 +6357,7 @@
               <a:pPr>
                 <a:defRPr/>
               </a:pPr>
-              <a:t>10/08/2016</a:t>
+              <a:t>20/08/2017</a:t>
             </a:fld>
             <a:endParaRPr lang="pt-BR"/>
           </a:p>
@@ -6613,7 +6613,7 @@
               <a:pPr>
                 <a:defRPr/>
               </a:pPr>
-              <a:t>10/08/2016</a:t>
+              <a:t>20/08/2017</a:t>
             </a:fld>
             <a:endParaRPr lang="pt-BR"/>
           </a:p>
@@ -7152,7 +7152,7 @@
           <p:nvPr userDrawn="1"/>
         </p:nvPicPr>
         <p:blipFill>
-          <a:blip r:embed="rId13"/>
+          <a:blip r:embed="rId13" cstate="print"/>
           <a:srcRect l="52994" t="61194" r="26041" b="19403"/>
           <a:stretch>
             <a:fillRect/>
@@ -7184,7 +7184,7 @@
           <p:nvPr userDrawn="1"/>
         </p:nvPicPr>
         <p:blipFill>
-          <a:blip r:embed="rId14"/>
+          <a:blip r:embed="rId14" cstate="print"/>
           <a:srcRect/>
           <a:stretch>
             <a:fillRect/>
@@ -7362,7 +7362,7 @@
               <a:pPr>
                 <a:defRPr/>
               </a:pPr>
-              <a:t>10/08/2016</a:t>
+              <a:t>20/08/2017</a:t>
             </a:fld>
             <a:endParaRPr lang="pt-BR"/>
           </a:p>
@@ -7926,7 +7926,7 @@
                 <a:latin typeface="+mn-lt"/>
                 <a:cs typeface="Arial" pitchFamily="34" charset="0"/>
               </a:rPr>
-              <a:t>11</a:t>
+              <a:t>21</a:t>
             </a:r>
             <a:r>
               <a:rPr lang="pt-BR" sz="2200" b="1" dirty="0" smtClean="0">
@@ -7946,8 +7946,35 @@
                 <a:latin typeface="+mn-lt"/>
                 <a:cs typeface="Arial" pitchFamily="34" charset="0"/>
               </a:rPr>
-              <a:t>de agosto de 2016</a:t>
-            </a:r>
+              <a:t>de agosto </a:t>
+            </a:r>
+            <a:r>
+              <a:rPr lang="pt-BR" sz="2200" b="1">
+                <a:solidFill>
+                  <a:schemeClr val="accent1"/>
+                </a:solidFill>
+                <a:latin typeface="+mn-lt"/>
+                <a:cs typeface="Arial" pitchFamily="34" charset="0"/>
+              </a:rPr>
+              <a:t>de </a:t>
+            </a:r>
+            <a:r>
+              <a:rPr lang="pt-BR" sz="2200" b="1" smtClean="0">
+                <a:solidFill>
+                  <a:schemeClr val="accent1"/>
+                </a:solidFill>
+                <a:latin typeface="+mn-lt"/>
+                <a:cs typeface="Arial" pitchFamily="34" charset="0"/>
+              </a:rPr>
+              <a:t>2017</a:t>
+            </a:r>
+            <a:endParaRPr lang="pt-BR" sz="2200" b="1" dirty="0">
+              <a:solidFill>
+                <a:schemeClr val="accent1"/>
+              </a:solidFill>
+              <a:latin typeface="+mn-lt"/>
+              <a:cs typeface="Arial" pitchFamily="34" charset="0"/>
+            </a:endParaRPr>
           </a:p>
         </p:txBody>
       </p:sp>
@@ -8088,7 +8115,7 @@
           <p:nvPr/>
         </p:nvPicPr>
         <p:blipFill>
-          <a:blip r:embed="rId3"/>
+          <a:blip r:embed="rId3" cstate="print"/>
           <a:srcRect l="52994" t="61194" r="26041" b="19403"/>
           <a:stretch>
             <a:fillRect/>
@@ -8295,7 +8322,7 @@
           <p:nvPr/>
         </p:nvPicPr>
         <p:blipFill>
-          <a:blip r:embed="rId4"/>
+          <a:blip r:embed="rId4" cstate="print"/>
           <a:srcRect/>
           <a:stretch>
             <a:fillRect/>
@@ -9280,7 +9307,7 @@
           <p:nvPr/>
         </p:nvPicPr>
         <p:blipFill>
-          <a:blip r:embed="rId2"/>
+          <a:blip r:embed="rId2" cstate="print"/>
           <a:srcRect/>
           <a:stretch>
             <a:fillRect/>
@@ -9454,7 +9481,7 @@
           <p:nvPr/>
         </p:nvPicPr>
         <p:blipFill>
-          <a:blip r:embed="rId2"/>
+          <a:blip r:embed="rId2" cstate="print"/>
           <a:srcRect/>
           <a:stretch>
             <a:fillRect/>
@@ -9633,7 +9660,7 @@
           <p:nvPr/>
         </p:nvPicPr>
         <p:blipFill>
-          <a:blip r:embed="rId3"/>
+          <a:blip r:embed="rId3" cstate="print"/>
           <a:srcRect/>
           <a:stretch>
             <a:fillRect/>
@@ -9666,7 +9693,7 @@
           <p:nvPr/>
         </p:nvPicPr>
         <p:blipFill>
-          <a:blip r:embed="rId4"/>
+          <a:blip r:embed="rId4" cstate="print"/>
           <a:srcRect/>
           <a:stretch>
             <a:fillRect/>
@@ -9993,8 +10020,13 @@
             <a:pPr lvl="1"/>
             <a:r>
               <a:rPr lang="pt-BR" sz="2000" dirty="0" smtClean="0"/>
-              <a:t>valor é nome do servidor de</a:t>
-            </a:r>
+              <a:t>valor é nome do servidor </a:t>
+            </a:r>
+            <a:r>
+              <a:rPr lang="pt-BR" sz="2000" dirty="0" smtClean="0"/>
+              <a:t>de email</a:t>
+            </a:r>
+            <a:endParaRPr lang="pt-BR" sz="2000" dirty="0" smtClean="0"/>
           </a:p>
           <a:p>
             <a:pPr lvl="1"/>
@@ -10015,7 +10047,7 @@
           <p:nvPr/>
         </p:nvPicPr>
         <p:blipFill>
-          <a:blip r:embed="rId2"/>
+          <a:blip r:embed="rId2" cstate="print"/>
           <a:srcRect/>
           <a:stretch>
             <a:fillRect/>
@@ -10248,7 +10280,7 @@
           <p:nvPr/>
         </p:nvPicPr>
         <p:blipFill>
-          <a:blip r:embed="rId2"/>
+          <a:blip r:embed="rId2" cstate="print"/>
           <a:srcRect/>
           <a:stretch>
             <a:fillRect/>
@@ -10318,8 +10350,13 @@
           <a:p>
             <a:r>
               <a:rPr lang="pt-BR" dirty="0" smtClean="0"/>
-              <a:t>para query. Reply ao</a:t>
-            </a:r>
+              <a:t>para query. Reply </a:t>
+            </a:r>
+            <a:r>
+              <a:rPr lang="pt-BR" dirty="0" smtClean="0"/>
+              <a:t>da</a:t>
+            </a:r>
+            <a:endParaRPr lang="pt-BR" dirty="0" smtClean="0"/>
           </a:p>
           <a:p>
             <a:r>
@@ -10584,8 +10621,8 @@
         </p:nvSpPr>
         <p:spPr>
           <a:xfrm>
-            <a:off x="1428728" y="3500438"/>
-            <a:ext cx="6215090" cy="2308324"/>
+            <a:off x="755576" y="3573016"/>
+            <a:ext cx="7535760" cy="2031325"/>
           </a:xfrm>
           <a:prstGeom prst="rect">
             <a:avLst/>
@@ -10829,7 +10866,7 @@
           <p:nvPr/>
         </p:nvPicPr>
         <p:blipFill>
-          <a:blip r:embed="rId2"/>
+          <a:blip r:embed="rId2" cstate="print"/>
           <a:srcRect/>
           <a:stretch>
             <a:fillRect/>
@@ -11049,13 +11086,8 @@
             <a:pPr algn="ctr"/>
             <a:r>
               <a:rPr lang="pt-BR" dirty="0" smtClean="0"/>
-              <a:t>Servidor do </a:t>
-            </a:r>
-            <a:r>
-              <a:rPr lang="pt-BR" dirty="0" smtClean="0"/>
-              <a:t>Remetente</a:t>
-            </a:r>
-            <a:endParaRPr lang="pt-BR" dirty="0" smtClean="0"/>
+              <a:t>Servidor do Remetente</a:t>
+            </a:r>
           </a:p>
           <a:p>
             <a:pPr algn="ctr"/>
@@ -12454,7 +12486,7 @@
           <p:nvPr/>
         </p:nvPicPr>
         <p:blipFill>
-          <a:blip r:embed="rId2"/>
+          <a:blip r:embed="rId2" cstate="print"/>
           <a:srcRect/>
           <a:stretch>
             <a:fillRect/>

--- a/Presentations/Aula03-Aplicacao-EmailDNS/03-DNSEmail.pptx
+++ b/Presentations/Aula03-Aplicacao-EmailDNS/03-DNSEmail.pptx
@@ -3,161 +3,133 @@
 <p:presentation xmlns:a="http://schemas.openxmlformats.org/drawingml/2006/main" xmlns:r="http://schemas.openxmlformats.org/officeDocument/2006/relationships" xmlns:p="http://schemas.openxmlformats.org/presentationml/2006/main" saveSubsetFonts="1">
   <p:sldMasterIdLst>
     <p:sldMasterId id="2147483648" r:id="rId1"/>
-    <p:sldMasterId id="2147484236" r:id="rId2"/>
+    <p:sldMasterId id="2147483662" r:id="rId2"/>
   </p:sldMasterIdLst>
   <p:notesMasterIdLst>
-    <p:notesMasterId r:id="rId27"/>
+    <p:notesMasterId r:id="rId29"/>
   </p:notesMasterIdLst>
   <p:sldIdLst>
-    <p:sldId id="257" r:id="rId3"/>
-    <p:sldId id="582" r:id="rId4"/>
-    <p:sldId id="581" r:id="rId5"/>
-    <p:sldId id="583" r:id="rId6"/>
-    <p:sldId id="584" r:id="rId7"/>
-    <p:sldId id="586" r:id="rId8"/>
-    <p:sldId id="585" r:id="rId9"/>
-    <p:sldId id="587" r:id="rId10"/>
-    <p:sldId id="588" r:id="rId11"/>
-    <p:sldId id="589" r:id="rId12"/>
-    <p:sldId id="590" r:id="rId13"/>
-    <p:sldId id="592" r:id="rId14"/>
-    <p:sldId id="591" r:id="rId15"/>
-    <p:sldId id="593" r:id="rId16"/>
-    <p:sldId id="594" r:id="rId17"/>
-    <p:sldId id="595" r:id="rId18"/>
-    <p:sldId id="596" r:id="rId19"/>
-    <p:sldId id="597" r:id="rId20"/>
-    <p:sldId id="598" r:id="rId21"/>
-    <p:sldId id="599" r:id="rId22"/>
-    <p:sldId id="600" r:id="rId23"/>
-    <p:sldId id="601" r:id="rId24"/>
-    <p:sldId id="602" r:id="rId25"/>
-    <p:sldId id="603" r:id="rId26"/>
+    <p:sldId id="264" r:id="rId3"/>
+    <p:sldId id="305" r:id="rId4"/>
+    <p:sldId id="306" r:id="rId5"/>
+    <p:sldId id="307" r:id="rId6"/>
+    <p:sldId id="308" r:id="rId7"/>
+    <p:sldId id="309" r:id="rId8"/>
+    <p:sldId id="310" r:id="rId9"/>
+    <p:sldId id="328" r:id="rId10"/>
+    <p:sldId id="311" r:id="rId11"/>
+    <p:sldId id="312" r:id="rId12"/>
+    <p:sldId id="313" r:id="rId13"/>
+    <p:sldId id="314" r:id="rId14"/>
+    <p:sldId id="315" r:id="rId15"/>
+    <p:sldId id="316" r:id="rId16"/>
+    <p:sldId id="317" r:id="rId17"/>
+    <p:sldId id="318" r:id="rId18"/>
+    <p:sldId id="319" r:id="rId19"/>
+    <p:sldId id="320" r:id="rId20"/>
+    <p:sldId id="321" r:id="rId21"/>
+    <p:sldId id="322" r:id="rId22"/>
+    <p:sldId id="323" r:id="rId23"/>
+    <p:sldId id="329" r:id="rId24"/>
+    <p:sldId id="324" r:id="rId25"/>
+    <p:sldId id="325" r:id="rId26"/>
+    <p:sldId id="326" r:id="rId27"/>
+    <p:sldId id="327" r:id="rId28"/>
   </p:sldIdLst>
   <p:sldSz cx="9144000" cy="6858000" type="screen4x3"/>
-  <p:notesSz cx="6669088" cy="9928225"/>
+  <p:notesSz cx="6858000" cy="9144000"/>
   <p:defaultTextStyle>
     <a:defPPr>
       <a:defRPr lang="pt-BR"/>
     </a:defPPr>
-    <a:lvl1pPr algn="l" rtl="0" fontAlgn="base">
-      <a:spcBef>
-        <a:spcPct val="0"/>
-      </a:spcBef>
-      <a:spcAft>
-        <a:spcPct val="0"/>
-      </a:spcAft>
-      <a:defRPr kern="1200">
+    <a:lvl1pPr marL="0" algn="l" defTabSz="914400" rtl="0" eaLnBrk="1" latinLnBrk="0" hangingPunct="1">
+      <a:defRPr sz="1800" kern="1200">
         <a:solidFill>
           <a:schemeClr val="tx1"/>
         </a:solidFill>
-        <a:latin typeface="Arial" charset="0"/>
+        <a:latin typeface="+mn-lt"/>
         <a:ea typeface="+mn-ea"/>
-        <a:cs typeface="Arial" charset="0"/>
+        <a:cs typeface="+mn-cs"/>
       </a:defRPr>
     </a:lvl1pPr>
-    <a:lvl2pPr marL="457200" algn="l" rtl="0" fontAlgn="base">
-      <a:spcBef>
-        <a:spcPct val="0"/>
-      </a:spcBef>
-      <a:spcAft>
-        <a:spcPct val="0"/>
-      </a:spcAft>
-      <a:defRPr kern="1200">
+    <a:lvl2pPr marL="457200" algn="l" defTabSz="914400" rtl="0" eaLnBrk="1" latinLnBrk="0" hangingPunct="1">
+      <a:defRPr sz="1800" kern="1200">
         <a:solidFill>
           <a:schemeClr val="tx1"/>
         </a:solidFill>
-        <a:latin typeface="Arial" charset="0"/>
+        <a:latin typeface="+mn-lt"/>
         <a:ea typeface="+mn-ea"/>
-        <a:cs typeface="Arial" charset="0"/>
+        <a:cs typeface="+mn-cs"/>
       </a:defRPr>
     </a:lvl2pPr>
-    <a:lvl3pPr marL="914400" algn="l" rtl="0" fontAlgn="base">
-      <a:spcBef>
-        <a:spcPct val="0"/>
-      </a:spcBef>
-      <a:spcAft>
-        <a:spcPct val="0"/>
-      </a:spcAft>
-      <a:defRPr kern="1200">
+    <a:lvl3pPr marL="914400" algn="l" defTabSz="914400" rtl="0" eaLnBrk="1" latinLnBrk="0" hangingPunct="1">
+      <a:defRPr sz="1800" kern="1200">
         <a:solidFill>
           <a:schemeClr val="tx1"/>
         </a:solidFill>
-        <a:latin typeface="Arial" charset="0"/>
+        <a:latin typeface="+mn-lt"/>
         <a:ea typeface="+mn-ea"/>
-        <a:cs typeface="Arial" charset="0"/>
+        <a:cs typeface="+mn-cs"/>
       </a:defRPr>
     </a:lvl3pPr>
-    <a:lvl4pPr marL="1371600" algn="l" rtl="0" fontAlgn="base">
-      <a:spcBef>
-        <a:spcPct val="0"/>
-      </a:spcBef>
-      <a:spcAft>
-        <a:spcPct val="0"/>
-      </a:spcAft>
-      <a:defRPr kern="1200">
+    <a:lvl4pPr marL="1371600" algn="l" defTabSz="914400" rtl="0" eaLnBrk="1" latinLnBrk="0" hangingPunct="1">
+      <a:defRPr sz="1800" kern="1200">
         <a:solidFill>
           <a:schemeClr val="tx1"/>
         </a:solidFill>
-        <a:latin typeface="Arial" charset="0"/>
+        <a:latin typeface="+mn-lt"/>
         <a:ea typeface="+mn-ea"/>
-        <a:cs typeface="Arial" charset="0"/>
+        <a:cs typeface="+mn-cs"/>
       </a:defRPr>
     </a:lvl4pPr>
-    <a:lvl5pPr marL="1828800" algn="l" rtl="0" fontAlgn="base">
-      <a:spcBef>
-        <a:spcPct val="0"/>
-      </a:spcBef>
-      <a:spcAft>
-        <a:spcPct val="0"/>
-      </a:spcAft>
-      <a:defRPr kern="1200">
+    <a:lvl5pPr marL="1828800" algn="l" defTabSz="914400" rtl="0" eaLnBrk="1" latinLnBrk="0" hangingPunct="1">
+      <a:defRPr sz="1800" kern="1200">
         <a:solidFill>
           <a:schemeClr val="tx1"/>
         </a:solidFill>
-        <a:latin typeface="Arial" charset="0"/>
+        <a:latin typeface="+mn-lt"/>
         <a:ea typeface="+mn-ea"/>
-        <a:cs typeface="Arial" charset="0"/>
+        <a:cs typeface="+mn-cs"/>
       </a:defRPr>
     </a:lvl5pPr>
     <a:lvl6pPr marL="2286000" algn="l" defTabSz="914400" rtl="0" eaLnBrk="1" latinLnBrk="0" hangingPunct="1">
-      <a:defRPr kern="1200">
+      <a:defRPr sz="1800" kern="1200">
         <a:solidFill>
           <a:schemeClr val="tx1"/>
         </a:solidFill>
-        <a:latin typeface="Arial" charset="0"/>
+        <a:latin typeface="+mn-lt"/>
         <a:ea typeface="+mn-ea"/>
-        <a:cs typeface="Arial" charset="0"/>
+        <a:cs typeface="+mn-cs"/>
       </a:defRPr>
     </a:lvl6pPr>
     <a:lvl7pPr marL="2743200" algn="l" defTabSz="914400" rtl="0" eaLnBrk="1" latinLnBrk="0" hangingPunct="1">
-      <a:defRPr kern="1200">
+      <a:defRPr sz="1800" kern="1200">
         <a:solidFill>
           <a:schemeClr val="tx1"/>
         </a:solidFill>
-        <a:latin typeface="Arial" charset="0"/>
+        <a:latin typeface="+mn-lt"/>
         <a:ea typeface="+mn-ea"/>
-        <a:cs typeface="Arial" charset="0"/>
+        <a:cs typeface="+mn-cs"/>
       </a:defRPr>
     </a:lvl7pPr>
     <a:lvl8pPr marL="3200400" algn="l" defTabSz="914400" rtl="0" eaLnBrk="1" latinLnBrk="0" hangingPunct="1">
-      <a:defRPr kern="1200">
+      <a:defRPr sz="1800" kern="1200">
         <a:solidFill>
           <a:schemeClr val="tx1"/>
         </a:solidFill>
-        <a:latin typeface="Arial" charset="0"/>
+        <a:latin typeface="+mn-lt"/>
         <a:ea typeface="+mn-ea"/>
-        <a:cs typeface="Arial" charset="0"/>
+        <a:cs typeface="+mn-cs"/>
       </a:defRPr>
     </a:lvl8pPr>
     <a:lvl9pPr marL="3657600" algn="l" defTabSz="914400" rtl="0" eaLnBrk="1" latinLnBrk="0" hangingPunct="1">
-      <a:defRPr kern="1200">
+      <a:defRPr sz="1800" kern="1200">
         <a:solidFill>
           <a:schemeClr val="tx1"/>
         </a:solidFill>
-        <a:latin typeface="Arial" charset="0"/>
+        <a:latin typeface="+mn-lt"/>
         <a:ea typeface="+mn-ea"/>
-        <a:cs typeface="Arial" charset="0"/>
+        <a:cs typeface="+mn-cs"/>
       </a:defRPr>
     </a:lvl9pPr>
   </p:defaultTextStyle>
@@ -188,7 +160,7 @@
       </p:grpSpPr>
       <p:sp>
         <p:nvSpPr>
-          <p:cNvPr id="2" name="Espaço Reservado para Cabeçalho 1"/>
+          <p:cNvPr id="2" name="Header Placeholder 1"/>
           <p:cNvSpPr>
             <a:spLocks noGrp="1"/>
           </p:cNvSpPr>
@@ -199,7 +171,7 @@
         <p:spPr>
           <a:xfrm>
             <a:off x="0" y="0"/>
-            <a:ext cx="2889250" cy="496888"/>
+            <a:ext cx="2971800" cy="457200"/>
           </a:xfrm>
           <a:prstGeom prst="rect">
             <a:avLst/>
@@ -208,30 +180,18 @@
         <p:txBody>
           <a:bodyPr vert="horz" lIns="91440" tIns="45720" rIns="91440" bIns="45720" rtlCol="0"/>
           <a:lstStyle>
-            <a:lvl1pPr algn="l" fontAlgn="auto">
-              <a:spcBef>
-                <a:spcPts val="0"/>
-              </a:spcBef>
-              <a:spcAft>
-                <a:spcPts val="0"/>
-              </a:spcAft>
-              <a:defRPr sz="1200">
-                <a:latin typeface="+mn-lt"/>
-                <a:cs typeface="+mn-cs"/>
-              </a:defRPr>
+            <a:lvl1pPr algn="l">
+              <a:defRPr sz="1200"/>
             </a:lvl1pPr>
           </a:lstStyle>
           <a:p>
-            <a:pPr>
-              <a:defRPr/>
-            </a:pPr>
             <a:endParaRPr lang="pt-BR"/>
           </a:p>
         </p:txBody>
       </p:sp>
       <p:sp>
         <p:nvSpPr>
-          <p:cNvPr id="3" name="Espaço Reservado para Data 2"/>
+          <p:cNvPr id="3" name="Date Placeholder 2"/>
           <p:cNvSpPr>
             <a:spLocks noGrp="1"/>
           </p:cNvSpPr>
@@ -241,8 +201,8 @@
         </p:nvSpPr>
         <p:spPr>
           <a:xfrm>
-            <a:off x="3778250" y="0"/>
-            <a:ext cx="2889250" cy="496888"/>
+            <a:off x="3884613" y="0"/>
+            <a:ext cx="2971800" cy="457200"/>
           </a:xfrm>
           <a:prstGeom prst="rect">
             <a:avLst/>
@@ -251,29 +211,15 @@
         <p:txBody>
           <a:bodyPr vert="horz" lIns="91440" tIns="45720" rIns="91440" bIns="45720" rtlCol="0"/>
           <a:lstStyle>
-            <a:lvl1pPr algn="r" fontAlgn="auto">
-              <a:spcBef>
-                <a:spcPts val="0"/>
-              </a:spcBef>
-              <a:spcAft>
-                <a:spcPts val="0"/>
-              </a:spcAft>
-              <a:defRPr sz="1200">
-                <a:latin typeface="+mn-lt"/>
-                <a:cs typeface="+mn-cs"/>
-              </a:defRPr>
+            <a:lvl1pPr algn="r">
+              <a:defRPr sz="1200"/>
             </a:lvl1pPr>
           </a:lstStyle>
           <a:p>
-            <a:pPr>
-              <a:defRPr/>
-            </a:pPr>
-            <a:fld id="{12B1E32E-AF69-4850-BE4B-B15D082BA91C}" type="datetimeFigureOut">
-              <a:rPr lang="pt-BR"/>
-              <a:pPr>
-                <a:defRPr/>
-              </a:pPr>
-              <a:t>20/08/2017</a:t>
+            <a:fld id="{EF4AE567-E4D9-4421-B9E7-8C7F16C171FA}" type="datetimeFigureOut">
+              <a:rPr lang="pt-BR" smtClean="0"/>
+              <a:pPr/>
+              <a:t>13/03/2019</a:t>
             </a:fld>
             <a:endParaRPr lang="pt-BR"/>
           </a:p>
@@ -281,7 +227,7 @@
       </p:sp>
       <p:sp>
         <p:nvSpPr>
-          <p:cNvPr id="4" name="Espaço Reservado para Imagem de Slide 3"/>
+          <p:cNvPr id="4" name="Slide Image Placeholder 3"/>
           <p:cNvSpPr>
             <a:spLocks noGrp="1" noRot="1" noChangeAspect="1"/>
           </p:cNvSpPr>
@@ -291,8 +237,8 @@
         </p:nvSpPr>
         <p:spPr>
           <a:xfrm>
-            <a:off x="852488" y="744538"/>
-            <a:ext cx="4964112" cy="3724275"/>
+            <a:off x="1143000" y="685800"/>
+            <a:ext cx="4572000" cy="3429000"/>
           </a:xfrm>
           <a:prstGeom prst="rect">
             <a:avLst/>
@@ -308,14 +254,13 @@
           <a:bodyPr vert="horz" lIns="91440" tIns="45720" rIns="91440" bIns="45720" rtlCol="0" anchor="ctr"/>
           <a:lstStyle/>
           <a:p>
-            <a:pPr lvl="0"/>
-            <a:endParaRPr lang="pt-BR" noProof="0"/>
-          </a:p>
-        </p:txBody>
-      </p:sp>
-      <p:sp>
-        <p:nvSpPr>
-          <p:cNvPr id="5" name="Espaço Reservado para Anotações 4"/>
+            <a:endParaRPr lang="pt-BR"/>
+          </a:p>
+        </p:txBody>
+      </p:sp>
+      <p:sp>
+        <p:nvSpPr>
+          <p:cNvPr id="5" name="Notes Placeholder 4"/>
           <p:cNvSpPr>
             <a:spLocks noGrp="1"/>
           </p:cNvSpPr>
@@ -325,8 +270,8 @@
         </p:nvSpPr>
         <p:spPr>
           <a:xfrm>
-            <a:off x="666750" y="4716463"/>
-            <a:ext cx="5335588" cy="4467225"/>
+            <a:off x="685800" y="4343400"/>
+            <a:ext cx="5486400" cy="4114800"/>
           </a:xfrm>
           <a:prstGeom prst="rect">
             <a:avLst/>
@@ -340,44 +285,44 @@
           <a:p>
             <a:pPr lvl="0"/>
             <a:r>
-              <a:rPr lang="pt-BR" noProof="0" smtClean="0"/>
-              <a:t>Clique para editar os estilos do texto mestre</a:t>
+              <a:rPr lang="en-US" smtClean="0"/>
+              <a:t>Click to edit Master text styles</a:t>
             </a:r>
           </a:p>
           <a:p>
             <a:pPr lvl="1"/>
             <a:r>
-              <a:rPr lang="pt-BR" noProof="0" smtClean="0"/>
-              <a:t>Segundo nível</a:t>
+              <a:rPr lang="en-US" smtClean="0"/>
+              <a:t>Second level</a:t>
             </a:r>
           </a:p>
           <a:p>
             <a:pPr lvl="2"/>
             <a:r>
-              <a:rPr lang="pt-BR" noProof="0" smtClean="0"/>
-              <a:t>Terceiro nível</a:t>
+              <a:rPr lang="en-US" smtClean="0"/>
+              <a:t>Third level</a:t>
             </a:r>
           </a:p>
           <a:p>
             <a:pPr lvl="3"/>
             <a:r>
-              <a:rPr lang="pt-BR" noProof="0" smtClean="0"/>
-              <a:t>Quarto nível</a:t>
+              <a:rPr lang="en-US" smtClean="0"/>
+              <a:t>Fourth level</a:t>
             </a:r>
           </a:p>
           <a:p>
             <a:pPr lvl="4"/>
             <a:r>
-              <a:rPr lang="pt-BR" noProof="0" smtClean="0"/>
-              <a:t>Quinto nível</a:t>
-            </a:r>
-            <a:endParaRPr lang="pt-BR" noProof="0"/>
-          </a:p>
-        </p:txBody>
-      </p:sp>
-      <p:sp>
-        <p:nvSpPr>
-          <p:cNvPr id="6" name="Espaço Reservado para Rodapé 5"/>
+              <a:rPr lang="en-US" smtClean="0"/>
+              <a:t>Fifth level</a:t>
+            </a:r>
+            <a:endParaRPr lang="pt-BR"/>
+          </a:p>
+        </p:txBody>
+      </p:sp>
+      <p:sp>
+        <p:nvSpPr>
+          <p:cNvPr id="6" name="Footer Placeholder 5"/>
           <p:cNvSpPr>
             <a:spLocks noGrp="1"/>
           </p:cNvSpPr>
@@ -387,8 +332,8 @@
         </p:nvSpPr>
         <p:spPr>
           <a:xfrm>
-            <a:off x="0" y="9429750"/>
-            <a:ext cx="2889250" cy="496888"/>
+            <a:off x="0" y="8685213"/>
+            <a:ext cx="2971800" cy="457200"/>
           </a:xfrm>
           <a:prstGeom prst="rect">
             <a:avLst/>
@@ -397,30 +342,18 @@
         <p:txBody>
           <a:bodyPr vert="horz" lIns="91440" tIns="45720" rIns="91440" bIns="45720" rtlCol="0" anchor="b"/>
           <a:lstStyle>
-            <a:lvl1pPr algn="l" fontAlgn="auto">
-              <a:spcBef>
-                <a:spcPts val="0"/>
-              </a:spcBef>
-              <a:spcAft>
-                <a:spcPts val="0"/>
-              </a:spcAft>
-              <a:defRPr sz="1200">
-                <a:latin typeface="+mn-lt"/>
-                <a:cs typeface="+mn-cs"/>
-              </a:defRPr>
+            <a:lvl1pPr algn="l">
+              <a:defRPr sz="1200"/>
             </a:lvl1pPr>
           </a:lstStyle>
           <a:p>
-            <a:pPr>
-              <a:defRPr/>
-            </a:pPr>
             <a:endParaRPr lang="pt-BR"/>
           </a:p>
         </p:txBody>
       </p:sp>
       <p:sp>
         <p:nvSpPr>
-          <p:cNvPr id="7" name="Espaço Reservado para Número de Slide 6"/>
+          <p:cNvPr id="7" name="Slide Number Placeholder 6"/>
           <p:cNvSpPr>
             <a:spLocks noGrp="1"/>
           </p:cNvSpPr>
@@ -430,8 +363,8 @@
         </p:nvSpPr>
         <p:spPr>
           <a:xfrm>
-            <a:off x="3778250" y="9429750"/>
-            <a:ext cx="2889250" cy="496888"/>
+            <a:off x="3884613" y="8685213"/>
+            <a:ext cx="2971800" cy="457200"/>
           </a:xfrm>
           <a:prstGeom prst="rect">
             <a:avLst/>
@@ -440,28 +373,14 @@
         <p:txBody>
           <a:bodyPr vert="horz" lIns="91440" tIns="45720" rIns="91440" bIns="45720" rtlCol="0" anchor="b"/>
           <a:lstStyle>
-            <a:lvl1pPr algn="r" fontAlgn="auto">
-              <a:spcBef>
-                <a:spcPts val="0"/>
-              </a:spcBef>
-              <a:spcAft>
-                <a:spcPts val="0"/>
-              </a:spcAft>
-              <a:defRPr sz="1200">
-                <a:latin typeface="+mn-lt"/>
-                <a:cs typeface="+mn-cs"/>
-              </a:defRPr>
+            <a:lvl1pPr algn="r">
+              <a:defRPr sz="1200"/>
             </a:lvl1pPr>
           </a:lstStyle>
           <a:p>
-            <a:pPr>
-              <a:defRPr/>
-            </a:pPr>
-            <a:fld id="{E0A462AC-DE0D-4850-9506-DD2877C08D01}" type="slidenum">
-              <a:rPr lang="pt-BR"/>
-              <a:pPr>
-                <a:defRPr/>
-              </a:pPr>
+            <a:fld id="{5936E039-2B9B-4CBB-A401-984C6309B11C}" type="slidenum">
+              <a:rPr lang="pt-BR" smtClean="0"/>
+              <a:pPr/>
               <a:t>‹#›</a:t>
             </a:fld>
             <a:endParaRPr lang="pt-BR"/>
@@ -472,13 +391,7 @@
   </p:cSld>
   <p:clrMap bg1="lt1" tx1="dk1" bg2="lt2" tx2="dk2" accent1="accent1" accent2="accent2" accent3="accent3" accent4="accent4" accent5="accent5" accent6="accent6" hlink="hlink" folHlink="folHlink"/>
   <p:notesStyle>
-    <a:lvl1pPr algn="l" rtl="0" eaLnBrk="0" fontAlgn="base" hangingPunct="0">
-      <a:spcBef>
-        <a:spcPct val="30000"/>
-      </a:spcBef>
-      <a:spcAft>
-        <a:spcPct val="0"/>
-      </a:spcAft>
+    <a:lvl1pPr marL="0" algn="l" defTabSz="914400" rtl="0" eaLnBrk="1" latinLnBrk="0" hangingPunct="1">
       <a:defRPr sz="1200" kern="1200">
         <a:solidFill>
           <a:schemeClr val="tx1"/>
@@ -488,13 +401,7 @@
         <a:cs typeface="+mn-cs"/>
       </a:defRPr>
     </a:lvl1pPr>
-    <a:lvl2pPr marL="457200" algn="l" rtl="0" eaLnBrk="0" fontAlgn="base" hangingPunct="0">
-      <a:spcBef>
-        <a:spcPct val="30000"/>
-      </a:spcBef>
-      <a:spcAft>
-        <a:spcPct val="0"/>
-      </a:spcAft>
+    <a:lvl2pPr marL="457200" algn="l" defTabSz="914400" rtl="0" eaLnBrk="1" latinLnBrk="0" hangingPunct="1">
       <a:defRPr sz="1200" kern="1200">
         <a:solidFill>
           <a:schemeClr val="tx1"/>
@@ -504,13 +411,7 @@
         <a:cs typeface="+mn-cs"/>
       </a:defRPr>
     </a:lvl2pPr>
-    <a:lvl3pPr marL="914400" algn="l" rtl="0" eaLnBrk="0" fontAlgn="base" hangingPunct="0">
-      <a:spcBef>
-        <a:spcPct val="30000"/>
-      </a:spcBef>
-      <a:spcAft>
-        <a:spcPct val="0"/>
-      </a:spcAft>
+    <a:lvl3pPr marL="914400" algn="l" defTabSz="914400" rtl="0" eaLnBrk="1" latinLnBrk="0" hangingPunct="1">
       <a:defRPr sz="1200" kern="1200">
         <a:solidFill>
           <a:schemeClr val="tx1"/>
@@ -520,13 +421,7 @@
         <a:cs typeface="+mn-cs"/>
       </a:defRPr>
     </a:lvl3pPr>
-    <a:lvl4pPr marL="1371600" algn="l" rtl="0" eaLnBrk="0" fontAlgn="base" hangingPunct="0">
-      <a:spcBef>
-        <a:spcPct val="30000"/>
-      </a:spcBef>
-      <a:spcAft>
-        <a:spcPct val="0"/>
-      </a:spcAft>
+    <a:lvl4pPr marL="1371600" algn="l" defTabSz="914400" rtl="0" eaLnBrk="1" latinLnBrk="0" hangingPunct="1">
       <a:defRPr sz="1200" kern="1200">
         <a:solidFill>
           <a:schemeClr val="tx1"/>
@@ -536,13 +431,7 @@
         <a:cs typeface="+mn-cs"/>
       </a:defRPr>
     </a:lvl4pPr>
-    <a:lvl5pPr marL="1828800" algn="l" rtl="0" eaLnBrk="0" fontAlgn="base" hangingPunct="0">
-      <a:spcBef>
-        <a:spcPct val="30000"/>
-      </a:spcBef>
-      <a:spcAft>
-        <a:spcPct val="0"/>
-      </a:spcAft>
+    <a:lvl5pPr marL="1828800" algn="l" defTabSz="914400" rtl="0" eaLnBrk="1" latinLnBrk="0" hangingPunct="1">
       <a:defRPr sz="1200" kern="1200">
         <a:solidFill>
           <a:schemeClr val="tx1"/>
@@ -615,29 +504,19 @@
       </p:grpSpPr>
       <p:sp>
         <p:nvSpPr>
-          <p:cNvPr id="8194" name="Espaço Reservado para Imagem de Slide 1"/>
-          <p:cNvSpPr>
-            <a:spLocks noGrp="1" noRot="1" noChangeAspect="1" noTextEdit="1"/>
+          <p:cNvPr id="2" name="Slide Image Placeholder 1"/>
+          <p:cNvSpPr>
+            <a:spLocks noGrp="1" noRot="1" noChangeAspect="1"/>
           </p:cNvSpPr>
           <p:nvPr>
             <p:ph type="sldImg"/>
           </p:nvPr>
         </p:nvSpPr>
-        <p:spPr bwMode="auto">
-          <a:noFill/>
-          <a:ln>
-            <a:solidFill>
-              <a:srgbClr val="000000"/>
-            </a:solidFill>
-            <a:miter lim="800000"/>
-            <a:headEnd/>
-            <a:tailEnd/>
-          </a:ln>
-        </p:spPr>
-      </p:sp>
-      <p:sp>
-        <p:nvSpPr>
-          <p:cNvPr id="8195" name="Espaço Reservado para Anotações 2"/>
+        <p:spPr/>
+      </p:sp>
+      <p:sp>
+        <p:nvSpPr>
+          <p:cNvPr id="3" name="Notes Placeholder 2"/>
           <p:cNvSpPr>
             <a:spLocks noGrp="1"/>
           </p:cNvSpPr>
@@ -645,74 +524,43 @@
             <p:ph type="body" idx="1"/>
           </p:nvPr>
         </p:nvSpPr>
-        <p:spPr bwMode="auto">
-          <a:noFill/>
-        </p:spPr>
-        <p:txBody>
-          <a:bodyPr wrap="square" numCol="1" anchor="t" anchorCtr="0" compatLnSpc="1">
-            <a:prstTxWarp prst="textNoShape">
-              <a:avLst/>
-            </a:prstTxWarp>
+        <p:spPr/>
+        <p:txBody>
+          <a:bodyPr>
+            <a:normAutofit/>
           </a:bodyPr>
           <a:lstStyle/>
           <a:p>
-            <a:pPr eaLnBrk="1" hangingPunct="1">
-              <a:spcBef>
-                <a:spcPct val="0"/>
-              </a:spcBef>
-            </a:pPr>
-            <a:endParaRPr lang="pt-BR" altLang="pt-BR" smtClean="0"/>
-          </a:p>
-        </p:txBody>
-      </p:sp>
-      <p:sp>
-        <p:nvSpPr>
-          <p:cNvPr id="14340" name="Espaço Reservado para Número de Slide 3"/>
-          <p:cNvSpPr>
-            <a:spLocks noGrp="1"/>
-          </p:cNvSpPr>
-          <p:nvPr>
-            <p:ph type="sldNum" sz="quarter" idx="5"/>
-          </p:nvPr>
-        </p:nvSpPr>
-        <p:spPr bwMode="auto">
-          <a:ln>
-            <a:miter lim="800000"/>
-            <a:headEnd/>
-            <a:tailEnd/>
-          </a:ln>
-        </p:spPr>
-        <p:txBody>
-          <a:bodyPr wrap="square" numCol="1" anchorCtr="0" compatLnSpc="1">
-            <a:prstTxWarp prst="textNoShape">
-              <a:avLst/>
-            </a:prstTxWarp>
-          </a:bodyPr>
+            <a:endParaRPr lang="pt-BR" dirty="0"/>
+          </a:p>
+        </p:txBody>
+      </p:sp>
+      <p:sp>
+        <p:nvSpPr>
+          <p:cNvPr id="4" name="Slide Number Placeholder 3"/>
+          <p:cNvSpPr>
+            <a:spLocks noGrp="1"/>
+          </p:cNvSpPr>
+          <p:nvPr>
+            <p:ph type="sldNum" sz="quarter" idx="10"/>
+          </p:nvPr>
+        </p:nvSpPr>
+        <p:spPr/>
+        <p:txBody>
+          <a:bodyPr/>
           <a:lstStyle/>
           <a:p>
-            <a:pPr fontAlgn="base">
-              <a:spcBef>
-                <a:spcPct val="0"/>
-              </a:spcBef>
-              <a:spcAft>
-                <a:spcPct val="0"/>
-              </a:spcAft>
+            <a:pPr>
               <a:defRPr/>
             </a:pPr>
-            <a:fld id="{C5B6EE52-06EF-48EC-82CD-622AB376DA32}" type="slidenum">
+            <a:fld id="{E0A462AC-DE0D-4850-9506-DD2877C08D01}" type="slidenum">
               <a:rPr lang="pt-BR" smtClean="0"/>
-              <a:pPr fontAlgn="base">
-                <a:spcBef>
-                  <a:spcPct val="0"/>
-                </a:spcBef>
-                <a:spcAft>
-                  <a:spcPct val="0"/>
-                </a:spcAft>
+              <a:pPr>
                 <a:defRPr/>
               </a:pPr>
-              <a:t>1</a:t>
+              <a:t>20</a:t>
             </a:fld>
-            <a:endParaRPr lang="pt-BR" dirty="0" smtClean="0"/>
+            <a:endParaRPr lang="pt-BR"/>
           </a:p>
         </p:txBody>
       </p:sp>
@@ -724,9 +572,9 @@
 </p:notes>
 </file>
 
-<file path=ppt/notesSlides/notesSlide2.xml><?xml version="1.0" encoding="utf-8"?>
-<p:notes xmlns:a="http://schemas.openxmlformats.org/drawingml/2006/main" xmlns:r="http://schemas.openxmlformats.org/officeDocument/2006/relationships" xmlns:p="http://schemas.openxmlformats.org/presentationml/2006/main">
-  <p:cSld>
+<file path=ppt/slideLayouts/slideLayout1.xml><?xml version="1.0" encoding="utf-8"?>
+<p:sldLayout xmlns:a="http://schemas.openxmlformats.org/drawingml/2006/main" xmlns:r="http://schemas.openxmlformats.org/officeDocument/2006/relationships" xmlns:p="http://schemas.openxmlformats.org/presentationml/2006/main" preserve="1" userDrawn="1">
+  <p:cSld name="Título e texto vertical">
     <p:spTree>
       <p:nvGrpSpPr>
         <p:cNvPr id="1" name=""/>
@@ -741,79 +589,17 @@
           <a:chExt cx="0" cy="0"/>
         </a:xfrm>
       </p:grpSpPr>
-      <p:sp>
-        <p:nvSpPr>
-          <p:cNvPr id="2" name="Slide Image Placeholder 1"/>
-          <p:cNvSpPr>
-            <a:spLocks noGrp="1" noRot="1" noChangeAspect="1"/>
-          </p:cNvSpPr>
-          <p:nvPr>
-            <p:ph type="sldImg"/>
-          </p:nvPr>
-        </p:nvSpPr>
-        <p:spPr/>
-      </p:sp>
-      <p:sp>
-        <p:nvSpPr>
-          <p:cNvPr id="3" name="Notes Placeholder 2"/>
-          <p:cNvSpPr>
-            <a:spLocks noGrp="1"/>
-          </p:cNvSpPr>
-          <p:nvPr>
-            <p:ph type="body" idx="1"/>
-          </p:nvPr>
-        </p:nvSpPr>
-        <p:spPr/>
-        <p:txBody>
-          <a:bodyPr>
-            <a:normAutofit/>
-          </a:bodyPr>
-          <a:lstStyle/>
-          <a:p>
-            <a:endParaRPr lang="pt-BR" dirty="0"/>
-          </a:p>
-        </p:txBody>
-      </p:sp>
-      <p:sp>
-        <p:nvSpPr>
-          <p:cNvPr id="4" name="Slide Number Placeholder 3"/>
-          <p:cNvSpPr>
-            <a:spLocks noGrp="1"/>
-          </p:cNvSpPr>
-          <p:nvPr>
-            <p:ph type="sldNum" sz="quarter" idx="10"/>
-          </p:nvPr>
-        </p:nvSpPr>
-        <p:spPr/>
-        <p:txBody>
-          <a:bodyPr/>
-          <a:lstStyle/>
-          <a:p>
-            <a:pPr>
-              <a:defRPr/>
-            </a:pPr>
-            <a:fld id="{E0A462AC-DE0D-4850-9506-DD2877C08D01}" type="slidenum">
-              <a:rPr lang="pt-BR" smtClean="0"/>
-              <a:pPr>
-                <a:defRPr/>
-              </a:pPr>
-              <a:t>19</a:t>
-            </a:fld>
-            <a:endParaRPr lang="pt-BR"/>
-          </a:p>
-        </p:txBody>
-      </p:sp>
     </p:spTree>
   </p:cSld>
   <p:clrMapOvr>
     <a:masterClrMapping/>
   </p:clrMapOvr>
-</p:notes>
+</p:sldLayout>
 </file>
 
-<file path=ppt/slideLayouts/slideLayout1.xml><?xml version="1.0" encoding="utf-8"?>
-<p:sldLayout xmlns:a="http://schemas.openxmlformats.org/drawingml/2006/main" xmlns:r="http://schemas.openxmlformats.org/officeDocument/2006/relationships" xmlns:p="http://schemas.openxmlformats.org/presentationml/2006/main" type="title" preserve="1">
-  <p:cSld name="Slide de título">
+<file path=ppt/slideLayouts/slideLayout10.xml><?xml version="1.0" encoding="utf-8"?>
+<p:sldLayout xmlns:a="http://schemas.openxmlformats.org/drawingml/2006/main" xmlns:r="http://schemas.openxmlformats.org/officeDocument/2006/relationships" xmlns:p="http://schemas.openxmlformats.org/presentationml/2006/main" type="titleOnly" preserve="1">
+  <p:cSld name="Title Only">
     <p:spTree>
       <p:nvGrpSpPr>
         <p:cNvPr id="1" name=""/>
@@ -830,7 +616,1797 @@
       </p:grpSpPr>
       <p:sp>
         <p:nvSpPr>
+          <p:cNvPr id="2" name="Title 1"/>
+          <p:cNvSpPr>
+            <a:spLocks noGrp="1"/>
+          </p:cNvSpPr>
+          <p:nvPr>
+            <p:ph type="title"/>
+          </p:nvPr>
+        </p:nvSpPr>
+        <p:spPr/>
+        <p:txBody>
+          <a:bodyPr/>
+          <a:lstStyle/>
+          <a:p>
+            <a:r>
+              <a:rPr lang="en-US" smtClean="0"/>
+              <a:t>Click to edit Master title style</a:t>
+            </a:r>
+            <a:endParaRPr lang="pt-BR"/>
+          </a:p>
+        </p:txBody>
+      </p:sp>
+      <p:sp>
+        <p:nvSpPr>
+          <p:cNvPr id="3" name="Date Placeholder 3"/>
+          <p:cNvSpPr>
+            <a:spLocks noGrp="1"/>
+          </p:cNvSpPr>
+          <p:nvPr>
+            <p:ph type="dt" sz="half" idx="10"/>
+          </p:nvPr>
+        </p:nvSpPr>
+        <p:spPr/>
+        <p:txBody>
+          <a:bodyPr/>
+          <a:lstStyle>
+            <a:lvl1pPr>
+              <a:defRPr/>
+            </a:lvl1pPr>
+          </a:lstStyle>
+          <a:p>
+            <a:pPr>
+              <a:defRPr/>
+            </a:pPr>
+            <a:fld id="{E90D6025-68AA-4D64-BC7B-2E1E2C3B9626}" type="datetimeFigureOut">
+              <a:rPr lang="pt-BR"/>
+              <a:pPr>
+                <a:defRPr/>
+              </a:pPr>
+              <a:t>13/03/2019</a:t>
+            </a:fld>
+            <a:endParaRPr lang="pt-BR"/>
+          </a:p>
+        </p:txBody>
+      </p:sp>
+      <p:sp>
+        <p:nvSpPr>
+          <p:cNvPr id="4" name="Footer Placeholder 4"/>
+          <p:cNvSpPr>
+            <a:spLocks noGrp="1"/>
+          </p:cNvSpPr>
+          <p:nvPr>
+            <p:ph type="ftr" sz="quarter" idx="11"/>
+          </p:nvPr>
+        </p:nvSpPr>
+        <p:spPr/>
+        <p:txBody>
+          <a:bodyPr/>
+          <a:lstStyle>
+            <a:lvl1pPr>
+              <a:defRPr/>
+            </a:lvl1pPr>
+          </a:lstStyle>
+          <a:p>
+            <a:pPr>
+              <a:defRPr/>
+            </a:pPr>
+            <a:endParaRPr lang="pt-BR"/>
+          </a:p>
+        </p:txBody>
+      </p:sp>
+      <p:sp>
+        <p:nvSpPr>
+          <p:cNvPr id="5" name="Slide Number Placeholder 5"/>
+          <p:cNvSpPr>
+            <a:spLocks noGrp="1"/>
+          </p:cNvSpPr>
+          <p:nvPr>
+            <p:ph type="sldNum" sz="quarter" idx="12"/>
+          </p:nvPr>
+        </p:nvSpPr>
+        <p:spPr/>
+        <p:txBody>
+          <a:bodyPr/>
+          <a:lstStyle>
+            <a:lvl1pPr>
+              <a:defRPr/>
+            </a:lvl1pPr>
+          </a:lstStyle>
+          <a:p>
+            <a:pPr>
+              <a:defRPr/>
+            </a:pPr>
+            <a:fld id="{298614B4-A9DC-42B6-B947-A3E9812D5A06}" type="slidenum">
+              <a:rPr lang="pt-BR"/>
+              <a:pPr>
+                <a:defRPr/>
+              </a:pPr>
+              <a:t>‹#›</a:t>
+            </a:fld>
+            <a:endParaRPr lang="pt-BR"/>
+          </a:p>
+        </p:txBody>
+      </p:sp>
+    </p:spTree>
+  </p:cSld>
+  <p:clrMapOvr>
+    <a:masterClrMapping/>
+  </p:clrMapOvr>
+</p:sldLayout>
+</file>
+
+<file path=ppt/slideLayouts/slideLayout11.xml><?xml version="1.0" encoding="utf-8"?>
+<p:sldLayout xmlns:a="http://schemas.openxmlformats.org/drawingml/2006/main" xmlns:r="http://schemas.openxmlformats.org/officeDocument/2006/relationships" xmlns:p="http://schemas.openxmlformats.org/presentationml/2006/main" type="blank" preserve="1">
+  <p:cSld name="Blank">
+    <p:spTree>
+      <p:nvGrpSpPr>
+        <p:cNvPr id="1" name=""/>
+        <p:cNvGrpSpPr/>
+        <p:nvPr/>
+      </p:nvGrpSpPr>
+      <p:grpSpPr>
+        <a:xfrm>
+          <a:off x="0" y="0"/>
+          <a:ext cx="0" cy="0"/>
+          <a:chOff x="0" y="0"/>
+          <a:chExt cx="0" cy="0"/>
+        </a:xfrm>
+      </p:grpSpPr>
+      <p:sp>
+        <p:nvSpPr>
+          <p:cNvPr id="2" name="Date Placeholder 3"/>
+          <p:cNvSpPr>
+            <a:spLocks noGrp="1"/>
+          </p:cNvSpPr>
+          <p:nvPr>
+            <p:ph type="dt" sz="half" idx="10"/>
+          </p:nvPr>
+        </p:nvSpPr>
+        <p:spPr/>
+        <p:txBody>
+          <a:bodyPr/>
+          <a:lstStyle>
+            <a:lvl1pPr>
+              <a:defRPr/>
+            </a:lvl1pPr>
+          </a:lstStyle>
+          <a:p>
+            <a:pPr>
+              <a:defRPr/>
+            </a:pPr>
+            <a:fld id="{A0F98FF4-D37E-484D-B9AA-2AC5EF20486A}" type="datetimeFigureOut">
+              <a:rPr lang="pt-BR"/>
+              <a:pPr>
+                <a:defRPr/>
+              </a:pPr>
+              <a:t>13/03/2019</a:t>
+            </a:fld>
+            <a:endParaRPr lang="pt-BR"/>
+          </a:p>
+        </p:txBody>
+      </p:sp>
+      <p:sp>
+        <p:nvSpPr>
+          <p:cNvPr id="3" name="Footer Placeholder 4"/>
+          <p:cNvSpPr>
+            <a:spLocks noGrp="1"/>
+          </p:cNvSpPr>
+          <p:nvPr>
+            <p:ph type="ftr" sz="quarter" idx="11"/>
+          </p:nvPr>
+        </p:nvSpPr>
+        <p:spPr/>
+        <p:txBody>
+          <a:bodyPr/>
+          <a:lstStyle>
+            <a:lvl1pPr>
+              <a:defRPr/>
+            </a:lvl1pPr>
+          </a:lstStyle>
+          <a:p>
+            <a:pPr>
+              <a:defRPr/>
+            </a:pPr>
+            <a:endParaRPr lang="pt-BR"/>
+          </a:p>
+        </p:txBody>
+      </p:sp>
+      <p:sp>
+        <p:nvSpPr>
+          <p:cNvPr id="4" name="Slide Number Placeholder 5"/>
+          <p:cNvSpPr>
+            <a:spLocks noGrp="1"/>
+          </p:cNvSpPr>
+          <p:nvPr>
+            <p:ph type="sldNum" sz="quarter" idx="12"/>
+          </p:nvPr>
+        </p:nvSpPr>
+        <p:spPr/>
+        <p:txBody>
+          <a:bodyPr/>
+          <a:lstStyle>
+            <a:lvl1pPr>
+              <a:defRPr/>
+            </a:lvl1pPr>
+          </a:lstStyle>
+          <a:p>
+            <a:pPr>
+              <a:defRPr/>
+            </a:pPr>
+            <a:fld id="{9C226A17-28C0-4F56-80D8-A19F7730815F}" type="slidenum">
+              <a:rPr lang="pt-BR"/>
+              <a:pPr>
+                <a:defRPr/>
+              </a:pPr>
+              <a:t>‹#›</a:t>
+            </a:fld>
+            <a:endParaRPr lang="pt-BR"/>
+          </a:p>
+        </p:txBody>
+      </p:sp>
+    </p:spTree>
+  </p:cSld>
+  <p:clrMapOvr>
+    <a:masterClrMapping/>
+  </p:clrMapOvr>
+</p:sldLayout>
+</file>
+
+<file path=ppt/slideLayouts/slideLayout12.xml><?xml version="1.0" encoding="utf-8"?>
+<p:sldLayout xmlns:a="http://schemas.openxmlformats.org/drawingml/2006/main" xmlns:r="http://schemas.openxmlformats.org/officeDocument/2006/relationships" xmlns:p="http://schemas.openxmlformats.org/presentationml/2006/main" type="objTx" preserve="1">
+  <p:cSld name="Content with Caption">
+    <p:spTree>
+      <p:nvGrpSpPr>
+        <p:cNvPr id="1" name=""/>
+        <p:cNvGrpSpPr/>
+        <p:nvPr/>
+      </p:nvGrpSpPr>
+      <p:grpSpPr>
+        <a:xfrm>
+          <a:off x="0" y="0"/>
+          <a:ext cx="0" cy="0"/>
+          <a:chOff x="0" y="0"/>
+          <a:chExt cx="0" cy="0"/>
+        </a:xfrm>
+      </p:grpSpPr>
+      <p:sp>
+        <p:nvSpPr>
+          <p:cNvPr id="2" name="Title 1"/>
+          <p:cNvSpPr>
+            <a:spLocks noGrp="1"/>
+          </p:cNvSpPr>
+          <p:nvPr>
+            <p:ph type="title"/>
+          </p:nvPr>
+        </p:nvSpPr>
+        <p:spPr>
+          <a:xfrm>
+            <a:off x="457200" y="273050"/>
+            <a:ext cx="3008313" cy="1162050"/>
+          </a:xfrm>
+        </p:spPr>
+        <p:txBody>
+          <a:bodyPr anchor="b"/>
+          <a:lstStyle>
+            <a:lvl1pPr algn="l">
+              <a:defRPr sz="2000" b="1"/>
+            </a:lvl1pPr>
+          </a:lstStyle>
+          <a:p>
+            <a:r>
+              <a:rPr lang="en-US" smtClean="0"/>
+              <a:t>Click to edit Master title style</a:t>
+            </a:r>
+            <a:endParaRPr lang="pt-BR"/>
+          </a:p>
+        </p:txBody>
+      </p:sp>
+      <p:sp>
+        <p:nvSpPr>
+          <p:cNvPr id="3" name="Content Placeholder 2"/>
+          <p:cNvSpPr>
+            <a:spLocks noGrp="1"/>
+          </p:cNvSpPr>
+          <p:nvPr>
+            <p:ph idx="1"/>
+          </p:nvPr>
+        </p:nvSpPr>
+        <p:spPr>
+          <a:xfrm>
+            <a:off x="3575050" y="273050"/>
+            <a:ext cx="5111750" cy="5853113"/>
+          </a:xfrm>
+        </p:spPr>
+        <p:txBody>
+          <a:bodyPr/>
+          <a:lstStyle>
+            <a:lvl1pPr>
+              <a:defRPr sz="3200"/>
+            </a:lvl1pPr>
+            <a:lvl2pPr>
+              <a:defRPr sz="2800"/>
+            </a:lvl2pPr>
+            <a:lvl3pPr>
+              <a:defRPr sz="2400"/>
+            </a:lvl3pPr>
+            <a:lvl4pPr>
+              <a:defRPr sz="2000"/>
+            </a:lvl4pPr>
+            <a:lvl5pPr>
+              <a:defRPr sz="2000"/>
+            </a:lvl5pPr>
+            <a:lvl6pPr>
+              <a:defRPr sz="2000"/>
+            </a:lvl6pPr>
+            <a:lvl7pPr>
+              <a:defRPr sz="2000"/>
+            </a:lvl7pPr>
+            <a:lvl8pPr>
+              <a:defRPr sz="2000"/>
+            </a:lvl8pPr>
+            <a:lvl9pPr>
+              <a:defRPr sz="2000"/>
+            </a:lvl9pPr>
+          </a:lstStyle>
+          <a:p>
+            <a:pPr lvl="0"/>
+            <a:r>
+              <a:rPr lang="en-US" smtClean="0"/>
+              <a:t>Click to edit Master text styles</a:t>
+            </a:r>
+          </a:p>
+          <a:p>
+            <a:pPr lvl="1"/>
+            <a:r>
+              <a:rPr lang="en-US" smtClean="0"/>
+              <a:t>Second level</a:t>
+            </a:r>
+          </a:p>
+          <a:p>
+            <a:pPr lvl="2"/>
+            <a:r>
+              <a:rPr lang="en-US" smtClean="0"/>
+              <a:t>Third level</a:t>
+            </a:r>
+          </a:p>
+          <a:p>
+            <a:pPr lvl="3"/>
+            <a:r>
+              <a:rPr lang="en-US" smtClean="0"/>
+              <a:t>Fourth level</a:t>
+            </a:r>
+          </a:p>
+          <a:p>
+            <a:pPr lvl="4"/>
+            <a:r>
+              <a:rPr lang="en-US" smtClean="0"/>
+              <a:t>Fifth level</a:t>
+            </a:r>
+            <a:endParaRPr lang="pt-BR"/>
+          </a:p>
+        </p:txBody>
+      </p:sp>
+      <p:sp>
+        <p:nvSpPr>
+          <p:cNvPr id="4" name="Text Placeholder 3"/>
+          <p:cNvSpPr>
+            <a:spLocks noGrp="1"/>
+          </p:cNvSpPr>
+          <p:nvPr>
+            <p:ph type="body" sz="half" idx="2"/>
+          </p:nvPr>
+        </p:nvSpPr>
+        <p:spPr>
+          <a:xfrm>
+            <a:off x="457200" y="1435100"/>
+            <a:ext cx="3008313" cy="4691063"/>
+          </a:xfrm>
+        </p:spPr>
+        <p:txBody>
+          <a:bodyPr/>
+          <a:lstStyle>
+            <a:lvl1pPr marL="0" indent="0">
+              <a:buNone/>
+              <a:defRPr sz="1400"/>
+            </a:lvl1pPr>
+            <a:lvl2pPr marL="457200" indent="0">
+              <a:buNone/>
+              <a:defRPr sz="1200"/>
+            </a:lvl2pPr>
+            <a:lvl3pPr marL="914400" indent="0">
+              <a:buNone/>
+              <a:defRPr sz="1000"/>
+            </a:lvl3pPr>
+            <a:lvl4pPr marL="1371600" indent="0">
+              <a:buNone/>
+              <a:defRPr sz="900"/>
+            </a:lvl4pPr>
+            <a:lvl5pPr marL="1828800" indent="0">
+              <a:buNone/>
+              <a:defRPr sz="900"/>
+            </a:lvl5pPr>
+            <a:lvl6pPr marL="2286000" indent="0">
+              <a:buNone/>
+              <a:defRPr sz="900"/>
+            </a:lvl6pPr>
+            <a:lvl7pPr marL="2743200" indent="0">
+              <a:buNone/>
+              <a:defRPr sz="900"/>
+            </a:lvl7pPr>
+            <a:lvl8pPr marL="3200400" indent="0">
+              <a:buNone/>
+              <a:defRPr sz="900"/>
+            </a:lvl8pPr>
+            <a:lvl9pPr marL="3657600" indent="0">
+              <a:buNone/>
+              <a:defRPr sz="900"/>
+            </a:lvl9pPr>
+          </a:lstStyle>
+          <a:p>
+            <a:pPr lvl="0"/>
+            <a:r>
+              <a:rPr lang="en-US" smtClean="0"/>
+              <a:t>Click to edit Master text styles</a:t>
+            </a:r>
+          </a:p>
+        </p:txBody>
+      </p:sp>
+      <p:sp>
+        <p:nvSpPr>
+          <p:cNvPr id="5" name="Date Placeholder 3"/>
+          <p:cNvSpPr>
+            <a:spLocks noGrp="1"/>
+          </p:cNvSpPr>
+          <p:nvPr>
+            <p:ph type="dt" sz="half" idx="10"/>
+          </p:nvPr>
+        </p:nvSpPr>
+        <p:spPr/>
+        <p:txBody>
+          <a:bodyPr/>
+          <a:lstStyle>
+            <a:lvl1pPr>
+              <a:defRPr/>
+            </a:lvl1pPr>
+          </a:lstStyle>
+          <a:p>
+            <a:pPr>
+              <a:defRPr/>
+            </a:pPr>
+            <a:fld id="{1072DDAB-17B6-4675-A674-0A6244FF91A2}" type="datetimeFigureOut">
+              <a:rPr lang="pt-BR"/>
+              <a:pPr>
+                <a:defRPr/>
+              </a:pPr>
+              <a:t>13/03/2019</a:t>
+            </a:fld>
+            <a:endParaRPr lang="pt-BR"/>
+          </a:p>
+        </p:txBody>
+      </p:sp>
+      <p:sp>
+        <p:nvSpPr>
+          <p:cNvPr id="6" name="Footer Placeholder 4"/>
+          <p:cNvSpPr>
+            <a:spLocks noGrp="1"/>
+          </p:cNvSpPr>
+          <p:nvPr>
+            <p:ph type="ftr" sz="quarter" idx="11"/>
+          </p:nvPr>
+        </p:nvSpPr>
+        <p:spPr/>
+        <p:txBody>
+          <a:bodyPr/>
+          <a:lstStyle>
+            <a:lvl1pPr>
+              <a:defRPr/>
+            </a:lvl1pPr>
+          </a:lstStyle>
+          <a:p>
+            <a:pPr>
+              <a:defRPr/>
+            </a:pPr>
+            <a:endParaRPr lang="pt-BR"/>
+          </a:p>
+        </p:txBody>
+      </p:sp>
+      <p:sp>
+        <p:nvSpPr>
+          <p:cNvPr id="7" name="Slide Number Placeholder 5"/>
+          <p:cNvSpPr>
+            <a:spLocks noGrp="1"/>
+          </p:cNvSpPr>
+          <p:nvPr>
+            <p:ph type="sldNum" sz="quarter" idx="12"/>
+          </p:nvPr>
+        </p:nvSpPr>
+        <p:spPr/>
+        <p:txBody>
+          <a:bodyPr/>
+          <a:lstStyle>
+            <a:lvl1pPr>
+              <a:defRPr/>
+            </a:lvl1pPr>
+          </a:lstStyle>
+          <a:p>
+            <a:pPr>
+              <a:defRPr/>
+            </a:pPr>
+            <a:fld id="{6394E638-E665-45F4-ACD9-2D2E8CDE3124}" type="slidenum">
+              <a:rPr lang="pt-BR"/>
+              <a:pPr>
+                <a:defRPr/>
+              </a:pPr>
+              <a:t>‹#›</a:t>
+            </a:fld>
+            <a:endParaRPr lang="pt-BR"/>
+          </a:p>
+        </p:txBody>
+      </p:sp>
+    </p:spTree>
+  </p:cSld>
+  <p:clrMapOvr>
+    <a:masterClrMapping/>
+  </p:clrMapOvr>
+</p:sldLayout>
+</file>
+
+<file path=ppt/slideLayouts/slideLayout13.xml><?xml version="1.0" encoding="utf-8"?>
+<p:sldLayout xmlns:a="http://schemas.openxmlformats.org/drawingml/2006/main" xmlns:r="http://schemas.openxmlformats.org/officeDocument/2006/relationships" xmlns:p="http://schemas.openxmlformats.org/presentationml/2006/main" type="picTx" preserve="1">
+  <p:cSld name="Picture with Caption">
+    <p:spTree>
+      <p:nvGrpSpPr>
+        <p:cNvPr id="1" name=""/>
+        <p:cNvGrpSpPr/>
+        <p:nvPr/>
+      </p:nvGrpSpPr>
+      <p:grpSpPr>
+        <a:xfrm>
+          <a:off x="0" y="0"/>
+          <a:ext cx="0" cy="0"/>
+          <a:chOff x="0" y="0"/>
+          <a:chExt cx="0" cy="0"/>
+        </a:xfrm>
+      </p:grpSpPr>
+      <p:sp>
+        <p:nvSpPr>
+          <p:cNvPr id="2" name="Title 1"/>
+          <p:cNvSpPr>
+            <a:spLocks noGrp="1"/>
+          </p:cNvSpPr>
+          <p:nvPr>
+            <p:ph type="title"/>
+          </p:nvPr>
+        </p:nvSpPr>
+        <p:spPr>
+          <a:xfrm>
+            <a:off x="1792288" y="4800600"/>
+            <a:ext cx="5486400" cy="566738"/>
+          </a:xfrm>
+        </p:spPr>
+        <p:txBody>
+          <a:bodyPr anchor="b"/>
+          <a:lstStyle>
+            <a:lvl1pPr algn="l">
+              <a:defRPr sz="2000" b="1"/>
+            </a:lvl1pPr>
+          </a:lstStyle>
+          <a:p>
+            <a:r>
+              <a:rPr lang="en-US" smtClean="0"/>
+              <a:t>Click to edit Master title style</a:t>
+            </a:r>
+            <a:endParaRPr lang="pt-BR"/>
+          </a:p>
+        </p:txBody>
+      </p:sp>
+      <p:sp>
+        <p:nvSpPr>
+          <p:cNvPr id="3" name="Picture Placeholder 2"/>
+          <p:cNvSpPr>
+            <a:spLocks noGrp="1"/>
+          </p:cNvSpPr>
+          <p:nvPr>
+            <p:ph type="pic" idx="1"/>
+          </p:nvPr>
+        </p:nvSpPr>
+        <p:spPr>
+          <a:xfrm>
+            <a:off x="1792288" y="612775"/>
+            <a:ext cx="5486400" cy="4114800"/>
+          </a:xfrm>
+        </p:spPr>
+        <p:txBody>
+          <a:bodyPr rtlCol="0">
+            <a:normAutofit/>
+          </a:bodyPr>
+          <a:lstStyle>
+            <a:lvl1pPr marL="0" indent="0">
+              <a:buNone/>
+              <a:defRPr sz="3200"/>
+            </a:lvl1pPr>
+            <a:lvl2pPr marL="457200" indent="0">
+              <a:buNone/>
+              <a:defRPr sz="2800"/>
+            </a:lvl2pPr>
+            <a:lvl3pPr marL="914400" indent="0">
+              <a:buNone/>
+              <a:defRPr sz="2400"/>
+            </a:lvl3pPr>
+            <a:lvl4pPr marL="1371600" indent="0">
+              <a:buNone/>
+              <a:defRPr sz="2000"/>
+            </a:lvl4pPr>
+            <a:lvl5pPr marL="1828800" indent="0">
+              <a:buNone/>
+              <a:defRPr sz="2000"/>
+            </a:lvl5pPr>
+            <a:lvl6pPr marL="2286000" indent="0">
+              <a:buNone/>
+              <a:defRPr sz="2000"/>
+            </a:lvl6pPr>
+            <a:lvl7pPr marL="2743200" indent="0">
+              <a:buNone/>
+              <a:defRPr sz="2000"/>
+            </a:lvl7pPr>
+            <a:lvl8pPr marL="3200400" indent="0">
+              <a:buNone/>
+              <a:defRPr sz="2000"/>
+            </a:lvl8pPr>
+            <a:lvl9pPr marL="3657600" indent="0">
+              <a:buNone/>
+              <a:defRPr sz="2000"/>
+            </a:lvl9pPr>
+          </a:lstStyle>
+          <a:p>
+            <a:pPr lvl="0"/>
+            <a:endParaRPr lang="pt-BR" noProof="0" smtClean="0"/>
+          </a:p>
+        </p:txBody>
+      </p:sp>
+      <p:sp>
+        <p:nvSpPr>
+          <p:cNvPr id="4" name="Text Placeholder 3"/>
+          <p:cNvSpPr>
+            <a:spLocks noGrp="1"/>
+          </p:cNvSpPr>
+          <p:nvPr>
+            <p:ph type="body" sz="half" idx="2"/>
+          </p:nvPr>
+        </p:nvSpPr>
+        <p:spPr>
+          <a:xfrm>
+            <a:off x="1792288" y="5367338"/>
+            <a:ext cx="5486400" cy="804862"/>
+          </a:xfrm>
+        </p:spPr>
+        <p:txBody>
+          <a:bodyPr/>
+          <a:lstStyle>
+            <a:lvl1pPr marL="0" indent="0">
+              <a:buNone/>
+              <a:defRPr sz="1400"/>
+            </a:lvl1pPr>
+            <a:lvl2pPr marL="457200" indent="0">
+              <a:buNone/>
+              <a:defRPr sz="1200"/>
+            </a:lvl2pPr>
+            <a:lvl3pPr marL="914400" indent="0">
+              <a:buNone/>
+              <a:defRPr sz="1000"/>
+            </a:lvl3pPr>
+            <a:lvl4pPr marL="1371600" indent="0">
+              <a:buNone/>
+              <a:defRPr sz="900"/>
+            </a:lvl4pPr>
+            <a:lvl5pPr marL="1828800" indent="0">
+              <a:buNone/>
+              <a:defRPr sz="900"/>
+            </a:lvl5pPr>
+            <a:lvl6pPr marL="2286000" indent="0">
+              <a:buNone/>
+              <a:defRPr sz="900"/>
+            </a:lvl6pPr>
+            <a:lvl7pPr marL="2743200" indent="0">
+              <a:buNone/>
+              <a:defRPr sz="900"/>
+            </a:lvl7pPr>
+            <a:lvl8pPr marL="3200400" indent="0">
+              <a:buNone/>
+              <a:defRPr sz="900"/>
+            </a:lvl8pPr>
+            <a:lvl9pPr marL="3657600" indent="0">
+              <a:buNone/>
+              <a:defRPr sz="900"/>
+            </a:lvl9pPr>
+          </a:lstStyle>
+          <a:p>
+            <a:pPr lvl="0"/>
+            <a:r>
+              <a:rPr lang="en-US" smtClean="0"/>
+              <a:t>Click to edit Master text styles</a:t>
+            </a:r>
+          </a:p>
+        </p:txBody>
+      </p:sp>
+      <p:sp>
+        <p:nvSpPr>
+          <p:cNvPr id="5" name="Date Placeholder 3"/>
+          <p:cNvSpPr>
+            <a:spLocks noGrp="1"/>
+          </p:cNvSpPr>
+          <p:nvPr>
+            <p:ph type="dt" sz="half" idx="10"/>
+          </p:nvPr>
+        </p:nvSpPr>
+        <p:spPr/>
+        <p:txBody>
+          <a:bodyPr/>
+          <a:lstStyle>
+            <a:lvl1pPr>
+              <a:defRPr/>
+            </a:lvl1pPr>
+          </a:lstStyle>
+          <a:p>
+            <a:pPr>
+              <a:defRPr/>
+            </a:pPr>
+            <a:fld id="{357C11CD-D7BE-4B7A-BB61-1CBB80E8D617}" type="datetimeFigureOut">
+              <a:rPr lang="pt-BR"/>
+              <a:pPr>
+                <a:defRPr/>
+              </a:pPr>
+              <a:t>13/03/2019</a:t>
+            </a:fld>
+            <a:endParaRPr lang="pt-BR"/>
+          </a:p>
+        </p:txBody>
+      </p:sp>
+      <p:sp>
+        <p:nvSpPr>
+          <p:cNvPr id="6" name="Footer Placeholder 4"/>
+          <p:cNvSpPr>
+            <a:spLocks noGrp="1"/>
+          </p:cNvSpPr>
+          <p:nvPr>
+            <p:ph type="ftr" sz="quarter" idx="11"/>
+          </p:nvPr>
+        </p:nvSpPr>
+        <p:spPr/>
+        <p:txBody>
+          <a:bodyPr/>
+          <a:lstStyle>
+            <a:lvl1pPr>
+              <a:defRPr/>
+            </a:lvl1pPr>
+          </a:lstStyle>
+          <a:p>
+            <a:pPr>
+              <a:defRPr/>
+            </a:pPr>
+            <a:endParaRPr lang="pt-BR"/>
+          </a:p>
+        </p:txBody>
+      </p:sp>
+      <p:sp>
+        <p:nvSpPr>
+          <p:cNvPr id="7" name="Slide Number Placeholder 5"/>
+          <p:cNvSpPr>
+            <a:spLocks noGrp="1"/>
+          </p:cNvSpPr>
+          <p:nvPr>
+            <p:ph type="sldNum" sz="quarter" idx="12"/>
+          </p:nvPr>
+        </p:nvSpPr>
+        <p:spPr/>
+        <p:txBody>
+          <a:bodyPr/>
+          <a:lstStyle>
+            <a:lvl1pPr>
+              <a:defRPr/>
+            </a:lvl1pPr>
+          </a:lstStyle>
+          <a:p>
+            <a:pPr>
+              <a:defRPr/>
+            </a:pPr>
+            <a:fld id="{00ADE717-26A1-4C1C-ABBC-C1677E11D827}" type="slidenum">
+              <a:rPr lang="pt-BR"/>
+              <a:pPr>
+                <a:defRPr/>
+              </a:pPr>
+              <a:t>‹#›</a:t>
+            </a:fld>
+            <a:endParaRPr lang="pt-BR"/>
+          </a:p>
+        </p:txBody>
+      </p:sp>
+    </p:spTree>
+  </p:cSld>
+  <p:clrMapOvr>
+    <a:masterClrMapping/>
+  </p:clrMapOvr>
+</p:sldLayout>
+</file>
+
+<file path=ppt/slideLayouts/slideLayout14.xml><?xml version="1.0" encoding="utf-8"?>
+<p:sldLayout xmlns:a="http://schemas.openxmlformats.org/drawingml/2006/main" xmlns:r="http://schemas.openxmlformats.org/officeDocument/2006/relationships" xmlns:p="http://schemas.openxmlformats.org/presentationml/2006/main" type="vertTx" preserve="1">
+  <p:cSld name="Title and Vertical Text">
+    <p:spTree>
+      <p:nvGrpSpPr>
+        <p:cNvPr id="1" name=""/>
+        <p:cNvGrpSpPr/>
+        <p:nvPr/>
+      </p:nvGrpSpPr>
+      <p:grpSpPr>
+        <a:xfrm>
+          <a:off x="0" y="0"/>
+          <a:ext cx="0" cy="0"/>
+          <a:chOff x="0" y="0"/>
+          <a:chExt cx="0" cy="0"/>
+        </a:xfrm>
+      </p:grpSpPr>
+      <p:sp>
+        <p:nvSpPr>
+          <p:cNvPr id="2" name="Title 1"/>
+          <p:cNvSpPr>
+            <a:spLocks noGrp="1"/>
+          </p:cNvSpPr>
+          <p:nvPr>
+            <p:ph type="title"/>
+          </p:nvPr>
+        </p:nvSpPr>
+        <p:spPr/>
+        <p:txBody>
+          <a:bodyPr/>
+          <a:lstStyle/>
+          <a:p>
+            <a:r>
+              <a:rPr lang="en-US" smtClean="0"/>
+              <a:t>Click to edit Master title style</a:t>
+            </a:r>
+            <a:endParaRPr lang="pt-BR"/>
+          </a:p>
+        </p:txBody>
+      </p:sp>
+      <p:sp>
+        <p:nvSpPr>
+          <p:cNvPr id="3" name="Vertical Text Placeholder 2"/>
+          <p:cNvSpPr>
+            <a:spLocks noGrp="1"/>
+          </p:cNvSpPr>
+          <p:nvPr>
+            <p:ph type="body" orient="vert" idx="1"/>
+          </p:nvPr>
+        </p:nvSpPr>
+        <p:spPr/>
+        <p:txBody>
+          <a:bodyPr vert="eaVert"/>
+          <a:lstStyle/>
+          <a:p>
+            <a:pPr lvl="0"/>
+            <a:r>
+              <a:rPr lang="en-US" smtClean="0"/>
+              <a:t>Click to edit Master text styles</a:t>
+            </a:r>
+          </a:p>
+          <a:p>
+            <a:pPr lvl="1"/>
+            <a:r>
+              <a:rPr lang="en-US" smtClean="0"/>
+              <a:t>Second level</a:t>
+            </a:r>
+          </a:p>
+          <a:p>
+            <a:pPr lvl="2"/>
+            <a:r>
+              <a:rPr lang="en-US" smtClean="0"/>
+              <a:t>Third level</a:t>
+            </a:r>
+          </a:p>
+          <a:p>
+            <a:pPr lvl="3"/>
+            <a:r>
+              <a:rPr lang="en-US" smtClean="0"/>
+              <a:t>Fourth level</a:t>
+            </a:r>
+          </a:p>
+          <a:p>
+            <a:pPr lvl="4"/>
+            <a:r>
+              <a:rPr lang="en-US" smtClean="0"/>
+              <a:t>Fifth level</a:t>
+            </a:r>
+            <a:endParaRPr lang="pt-BR"/>
+          </a:p>
+        </p:txBody>
+      </p:sp>
+      <p:sp>
+        <p:nvSpPr>
+          <p:cNvPr id="4" name="Date Placeholder 3"/>
+          <p:cNvSpPr>
+            <a:spLocks noGrp="1"/>
+          </p:cNvSpPr>
+          <p:nvPr>
+            <p:ph type="dt" sz="half" idx="10"/>
+          </p:nvPr>
+        </p:nvSpPr>
+        <p:spPr/>
+        <p:txBody>
+          <a:bodyPr/>
+          <a:lstStyle>
+            <a:lvl1pPr>
+              <a:defRPr/>
+            </a:lvl1pPr>
+          </a:lstStyle>
+          <a:p>
+            <a:pPr>
+              <a:defRPr/>
+            </a:pPr>
+            <a:fld id="{EEFF34E9-03E3-4237-9281-20BD656DDD60}" type="datetimeFigureOut">
+              <a:rPr lang="pt-BR"/>
+              <a:pPr>
+                <a:defRPr/>
+              </a:pPr>
+              <a:t>13/03/2019</a:t>
+            </a:fld>
+            <a:endParaRPr lang="pt-BR"/>
+          </a:p>
+        </p:txBody>
+      </p:sp>
+      <p:sp>
+        <p:nvSpPr>
+          <p:cNvPr id="5" name="Footer Placeholder 4"/>
+          <p:cNvSpPr>
+            <a:spLocks noGrp="1"/>
+          </p:cNvSpPr>
+          <p:nvPr>
+            <p:ph type="ftr" sz="quarter" idx="11"/>
+          </p:nvPr>
+        </p:nvSpPr>
+        <p:spPr/>
+        <p:txBody>
+          <a:bodyPr/>
+          <a:lstStyle>
+            <a:lvl1pPr>
+              <a:defRPr/>
+            </a:lvl1pPr>
+          </a:lstStyle>
+          <a:p>
+            <a:pPr>
+              <a:defRPr/>
+            </a:pPr>
+            <a:endParaRPr lang="pt-BR"/>
+          </a:p>
+        </p:txBody>
+      </p:sp>
+      <p:sp>
+        <p:nvSpPr>
+          <p:cNvPr id="6" name="Slide Number Placeholder 5"/>
+          <p:cNvSpPr>
+            <a:spLocks noGrp="1"/>
+          </p:cNvSpPr>
+          <p:nvPr>
+            <p:ph type="sldNum" sz="quarter" idx="12"/>
+          </p:nvPr>
+        </p:nvSpPr>
+        <p:spPr/>
+        <p:txBody>
+          <a:bodyPr/>
+          <a:lstStyle>
+            <a:lvl1pPr>
+              <a:defRPr/>
+            </a:lvl1pPr>
+          </a:lstStyle>
+          <a:p>
+            <a:pPr>
+              <a:defRPr/>
+            </a:pPr>
+            <a:fld id="{37F398F0-792F-4324-BDEC-043CDC232CD5}" type="slidenum">
+              <a:rPr lang="pt-BR"/>
+              <a:pPr>
+                <a:defRPr/>
+              </a:pPr>
+              <a:t>‹#›</a:t>
+            </a:fld>
+            <a:endParaRPr lang="pt-BR"/>
+          </a:p>
+        </p:txBody>
+      </p:sp>
+    </p:spTree>
+  </p:cSld>
+  <p:clrMapOvr>
+    <a:masterClrMapping/>
+  </p:clrMapOvr>
+</p:sldLayout>
+</file>
+
+<file path=ppt/slideLayouts/slideLayout15.xml><?xml version="1.0" encoding="utf-8"?>
+<p:sldLayout xmlns:a="http://schemas.openxmlformats.org/drawingml/2006/main" xmlns:r="http://schemas.openxmlformats.org/officeDocument/2006/relationships" xmlns:p="http://schemas.openxmlformats.org/presentationml/2006/main" type="vertTitleAndTx" preserve="1">
+  <p:cSld name="Vertical Title and Text">
+    <p:spTree>
+      <p:nvGrpSpPr>
+        <p:cNvPr id="1" name=""/>
+        <p:cNvGrpSpPr/>
+        <p:nvPr/>
+      </p:nvGrpSpPr>
+      <p:grpSpPr>
+        <a:xfrm>
+          <a:off x="0" y="0"/>
+          <a:ext cx="0" cy="0"/>
+          <a:chOff x="0" y="0"/>
+          <a:chExt cx="0" cy="0"/>
+        </a:xfrm>
+      </p:grpSpPr>
+      <p:sp>
+        <p:nvSpPr>
+          <p:cNvPr id="2" name="Vertical Title 1"/>
+          <p:cNvSpPr>
+            <a:spLocks noGrp="1"/>
+          </p:cNvSpPr>
+          <p:nvPr>
+            <p:ph type="title" orient="vert"/>
+          </p:nvPr>
+        </p:nvSpPr>
+        <p:spPr>
+          <a:xfrm>
+            <a:off x="6629400" y="274638"/>
+            <a:ext cx="2057400" cy="5851525"/>
+          </a:xfrm>
+        </p:spPr>
+        <p:txBody>
+          <a:bodyPr vert="eaVert"/>
+          <a:lstStyle/>
+          <a:p>
+            <a:r>
+              <a:rPr lang="en-US" smtClean="0"/>
+              <a:t>Click to edit Master title style</a:t>
+            </a:r>
+            <a:endParaRPr lang="pt-BR"/>
+          </a:p>
+        </p:txBody>
+      </p:sp>
+      <p:sp>
+        <p:nvSpPr>
+          <p:cNvPr id="3" name="Vertical Text Placeholder 2"/>
+          <p:cNvSpPr>
+            <a:spLocks noGrp="1"/>
+          </p:cNvSpPr>
+          <p:nvPr>
+            <p:ph type="body" orient="vert" idx="1"/>
+          </p:nvPr>
+        </p:nvSpPr>
+        <p:spPr>
+          <a:xfrm>
+            <a:off x="457200" y="274638"/>
+            <a:ext cx="6019800" cy="5851525"/>
+          </a:xfrm>
+        </p:spPr>
+        <p:txBody>
+          <a:bodyPr vert="eaVert"/>
+          <a:lstStyle/>
+          <a:p>
+            <a:pPr lvl="0"/>
+            <a:r>
+              <a:rPr lang="en-US" smtClean="0"/>
+              <a:t>Click to edit Master text styles</a:t>
+            </a:r>
+          </a:p>
+          <a:p>
+            <a:pPr lvl="1"/>
+            <a:r>
+              <a:rPr lang="en-US" smtClean="0"/>
+              <a:t>Second level</a:t>
+            </a:r>
+          </a:p>
+          <a:p>
+            <a:pPr lvl="2"/>
+            <a:r>
+              <a:rPr lang="en-US" smtClean="0"/>
+              <a:t>Third level</a:t>
+            </a:r>
+          </a:p>
+          <a:p>
+            <a:pPr lvl="3"/>
+            <a:r>
+              <a:rPr lang="en-US" smtClean="0"/>
+              <a:t>Fourth level</a:t>
+            </a:r>
+          </a:p>
+          <a:p>
+            <a:pPr lvl="4"/>
+            <a:r>
+              <a:rPr lang="en-US" smtClean="0"/>
+              <a:t>Fifth level</a:t>
+            </a:r>
+            <a:endParaRPr lang="pt-BR"/>
+          </a:p>
+        </p:txBody>
+      </p:sp>
+      <p:sp>
+        <p:nvSpPr>
+          <p:cNvPr id="4" name="Date Placeholder 3"/>
+          <p:cNvSpPr>
+            <a:spLocks noGrp="1"/>
+          </p:cNvSpPr>
+          <p:nvPr>
+            <p:ph type="dt" sz="half" idx="10"/>
+          </p:nvPr>
+        </p:nvSpPr>
+        <p:spPr/>
+        <p:txBody>
+          <a:bodyPr/>
+          <a:lstStyle>
+            <a:lvl1pPr>
+              <a:defRPr/>
+            </a:lvl1pPr>
+          </a:lstStyle>
+          <a:p>
+            <a:pPr>
+              <a:defRPr/>
+            </a:pPr>
+            <a:fld id="{243AB77D-A21F-4738-9643-9CDF417A2EFE}" type="datetimeFigureOut">
+              <a:rPr lang="pt-BR"/>
+              <a:pPr>
+                <a:defRPr/>
+              </a:pPr>
+              <a:t>13/03/2019</a:t>
+            </a:fld>
+            <a:endParaRPr lang="pt-BR"/>
+          </a:p>
+        </p:txBody>
+      </p:sp>
+      <p:sp>
+        <p:nvSpPr>
+          <p:cNvPr id="5" name="Footer Placeholder 4"/>
+          <p:cNvSpPr>
+            <a:spLocks noGrp="1"/>
+          </p:cNvSpPr>
+          <p:nvPr>
+            <p:ph type="ftr" sz="quarter" idx="11"/>
+          </p:nvPr>
+        </p:nvSpPr>
+        <p:spPr/>
+        <p:txBody>
+          <a:bodyPr/>
+          <a:lstStyle>
+            <a:lvl1pPr>
+              <a:defRPr/>
+            </a:lvl1pPr>
+          </a:lstStyle>
+          <a:p>
+            <a:pPr>
+              <a:defRPr/>
+            </a:pPr>
+            <a:endParaRPr lang="pt-BR"/>
+          </a:p>
+        </p:txBody>
+      </p:sp>
+      <p:sp>
+        <p:nvSpPr>
+          <p:cNvPr id="6" name="Slide Number Placeholder 5"/>
+          <p:cNvSpPr>
+            <a:spLocks noGrp="1"/>
+          </p:cNvSpPr>
+          <p:nvPr>
+            <p:ph type="sldNum" sz="quarter" idx="12"/>
+          </p:nvPr>
+        </p:nvSpPr>
+        <p:spPr/>
+        <p:txBody>
+          <a:bodyPr/>
+          <a:lstStyle>
+            <a:lvl1pPr>
+              <a:defRPr/>
+            </a:lvl1pPr>
+          </a:lstStyle>
+          <a:p>
+            <a:pPr>
+              <a:defRPr/>
+            </a:pPr>
+            <a:fld id="{BE086370-A2B5-4B13-B7EC-90E284957230}" type="slidenum">
+              <a:rPr lang="pt-BR"/>
+              <a:pPr>
+                <a:defRPr/>
+              </a:pPr>
+              <a:t>‹#›</a:t>
+            </a:fld>
+            <a:endParaRPr lang="pt-BR"/>
+          </a:p>
+        </p:txBody>
+      </p:sp>
+    </p:spTree>
+  </p:cSld>
+  <p:clrMapOvr>
+    <a:masterClrMapping/>
+  </p:clrMapOvr>
+</p:sldLayout>
+</file>
+
+<file path=ppt/slideLayouts/slideLayout2.xml><?xml version="1.0" encoding="utf-8"?>
+<p:sldLayout xmlns:a="http://schemas.openxmlformats.org/drawingml/2006/main" xmlns:r="http://schemas.openxmlformats.org/officeDocument/2006/relationships" xmlns:p="http://schemas.openxmlformats.org/presentationml/2006/main" userDrawn="1">
+  <p:cSld name="1_Slide de título">
+    <p:spTree>
+      <p:nvGrpSpPr>
+        <p:cNvPr id="1" name=""/>
+        <p:cNvGrpSpPr/>
+        <p:nvPr/>
+      </p:nvGrpSpPr>
+      <p:grpSpPr>
+        <a:xfrm>
+          <a:off x="0" y="0"/>
+          <a:ext cx="0" cy="0"/>
+          <a:chOff x="0" y="0"/>
+          <a:chExt cx="0" cy="0"/>
+        </a:xfrm>
+      </p:grpSpPr>
+      <p:pic>
+        <p:nvPicPr>
+          <p:cNvPr id="19462" name="Picture 6" descr="Imagem relacionada"/>
+          <p:cNvPicPr>
+            <a:picLocks noChangeAspect="1" noChangeArrowheads="1"/>
+          </p:cNvPicPr>
+          <p:nvPr userDrawn="1"/>
+        </p:nvPicPr>
+        <p:blipFill>
+          <a:blip r:embed="rId2" cstate="print"/>
+          <a:srcRect/>
+          <a:stretch>
+            <a:fillRect/>
+          </a:stretch>
+        </p:blipFill>
+        <p:spPr bwMode="auto">
+          <a:xfrm>
+            <a:off x="683568" y="-459432"/>
+            <a:ext cx="7560840" cy="2621092"/>
+          </a:xfrm>
+          <a:prstGeom prst="rect">
+            <a:avLst/>
+          </a:prstGeom>
+          <a:noFill/>
+        </p:spPr>
+      </p:pic>
+      <p:pic>
+        <p:nvPicPr>
+          <p:cNvPr id="4" name="Picture 9" descr="rede"/>
+          <p:cNvPicPr>
+            <a:picLocks noChangeAspect="1" noChangeArrowheads="1"/>
+          </p:cNvPicPr>
+          <p:nvPr/>
+        </p:nvPicPr>
+        <p:blipFill>
+          <a:blip r:embed="rId3" cstate="print">
+            <a:extLst>
+              <a:ext uri="{BEBA8EAE-BF5A-486C-A8C5-ECC9F3942E4B}">
+                <a14:imgProps xmlns="" xmlns:a14="http://schemas.microsoft.com/office/drawing/2010/main">
+                  <a14:imgLayer r:embed="rId4">
+                    <a14:imgEffect>
+                      <a14:saturation sat="305000"/>
+                    </a14:imgEffect>
+                  </a14:imgLayer>
+                </a14:imgProps>
+              </a:ext>
+            </a:extLst>
+          </a:blip>
+          <a:srcRect/>
+          <a:stretch>
+            <a:fillRect/>
+          </a:stretch>
+        </p:blipFill>
+        <p:spPr bwMode="auto">
+          <a:xfrm>
+            <a:off x="-108520" y="144016"/>
+            <a:ext cx="9252520" cy="6741368"/>
+          </a:xfrm>
+          <a:prstGeom prst="rect">
+            <a:avLst/>
+          </a:prstGeom>
+          <a:noFill/>
+          <a:ln w="9525">
+            <a:noFill/>
+            <a:miter lim="800000"/>
+            <a:headEnd/>
+            <a:tailEnd/>
+          </a:ln>
+        </p:spPr>
+      </p:pic>
+    </p:spTree>
+  </p:cSld>
+  <p:clrMapOvr>
+    <a:masterClrMapping/>
+  </p:clrMapOvr>
+  <p:timing>
+    <p:tnLst>
+      <p:par>
+        <p:cTn id="1" dur="indefinite" restart="never" nodeType="tmRoot"/>
+      </p:par>
+    </p:tnLst>
+  </p:timing>
+</p:sldLayout>
+</file>
+
+<file path=ppt/slideLayouts/slideLayout3.xml><?xml version="1.0" encoding="utf-8"?>
+<p:sldLayout xmlns:a="http://schemas.openxmlformats.org/drawingml/2006/main" xmlns:r="http://schemas.openxmlformats.org/officeDocument/2006/relationships" xmlns:p="http://schemas.openxmlformats.org/presentationml/2006/main" type="secHead">
+  <p:cSld name="Cabeçalho da Seção">
+    <p:spTree>
+      <p:nvGrpSpPr>
+        <p:cNvPr id="1" name=""/>
+        <p:cNvGrpSpPr/>
+        <p:nvPr/>
+      </p:nvGrpSpPr>
+      <p:grpSpPr>
+        <a:xfrm>
+          <a:off x="0" y="0"/>
+          <a:ext cx="0" cy="0"/>
+          <a:chOff x="0" y="0"/>
+          <a:chExt cx="0" cy="0"/>
+        </a:xfrm>
+      </p:grpSpPr>
+      <p:sp>
+        <p:nvSpPr>
           <p:cNvPr id="2" name="Título 1"/>
+          <p:cNvSpPr>
+            <a:spLocks noGrp="1"/>
+          </p:cNvSpPr>
+          <p:nvPr>
+            <p:ph type="title"/>
+          </p:nvPr>
+        </p:nvSpPr>
+        <p:spPr>
+          <a:xfrm>
+            <a:off x="722313" y="4406900"/>
+            <a:ext cx="7772400" cy="1362075"/>
+          </a:xfrm>
+        </p:spPr>
+        <p:txBody>
+          <a:bodyPr anchor="t"/>
+          <a:lstStyle>
+            <a:lvl1pPr algn="l">
+              <a:defRPr sz="4000" b="1" cap="all"/>
+            </a:lvl1pPr>
+          </a:lstStyle>
+          <a:p>
+            <a:r>
+              <a:rPr lang="pt-BR" smtClean="0"/>
+              <a:t>Clique para editar o estilo do título mestre</a:t>
+            </a:r>
+            <a:endParaRPr lang="pt-BR"/>
+          </a:p>
+        </p:txBody>
+      </p:sp>
+      <p:sp>
+        <p:nvSpPr>
+          <p:cNvPr id="3" name="Espaço Reservado para Texto 2"/>
+          <p:cNvSpPr>
+            <a:spLocks noGrp="1"/>
+          </p:cNvSpPr>
+          <p:nvPr>
+            <p:ph type="body" idx="1"/>
+          </p:nvPr>
+        </p:nvSpPr>
+        <p:spPr>
+          <a:xfrm>
+            <a:off x="722313" y="2906713"/>
+            <a:ext cx="7772400" cy="1500187"/>
+          </a:xfrm>
+        </p:spPr>
+        <p:txBody>
+          <a:bodyPr anchor="b"/>
+          <a:lstStyle>
+            <a:lvl1pPr marL="0" indent="0">
+              <a:buNone/>
+              <a:defRPr sz="2000">
+                <a:solidFill>
+                  <a:schemeClr val="tx1">
+                    <a:tint val="75000"/>
+                  </a:schemeClr>
+                </a:solidFill>
+              </a:defRPr>
+            </a:lvl1pPr>
+            <a:lvl2pPr marL="457200" indent="0">
+              <a:buNone/>
+              <a:defRPr sz="1800">
+                <a:solidFill>
+                  <a:schemeClr val="tx1">
+                    <a:tint val="75000"/>
+                  </a:schemeClr>
+                </a:solidFill>
+              </a:defRPr>
+            </a:lvl2pPr>
+            <a:lvl3pPr marL="914400" indent="0">
+              <a:buNone/>
+              <a:defRPr sz="1600">
+                <a:solidFill>
+                  <a:schemeClr val="tx1">
+                    <a:tint val="75000"/>
+                  </a:schemeClr>
+                </a:solidFill>
+              </a:defRPr>
+            </a:lvl3pPr>
+            <a:lvl4pPr marL="1371600" indent="0">
+              <a:buNone/>
+              <a:defRPr sz="1400">
+                <a:solidFill>
+                  <a:schemeClr val="tx1">
+                    <a:tint val="75000"/>
+                  </a:schemeClr>
+                </a:solidFill>
+              </a:defRPr>
+            </a:lvl4pPr>
+            <a:lvl5pPr marL="1828800" indent="0">
+              <a:buNone/>
+              <a:defRPr sz="1400">
+                <a:solidFill>
+                  <a:schemeClr val="tx1">
+                    <a:tint val="75000"/>
+                  </a:schemeClr>
+                </a:solidFill>
+              </a:defRPr>
+            </a:lvl5pPr>
+            <a:lvl6pPr marL="2286000" indent="0">
+              <a:buNone/>
+              <a:defRPr sz="1400">
+                <a:solidFill>
+                  <a:schemeClr val="tx1">
+                    <a:tint val="75000"/>
+                  </a:schemeClr>
+                </a:solidFill>
+              </a:defRPr>
+            </a:lvl6pPr>
+            <a:lvl7pPr marL="2743200" indent="0">
+              <a:buNone/>
+              <a:defRPr sz="1400">
+                <a:solidFill>
+                  <a:schemeClr val="tx1">
+                    <a:tint val="75000"/>
+                  </a:schemeClr>
+                </a:solidFill>
+              </a:defRPr>
+            </a:lvl7pPr>
+            <a:lvl8pPr marL="3200400" indent="0">
+              <a:buNone/>
+              <a:defRPr sz="1400">
+                <a:solidFill>
+                  <a:schemeClr val="tx1">
+                    <a:tint val="75000"/>
+                  </a:schemeClr>
+                </a:solidFill>
+              </a:defRPr>
+            </a:lvl8pPr>
+            <a:lvl9pPr marL="3657600" indent="0">
+              <a:buNone/>
+              <a:defRPr sz="1400">
+                <a:solidFill>
+                  <a:schemeClr val="tx1">
+                    <a:tint val="75000"/>
+                  </a:schemeClr>
+                </a:solidFill>
+              </a:defRPr>
+            </a:lvl9pPr>
+          </a:lstStyle>
+          <a:p>
+            <a:pPr lvl="0"/>
+            <a:r>
+              <a:rPr lang="pt-BR" smtClean="0"/>
+              <a:t>Clique para editar os estilos do texto mestre</a:t>
+            </a:r>
+          </a:p>
+        </p:txBody>
+      </p:sp>
+      <p:sp>
+        <p:nvSpPr>
+          <p:cNvPr id="4" name="Espaço Reservado para Data 3"/>
+          <p:cNvSpPr>
+            <a:spLocks noGrp="1"/>
+          </p:cNvSpPr>
+          <p:nvPr>
+            <p:ph type="dt" sz="half" idx="10"/>
+          </p:nvPr>
+        </p:nvSpPr>
+        <p:spPr/>
+        <p:txBody>
+          <a:bodyPr/>
+          <a:lstStyle>
+            <a:lvl1pPr>
+              <a:defRPr/>
+            </a:lvl1pPr>
+          </a:lstStyle>
+          <a:p>
+            <a:pPr>
+              <a:defRPr/>
+            </a:pPr>
+            <a:fld id="{1BA6922B-2BDF-4CEF-A7E6-F3B29A435A15}" type="datetimeFigureOut">
+              <a:rPr lang="pt-BR"/>
+              <a:pPr>
+                <a:defRPr/>
+              </a:pPr>
+              <a:t>13/03/2019</a:t>
+            </a:fld>
+            <a:endParaRPr lang="pt-BR"/>
+          </a:p>
+        </p:txBody>
+      </p:sp>
+      <p:sp>
+        <p:nvSpPr>
+          <p:cNvPr id="5" name="Espaço Reservado para Rodapé 4"/>
+          <p:cNvSpPr>
+            <a:spLocks noGrp="1"/>
+          </p:cNvSpPr>
+          <p:nvPr>
+            <p:ph type="ftr" sz="quarter" idx="11"/>
+          </p:nvPr>
+        </p:nvSpPr>
+        <p:spPr/>
+        <p:txBody>
+          <a:bodyPr/>
+          <a:lstStyle>
+            <a:lvl1pPr>
+              <a:defRPr/>
+            </a:lvl1pPr>
+          </a:lstStyle>
+          <a:p>
+            <a:pPr>
+              <a:defRPr/>
+            </a:pPr>
+            <a:endParaRPr lang="pt-BR"/>
+          </a:p>
+        </p:txBody>
+      </p:sp>
+      <p:sp>
+        <p:nvSpPr>
+          <p:cNvPr id="6" name="Espaço Reservado para Número de Slide 5"/>
+          <p:cNvSpPr>
+            <a:spLocks noGrp="1"/>
+          </p:cNvSpPr>
+          <p:nvPr>
+            <p:ph type="sldNum" sz="quarter" idx="12"/>
+          </p:nvPr>
+        </p:nvSpPr>
+        <p:spPr/>
+        <p:txBody>
+          <a:bodyPr/>
+          <a:lstStyle>
+            <a:lvl1pPr>
+              <a:defRPr/>
+            </a:lvl1pPr>
+          </a:lstStyle>
+          <a:p>
+            <a:pPr>
+              <a:defRPr/>
+            </a:pPr>
+            <a:fld id="{80596EEF-8B05-42EB-8C6D-89180E55BE20}" type="slidenum">
+              <a:rPr lang="pt-BR"/>
+              <a:pPr>
+                <a:defRPr/>
+              </a:pPr>
+              <a:t>‹#›</a:t>
+            </a:fld>
+            <a:endParaRPr lang="pt-BR"/>
+          </a:p>
+        </p:txBody>
+      </p:sp>
+    </p:spTree>
+  </p:cSld>
+  <p:clrMapOvr>
+    <a:masterClrMapping/>
+  </p:clrMapOvr>
+</p:sldLayout>
+</file>
+
+<file path=ppt/slideLayouts/slideLayout4.xml><?xml version="1.0" encoding="utf-8"?>
+<p:sldLayout xmlns:a="http://schemas.openxmlformats.org/drawingml/2006/main" xmlns:r="http://schemas.openxmlformats.org/officeDocument/2006/relationships" xmlns:p="http://schemas.openxmlformats.org/presentationml/2006/main" type="obj">
+  <p:cSld name="Title and Content">
+    <p:spTree>
+      <p:nvGrpSpPr>
+        <p:cNvPr id="1" name=""/>
+        <p:cNvGrpSpPr/>
+        <p:nvPr/>
+      </p:nvGrpSpPr>
+      <p:grpSpPr>
+        <a:xfrm>
+          <a:off x="0" y="0"/>
+          <a:ext cx="0" cy="0"/>
+          <a:chOff x="0" y="0"/>
+          <a:chExt cx="0" cy="0"/>
+        </a:xfrm>
+      </p:grpSpPr>
+      <p:sp>
+        <p:nvSpPr>
+          <p:cNvPr id="2" name="Title 1"/>
+          <p:cNvSpPr>
+            <a:spLocks noGrp="1"/>
+          </p:cNvSpPr>
+          <p:nvPr>
+            <p:ph type="title"/>
+          </p:nvPr>
+        </p:nvSpPr>
+        <p:spPr/>
+        <p:txBody>
+          <a:bodyPr/>
+          <a:lstStyle/>
+          <a:p>
+            <a:r>
+              <a:rPr lang="en-US" smtClean="0"/>
+              <a:t>Click to edit Master title style</a:t>
+            </a:r>
+            <a:endParaRPr lang="pt-BR"/>
+          </a:p>
+        </p:txBody>
+      </p:sp>
+      <p:sp>
+        <p:nvSpPr>
+          <p:cNvPr id="3" name="Content Placeholder 2"/>
+          <p:cNvSpPr>
+            <a:spLocks noGrp="1"/>
+          </p:cNvSpPr>
+          <p:nvPr>
+            <p:ph idx="1"/>
+          </p:nvPr>
+        </p:nvSpPr>
+        <p:spPr/>
+        <p:txBody>
+          <a:bodyPr/>
+          <a:lstStyle/>
+          <a:p>
+            <a:pPr lvl="0"/>
+            <a:r>
+              <a:rPr lang="en-US" smtClean="0"/>
+              <a:t>Click to edit Master text styles</a:t>
+            </a:r>
+          </a:p>
+          <a:p>
+            <a:pPr lvl="1"/>
+            <a:r>
+              <a:rPr lang="en-US" smtClean="0"/>
+              <a:t>Second level</a:t>
+            </a:r>
+          </a:p>
+          <a:p>
+            <a:pPr lvl="2"/>
+            <a:r>
+              <a:rPr lang="en-US" smtClean="0"/>
+              <a:t>Third level</a:t>
+            </a:r>
+          </a:p>
+          <a:p>
+            <a:pPr lvl="3"/>
+            <a:r>
+              <a:rPr lang="en-US" smtClean="0"/>
+              <a:t>Fourth level</a:t>
+            </a:r>
+          </a:p>
+          <a:p>
+            <a:pPr lvl="4"/>
+            <a:r>
+              <a:rPr lang="en-US" smtClean="0"/>
+              <a:t>Fifth level</a:t>
+            </a:r>
+            <a:endParaRPr lang="pt-BR"/>
+          </a:p>
+        </p:txBody>
+      </p:sp>
+      <p:sp>
+        <p:nvSpPr>
+          <p:cNvPr id="4" name="Date Placeholder 3"/>
+          <p:cNvSpPr>
+            <a:spLocks noGrp="1"/>
+          </p:cNvSpPr>
+          <p:nvPr>
+            <p:ph type="dt" sz="half" idx="10"/>
+          </p:nvPr>
+        </p:nvSpPr>
+        <p:spPr/>
+        <p:txBody>
+          <a:bodyPr/>
+          <a:lstStyle>
+            <a:lvl1pPr>
+              <a:defRPr/>
+            </a:lvl1pPr>
+          </a:lstStyle>
+          <a:p>
+            <a:pPr>
+              <a:defRPr/>
+            </a:pPr>
+            <a:fld id="{CC4A1CBF-1C51-491D-A20A-75BBB81D7434}" type="datetimeFigureOut">
+              <a:rPr lang="pt-BR"/>
+              <a:pPr>
+                <a:defRPr/>
+              </a:pPr>
+              <a:t>13/03/2019</a:t>
+            </a:fld>
+            <a:endParaRPr lang="pt-BR"/>
+          </a:p>
+        </p:txBody>
+      </p:sp>
+      <p:sp>
+        <p:nvSpPr>
+          <p:cNvPr id="5" name="Footer Placeholder 4"/>
+          <p:cNvSpPr>
+            <a:spLocks noGrp="1"/>
+          </p:cNvSpPr>
+          <p:nvPr>
+            <p:ph type="ftr" sz="quarter" idx="11"/>
+          </p:nvPr>
+        </p:nvSpPr>
+        <p:spPr/>
+        <p:txBody>
+          <a:bodyPr/>
+          <a:lstStyle>
+            <a:lvl1pPr>
+              <a:defRPr/>
+            </a:lvl1pPr>
+          </a:lstStyle>
+          <a:p>
+            <a:pPr>
+              <a:defRPr/>
+            </a:pPr>
+            <a:endParaRPr lang="pt-BR"/>
+          </a:p>
+        </p:txBody>
+      </p:sp>
+      <p:sp>
+        <p:nvSpPr>
+          <p:cNvPr id="6" name="Slide Number Placeholder 5"/>
+          <p:cNvSpPr>
+            <a:spLocks noGrp="1"/>
+          </p:cNvSpPr>
+          <p:nvPr>
+            <p:ph type="sldNum" sz="quarter" idx="12"/>
+          </p:nvPr>
+        </p:nvSpPr>
+        <p:spPr/>
+        <p:txBody>
+          <a:bodyPr/>
+          <a:lstStyle>
+            <a:lvl1pPr>
+              <a:defRPr/>
+            </a:lvl1pPr>
+          </a:lstStyle>
+          <a:p>
+            <a:pPr>
+              <a:defRPr/>
+            </a:pPr>
+            <a:fld id="{FCD4EAFE-EBC1-460B-9F10-FFF70CAABE10}" type="slidenum">
+              <a:rPr lang="pt-BR"/>
+              <a:pPr>
+                <a:defRPr/>
+              </a:pPr>
+              <a:t>‹#›</a:t>
+            </a:fld>
+            <a:endParaRPr lang="pt-BR"/>
+          </a:p>
+        </p:txBody>
+      </p:sp>
+    </p:spTree>
+  </p:cSld>
+  <p:clrMapOvr>
+    <a:masterClrMapping/>
+  </p:clrMapOvr>
+</p:sldLayout>
+</file>
+
+<file path=ppt/slideLayouts/slideLayout5.xml><?xml version="1.0" encoding="utf-8"?>
+<p:sldLayout xmlns:a="http://schemas.openxmlformats.org/drawingml/2006/main" xmlns:r="http://schemas.openxmlformats.org/officeDocument/2006/relationships" xmlns:p="http://schemas.openxmlformats.org/presentationml/2006/main" type="title" preserve="1">
+  <p:cSld name="Title Slide">
+    <p:spTree>
+      <p:nvGrpSpPr>
+        <p:cNvPr id="1" name=""/>
+        <p:cNvGrpSpPr/>
+        <p:nvPr/>
+      </p:nvGrpSpPr>
+      <p:grpSpPr>
+        <a:xfrm>
+          <a:off x="0" y="0"/>
+          <a:ext cx="0" cy="0"/>
+          <a:chOff x="0" y="0"/>
+          <a:chExt cx="0" cy="0"/>
+        </a:xfrm>
+      </p:grpSpPr>
+      <p:sp>
+        <p:nvSpPr>
+          <p:cNvPr id="2" name="Title 1"/>
           <p:cNvSpPr>
             <a:spLocks noGrp="1"/>
           </p:cNvSpPr>
@@ -849,8 +2425,8 @@
           <a:lstStyle/>
           <a:p>
             <a:r>
-              <a:rPr lang="pt-BR" smtClean="0"/>
-              <a:t>Clique para editar o estilo do título mestre</a:t>
+              <a:rPr lang="en-US" smtClean="0"/>
+              <a:t>Click to edit Master title style</a:t>
             </a:r>
             <a:endParaRPr lang="pt-BR"/>
           </a:p>
@@ -858,7 +2434,7 @@
       </p:sp>
       <p:sp>
         <p:nvSpPr>
-          <p:cNvPr id="3" name="Subtítulo 2"/>
+          <p:cNvPr id="3" name="Subtitle 2"/>
           <p:cNvSpPr>
             <a:spLocks noGrp="1"/>
           </p:cNvSpPr>
@@ -968,842 +2544,6 @@
           </a:lstStyle>
           <a:p>
             <a:r>
-              <a:rPr lang="pt-BR" smtClean="0"/>
-              <a:t>Clique para editar o estilo do subtítulo mestre</a:t>
-            </a:r>
-            <a:endParaRPr lang="pt-BR"/>
-          </a:p>
-        </p:txBody>
-      </p:sp>
-      <p:sp>
-        <p:nvSpPr>
-          <p:cNvPr id="4" name="Espaço Reservado para Data 3"/>
-          <p:cNvSpPr>
-            <a:spLocks noGrp="1"/>
-          </p:cNvSpPr>
-          <p:nvPr>
-            <p:ph type="dt" sz="half" idx="10"/>
-          </p:nvPr>
-        </p:nvSpPr>
-        <p:spPr/>
-        <p:txBody>
-          <a:bodyPr/>
-          <a:lstStyle>
-            <a:lvl1pPr>
-              <a:defRPr/>
-            </a:lvl1pPr>
-          </a:lstStyle>
-          <a:p>
-            <a:pPr>
-              <a:defRPr/>
-            </a:pPr>
-            <a:fld id="{32A0107B-628B-4B37-9F9A-AFA7EB7B3E8F}" type="datetimeFigureOut">
-              <a:rPr lang="pt-BR"/>
-              <a:pPr>
-                <a:defRPr/>
-              </a:pPr>
-              <a:t>20/08/2017</a:t>
-            </a:fld>
-            <a:endParaRPr lang="pt-BR"/>
-          </a:p>
-        </p:txBody>
-      </p:sp>
-      <p:sp>
-        <p:nvSpPr>
-          <p:cNvPr id="5" name="Espaço Reservado para Rodapé 4"/>
-          <p:cNvSpPr>
-            <a:spLocks noGrp="1"/>
-          </p:cNvSpPr>
-          <p:nvPr>
-            <p:ph type="ftr" sz="quarter" idx="11"/>
-          </p:nvPr>
-        </p:nvSpPr>
-        <p:spPr/>
-        <p:txBody>
-          <a:bodyPr/>
-          <a:lstStyle>
-            <a:lvl1pPr>
-              <a:defRPr/>
-            </a:lvl1pPr>
-          </a:lstStyle>
-          <a:p>
-            <a:pPr>
-              <a:defRPr/>
-            </a:pPr>
-            <a:endParaRPr lang="pt-BR"/>
-          </a:p>
-        </p:txBody>
-      </p:sp>
-      <p:sp>
-        <p:nvSpPr>
-          <p:cNvPr id="6" name="Espaço Reservado para Número de Slide 5"/>
-          <p:cNvSpPr>
-            <a:spLocks noGrp="1"/>
-          </p:cNvSpPr>
-          <p:nvPr>
-            <p:ph type="sldNum" sz="quarter" idx="12"/>
-          </p:nvPr>
-        </p:nvSpPr>
-        <p:spPr/>
-        <p:txBody>
-          <a:bodyPr/>
-          <a:lstStyle>
-            <a:lvl1pPr>
-              <a:defRPr/>
-            </a:lvl1pPr>
-          </a:lstStyle>
-          <a:p>
-            <a:pPr>
-              <a:defRPr/>
-            </a:pPr>
-            <a:fld id="{059BD0A3-9566-4615-A3EF-B7BEFA2A6E42}" type="slidenum">
-              <a:rPr lang="pt-BR"/>
-              <a:pPr>
-                <a:defRPr/>
-              </a:pPr>
-              <a:t>‹#›</a:t>
-            </a:fld>
-            <a:endParaRPr lang="pt-BR"/>
-          </a:p>
-        </p:txBody>
-      </p:sp>
-    </p:spTree>
-  </p:cSld>
-  <p:clrMapOvr>
-    <a:masterClrMapping/>
-  </p:clrMapOvr>
-</p:sldLayout>
-</file>
-
-<file path=ppt/slideLayouts/slideLayout10.xml><?xml version="1.0" encoding="utf-8"?>
-<p:sldLayout xmlns:a="http://schemas.openxmlformats.org/drawingml/2006/main" xmlns:r="http://schemas.openxmlformats.org/officeDocument/2006/relationships" xmlns:p="http://schemas.openxmlformats.org/presentationml/2006/main" userDrawn="1">
-  <p:cSld name="1_Título e conteúdo">
-    <p:spTree>
-      <p:nvGrpSpPr>
-        <p:cNvPr id="1" name=""/>
-        <p:cNvGrpSpPr/>
-        <p:nvPr/>
-      </p:nvGrpSpPr>
-      <p:grpSpPr>
-        <a:xfrm>
-          <a:off x="0" y="0"/>
-          <a:ext cx="0" cy="0"/>
-          <a:chOff x="0" y="0"/>
-          <a:chExt cx="0" cy="0"/>
-        </a:xfrm>
-      </p:grpSpPr>
-      <p:pic>
-        <p:nvPicPr>
-          <p:cNvPr id="2" name="Picture 2"/>
-          <p:cNvPicPr>
-            <a:picLocks noChangeAspect="1" noChangeArrowheads="1"/>
-          </p:cNvPicPr>
-          <p:nvPr userDrawn="1"/>
-        </p:nvPicPr>
-        <p:blipFill>
-          <a:blip r:embed="rId2" cstate="print"/>
-          <a:srcRect l="52994" t="61194" r="26041" b="19403"/>
-          <a:stretch>
-            <a:fillRect/>
-          </a:stretch>
-        </p:blipFill>
-        <p:spPr bwMode="auto">
-          <a:xfrm>
-            <a:off x="7524750" y="5949950"/>
-            <a:ext cx="1479550" cy="773113"/>
-          </a:xfrm>
-          <a:prstGeom prst="rect">
-            <a:avLst/>
-          </a:prstGeom>
-          <a:noFill/>
-          <a:ln w="9525">
-            <a:noFill/>
-            <a:miter lim="800000"/>
-            <a:headEnd/>
-            <a:tailEnd/>
-          </a:ln>
-        </p:spPr>
-      </p:pic>
-      <p:pic>
-        <p:nvPicPr>
-          <p:cNvPr id="3" name="Picture 3"/>
-          <p:cNvPicPr>
-            <a:picLocks noChangeAspect="1" noChangeArrowheads="1"/>
-          </p:cNvPicPr>
-          <p:nvPr userDrawn="1"/>
-        </p:nvPicPr>
-        <p:blipFill>
-          <a:blip r:embed="rId3" cstate="print"/>
-          <a:srcRect/>
-          <a:stretch>
-            <a:fillRect/>
-          </a:stretch>
-        </p:blipFill>
-        <p:spPr bwMode="auto">
-          <a:xfrm>
-            <a:off x="0" y="-26988"/>
-            <a:ext cx="9144000" cy="1670051"/>
-          </a:xfrm>
-          <a:prstGeom prst="rect">
-            <a:avLst/>
-          </a:prstGeom>
-          <a:noFill/>
-          <a:ln w="9525">
-            <a:noFill/>
-            <a:miter lim="800000"/>
-            <a:headEnd/>
-            <a:tailEnd/>
-          </a:ln>
-        </p:spPr>
-      </p:pic>
-    </p:spTree>
-  </p:cSld>
-  <p:clrMapOvr>
-    <a:masterClrMapping/>
-  </p:clrMapOvr>
-  <p:transition spd="med">
-    <p:wipe dir="d"/>
-  </p:transition>
-</p:sldLayout>
-</file>
-
-<file path=ppt/slideLayouts/slideLayout11.xml><?xml version="1.0" encoding="utf-8"?>
-<p:sldLayout xmlns:a="http://schemas.openxmlformats.org/drawingml/2006/main" xmlns:r="http://schemas.openxmlformats.org/officeDocument/2006/relationships" xmlns:p="http://schemas.openxmlformats.org/presentationml/2006/main" type="picTx" preserve="1">
-  <p:cSld name="Imagem com Legenda">
-    <p:spTree>
-      <p:nvGrpSpPr>
-        <p:cNvPr id="1" name=""/>
-        <p:cNvGrpSpPr/>
-        <p:nvPr/>
-      </p:nvGrpSpPr>
-      <p:grpSpPr>
-        <a:xfrm>
-          <a:off x="0" y="0"/>
-          <a:ext cx="0" cy="0"/>
-          <a:chOff x="0" y="0"/>
-          <a:chExt cx="0" cy="0"/>
-        </a:xfrm>
-      </p:grpSpPr>
-      <p:sp>
-        <p:nvSpPr>
-          <p:cNvPr id="2" name="Título 1"/>
-          <p:cNvSpPr>
-            <a:spLocks noGrp="1"/>
-          </p:cNvSpPr>
-          <p:nvPr>
-            <p:ph type="title"/>
-          </p:nvPr>
-        </p:nvSpPr>
-        <p:spPr>
-          <a:xfrm>
-            <a:off x="1792288" y="4800600"/>
-            <a:ext cx="5486400" cy="566738"/>
-          </a:xfrm>
-        </p:spPr>
-        <p:txBody>
-          <a:bodyPr anchor="b"/>
-          <a:lstStyle>
-            <a:lvl1pPr algn="l">
-              <a:defRPr sz="2000" b="1"/>
-            </a:lvl1pPr>
-          </a:lstStyle>
-          <a:p>
-            <a:r>
-              <a:rPr lang="pt-BR" smtClean="0"/>
-              <a:t>Clique para editar o estilo do título mestre</a:t>
-            </a:r>
-            <a:endParaRPr lang="pt-BR"/>
-          </a:p>
-        </p:txBody>
-      </p:sp>
-      <p:sp>
-        <p:nvSpPr>
-          <p:cNvPr id="3" name="Espaço Reservado para Imagem 2"/>
-          <p:cNvSpPr>
-            <a:spLocks noGrp="1"/>
-          </p:cNvSpPr>
-          <p:nvPr>
-            <p:ph type="pic" idx="1"/>
-          </p:nvPr>
-        </p:nvSpPr>
-        <p:spPr>
-          <a:xfrm>
-            <a:off x="1792288" y="612775"/>
-            <a:ext cx="5486400" cy="4114800"/>
-          </a:xfrm>
-        </p:spPr>
-        <p:txBody>
-          <a:bodyPr rtlCol="0">
-            <a:normAutofit/>
-          </a:bodyPr>
-          <a:lstStyle>
-            <a:lvl1pPr marL="0" indent="0">
-              <a:buNone/>
-              <a:defRPr sz="3200"/>
-            </a:lvl1pPr>
-            <a:lvl2pPr marL="457200" indent="0">
-              <a:buNone/>
-              <a:defRPr sz="2800"/>
-            </a:lvl2pPr>
-            <a:lvl3pPr marL="914400" indent="0">
-              <a:buNone/>
-              <a:defRPr sz="2400"/>
-            </a:lvl3pPr>
-            <a:lvl4pPr marL="1371600" indent="0">
-              <a:buNone/>
-              <a:defRPr sz="2000"/>
-            </a:lvl4pPr>
-            <a:lvl5pPr marL="1828800" indent="0">
-              <a:buNone/>
-              <a:defRPr sz="2000"/>
-            </a:lvl5pPr>
-            <a:lvl6pPr marL="2286000" indent="0">
-              <a:buNone/>
-              <a:defRPr sz="2000"/>
-            </a:lvl6pPr>
-            <a:lvl7pPr marL="2743200" indent="0">
-              <a:buNone/>
-              <a:defRPr sz="2000"/>
-            </a:lvl7pPr>
-            <a:lvl8pPr marL="3200400" indent="0">
-              <a:buNone/>
-              <a:defRPr sz="2000"/>
-            </a:lvl8pPr>
-            <a:lvl9pPr marL="3657600" indent="0">
-              <a:buNone/>
-              <a:defRPr sz="2000"/>
-            </a:lvl9pPr>
-          </a:lstStyle>
-          <a:p>
-            <a:pPr lvl="0"/>
-            <a:endParaRPr lang="pt-BR" noProof="0"/>
-          </a:p>
-        </p:txBody>
-      </p:sp>
-      <p:sp>
-        <p:nvSpPr>
-          <p:cNvPr id="4" name="Espaço Reservado para Texto 3"/>
-          <p:cNvSpPr>
-            <a:spLocks noGrp="1"/>
-          </p:cNvSpPr>
-          <p:nvPr>
-            <p:ph type="body" sz="half" idx="2"/>
-          </p:nvPr>
-        </p:nvSpPr>
-        <p:spPr>
-          <a:xfrm>
-            <a:off x="1792288" y="5367338"/>
-            <a:ext cx="5486400" cy="804862"/>
-          </a:xfrm>
-        </p:spPr>
-        <p:txBody>
-          <a:bodyPr/>
-          <a:lstStyle>
-            <a:lvl1pPr marL="0" indent="0">
-              <a:buNone/>
-              <a:defRPr sz="1400"/>
-            </a:lvl1pPr>
-            <a:lvl2pPr marL="457200" indent="0">
-              <a:buNone/>
-              <a:defRPr sz="1200"/>
-            </a:lvl2pPr>
-            <a:lvl3pPr marL="914400" indent="0">
-              <a:buNone/>
-              <a:defRPr sz="1000"/>
-            </a:lvl3pPr>
-            <a:lvl4pPr marL="1371600" indent="0">
-              <a:buNone/>
-              <a:defRPr sz="900"/>
-            </a:lvl4pPr>
-            <a:lvl5pPr marL="1828800" indent="0">
-              <a:buNone/>
-              <a:defRPr sz="900"/>
-            </a:lvl5pPr>
-            <a:lvl6pPr marL="2286000" indent="0">
-              <a:buNone/>
-              <a:defRPr sz="900"/>
-            </a:lvl6pPr>
-            <a:lvl7pPr marL="2743200" indent="0">
-              <a:buNone/>
-              <a:defRPr sz="900"/>
-            </a:lvl7pPr>
-            <a:lvl8pPr marL="3200400" indent="0">
-              <a:buNone/>
-              <a:defRPr sz="900"/>
-            </a:lvl8pPr>
-            <a:lvl9pPr marL="3657600" indent="0">
-              <a:buNone/>
-              <a:defRPr sz="900"/>
-            </a:lvl9pPr>
-          </a:lstStyle>
-          <a:p>
-            <a:pPr lvl="0"/>
-            <a:r>
-              <a:rPr lang="pt-BR" smtClean="0"/>
-              <a:t>Clique para editar os estilos do texto mestre</a:t>
-            </a:r>
-          </a:p>
-        </p:txBody>
-      </p:sp>
-      <p:sp>
-        <p:nvSpPr>
-          <p:cNvPr id="5" name="Espaço Reservado para Data 3"/>
-          <p:cNvSpPr>
-            <a:spLocks noGrp="1"/>
-          </p:cNvSpPr>
-          <p:nvPr>
-            <p:ph type="dt" sz="half" idx="10"/>
-          </p:nvPr>
-        </p:nvSpPr>
-        <p:spPr/>
-        <p:txBody>
-          <a:bodyPr/>
-          <a:lstStyle>
-            <a:lvl1pPr>
-              <a:defRPr/>
-            </a:lvl1pPr>
-          </a:lstStyle>
-          <a:p>
-            <a:pPr>
-              <a:defRPr/>
-            </a:pPr>
-            <a:fld id="{07E0100E-76C9-4DAF-844E-E1B08D258CB5}" type="datetimeFigureOut">
-              <a:rPr lang="pt-BR"/>
-              <a:pPr>
-                <a:defRPr/>
-              </a:pPr>
-              <a:t>20/08/2017</a:t>
-            </a:fld>
-            <a:endParaRPr lang="pt-BR"/>
-          </a:p>
-        </p:txBody>
-      </p:sp>
-      <p:sp>
-        <p:nvSpPr>
-          <p:cNvPr id="6" name="Espaço Reservado para Rodapé 4"/>
-          <p:cNvSpPr>
-            <a:spLocks noGrp="1"/>
-          </p:cNvSpPr>
-          <p:nvPr>
-            <p:ph type="ftr" sz="quarter" idx="11"/>
-          </p:nvPr>
-        </p:nvSpPr>
-        <p:spPr/>
-        <p:txBody>
-          <a:bodyPr/>
-          <a:lstStyle>
-            <a:lvl1pPr>
-              <a:defRPr/>
-            </a:lvl1pPr>
-          </a:lstStyle>
-          <a:p>
-            <a:pPr>
-              <a:defRPr/>
-            </a:pPr>
-            <a:endParaRPr lang="pt-BR"/>
-          </a:p>
-        </p:txBody>
-      </p:sp>
-      <p:sp>
-        <p:nvSpPr>
-          <p:cNvPr id="7" name="Espaço Reservado para Número de Slide 5"/>
-          <p:cNvSpPr>
-            <a:spLocks noGrp="1"/>
-          </p:cNvSpPr>
-          <p:nvPr>
-            <p:ph type="sldNum" sz="quarter" idx="12"/>
-          </p:nvPr>
-        </p:nvSpPr>
-        <p:spPr/>
-        <p:txBody>
-          <a:bodyPr/>
-          <a:lstStyle>
-            <a:lvl1pPr>
-              <a:defRPr/>
-            </a:lvl1pPr>
-          </a:lstStyle>
-          <a:p>
-            <a:pPr>
-              <a:defRPr/>
-            </a:pPr>
-            <a:fld id="{E27F4F26-A288-402A-8025-BC7D58710905}" type="slidenum">
-              <a:rPr lang="pt-BR"/>
-              <a:pPr>
-                <a:defRPr/>
-              </a:pPr>
-              <a:t>‹#›</a:t>
-            </a:fld>
-            <a:endParaRPr lang="pt-BR"/>
-          </a:p>
-        </p:txBody>
-      </p:sp>
-    </p:spTree>
-  </p:cSld>
-  <p:clrMapOvr>
-    <a:masterClrMapping/>
-  </p:clrMapOvr>
-</p:sldLayout>
-</file>
-
-<file path=ppt/slideLayouts/slideLayout12.xml><?xml version="1.0" encoding="utf-8"?>
-<p:sldLayout xmlns:a="http://schemas.openxmlformats.org/drawingml/2006/main" xmlns:r="http://schemas.openxmlformats.org/officeDocument/2006/relationships" xmlns:p="http://schemas.openxmlformats.org/presentationml/2006/main" type="vertTitleAndTx" preserve="1">
-  <p:cSld name="Título e texto verticais">
-    <p:spTree>
-      <p:nvGrpSpPr>
-        <p:cNvPr id="1" name=""/>
-        <p:cNvGrpSpPr/>
-        <p:nvPr/>
-      </p:nvGrpSpPr>
-      <p:grpSpPr>
-        <a:xfrm>
-          <a:off x="0" y="0"/>
-          <a:ext cx="0" cy="0"/>
-          <a:chOff x="0" y="0"/>
-          <a:chExt cx="0" cy="0"/>
-        </a:xfrm>
-      </p:grpSpPr>
-      <p:sp>
-        <p:nvSpPr>
-          <p:cNvPr id="2" name="Título Vertical 1"/>
-          <p:cNvSpPr>
-            <a:spLocks noGrp="1"/>
-          </p:cNvSpPr>
-          <p:nvPr>
-            <p:ph type="title" orient="vert"/>
-          </p:nvPr>
-        </p:nvSpPr>
-        <p:spPr>
-          <a:xfrm>
-            <a:off x="6629400" y="274638"/>
-            <a:ext cx="2057400" cy="5851525"/>
-          </a:xfrm>
-        </p:spPr>
-        <p:txBody>
-          <a:bodyPr vert="eaVert"/>
-          <a:lstStyle/>
-          <a:p>
-            <a:r>
-              <a:rPr lang="pt-BR" smtClean="0"/>
-              <a:t>Clique para editar o estilo do título mestre</a:t>
-            </a:r>
-            <a:endParaRPr lang="pt-BR"/>
-          </a:p>
-        </p:txBody>
-      </p:sp>
-      <p:sp>
-        <p:nvSpPr>
-          <p:cNvPr id="3" name="Espaço Reservado para Texto Vertical 2"/>
-          <p:cNvSpPr>
-            <a:spLocks noGrp="1"/>
-          </p:cNvSpPr>
-          <p:nvPr>
-            <p:ph type="body" orient="vert" idx="1"/>
-          </p:nvPr>
-        </p:nvSpPr>
-        <p:spPr>
-          <a:xfrm>
-            <a:off x="457200" y="274638"/>
-            <a:ext cx="6019800" cy="5851525"/>
-          </a:xfrm>
-        </p:spPr>
-        <p:txBody>
-          <a:bodyPr vert="eaVert"/>
-          <a:lstStyle/>
-          <a:p>
-            <a:pPr lvl="0"/>
-            <a:r>
-              <a:rPr lang="pt-BR" smtClean="0"/>
-              <a:t>Clique para editar os estilos do texto mestre</a:t>
-            </a:r>
-          </a:p>
-          <a:p>
-            <a:pPr lvl="1"/>
-            <a:r>
-              <a:rPr lang="pt-BR" smtClean="0"/>
-              <a:t>Segundo nível</a:t>
-            </a:r>
-          </a:p>
-          <a:p>
-            <a:pPr lvl="2"/>
-            <a:r>
-              <a:rPr lang="pt-BR" smtClean="0"/>
-              <a:t>Terceiro nível</a:t>
-            </a:r>
-          </a:p>
-          <a:p>
-            <a:pPr lvl="3"/>
-            <a:r>
-              <a:rPr lang="pt-BR" smtClean="0"/>
-              <a:t>Quarto nível</a:t>
-            </a:r>
-          </a:p>
-          <a:p>
-            <a:pPr lvl="4"/>
-            <a:r>
-              <a:rPr lang="pt-BR" smtClean="0"/>
-              <a:t>Quinto nível</a:t>
-            </a:r>
-            <a:endParaRPr lang="pt-BR"/>
-          </a:p>
-        </p:txBody>
-      </p:sp>
-      <p:sp>
-        <p:nvSpPr>
-          <p:cNvPr id="4" name="Espaço Reservado para Data 3"/>
-          <p:cNvSpPr>
-            <a:spLocks noGrp="1"/>
-          </p:cNvSpPr>
-          <p:nvPr>
-            <p:ph type="dt" sz="half" idx="10"/>
-          </p:nvPr>
-        </p:nvSpPr>
-        <p:spPr/>
-        <p:txBody>
-          <a:bodyPr/>
-          <a:lstStyle>
-            <a:lvl1pPr>
-              <a:defRPr/>
-            </a:lvl1pPr>
-          </a:lstStyle>
-          <a:p>
-            <a:pPr>
-              <a:defRPr/>
-            </a:pPr>
-            <a:fld id="{CA22E89B-3443-4893-BBC5-187D111AC04E}" type="datetimeFigureOut">
-              <a:rPr lang="pt-BR"/>
-              <a:pPr>
-                <a:defRPr/>
-              </a:pPr>
-              <a:t>20/08/2017</a:t>
-            </a:fld>
-            <a:endParaRPr lang="pt-BR"/>
-          </a:p>
-        </p:txBody>
-      </p:sp>
-      <p:sp>
-        <p:nvSpPr>
-          <p:cNvPr id="5" name="Espaço Reservado para Rodapé 4"/>
-          <p:cNvSpPr>
-            <a:spLocks noGrp="1"/>
-          </p:cNvSpPr>
-          <p:nvPr>
-            <p:ph type="ftr" sz="quarter" idx="11"/>
-          </p:nvPr>
-        </p:nvSpPr>
-        <p:spPr/>
-        <p:txBody>
-          <a:bodyPr/>
-          <a:lstStyle>
-            <a:lvl1pPr>
-              <a:defRPr/>
-            </a:lvl1pPr>
-          </a:lstStyle>
-          <a:p>
-            <a:pPr>
-              <a:defRPr/>
-            </a:pPr>
-            <a:endParaRPr lang="pt-BR"/>
-          </a:p>
-        </p:txBody>
-      </p:sp>
-      <p:sp>
-        <p:nvSpPr>
-          <p:cNvPr id="6" name="Espaço Reservado para Número de Slide 5"/>
-          <p:cNvSpPr>
-            <a:spLocks noGrp="1"/>
-          </p:cNvSpPr>
-          <p:nvPr>
-            <p:ph type="sldNum" sz="quarter" idx="12"/>
-          </p:nvPr>
-        </p:nvSpPr>
-        <p:spPr/>
-        <p:txBody>
-          <a:bodyPr/>
-          <a:lstStyle>
-            <a:lvl1pPr>
-              <a:defRPr/>
-            </a:lvl1pPr>
-          </a:lstStyle>
-          <a:p>
-            <a:pPr>
-              <a:defRPr/>
-            </a:pPr>
-            <a:fld id="{F0B7454E-C179-43A2-8A56-25CF585C2260}" type="slidenum">
-              <a:rPr lang="pt-BR"/>
-              <a:pPr>
-                <a:defRPr/>
-              </a:pPr>
-              <a:t>‹#›</a:t>
-            </a:fld>
-            <a:endParaRPr lang="pt-BR"/>
-          </a:p>
-        </p:txBody>
-      </p:sp>
-    </p:spTree>
-  </p:cSld>
-  <p:clrMapOvr>
-    <a:masterClrMapping/>
-  </p:clrMapOvr>
-</p:sldLayout>
-</file>
-
-<file path=ppt/slideLayouts/slideLayout13.xml><?xml version="1.0" encoding="utf-8"?>
-<p:sldLayout xmlns:a="http://schemas.openxmlformats.org/drawingml/2006/main" xmlns:r="http://schemas.openxmlformats.org/officeDocument/2006/relationships" xmlns:p="http://schemas.openxmlformats.org/presentationml/2006/main" type="title" preserve="1">
-  <p:cSld name="Title Slide">
-    <p:spTree>
-      <p:nvGrpSpPr>
-        <p:cNvPr id="1" name=""/>
-        <p:cNvGrpSpPr/>
-        <p:nvPr/>
-      </p:nvGrpSpPr>
-      <p:grpSpPr>
-        <a:xfrm>
-          <a:off x="0" y="0"/>
-          <a:ext cx="0" cy="0"/>
-          <a:chOff x="0" y="0"/>
-          <a:chExt cx="0" cy="0"/>
-        </a:xfrm>
-      </p:grpSpPr>
-      <p:sp>
-        <p:nvSpPr>
-          <p:cNvPr id="2" name="Title 1"/>
-          <p:cNvSpPr>
-            <a:spLocks noGrp="1"/>
-          </p:cNvSpPr>
-          <p:nvPr>
-            <p:ph type="ctrTitle"/>
-          </p:nvPr>
-        </p:nvSpPr>
-        <p:spPr>
-          <a:xfrm>
-            <a:off x="685800" y="2130425"/>
-            <a:ext cx="7772400" cy="1470025"/>
-          </a:xfrm>
-        </p:spPr>
-        <p:txBody>
-          <a:bodyPr/>
-          <a:lstStyle/>
-          <a:p>
-            <a:r>
-              <a:rPr lang="en-US" smtClean="0"/>
-              <a:t>Click to edit Master title style</a:t>
-            </a:r>
-            <a:endParaRPr lang="pt-BR"/>
-          </a:p>
-        </p:txBody>
-      </p:sp>
-      <p:sp>
-        <p:nvSpPr>
-          <p:cNvPr id="3" name="Subtitle 2"/>
-          <p:cNvSpPr>
-            <a:spLocks noGrp="1"/>
-          </p:cNvSpPr>
-          <p:nvPr>
-            <p:ph type="subTitle" idx="1"/>
-          </p:nvPr>
-        </p:nvSpPr>
-        <p:spPr>
-          <a:xfrm>
-            <a:off x="1371600" y="3886200"/>
-            <a:ext cx="6400800" cy="1752600"/>
-          </a:xfrm>
-        </p:spPr>
-        <p:txBody>
-          <a:bodyPr/>
-          <a:lstStyle>
-            <a:lvl1pPr marL="0" indent="0" algn="ctr">
-              <a:buNone/>
-              <a:defRPr>
-                <a:solidFill>
-                  <a:schemeClr val="tx1">
-                    <a:tint val="75000"/>
-                  </a:schemeClr>
-                </a:solidFill>
-              </a:defRPr>
-            </a:lvl1pPr>
-            <a:lvl2pPr marL="457200" indent="0" algn="ctr">
-              <a:buNone/>
-              <a:defRPr>
-                <a:solidFill>
-                  <a:schemeClr val="tx1">
-                    <a:tint val="75000"/>
-                  </a:schemeClr>
-                </a:solidFill>
-              </a:defRPr>
-            </a:lvl2pPr>
-            <a:lvl3pPr marL="914400" indent="0" algn="ctr">
-              <a:buNone/>
-              <a:defRPr>
-                <a:solidFill>
-                  <a:schemeClr val="tx1">
-                    <a:tint val="75000"/>
-                  </a:schemeClr>
-                </a:solidFill>
-              </a:defRPr>
-            </a:lvl3pPr>
-            <a:lvl4pPr marL="1371600" indent="0" algn="ctr">
-              <a:buNone/>
-              <a:defRPr>
-                <a:solidFill>
-                  <a:schemeClr val="tx1">
-                    <a:tint val="75000"/>
-                  </a:schemeClr>
-                </a:solidFill>
-              </a:defRPr>
-            </a:lvl4pPr>
-            <a:lvl5pPr marL="1828800" indent="0" algn="ctr">
-              <a:buNone/>
-              <a:defRPr>
-                <a:solidFill>
-                  <a:schemeClr val="tx1">
-                    <a:tint val="75000"/>
-                  </a:schemeClr>
-                </a:solidFill>
-              </a:defRPr>
-            </a:lvl5pPr>
-            <a:lvl6pPr marL="2286000" indent="0" algn="ctr">
-              <a:buNone/>
-              <a:defRPr>
-                <a:solidFill>
-                  <a:schemeClr val="tx1">
-                    <a:tint val="75000"/>
-                  </a:schemeClr>
-                </a:solidFill>
-              </a:defRPr>
-            </a:lvl6pPr>
-            <a:lvl7pPr marL="2743200" indent="0" algn="ctr">
-              <a:buNone/>
-              <a:defRPr>
-                <a:solidFill>
-                  <a:schemeClr val="tx1">
-                    <a:tint val="75000"/>
-                  </a:schemeClr>
-                </a:solidFill>
-              </a:defRPr>
-            </a:lvl7pPr>
-            <a:lvl8pPr marL="3200400" indent="0" algn="ctr">
-              <a:buNone/>
-              <a:defRPr>
-                <a:solidFill>
-                  <a:schemeClr val="tx1">
-                    <a:tint val="75000"/>
-                  </a:schemeClr>
-                </a:solidFill>
-              </a:defRPr>
-            </a:lvl8pPr>
-            <a:lvl9pPr marL="3657600" indent="0" algn="ctr">
-              <a:buNone/>
-              <a:defRPr>
-                <a:solidFill>
-                  <a:schemeClr val="tx1">
-                    <a:tint val="75000"/>
-                  </a:schemeClr>
-                </a:solidFill>
-              </a:defRPr>
-            </a:lvl9pPr>
-          </a:lstStyle>
-          <a:p>
-            <a:r>
               <a:rPr lang="en-US" smtClean="0"/>
               <a:t>Click to edit Master subtitle style</a:t>
             </a:r>
@@ -1838,7 +2578,7 @@
               <a:pPr>
                 <a:defRPr/>
               </a:pPr>
-              <a:t>20/08/2017</a:t>
+              <a:t>13/03/2019</a:t>
             </a:fld>
             <a:endParaRPr lang="pt-BR"/>
           </a:p>
@@ -1911,7 +2651,7 @@
 </p:sldLayout>
 </file>
 
-<file path=ppt/slideLayouts/slideLayout14.xml><?xml version="1.0" encoding="utf-8"?>
+<file path=ppt/slideLayouts/slideLayout6.xml><?xml version="1.0" encoding="utf-8"?>
 <p:sldLayout xmlns:a="http://schemas.openxmlformats.org/drawingml/2006/main" xmlns:r="http://schemas.openxmlformats.org/officeDocument/2006/relationships" xmlns:p="http://schemas.openxmlformats.org/presentationml/2006/main" type="obj" preserve="1">
   <p:cSld name="Title and Content">
     <p:spTree>
@@ -2030,7 +2770,7 @@
               <a:pPr>
                 <a:defRPr/>
               </a:pPr>
-              <a:t>20/08/2017</a:t>
+              <a:t>13/03/2019</a:t>
             </a:fld>
             <a:endParaRPr lang="pt-BR"/>
           </a:p>
@@ -2103,7 +2843,7 @@
 </p:sldLayout>
 </file>
 
-<file path=ppt/slideLayouts/slideLayout15.xml><?xml version="1.0" encoding="utf-8"?>
+<file path=ppt/slideLayouts/slideLayout7.xml><?xml version="1.0" encoding="utf-8"?>
 <p:sldLayout xmlns:a="http://schemas.openxmlformats.org/drawingml/2006/main" xmlns:r="http://schemas.openxmlformats.org/officeDocument/2006/relationships" xmlns:p="http://schemas.openxmlformats.org/presentationml/2006/main" type="secHead" preserve="1">
   <p:cSld name="Section Header">
     <p:spTree>
@@ -2298,7 +3038,7 @@
               <a:pPr>
                 <a:defRPr/>
               </a:pPr>
-              <a:t>20/08/2017</a:t>
+              <a:t>13/03/2019</a:t>
             </a:fld>
             <a:endParaRPr lang="pt-BR"/>
           </a:p>
@@ -2371,7 +3111,7 @@
 </p:sldLayout>
 </file>
 
-<file path=ppt/slideLayouts/slideLayout16.xml><?xml version="1.0" encoding="utf-8"?>
+<file path=ppt/slideLayouts/slideLayout8.xml><?xml version="1.0" encoding="utf-8"?>
 <p:sldLayout xmlns:a="http://schemas.openxmlformats.org/drawingml/2006/main" xmlns:r="http://schemas.openxmlformats.org/officeDocument/2006/relationships" xmlns:p="http://schemas.openxmlformats.org/presentationml/2006/main" type="twoObj" preserve="1">
   <p:cSld name="Two Content">
     <p:spTree>
@@ -2608,7 +3348,7 @@
               <a:pPr>
                 <a:defRPr/>
               </a:pPr>
-              <a:t>20/08/2017</a:t>
+              <a:t>13/03/2019</a:t>
             </a:fld>
             <a:endParaRPr lang="pt-BR"/>
           </a:p>
@@ -2681,7 +3421,7 @@
 </p:sldLayout>
 </file>
 
-<file path=ppt/slideLayouts/slideLayout17.xml><?xml version="1.0" encoding="utf-8"?>
+<file path=ppt/slideLayouts/slideLayout9.xml><?xml version="1.0" encoding="utf-8"?>
 <p:sldLayout xmlns:a="http://schemas.openxmlformats.org/drawingml/2006/main" xmlns:r="http://schemas.openxmlformats.org/officeDocument/2006/relationships" xmlns:p="http://schemas.openxmlformats.org/presentationml/2006/main" type="twoTxTwoObj" preserve="1">
   <p:cSld name="Comparison">
     <p:spTree>
@@ -3052,7 +3792,7 @@
               <a:pPr>
                 <a:defRPr/>
               </a:pPr>
-              <a:t>20/08/2017</a:t>
+              <a:t>13/03/2019</a:t>
             </a:fld>
             <a:endParaRPr lang="pt-BR"/>
           </a:p>
@@ -3107,3311 +3847,6 @@
               <a:defRPr/>
             </a:pPr>
             <a:fld id="{5A64BFDE-D886-4AA3-A662-1DD1DFACEB3E}" type="slidenum">
-              <a:rPr lang="pt-BR"/>
-              <a:pPr>
-                <a:defRPr/>
-              </a:pPr>
-              <a:t>‹#›</a:t>
-            </a:fld>
-            <a:endParaRPr lang="pt-BR"/>
-          </a:p>
-        </p:txBody>
-      </p:sp>
-    </p:spTree>
-  </p:cSld>
-  <p:clrMapOvr>
-    <a:masterClrMapping/>
-  </p:clrMapOvr>
-</p:sldLayout>
-</file>
-
-<file path=ppt/slideLayouts/slideLayout18.xml><?xml version="1.0" encoding="utf-8"?>
-<p:sldLayout xmlns:a="http://schemas.openxmlformats.org/drawingml/2006/main" xmlns:r="http://schemas.openxmlformats.org/officeDocument/2006/relationships" xmlns:p="http://schemas.openxmlformats.org/presentationml/2006/main" type="titleOnly" preserve="1">
-  <p:cSld name="Title Only">
-    <p:spTree>
-      <p:nvGrpSpPr>
-        <p:cNvPr id="1" name=""/>
-        <p:cNvGrpSpPr/>
-        <p:nvPr/>
-      </p:nvGrpSpPr>
-      <p:grpSpPr>
-        <a:xfrm>
-          <a:off x="0" y="0"/>
-          <a:ext cx="0" cy="0"/>
-          <a:chOff x="0" y="0"/>
-          <a:chExt cx="0" cy="0"/>
-        </a:xfrm>
-      </p:grpSpPr>
-      <p:sp>
-        <p:nvSpPr>
-          <p:cNvPr id="2" name="Title 1"/>
-          <p:cNvSpPr>
-            <a:spLocks noGrp="1"/>
-          </p:cNvSpPr>
-          <p:nvPr>
-            <p:ph type="title"/>
-          </p:nvPr>
-        </p:nvSpPr>
-        <p:spPr/>
-        <p:txBody>
-          <a:bodyPr/>
-          <a:lstStyle/>
-          <a:p>
-            <a:r>
-              <a:rPr lang="en-US" smtClean="0"/>
-              <a:t>Click to edit Master title style</a:t>
-            </a:r>
-            <a:endParaRPr lang="pt-BR"/>
-          </a:p>
-        </p:txBody>
-      </p:sp>
-      <p:sp>
-        <p:nvSpPr>
-          <p:cNvPr id="3" name="Date Placeholder 3"/>
-          <p:cNvSpPr>
-            <a:spLocks noGrp="1"/>
-          </p:cNvSpPr>
-          <p:nvPr>
-            <p:ph type="dt" sz="half" idx="10"/>
-          </p:nvPr>
-        </p:nvSpPr>
-        <p:spPr/>
-        <p:txBody>
-          <a:bodyPr/>
-          <a:lstStyle>
-            <a:lvl1pPr>
-              <a:defRPr/>
-            </a:lvl1pPr>
-          </a:lstStyle>
-          <a:p>
-            <a:pPr>
-              <a:defRPr/>
-            </a:pPr>
-            <a:fld id="{E90D6025-68AA-4D64-BC7B-2E1E2C3B9626}" type="datetimeFigureOut">
-              <a:rPr lang="pt-BR"/>
-              <a:pPr>
-                <a:defRPr/>
-              </a:pPr>
-              <a:t>20/08/2017</a:t>
-            </a:fld>
-            <a:endParaRPr lang="pt-BR"/>
-          </a:p>
-        </p:txBody>
-      </p:sp>
-      <p:sp>
-        <p:nvSpPr>
-          <p:cNvPr id="4" name="Footer Placeholder 4"/>
-          <p:cNvSpPr>
-            <a:spLocks noGrp="1"/>
-          </p:cNvSpPr>
-          <p:nvPr>
-            <p:ph type="ftr" sz="quarter" idx="11"/>
-          </p:nvPr>
-        </p:nvSpPr>
-        <p:spPr/>
-        <p:txBody>
-          <a:bodyPr/>
-          <a:lstStyle>
-            <a:lvl1pPr>
-              <a:defRPr/>
-            </a:lvl1pPr>
-          </a:lstStyle>
-          <a:p>
-            <a:pPr>
-              <a:defRPr/>
-            </a:pPr>
-            <a:endParaRPr lang="pt-BR"/>
-          </a:p>
-        </p:txBody>
-      </p:sp>
-      <p:sp>
-        <p:nvSpPr>
-          <p:cNvPr id="5" name="Slide Number Placeholder 5"/>
-          <p:cNvSpPr>
-            <a:spLocks noGrp="1"/>
-          </p:cNvSpPr>
-          <p:nvPr>
-            <p:ph type="sldNum" sz="quarter" idx="12"/>
-          </p:nvPr>
-        </p:nvSpPr>
-        <p:spPr/>
-        <p:txBody>
-          <a:bodyPr/>
-          <a:lstStyle>
-            <a:lvl1pPr>
-              <a:defRPr/>
-            </a:lvl1pPr>
-          </a:lstStyle>
-          <a:p>
-            <a:pPr>
-              <a:defRPr/>
-            </a:pPr>
-            <a:fld id="{298614B4-A9DC-42B6-B947-A3E9812D5A06}" type="slidenum">
-              <a:rPr lang="pt-BR"/>
-              <a:pPr>
-                <a:defRPr/>
-              </a:pPr>
-              <a:t>‹#›</a:t>
-            </a:fld>
-            <a:endParaRPr lang="pt-BR"/>
-          </a:p>
-        </p:txBody>
-      </p:sp>
-    </p:spTree>
-  </p:cSld>
-  <p:clrMapOvr>
-    <a:masterClrMapping/>
-  </p:clrMapOvr>
-</p:sldLayout>
-</file>
-
-<file path=ppt/slideLayouts/slideLayout19.xml><?xml version="1.0" encoding="utf-8"?>
-<p:sldLayout xmlns:a="http://schemas.openxmlformats.org/drawingml/2006/main" xmlns:r="http://schemas.openxmlformats.org/officeDocument/2006/relationships" xmlns:p="http://schemas.openxmlformats.org/presentationml/2006/main" type="blank" preserve="1">
-  <p:cSld name="Blank">
-    <p:spTree>
-      <p:nvGrpSpPr>
-        <p:cNvPr id="1" name=""/>
-        <p:cNvGrpSpPr/>
-        <p:nvPr/>
-      </p:nvGrpSpPr>
-      <p:grpSpPr>
-        <a:xfrm>
-          <a:off x="0" y="0"/>
-          <a:ext cx="0" cy="0"/>
-          <a:chOff x="0" y="0"/>
-          <a:chExt cx="0" cy="0"/>
-        </a:xfrm>
-      </p:grpSpPr>
-      <p:sp>
-        <p:nvSpPr>
-          <p:cNvPr id="2" name="Date Placeholder 3"/>
-          <p:cNvSpPr>
-            <a:spLocks noGrp="1"/>
-          </p:cNvSpPr>
-          <p:nvPr>
-            <p:ph type="dt" sz="half" idx="10"/>
-          </p:nvPr>
-        </p:nvSpPr>
-        <p:spPr/>
-        <p:txBody>
-          <a:bodyPr/>
-          <a:lstStyle>
-            <a:lvl1pPr>
-              <a:defRPr/>
-            </a:lvl1pPr>
-          </a:lstStyle>
-          <a:p>
-            <a:pPr>
-              <a:defRPr/>
-            </a:pPr>
-            <a:fld id="{A0F98FF4-D37E-484D-B9AA-2AC5EF20486A}" type="datetimeFigureOut">
-              <a:rPr lang="pt-BR"/>
-              <a:pPr>
-                <a:defRPr/>
-              </a:pPr>
-              <a:t>20/08/2017</a:t>
-            </a:fld>
-            <a:endParaRPr lang="pt-BR"/>
-          </a:p>
-        </p:txBody>
-      </p:sp>
-      <p:sp>
-        <p:nvSpPr>
-          <p:cNvPr id="3" name="Footer Placeholder 4"/>
-          <p:cNvSpPr>
-            <a:spLocks noGrp="1"/>
-          </p:cNvSpPr>
-          <p:nvPr>
-            <p:ph type="ftr" sz="quarter" idx="11"/>
-          </p:nvPr>
-        </p:nvSpPr>
-        <p:spPr/>
-        <p:txBody>
-          <a:bodyPr/>
-          <a:lstStyle>
-            <a:lvl1pPr>
-              <a:defRPr/>
-            </a:lvl1pPr>
-          </a:lstStyle>
-          <a:p>
-            <a:pPr>
-              <a:defRPr/>
-            </a:pPr>
-            <a:endParaRPr lang="pt-BR"/>
-          </a:p>
-        </p:txBody>
-      </p:sp>
-      <p:sp>
-        <p:nvSpPr>
-          <p:cNvPr id="4" name="Slide Number Placeholder 5"/>
-          <p:cNvSpPr>
-            <a:spLocks noGrp="1"/>
-          </p:cNvSpPr>
-          <p:nvPr>
-            <p:ph type="sldNum" sz="quarter" idx="12"/>
-          </p:nvPr>
-        </p:nvSpPr>
-        <p:spPr/>
-        <p:txBody>
-          <a:bodyPr/>
-          <a:lstStyle>
-            <a:lvl1pPr>
-              <a:defRPr/>
-            </a:lvl1pPr>
-          </a:lstStyle>
-          <a:p>
-            <a:pPr>
-              <a:defRPr/>
-            </a:pPr>
-            <a:fld id="{9C226A17-28C0-4F56-80D8-A19F7730815F}" type="slidenum">
-              <a:rPr lang="pt-BR"/>
-              <a:pPr>
-                <a:defRPr/>
-              </a:pPr>
-              <a:t>‹#›</a:t>
-            </a:fld>
-            <a:endParaRPr lang="pt-BR"/>
-          </a:p>
-        </p:txBody>
-      </p:sp>
-    </p:spTree>
-  </p:cSld>
-  <p:clrMapOvr>
-    <a:masterClrMapping/>
-  </p:clrMapOvr>
-</p:sldLayout>
-</file>
-
-<file path=ppt/slideLayouts/slideLayout2.xml><?xml version="1.0" encoding="utf-8"?>
-<p:sldLayout xmlns:a="http://schemas.openxmlformats.org/drawingml/2006/main" xmlns:r="http://schemas.openxmlformats.org/officeDocument/2006/relationships" xmlns:p="http://schemas.openxmlformats.org/presentationml/2006/main" type="obj" preserve="1">
-  <p:cSld name="Título e conteúdo">
-    <p:spTree>
-      <p:nvGrpSpPr>
-        <p:cNvPr id="1" name=""/>
-        <p:cNvGrpSpPr/>
-        <p:nvPr/>
-      </p:nvGrpSpPr>
-      <p:grpSpPr>
-        <a:xfrm>
-          <a:off x="0" y="0"/>
-          <a:ext cx="0" cy="0"/>
-          <a:chOff x="0" y="0"/>
-          <a:chExt cx="0" cy="0"/>
-        </a:xfrm>
-      </p:grpSpPr>
-      <p:sp>
-        <p:nvSpPr>
-          <p:cNvPr id="2" name="Título 1"/>
-          <p:cNvSpPr>
-            <a:spLocks noGrp="1"/>
-          </p:cNvSpPr>
-          <p:nvPr>
-            <p:ph type="title"/>
-          </p:nvPr>
-        </p:nvSpPr>
-        <p:spPr/>
-        <p:txBody>
-          <a:bodyPr/>
-          <a:lstStyle/>
-          <a:p>
-            <a:r>
-              <a:rPr lang="pt-BR" smtClean="0"/>
-              <a:t>Clique para editar o estilo do título mestre</a:t>
-            </a:r>
-            <a:endParaRPr lang="pt-BR"/>
-          </a:p>
-        </p:txBody>
-      </p:sp>
-      <p:sp>
-        <p:nvSpPr>
-          <p:cNvPr id="3" name="Espaço Reservado para Conteúdo 2"/>
-          <p:cNvSpPr>
-            <a:spLocks noGrp="1"/>
-          </p:cNvSpPr>
-          <p:nvPr>
-            <p:ph idx="1"/>
-          </p:nvPr>
-        </p:nvSpPr>
-        <p:spPr/>
-        <p:txBody>
-          <a:bodyPr/>
-          <a:lstStyle/>
-          <a:p>
-            <a:pPr lvl="0"/>
-            <a:r>
-              <a:rPr lang="pt-BR" smtClean="0"/>
-              <a:t>Clique para editar os estilos do texto mestre</a:t>
-            </a:r>
-          </a:p>
-          <a:p>
-            <a:pPr lvl="1"/>
-            <a:r>
-              <a:rPr lang="pt-BR" smtClean="0"/>
-              <a:t>Segundo nível</a:t>
-            </a:r>
-          </a:p>
-          <a:p>
-            <a:pPr lvl="2"/>
-            <a:r>
-              <a:rPr lang="pt-BR" smtClean="0"/>
-              <a:t>Terceiro nível</a:t>
-            </a:r>
-          </a:p>
-          <a:p>
-            <a:pPr lvl="3"/>
-            <a:r>
-              <a:rPr lang="pt-BR" smtClean="0"/>
-              <a:t>Quarto nível</a:t>
-            </a:r>
-          </a:p>
-          <a:p>
-            <a:pPr lvl="4"/>
-            <a:r>
-              <a:rPr lang="pt-BR" smtClean="0"/>
-              <a:t>Quinto nível</a:t>
-            </a:r>
-            <a:endParaRPr lang="pt-BR"/>
-          </a:p>
-        </p:txBody>
-      </p:sp>
-      <p:sp>
-        <p:nvSpPr>
-          <p:cNvPr id="4" name="Espaço Reservado para Data 3"/>
-          <p:cNvSpPr>
-            <a:spLocks noGrp="1"/>
-          </p:cNvSpPr>
-          <p:nvPr>
-            <p:ph type="dt" sz="half" idx="10"/>
-          </p:nvPr>
-        </p:nvSpPr>
-        <p:spPr/>
-        <p:txBody>
-          <a:bodyPr/>
-          <a:lstStyle>
-            <a:lvl1pPr>
-              <a:defRPr/>
-            </a:lvl1pPr>
-          </a:lstStyle>
-          <a:p>
-            <a:pPr>
-              <a:defRPr/>
-            </a:pPr>
-            <a:fld id="{15C01D2A-16D2-4624-A8FA-3CBDEC07BB2E}" type="datetimeFigureOut">
-              <a:rPr lang="pt-BR"/>
-              <a:pPr>
-                <a:defRPr/>
-              </a:pPr>
-              <a:t>20/08/2017</a:t>
-            </a:fld>
-            <a:endParaRPr lang="pt-BR"/>
-          </a:p>
-        </p:txBody>
-      </p:sp>
-      <p:sp>
-        <p:nvSpPr>
-          <p:cNvPr id="5" name="Espaço Reservado para Rodapé 4"/>
-          <p:cNvSpPr>
-            <a:spLocks noGrp="1"/>
-          </p:cNvSpPr>
-          <p:nvPr>
-            <p:ph type="ftr" sz="quarter" idx="11"/>
-          </p:nvPr>
-        </p:nvSpPr>
-        <p:spPr/>
-        <p:txBody>
-          <a:bodyPr/>
-          <a:lstStyle>
-            <a:lvl1pPr>
-              <a:defRPr/>
-            </a:lvl1pPr>
-          </a:lstStyle>
-          <a:p>
-            <a:pPr>
-              <a:defRPr/>
-            </a:pPr>
-            <a:endParaRPr lang="pt-BR"/>
-          </a:p>
-        </p:txBody>
-      </p:sp>
-      <p:sp>
-        <p:nvSpPr>
-          <p:cNvPr id="6" name="Espaço Reservado para Número de Slide 5"/>
-          <p:cNvSpPr>
-            <a:spLocks noGrp="1"/>
-          </p:cNvSpPr>
-          <p:nvPr>
-            <p:ph type="sldNum" sz="quarter" idx="12"/>
-          </p:nvPr>
-        </p:nvSpPr>
-        <p:spPr/>
-        <p:txBody>
-          <a:bodyPr/>
-          <a:lstStyle>
-            <a:lvl1pPr>
-              <a:defRPr/>
-            </a:lvl1pPr>
-          </a:lstStyle>
-          <a:p>
-            <a:pPr>
-              <a:defRPr/>
-            </a:pPr>
-            <a:fld id="{E709F18F-7F43-4F58-9BDD-394D324FCEF9}" type="slidenum">
-              <a:rPr lang="pt-BR"/>
-              <a:pPr>
-                <a:defRPr/>
-              </a:pPr>
-              <a:t>‹#›</a:t>
-            </a:fld>
-            <a:endParaRPr lang="pt-BR"/>
-          </a:p>
-        </p:txBody>
-      </p:sp>
-    </p:spTree>
-  </p:cSld>
-  <p:clrMapOvr>
-    <a:masterClrMapping/>
-  </p:clrMapOvr>
-</p:sldLayout>
-</file>
-
-<file path=ppt/slideLayouts/slideLayout20.xml><?xml version="1.0" encoding="utf-8"?>
-<p:sldLayout xmlns:a="http://schemas.openxmlformats.org/drawingml/2006/main" xmlns:r="http://schemas.openxmlformats.org/officeDocument/2006/relationships" xmlns:p="http://schemas.openxmlformats.org/presentationml/2006/main" type="objTx" preserve="1">
-  <p:cSld name="Content with Caption">
-    <p:spTree>
-      <p:nvGrpSpPr>
-        <p:cNvPr id="1" name=""/>
-        <p:cNvGrpSpPr/>
-        <p:nvPr/>
-      </p:nvGrpSpPr>
-      <p:grpSpPr>
-        <a:xfrm>
-          <a:off x="0" y="0"/>
-          <a:ext cx="0" cy="0"/>
-          <a:chOff x="0" y="0"/>
-          <a:chExt cx="0" cy="0"/>
-        </a:xfrm>
-      </p:grpSpPr>
-      <p:sp>
-        <p:nvSpPr>
-          <p:cNvPr id="2" name="Title 1"/>
-          <p:cNvSpPr>
-            <a:spLocks noGrp="1"/>
-          </p:cNvSpPr>
-          <p:nvPr>
-            <p:ph type="title"/>
-          </p:nvPr>
-        </p:nvSpPr>
-        <p:spPr>
-          <a:xfrm>
-            <a:off x="457200" y="273050"/>
-            <a:ext cx="3008313" cy="1162050"/>
-          </a:xfrm>
-        </p:spPr>
-        <p:txBody>
-          <a:bodyPr anchor="b"/>
-          <a:lstStyle>
-            <a:lvl1pPr algn="l">
-              <a:defRPr sz="2000" b="1"/>
-            </a:lvl1pPr>
-          </a:lstStyle>
-          <a:p>
-            <a:r>
-              <a:rPr lang="en-US" smtClean="0"/>
-              <a:t>Click to edit Master title style</a:t>
-            </a:r>
-            <a:endParaRPr lang="pt-BR"/>
-          </a:p>
-        </p:txBody>
-      </p:sp>
-      <p:sp>
-        <p:nvSpPr>
-          <p:cNvPr id="3" name="Content Placeholder 2"/>
-          <p:cNvSpPr>
-            <a:spLocks noGrp="1"/>
-          </p:cNvSpPr>
-          <p:nvPr>
-            <p:ph idx="1"/>
-          </p:nvPr>
-        </p:nvSpPr>
-        <p:spPr>
-          <a:xfrm>
-            <a:off x="3575050" y="273050"/>
-            <a:ext cx="5111750" cy="5853113"/>
-          </a:xfrm>
-        </p:spPr>
-        <p:txBody>
-          <a:bodyPr/>
-          <a:lstStyle>
-            <a:lvl1pPr>
-              <a:defRPr sz="3200"/>
-            </a:lvl1pPr>
-            <a:lvl2pPr>
-              <a:defRPr sz="2800"/>
-            </a:lvl2pPr>
-            <a:lvl3pPr>
-              <a:defRPr sz="2400"/>
-            </a:lvl3pPr>
-            <a:lvl4pPr>
-              <a:defRPr sz="2000"/>
-            </a:lvl4pPr>
-            <a:lvl5pPr>
-              <a:defRPr sz="2000"/>
-            </a:lvl5pPr>
-            <a:lvl6pPr>
-              <a:defRPr sz="2000"/>
-            </a:lvl6pPr>
-            <a:lvl7pPr>
-              <a:defRPr sz="2000"/>
-            </a:lvl7pPr>
-            <a:lvl8pPr>
-              <a:defRPr sz="2000"/>
-            </a:lvl8pPr>
-            <a:lvl9pPr>
-              <a:defRPr sz="2000"/>
-            </a:lvl9pPr>
-          </a:lstStyle>
-          <a:p>
-            <a:pPr lvl="0"/>
-            <a:r>
-              <a:rPr lang="en-US" smtClean="0"/>
-              <a:t>Click to edit Master text styles</a:t>
-            </a:r>
-          </a:p>
-          <a:p>
-            <a:pPr lvl="1"/>
-            <a:r>
-              <a:rPr lang="en-US" smtClean="0"/>
-              <a:t>Second level</a:t>
-            </a:r>
-          </a:p>
-          <a:p>
-            <a:pPr lvl="2"/>
-            <a:r>
-              <a:rPr lang="en-US" smtClean="0"/>
-              <a:t>Third level</a:t>
-            </a:r>
-          </a:p>
-          <a:p>
-            <a:pPr lvl="3"/>
-            <a:r>
-              <a:rPr lang="en-US" smtClean="0"/>
-              <a:t>Fourth level</a:t>
-            </a:r>
-          </a:p>
-          <a:p>
-            <a:pPr lvl="4"/>
-            <a:r>
-              <a:rPr lang="en-US" smtClean="0"/>
-              <a:t>Fifth level</a:t>
-            </a:r>
-            <a:endParaRPr lang="pt-BR"/>
-          </a:p>
-        </p:txBody>
-      </p:sp>
-      <p:sp>
-        <p:nvSpPr>
-          <p:cNvPr id="4" name="Text Placeholder 3"/>
-          <p:cNvSpPr>
-            <a:spLocks noGrp="1"/>
-          </p:cNvSpPr>
-          <p:nvPr>
-            <p:ph type="body" sz="half" idx="2"/>
-          </p:nvPr>
-        </p:nvSpPr>
-        <p:spPr>
-          <a:xfrm>
-            <a:off x="457200" y="1435100"/>
-            <a:ext cx="3008313" cy="4691063"/>
-          </a:xfrm>
-        </p:spPr>
-        <p:txBody>
-          <a:bodyPr/>
-          <a:lstStyle>
-            <a:lvl1pPr marL="0" indent="0">
-              <a:buNone/>
-              <a:defRPr sz="1400"/>
-            </a:lvl1pPr>
-            <a:lvl2pPr marL="457200" indent="0">
-              <a:buNone/>
-              <a:defRPr sz="1200"/>
-            </a:lvl2pPr>
-            <a:lvl3pPr marL="914400" indent="0">
-              <a:buNone/>
-              <a:defRPr sz="1000"/>
-            </a:lvl3pPr>
-            <a:lvl4pPr marL="1371600" indent="0">
-              <a:buNone/>
-              <a:defRPr sz="900"/>
-            </a:lvl4pPr>
-            <a:lvl5pPr marL="1828800" indent="0">
-              <a:buNone/>
-              <a:defRPr sz="900"/>
-            </a:lvl5pPr>
-            <a:lvl6pPr marL="2286000" indent="0">
-              <a:buNone/>
-              <a:defRPr sz="900"/>
-            </a:lvl6pPr>
-            <a:lvl7pPr marL="2743200" indent="0">
-              <a:buNone/>
-              <a:defRPr sz="900"/>
-            </a:lvl7pPr>
-            <a:lvl8pPr marL="3200400" indent="0">
-              <a:buNone/>
-              <a:defRPr sz="900"/>
-            </a:lvl8pPr>
-            <a:lvl9pPr marL="3657600" indent="0">
-              <a:buNone/>
-              <a:defRPr sz="900"/>
-            </a:lvl9pPr>
-          </a:lstStyle>
-          <a:p>
-            <a:pPr lvl="0"/>
-            <a:r>
-              <a:rPr lang="en-US" smtClean="0"/>
-              <a:t>Click to edit Master text styles</a:t>
-            </a:r>
-          </a:p>
-        </p:txBody>
-      </p:sp>
-      <p:sp>
-        <p:nvSpPr>
-          <p:cNvPr id="5" name="Date Placeholder 3"/>
-          <p:cNvSpPr>
-            <a:spLocks noGrp="1"/>
-          </p:cNvSpPr>
-          <p:nvPr>
-            <p:ph type="dt" sz="half" idx="10"/>
-          </p:nvPr>
-        </p:nvSpPr>
-        <p:spPr/>
-        <p:txBody>
-          <a:bodyPr/>
-          <a:lstStyle>
-            <a:lvl1pPr>
-              <a:defRPr/>
-            </a:lvl1pPr>
-          </a:lstStyle>
-          <a:p>
-            <a:pPr>
-              <a:defRPr/>
-            </a:pPr>
-            <a:fld id="{1072DDAB-17B6-4675-A674-0A6244FF91A2}" type="datetimeFigureOut">
-              <a:rPr lang="pt-BR"/>
-              <a:pPr>
-                <a:defRPr/>
-              </a:pPr>
-              <a:t>20/08/2017</a:t>
-            </a:fld>
-            <a:endParaRPr lang="pt-BR"/>
-          </a:p>
-        </p:txBody>
-      </p:sp>
-      <p:sp>
-        <p:nvSpPr>
-          <p:cNvPr id="6" name="Footer Placeholder 4"/>
-          <p:cNvSpPr>
-            <a:spLocks noGrp="1"/>
-          </p:cNvSpPr>
-          <p:nvPr>
-            <p:ph type="ftr" sz="quarter" idx="11"/>
-          </p:nvPr>
-        </p:nvSpPr>
-        <p:spPr/>
-        <p:txBody>
-          <a:bodyPr/>
-          <a:lstStyle>
-            <a:lvl1pPr>
-              <a:defRPr/>
-            </a:lvl1pPr>
-          </a:lstStyle>
-          <a:p>
-            <a:pPr>
-              <a:defRPr/>
-            </a:pPr>
-            <a:endParaRPr lang="pt-BR"/>
-          </a:p>
-        </p:txBody>
-      </p:sp>
-      <p:sp>
-        <p:nvSpPr>
-          <p:cNvPr id="7" name="Slide Number Placeholder 5"/>
-          <p:cNvSpPr>
-            <a:spLocks noGrp="1"/>
-          </p:cNvSpPr>
-          <p:nvPr>
-            <p:ph type="sldNum" sz="quarter" idx="12"/>
-          </p:nvPr>
-        </p:nvSpPr>
-        <p:spPr/>
-        <p:txBody>
-          <a:bodyPr/>
-          <a:lstStyle>
-            <a:lvl1pPr>
-              <a:defRPr/>
-            </a:lvl1pPr>
-          </a:lstStyle>
-          <a:p>
-            <a:pPr>
-              <a:defRPr/>
-            </a:pPr>
-            <a:fld id="{6394E638-E665-45F4-ACD9-2D2E8CDE3124}" type="slidenum">
-              <a:rPr lang="pt-BR"/>
-              <a:pPr>
-                <a:defRPr/>
-              </a:pPr>
-              <a:t>‹#›</a:t>
-            </a:fld>
-            <a:endParaRPr lang="pt-BR"/>
-          </a:p>
-        </p:txBody>
-      </p:sp>
-    </p:spTree>
-  </p:cSld>
-  <p:clrMapOvr>
-    <a:masterClrMapping/>
-  </p:clrMapOvr>
-</p:sldLayout>
-</file>
-
-<file path=ppt/slideLayouts/slideLayout21.xml><?xml version="1.0" encoding="utf-8"?>
-<p:sldLayout xmlns:a="http://schemas.openxmlformats.org/drawingml/2006/main" xmlns:r="http://schemas.openxmlformats.org/officeDocument/2006/relationships" xmlns:p="http://schemas.openxmlformats.org/presentationml/2006/main" type="picTx" preserve="1">
-  <p:cSld name="Picture with Caption">
-    <p:spTree>
-      <p:nvGrpSpPr>
-        <p:cNvPr id="1" name=""/>
-        <p:cNvGrpSpPr/>
-        <p:nvPr/>
-      </p:nvGrpSpPr>
-      <p:grpSpPr>
-        <a:xfrm>
-          <a:off x="0" y="0"/>
-          <a:ext cx="0" cy="0"/>
-          <a:chOff x="0" y="0"/>
-          <a:chExt cx="0" cy="0"/>
-        </a:xfrm>
-      </p:grpSpPr>
-      <p:sp>
-        <p:nvSpPr>
-          <p:cNvPr id="2" name="Title 1"/>
-          <p:cNvSpPr>
-            <a:spLocks noGrp="1"/>
-          </p:cNvSpPr>
-          <p:nvPr>
-            <p:ph type="title"/>
-          </p:nvPr>
-        </p:nvSpPr>
-        <p:spPr>
-          <a:xfrm>
-            <a:off x="1792288" y="4800600"/>
-            <a:ext cx="5486400" cy="566738"/>
-          </a:xfrm>
-        </p:spPr>
-        <p:txBody>
-          <a:bodyPr anchor="b"/>
-          <a:lstStyle>
-            <a:lvl1pPr algn="l">
-              <a:defRPr sz="2000" b="1"/>
-            </a:lvl1pPr>
-          </a:lstStyle>
-          <a:p>
-            <a:r>
-              <a:rPr lang="en-US" smtClean="0"/>
-              <a:t>Click to edit Master title style</a:t>
-            </a:r>
-            <a:endParaRPr lang="pt-BR"/>
-          </a:p>
-        </p:txBody>
-      </p:sp>
-      <p:sp>
-        <p:nvSpPr>
-          <p:cNvPr id="3" name="Picture Placeholder 2"/>
-          <p:cNvSpPr>
-            <a:spLocks noGrp="1"/>
-          </p:cNvSpPr>
-          <p:nvPr>
-            <p:ph type="pic" idx="1"/>
-          </p:nvPr>
-        </p:nvSpPr>
-        <p:spPr>
-          <a:xfrm>
-            <a:off x="1792288" y="612775"/>
-            <a:ext cx="5486400" cy="4114800"/>
-          </a:xfrm>
-        </p:spPr>
-        <p:txBody>
-          <a:bodyPr rtlCol="0">
-            <a:normAutofit/>
-          </a:bodyPr>
-          <a:lstStyle>
-            <a:lvl1pPr marL="0" indent="0">
-              <a:buNone/>
-              <a:defRPr sz="3200"/>
-            </a:lvl1pPr>
-            <a:lvl2pPr marL="457200" indent="0">
-              <a:buNone/>
-              <a:defRPr sz="2800"/>
-            </a:lvl2pPr>
-            <a:lvl3pPr marL="914400" indent="0">
-              <a:buNone/>
-              <a:defRPr sz="2400"/>
-            </a:lvl3pPr>
-            <a:lvl4pPr marL="1371600" indent="0">
-              <a:buNone/>
-              <a:defRPr sz="2000"/>
-            </a:lvl4pPr>
-            <a:lvl5pPr marL="1828800" indent="0">
-              <a:buNone/>
-              <a:defRPr sz="2000"/>
-            </a:lvl5pPr>
-            <a:lvl6pPr marL="2286000" indent="0">
-              <a:buNone/>
-              <a:defRPr sz="2000"/>
-            </a:lvl6pPr>
-            <a:lvl7pPr marL="2743200" indent="0">
-              <a:buNone/>
-              <a:defRPr sz="2000"/>
-            </a:lvl7pPr>
-            <a:lvl8pPr marL="3200400" indent="0">
-              <a:buNone/>
-              <a:defRPr sz="2000"/>
-            </a:lvl8pPr>
-            <a:lvl9pPr marL="3657600" indent="0">
-              <a:buNone/>
-              <a:defRPr sz="2000"/>
-            </a:lvl9pPr>
-          </a:lstStyle>
-          <a:p>
-            <a:pPr lvl="0"/>
-            <a:endParaRPr lang="pt-BR" noProof="0" smtClean="0"/>
-          </a:p>
-        </p:txBody>
-      </p:sp>
-      <p:sp>
-        <p:nvSpPr>
-          <p:cNvPr id="4" name="Text Placeholder 3"/>
-          <p:cNvSpPr>
-            <a:spLocks noGrp="1"/>
-          </p:cNvSpPr>
-          <p:nvPr>
-            <p:ph type="body" sz="half" idx="2"/>
-          </p:nvPr>
-        </p:nvSpPr>
-        <p:spPr>
-          <a:xfrm>
-            <a:off x="1792288" y="5367338"/>
-            <a:ext cx="5486400" cy="804862"/>
-          </a:xfrm>
-        </p:spPr>
-        <p:txBody>
-          <a:bodyPr/>
-          <a:lstStyle>
-            <a:lvl1pPr marL="0" indent="0">
-              <a:buNone/>
-              <a:defRPr sz="1400"/>
-            </a:lvl1pPr>
-            <a:lvl2pPr marL="457200" indent="0">
-              <a:buNone/>
-              <a:defRPr sz="1200"/>
-            </a:lvl2pPr>
-            <a:lvl3pPr marL="914400" indent="0">
-              <a:buNone/>
-              <a:defRPr sz="1000"/>
-            </a:lvl3pPr>
-            <a:lvl4pPr marL="1371600" indent="0">
-              <a:buNone/>
-              <a:defRPr sz="900"/>
-            </a:lvl4pPr>
-            <a:lvl5pPr marL="1828800" indent="0">
-              <a:buNone/>
-              <a:defRPr sz="900"/>
-            </a:lvl5pPr>
-            <a:lvl6pPr marL="2286000" indent="0">
-              <a:buNone/>
-              <a:defRPr sz="900"/>
-            </a:lvl6pPr>
-            <a:lvl7pPr marL="2743200" indent="0">
-              <a:buNone/>
-              <a:defRPr sz="900"/>
-            </a:lvl7pPr>
-            <a:lvl8pPr marL="3200400" indent="0">
-              <a:buNone/>
-              <a:defRPr sz="900"/>
-            </a:lvl8pPr>
-            <a:lvl9pPr marL="3657600" indent="0">
-              <a:buNone/>
-              <a:defRPr sz="900"/>
-            </a:lvl9pPr>
-          </a:lstStyle>
-          <a:p>
-            <a:pPr lvl="0"/>
-            <a:r>
-              <a:rPr lang="en-US" smtClean="0"/>
-              <a:t>Click to edit Master text styles</a:t>
-            </a:r>
-          </a:p>
-        </p:txBody>
-      </p:sp>
-      <p:sp>
-        <p:nvSpPr>
-          <p:cNvPr id="5" name="Date Placeholder 3"/>
-          <p:cNvSpPr>
-            <a:spLocks noGrp="1"/>
-          </p:cNvSpPr>
-          <p:nvPr>
-            <p:ph type="dt" sz="half" idx="10"/>
-          </p:nvPr>
-        </p:nvSpPr>
-        <p:spPr/>
-        <p:txBody>
-          <a:bodyPr/>
-          <a:lstStyle>
-            <a:lvl1pPr>
-              <a:defRPr/>
-            </a:lvl1pPr>
-          </a:lstStyle>
-          <a:p>
-            <a:pPr>
-              <a:defRPr/>
-            </a:pPr>
-            <a:fld id="{357C11CD-D7BE-4B7A-BB61-1CBB80E8D617}" type="datetimeFigureOut">
-              <a:rPr lang="pt-BR"/>
-              <a:pPr>
-                <a:defRPr/>
-              </a:pPr>
-              <a:t>20/08/2017</a:t>
-            </a:fld>
-            <a:endParaRPr lang="pt-BR"/>
-          </a:p>
-        </p:txBody>
-      </p:sp>
-      <p:sp>
-        <p:nvSpPr>
-          <p:cNvPr id="6" name="Footer Placeholder 4"/>
-          <p:cNvSpPr>
-            <a:spLocks noGrp="1"/>
-          </p:cNvSpPr>
-          <p:nvPr>
-            <p:ph type="ftr" sz="quarter" idx="11"/>
-          </p:nvPr>
-        </p:nvSpPr>
-        <p:spPr/>
-        <p:txBody>
-          <a:bodyPr/>
-          <a:lstStyle>
-            <a:lvl1pPr>
-              <a:defRPr/>
-            </a:lvl1pPr>
-          </a:lstStyle>
-          <a:p>
-            <a:pPr>
-              <a:defRPr/>
-            </a:pPr>
-            <a:endParaRPr lang="pt-BR"/>
-          </a:p>
-        </p:txBody>
-      </p:sp>
-      <p:sp>
-        <p:nvSpPr>
-          <p:cNvPr id="7" name="Slide Number Placeholder 5"/>
-          <p:cNvSpPr>
-            <a:spLocks noGrp="1"/>
-          </p:cNvSpPr>
-          <p:nvPr>
-            <p:ph type="sldNum" sz="quarter" idx="12"/>
-          </p:nvPr>
-        </p:nvSpPr>
-        <p:spPr/>
-        <p:txBody>
-          <a:bodyPr/>
-          <a:lstStyle>
-            <a:lvl1pPr>
-              <a:defRPr/>
-            </a:lvl1pPr>
-          </a:lstStyle>
-          <a:p>
-            <a:pPr>
-              <a:defRPr/>
-            </a:pPr>
-            <a:fld id="{00ADE717-26A1-4C1C-ABBC-C1677E11D827}" type="slidenum">
-              <a:rPr lang="pt-BR"/>
-              <a:pPr>
-                <a:defRPr/>
-              </a:pPr>
-              <a:t>‹#›</a:t>
-            </a:fld>
-            <a:endParaRPr lang="pt-BR"/>
-          </a:p>
-        </p:txBody>
-      </p:sp>
-    </p:spTree>
-  </p:cSld>
-  <p:clrMapOvr>
-    <a:masterClrMapping/>
-  </p:clrMapOvr>
-</p:sldLayout>
-</file>
-
-<file path=ppt/slideLayouts/slideLayout22.xml><?xml version="1.0" encoding="utf-8"?>
-<p:sldLayout xmlns:a="http://schemas.openxmlformats.org/drawingml/2006/main" xmlns:r="http://schemas.openxmlformats.org/officeDocument/2006/relationships" xmlns:p="http://schemas.openxmlformats.org/presentationml/2006/main" type="vertTx" preserve="1">
-  <p:cSld name="Title and Vertical Text">
-    <p:spTree>
-      <p:nvGrpSpPr>
-        <p:cNvPr id="1" name=""/>
-        <p:cNvGrpSpPr/>
-        <p:nvPr/>
-      </p:nvGrpSpPr>
-      <p:grpSpPr>
-        <a:xfrm>
-          <a:off x="0" y="0"/>
-          <a:ext cx="0" cy="0"/>
-          <a:chOff x="0" y="0"/>
-          <a:chExt cx="0" cy="0"/>
-        </a:xfrm>
-      </p:grpSpPr>
-      <p:sp>
-        <p:nvSpPr>
-          <p:cNvPr id="2" name="Title 1"/>
-          <p:cNvSpPr>
-            <a:spLocks noGrp="1"/>
-          </p:cNvSpPr>
-          <p:nvPr>
-            <p:ph type="title"/>
-          </p:nvPr>
-        </p:nvSpPr>
-        <p:spPr/>
-        <p:txBody>
-          <a:bodyPr/>
-          <a:lstStyle/>
-          <a:p>
-            <a:r>
-              <a:rPr lang="en-US" smtClean="0"/>
-              <a:t>Click to edit Master title style</a:t>
-            </a:r>
-            <a:endParaRPr lang="pt-BR"/>
-          </a:p>
-        </p:txBody>
-      </p:sp>
-      <p:sp>
-        <p:nvSpPr>
-          <p:cNvPr id="3" name="Vertical Text Placeholder 2"/>
-          <p:cNvSpPr>
-            <a:spLocks noGrp="1"/>
-          </p:cNvSpPr>
-          <p:nvPr>
-            <p:ph type="body" orient="vert" idx="1"/>
-          </p:nvPr>
-        </p:nvSpPr>
-        <p:spPr/>
-        <p:txBody>
-          <a:bodyPr vert="eaVert"/>
-          <a:lstStyle/>
-          <a:p>
-            <a:pPr lvl="0"/>
-            <a:r>
-              <a:rPr lang="en-US" smtClean="0"/>
-              <a:t>Click to edit Master text styles</a:t>
-            </a:r>
-          </a:p>
-          <a:p>
-            <a:pPr lvl="1"/>
-            <a:r>
-              <a:rPr lang="en-US" smtClean="0"/>
-              <a:t>Second level</a:t>
-            </a:r>
-          </a:p>
-          <a:p>
-            <a:pPr lvl="2"/>
-            <a:r>
-              <a:rPr lang="en-US" smtClean="0"/>
-              <a:t>Third level</a:t>
-            </a:r>
-          </a:p>
-          <a:p>
-            <a:pPr lvl="3"/>
-            <a:r>
-              <a:rPr lang="en-US" smtClean="0"/>
-              <a:t>Fourth level</a:t>
-            </a:r>
-          </a:p>
-          <a:p>
-            <a:pPr lvl="4"/>
-            <a:r>
-              <a:rPr lang="en-US" smtClean="0"/>
-              <a:t>Fifth level</a:t>
-            </a:r>
-            <a:endParaRPr lang="pt-BR"/>
-          </a:p>
-        </p:txBody>
-      </p:sp>
-      <p:sp>
-        <p:nvSpPr>
-          <p:cNvPr id="4" name="Date Placeholder 3"/>
-          <p:cNvSpPr>
-            <a:spLocks noGrp="1"/>
-          </p:cNvSpPr>
-          <p:nvPr>
-            <p:ph type="dt" sz="half" idx="10"/>
-          </p:nvPr>
-        </p:nvSpPr>
-        <p:spPr/>
-        <p:txBody>
-          <a:bodyPr/>
-          <a:lstStyle>
-            <a:lvl1pPr>
-              <a:defRPr/>
-            </a:lvl1pPr>
-          </a:lstStyle>
-          <a:p>
-            <a:pPr>
-              <a:defRPr/>
-            </a:pPr>
-            <a:fld id="{EEFF34E9-03E3-4237-9281-20BD656DDD60}" type="datetimeFigureOut">
-              <a:rPr lang="pt-BR"/>
-              <a:pPr>
-                <a:defRPr/>
-              </a:pPr>
-              <a:t>20/08/2017</a:t>
-            </a:fld>
-            <a:endParaRPr lang="pt-BR"/>
-          </a:p>
-        </p:txBody>
-      </p:sp>
-      <p:sp>
-        <p:nvSpPr>
-          <p:cNvPr id="5" name="Footer Placeholder 4"/>
-          <p:cNvSpPr>
-            <a:spLocks noGrp="1"/>
-          </p:cNvSpPr>
-          <p:nvPr>
-            <p:ph type="ftr" sz="quarter" idx="11"/>
-          </p:nvPr>
-        </p:nvSpPr>
-        <p:spPr/>
-        <p:txBody>
-          <a:bodyPr/>
-          <a:lstStyle>
-            <a:lvl1pPr>
-              <a:defRPr/>
-            </a:lvl1pPr>
-          </a:lstStyle>
-          <a:p>
-            <a:pPr>
-              <a:defRPr/>
-            </a:pPr>
-            <a:endParaRPr lang="pt-BR"/>
-          </a:p>
-        </p:txBody>
-      </p:sp>
-      <p:sp>
-        <p:nvSpPr>
-          <p:cNvPr id="6" name="Slide Number Placeholder 5"/>
-          <p:cNvSpPr>
-            <a:spLocks noGrp="1"/>
-          </p:cNvSpPr>
-          <p:nvPr>
-            <p:ph type="sldNum" sz="quarter" idx="12"/>
-          </p:nvPr>
-        </p:nvSpPr>
-        <p:spPr/>
-        <p:txBody>
-          <a:bodyPr/>
-          <a:lstStyle>
-            <a:lvl1pPr>
-              <a:defRPr/>
-            </a:lvl1pPr>
-          </a:lstStyle>
-          <a:p>
-            <a:pPr>
-              <a:defRPr/>
-            </a:pPr>
-            <a:fld id="{37F398F0-792F-4324-BDEC-043CDC232CD5}" type="slidenum">
-              <a:rPr lang="pt-BR"/>
-              <a:pPr>
-                <a:defRPr/>
-              </a:pPr>
-              <a:t>‹#›</a:t>
-            </a:fld>
-            <a:endParaRPr lang="pt-BR"/>
-          </a:p>
-        </p:txBody>
-      </p:sp>
-    </p:spTree>
-  </p:cSld>
-  <p:clrMapOvr>
-    <a:masterClrMapping/>
-  </p:clrMapOvr>
-</p:sldLayout>
-</file>
-
-<file path=ppt/slideLayouts/slideLayout23.xml><?xml version="1.0" encoding="utf-8"?>
-<p:sldLayout xmlns:a="http://schemas.openxmlformats.org/drawingml/2006/main" xmlns:r="http://schemas.openxmlformats.org/officeDocument/2006/relationships" xmlns:p="http://schemas.openxmlformats.org/presentationml/2006/main" type="vertTitleAndTx" preserve="1">
-  <p:cSld name="Vertical Title and Text">
-    <p:spTree>
-      <p:nvGrpSpPr>
-        <p:cNvPr id="1" name=""/>
-        <p:cNvGrpSpPr/>
-        <p:nvPr/>
-      </p:nvGrpSpPr>
-      <p:grpSpPr>
-        <a:xfrm>
-          <a:off x="0" y="0"/>
-          <a:ext cx="0" cy="0"/>
-          <a:chOff x="0" y="0"/>
-          <a:chExt cx="0" cy="0"/>
-        </a:xfrm>
-      </p:grpSpPr>
-      <p:sp>
-        <p:nvSpPr>
-          <p:cNvPr id="2" name="Vertical Title 1"/>
-          <p:cNvSpPr>
-            <a:spLocks noGrp="1"/>
-          </p:cNvSpPr>
-          <p:nvPr>
-            <p:ph type="title" orient="vert"/>
-          </p:nvPr>
-        </p:nvSpPr>
-        <p:spPr>
-          <a:xfrm>
-            <a:off x="6629400" y="274638"/>
-            <a:ext cx="2057400" cy="5851525"/>
-          </a:xfrm>
-        </p:spPr>
-        <p:txBody>
-          <a:bodyPr vert="eaVert"/>
-          <a:lstStyle/>
-          <a:p>
-            <a:r>
-              <a:rPr lang="en-US" smtClean="0"/>
-              <a:t>Click to edit Master title style</a:t>
-            </a:r>
-            <a:endParaRPr lang="pt-BR"/>
-          </a:p>
-        </p:txBody>
-      </p:sp>
-      <p:sp>
-        <p:nvSpPr>
-          <p:cNvPr id="3" name="Vertical Text Placeholder 2"/>
-          <p:cNvSpPr>
-            <a:spLocks noGrp="1"/>
-          </p:cNvSpPr>
-          <p:nvPr>
-            <p:ph type="body" orient="vert" idx="1"/>
-          </p:nvPr>
-        </p:nvSpPr>
-        <p:spPr>
-          <a:xfrm>
-            <a:off x="457200" y="274638"/>
-            <a:ext cx="6019800" cy="5851525"/>
-          </a:xfrm>
-        </p:spPr>
-        <p:txBody>
-          <a:bodyPr vert="eaVert"/>
-          <a:lstStyle/>
-          <a:p>
-            <a:pPr lvl="0"/>
-            <a:r>
-              <a:rPr lang="en-US" smtClean="0"/>
-              <a:t>Click to edit Master text styles</a:t>
-            </a:r>
-          </a:p>
-          <a:p>
-            <a:pPr lvl="1"/>
-            <a:r>
-              <a:rPr lang="en-US" smtClean="0"/>
-              <a:t>Second level</a:t>
-            </a:r>
-          </a:p>
-          <a:p>
-            <a:pPr lvl="2"/>
-            <a:r>
-              <a:rPr lang="en-US" smtClean="0"/>
-              <a:t>Third level</a:t>
-            </a:r>
-          </a:p>
-          <a:p>
-            <a:pPr lvl="3"/>
-            <a:r>
-              <a:rPr lang="en-US" smtClean="0"/>
-              <a:t>Fourth level</a:t>
-            </a:r>
-          </a:p>
-          <a:p>
-            <a:pPr lvl="4"/>
-            <a:r>
-              <a:rPr lang="en-US" smtClean="0"/>
-              <a:t>Fifth level</a:t>
-            </a:r>
-            <a:endParaRPr lang="pt-BR"/>
-          </a:p>
-        </p:txBody>
-      </p:sp>
-      <p:sp>
-        <p:nvSpPr>
-          <p:cNvPr id="4" name="Date Placeholder 3"/>
-          <p:cNvSpPr>
-            <a:spLocks noGrp="1"/>
-          </p:cNvSpPr>
-          <p:nvPr>
-            <p:ph type="dt" sz="half" idx="10"/>
-          </p:nvPr>
-        </p:nvSpPr>
-        <p:spPr/>
-        <p:txBody>
-          <a:bodyPr/>
-          <a:lstStyle>
-            <a:lvl1pPr>
-              <a:defRPr/>
-            </a:lvl1pPr>
-          </a:lstStyle>
-          <a:p>
-            <a:pPr>
-              <a:defRPr/>
-            </a:pPr>
-            <a:fld id="{243AB77D-A21F-4738-9643-9CDF417A2EFE}" type="datetimeFigureOut">
-              <a:rPr lang="pt-BR"/>
-              <a:pPr>
-                <a:defRPr/>
-              </a:pPr>
-              <a:t>20/08/2017</a:t>
-            </a:fld>
-            <a:endParaRPr lang="pt-BR"/>
-          </a:p>
-        </p:txBody>
-      </p:sp>
-      <p:sp>
-        <p:nvSpPr>
-          <p:cNvPr id="5" name="Footer Placeholder 4"/>
-          <p:cNvSpPr>
-            <a:spLocks noGrp="1"/>
-          </p:cNvSpPr>
-          <p:nvPr>
-            <p:ph type="ftr" sz="quarter" idx="11"/>
-          </p:nvPr>
-        </p:nvSpPr>
-        <p:spPr/>
-        <p:txBody>
-          <a:bodyPr/>
-          <a:lstStyle>
-            <a:lvl1pPr>
-              <a:defRPr/>
-            </a:lvl1pPr>
-          </a:lstStyle>
-          <a:p>
-            <a:pPr>
-              <a:defRPr/>
-            </a:pPr>
-            <a:endParaRPr lang="pt-BR"/>
-          </a:p>
-        </p:txBody>
-      </p:sp>
-      <p:sp>
-        <p:nvSpPr>
-          <p:cNvPr id="6" name="Slide Number Placeholder 5"/>
-          <p:cNvSpPr>
-            <a:spLocks noGrp="1"/>
-          </p:cNvSpPr>
-          <p:nvPr>
-            <p:ph type="sldNum" sz="quarter" idx="12"/>
-          </p:nvPr>
-        </p:nvSpPr>
-        <p:spPr/>
-        <p:txBody>
-          <a:bodyPr/>
-          <a:lstStyle>
-            <a:lvl1pPr>
-              <a:defRPr/>
-            </a:lvl1pPr>
-          </a:lstStyle>
-          <a:p>
-            <a:pPr>
-              <a:defRPr/>
-            </a:pPr>
-            <a:fld id="{BE086370-A2B5-4B13-B7EC-90E284957230}" type="slidenum">
-              <a:rPr lang="pt-BR"/>
-              <a:pPr>
-                <a:defRPr/>
-              </a:pPr>
-              <a:t>‹#›</a:t>
-            </a:fld>
-            <a:endParaRPr lang="pt-BR"/>
-          </a:p>
-        </p:txBody>
-      </p:sp>
-    </p:spTree>
-  </p:cSld>
-  <p:clrMapOvr>
-    <a:masterClrMapping/>
-  </p:clrMapOvr>
-</p:sldLayout>
-</file>
-
-<file path=ppt/slideLayouts/slideLayout3.xml><?xml version="1.0" encoding="utf-8"?>
-<p:sldLayout xmlns:a="http://schemas.openxmlformats.org/drawingml/2006/main" xmlns:r="http://schemas.openxmlformats.org/officeDocument/2006/relationships" xmlns:p="http://schemas.openxmlformats.org/presentationml/2006/main" type="secHead" preserve="1">
-  <p:cSld name="Cabeçalho da Seção">
-    <p:spTree>
-      <p:nvGrpSpPr>
-        <p:cNvPr id="1" name=""/>
-        <p:cNvGrpSpPr/>
-        <p:nvPr/>
-      </p:nvGrpSpPr>
-      <p:grpSpPr>
-        <a:xfrm>
-          <a:off x="0" y="0"/>
-          <a:ext cx="0" cy="0"/>
-          <a:chOff x="0" y="0"/>
-          <a:chExt cx="0" cy="0"/>
-        </a:xfrm>
-      </p:grpSpPr>
-      <p:sp>
-        <p:nvSpPr>
-          <p:cNvPr id="2" name="Título 1"/>
-          <p:cNvSpPr>
-            <a:spLocks noGrp="1"/>
-          </p:cNvSpPr>
-          <p:nvPr>
-            <p:ph type="title"/>
-          </p:nvPr>
-        </p:nvSpPr>
-        <p:spPr>
-          <a:xfrm>
-            <a:off x="722313" y="4406900"/>
-            <a:ext cx="7772400" cy="1362075"/>
-          </a:xfrm>
-        </p:spPr>
-        <p:txBody>
-          <a:bodyPr anchor="t"/>
-          <a:lstStyle>
-            <a:lvl1pPr algn="l">
-              <a:defRPr sz="4000" b="1" cap="all"/>
-            </a:lvl1pPr>
-          </a:lstStyle>
-          <a:p>
-            <a:r>
-              <a:rPr lang="pt-BR" smtClean="0"/>
-              <a:t>Clique para editar o estilo do título mestre</a:t>
-            </a:r>
-            <a:endParaRPr lang="pt-BR"/>
-          </a:p>
-        </p:txBody>
-      </p:sp>
-      <p:sp>
-        <p:nvSpPr>
-          <p:cNvPr id="3" name="Espaço Reservado para Texto 2"/>
-          <p:cNvSpPr>
-            <a:spLocks noGrp="1"/>
-          </p:cNvSpPr>
-          <p:nvPr>
-            <p:ph type="body" idx="1"/>
-          </p:nvPr>
-        </p:nvSpPr>
-        <p:spPr>
-          <a:xfrm>
-            <a:off x="722313" y="2906713"/>
-            <a:ext cx="7772400" cy="1500187"/>
-          </a:xfrm>
-        </p:spPr>
-        <p:txBody>
-          <a:bodyPr anchor="b"/>
-          <a:lstStyle>
-            <a:lvl1pPr marL="0" indent="0">
-              <a:buNone/>
-              <a:defRPr sz="2000">
-                <a:solidFill>
-                  <a:schemeClr val="tx1">
-                    <a:tint val="75000"/>
-                  </a:schemeClr>
-                </a:solidFill>
-              </a:defRPr>
-            </a:lvl1pPr>
-            <a:lvl2pPr marL="457200" indent="0">
-              <a:buNone/>
-              <a:defRPr sz="1800">
-                <a:solidFill>
-                  <a:schemeClr val="tx1">
-                    <a:tint val="75000"/>
-                  </a:schemeClr>
-                </a:solidFill>
-              </a:defRPr>
-            </a:lvl2pPr>
-            <a:lvl3pPr marL="914400" indent="0">
-              <a:buNone/>
-              <a:defRPr sz="1600">
-                <a:solidFill>
-                  <a:schemeClr val="tx1">
-                    <a:tint val="75000"/>
-                  </a:schemeClr>
-                </a:solidFill>
-              </a:defRPr>
-            </a:lvl3pPr>
-            <a:lvl4pPr marL="1371600" indent="0">
-              <a:buNone/>
-              <a:defRPr sz="1400">
-                <a:solidFill>
-                  <a:schemeClr val="tx1">
-                    <a:tint val="75000"/>
-                  </a:schemeClr>
-                </a:solidFill>
-              </a:defRPr>
-            </a:lvl4pPr>
-            <a:lvl5pPr marL="1828800" indent="0">
-              <a:buNone/>
-              <a:defRPr sz="1400">
-                <a:solidFill>
-                  <a:schemeClr val="tx1">
-                    <a:tint val="75000"/>
-                  </a:schemeClr>
-                </a:solidFill>
-              </a:defRPr>
-            </a:lvl5pPr>
-            <a:lvl6pPr marL="2286000" indent="0">
-              <a:buNone/>
-              <a:defRPr sz="1400">
-                <a:solidFill>
-                  <a:schemeClr val="tx1">
-                    <a:tint val="75000"/>
-                  </a:schemeClr>
-                </a:solidFill>
-              </a:defRPr>
-            </a:lvl6pPr>
-            <a:lvl7pPr marL="2743200" indent="0">
-              <a:buNone/>
-              <a:defRPr sz="1400">
-                <a:solidFill>
-                  <a:schemeClr val="tx1">
-                    <a:tint val="75000"/>
-                  </a:schemeClr>
-                </a:solidFill>
-              </a:defRPr>
-            </a:lvl7pPr>
-            <a:lvl8pPr marL="3200400" indent="0">
-              <a:buNone/>
-              <a:defRPr sz="1400">
-                <a:solidFill>
-                  <a:schemeClr val="tx1">
-                    <a:tint val="75000"/>
-                  </a:schemeClr>
-                </a:solidFill>
-              </a:defRPr>
-            </a:lvl8pPr>
-            <a:lvl9pPr marL="3657600" indent="0">
-              <a:buNone/>
-              <a:defRPr sz="1400">
-                <a:solidFill>
-                  <a:schemeClr val="tx1">
-                    <a:tint val="75000"/>
-                  </a:schemeClr>
-                </a:solidFill>
-              </a:defRPr>
-            </a:lvl9pPr>
-          </a:lstStyle>
-          <a:p>
-            <a:pPr lvl="0"/>
-            <a:r>
-              <a:rPr lang="pt-BR" smtClean="0"/>
-              <a:t>Clique para editar os estilos do texto mestre</a:t>
-            </a:r>
-          </a:p>
-        </p:txBody>
-      </p:sp>
-      <p:sp>
-        <p:nvSpPr>
-          <p:cNvPr id="4" name="Espaço Reservado para Data 3"/>
-          <p:cNvSpPr>
-            <a:spLocks noGrp="1"/>
-          </p:cNvSpPr>
-          <p:nvPr>
-            <p:ph type="dt" sz="half" idx="10"/>
-          </p:nvPr>
-        </p:nvSpPr>
-        <p:spPr/>
-        <p:txBody>
-          <a:bodyPr/>
-          <a:lstStyle>
-            <a:lvl1pPr>
-              <a:defRPr/>
-            </a:lvl1pPr>
-          </a:lstStyle>
-          <a:p>
-            <a:pPr>
-              <a:defRPr/>
-            </a:pPr>
-            <a:fld id="{1BA6922B-2BDF-4CEF-A7E6-F3B29A435A15}" type="datetimeFigureOut">
-              <a:rPr lang="pt-BR"/>
-              <a:pPr>
-                <a:defRPr/>
-              </a:pPr>
-              <a:t>20/08/2017</a:t>
-            </a:fld>
-            <a:endParaRPr lang="pt-BR"/>
-          </a:p>
-        </p:txBody>
-      </p:sp>
-      <p:sp>
-        <p:nvSpPr>
-          <p:cNvPr id="5" name="Espaço Reservado para Rodapé 4"/>
-          <p:cNvSpPr>
-            <a:spLocks noGrp="1"/>
-          </p:cNvSpPr>
-          <p:nvPr>
-            <p:ph type="ftr" sz="quarter" idx="11"/>
-          </p:nvPr>
-        </p:nvSpPr>
-        <p:spPr/>
-        <p:txBody>
-          <a:bodyPr/>
-          <a:lstStyle>
-            <a:lvl1pPr>
-              <a:defRPr/>
-            </a:lvl1pPr>
-          </a:lstStyle>
-          <a:p>
-            <a:pPr>
-              <a:defRPr/>
-            </a:pPr>
-            <a:endParaRPr lang="pt-BR"/>
-          </a:p>
-        </p:txBody>
-      </p:sp>
-      <p:sp>
-        <p:nvSpPr>
-          <p:cNvPr id="6" name="Espaço Reservado para Número de Slide 5"/>
-          <p:cNvSpPr>
-            <a:spLocks noGrp="1"/>
-          </p:cNvSpPr>
-          <p:nvPr>
-            <p:ph type="sldNum" sz="quarter" idx="12"/>
-          </p:nvPr>
-        </p:nvSpPr>
-        <p:spPr/>
-        <p:txBody>
-          <a:bodyPr/>
-          <a:lstStyle>
-            <a:lvl1pPr>
-              <a:defRPr/>
-            </a:lvl1pPr>
-          </a:lstStyle>
-          <a:p>
-            <a:pPr>
-              <a:defRPr/>
-            </a:pPr>
-            <a:fld id="{80596EEF-8B05-42EB-8C6D-89180E55BE20}" type="slidenum">
-              <a:rPr lang="pt-BR"/>
-              <a:pPr>
-                <a:defRPr/>
-              </a:pPr>
-              <a:t>‹#›</a:t>
-            </a:fld>
-            <a:endParaRPr lang="pt-BR"/>
-          </a:p>
-        </p:txBody>
-      </p:sp>
-    </p:spTree>
-  </p:cSld>
-  <p:clrMapOvr>
-    <a:masterClrMapping/>
-  </p:clrMapOvr>
-</p:sldLayout>
-</file>
-
-<file path=ppt/slideLayouts/slideLayout4.xml><?xml version="1.0" encoding="utf-8"?>
-<p:sldLayout xmlns:a="http://schemas.openxmlformats.org/drawingml/2006/main" xmlns:r="http://schemas.openxmlformats.org/officeDocument/2006/relationships" xmlns:p="http://schemas.openxmlformats.org/presentationml/2006/main" type="twoObj" preserve="1">
-  <p:cSld name="Duas Partes de Conteúdo">
-    <p:spTree>
-      <p:nvGrpSpPr>
-        <p:cNvPr id="1" name=""/>
-        <p:cNvGrpSpPr/>
-        <p:nvPr/>
-      </p:nvGrpSpPr>
-      <p:grpSpPr>
-        <a:xfrm>
-          <a:off x="0" y="0"/>
-          <a:ext cx="0" cy="0"/>
-          <a:chOff x="0" y="0"/>
-          <a:chExt cx="0" cy="0"/>
-        </a:xfrm>
-      </p:grpSpPr>
-      <p:sp>
-        <p:nvSpPr>
-          <p:cNvPr id="2" name="Título 1"/>
-          <p:cNvSpPr>
-            <a:spLocks noGrp="1"/>
-          </p:cNvSpPr>
-          <p:nvPr>
-            <p:ph type="title"/>
-          </p:nvPr>
-        </p:nvSpPr>
-        <p:spPr/>
-        <p:txBody>
-          <a:bodyPr/>
-          <a:lstStyle/>
-          <a:p>
-            <a:r>
-              <a:rPr lang="pt-BR" smtClean="0"/>
-              <a:t>Clique para editar o estilo do título mestre</a:t>
-            </a:r>
-            <a:endParaRPr lang="pt-BR"/>
-          </a:p>
-        </p:txBody>
-      </p:sp>
-      <p:sp>
-        <p:nvSpPr>
-          <p:cNvPr id="3" name="Espaço Reservado para Conteúdo 2"/>
-          <p:cNvSpPr>
-            <a:spLocks noGrp="1"/>
-          </p:cNvSpPr>
-          <p:nvPr>
-            <p:ph sz="half" idx="1"/>
-          </p:nvPr>
-        </p:nvSpPr>
-        <p:spPr>
-          <a:xfrm>
-            <a:off x="457200" y="1600200"/>
-            <a:ext cx="4038600" cy="4525963"/>
-          </a:xfrm>
-        </p:spPr>
-        <p:txBody>
-          <a:bodyPr/>
-          <a:lstStyle>
-            <a:lvl1pPr>
-              <a:defRPr sz="2800"/>
-            </a:lvl1pPr>
-            <a:lvl2pPr>
-              <a:defRPr sz="2400"/>
-            </a:lvl2pPr>
-            <a:lvl3pPr>
-              <a:defRPr sz="2000"/>
-            </a:lvl3pPr>
-            <a:lvl4pPr>
-              <a:defRPr sz="1800"/>
-            </a:lvl4pPr>
-            <a:lvl5pPr>
-              <a:defRPr sz="1800"/>
-            </a:lvl5pPr>
-            <a:lvl6pPr>
-              <a:defRPr sz="1800"/>
-            </a:lvl6pPr>
-            <a:lvl7pPr>
-              <a:defRPr sz="1800"/>
-            </a:lvl7pPr>
-            <a:lvl8pPr>
-              <a:defRPr sz="1800"/>
-            </a:lvl8pPr>
-            <a:lvl9pPr>
-              <a:defRPr sz="1800"/>
-            </a:lvl9pPr>
-          </a:lstStyle>
-          <a:p>
-            <a:pPr lvl="0"/>
-            <a:r>
-              <a:rPr lang="pt-BR" smtClean="0"/>
-              <a:t>Clique para editar os estilos do texto mestre</a:t>
-            </a:r>
-          </a:p>
-          <a:p>
-            <a:pPr lvl="1"/>
-            <a:r>
-              <a:rPr lang="pt-BR" smtClean="0"/>
-              <a:t>Segundo nível</a:t>
-            </a:r>
-          </a:p>
-          <a:p>
-            <a:pPr lvl="2"/>
-            <a:r>
-              <a:rPr lang="pt-BR" smtClean="0"/>
-              <a:t>Terceiro nível</a:t>
-            </a:r>
-          </a:p>
-          <a:p>
-            <a:pPr lvl="3"/>
-            <a:r>
-              <a:rPr lang="pt-BR" smtClean="0"/>
-              <a:t>Quarto nível</a:t>
-            </a:r>
-          </a:p>
-          <a:p>
-            <a:pPr lvl="4"/>
-            <a:r>
-              <a:rPr lang="pt-BR" smtClean="0"/>
-              <a:t>Quinto nível</a:t>
-            </a:r>
-            <a:endParaRPr lang="pt-BR"/>
-          </a:p>
-        </p:txBody>
-      </p:sp>
-      <p:sp>
-        <p:nvSpPr>
-          <p:cNvPr id="4" name="Espaço Reservado para Conteúdo 3"/>
-          <p:cNvSpPr>
-            <a:spLocks noGrp="1"/>
-          </p:cNvSpPr>
-          <p:nvPr>
-            <p:ph sz="half" idx="2"/>
-          </p:nvPr>
-        </p:nvSpPr>
-        <p:spPr>
-          <a:xfrm>
-            <a:off x="4648200" y="1600200"/>
-            <a:ext cx="4038600" cy="4525963"/>
-          </a:xfrm>
-        </p:spPr>
-        <p:txBody>
-          <a:bodyPr/>
-          <a:lstStyle>
-            <a:lvl1pPr>
-              <a:defRPr sz="2800"/>
-            </a:lvl1pPr>
-            <a:lvl2pPr>
-              <a:defRPr sz="2400"/>
-            </a:lvl2pPr>
-            <a:lvl3pPr>
-              <a:defRPr sz="2000"/>
-            </a:lvl3pPr>
-            <a:lvl4pPr>
-              <a:defRPr sz="1800"/>
-            </a:lvl4pPr>
-            <a:lvl5pPr>
-              <a:defRPr sz="1800"/>
-            </a:lvl5pPr>
-            <a:lvl6pPr>
-              <a:defRPr sz="1800"/>
-            </a:lvl6pPr>
-            <a:lvl7pPr>
-              <a:defRPr sz="1800"/>
-            </a:lvl7pPr>
-            <a:lvl8pPr>
-              <a:defRPr sz="1800"/>
-            </a:lvl8pPr>
-            <a:lvl9pPr>
-              <a:defRPr sz="1800"/>
-            </a:lvl9pPr>
-          </a:lstStyle>
-          <a:p>
-            <a:pPr lvl="0"/>
-            <a:r>
-              <a:rPr lang="pt-BR" smtClean="0"/>
-              <a:t>Clique para editar os estilos do texto mestre</a:t>
-            </a:r>
-          </a:p>
-          <a:p>
-            <a:pPr lvl="1"/>
-            <a:r>
-              <a:rPr lang="pt-BR" smtClean="0"/>
-              <a:t>Segundo nível</a:t>
-            </a:r>
-          </a:p>
-          <a:p>
-            <a:pPr lvl="2"/>
-            <a:r>
-              <a:rPr lang="pt-BR" smtClean="0"/>
-              <a:t>Terceiro nível</a:t>
-            </a:r>
-          </a:p>
-          <a:p>
-            <a:pPr lvl="3"/>
-            <a:r>
-              <a:rPr lang="pt-BR" smtClean="0"/>
-              <a:t>Quarto nível</a:t>
-            </a:r>
-          </a:p>
-          <a:p>
-            <a:pPr lvl="4"/>
-            <a:r>
-              <a:rPr lang="pt-BR" smtClean="0"/>
-              <a:t>Quinto nível</a:t>
-            </a:r>
-            <a:endParaRPr lang="pt-BR"/>
-          </a:p>
-        </p:txBody>
-      </p:sp>
-      <p:sp>
-        <p:nvSpPr>
-          <p:cNvPr id="5" name="Espaço Reservado para Data 3"/>
-          <p:cNvSpPr>
-            <a:spLocks noGrp="1"/>
-          </p:cNvSpPr>
-          <p:nvPr>
-            <p:ph type="dt" sz="half" idx="10"/>
-          </p:nvPr>
-        </p:nvSpPr>
-        <p:spPr/>
-        <p:txBody>
-          <a:bodyPr/>
-          <a:lstStyle>
-            <a:lvl1pPr>
-              <a:defRPr/>
-            </a:lvl1pPr>
-          </a:lstStyle>
-          <a:p>
-            <a:pPr>
-              <a:defRPr/>
-            </a:pPr>
-            <a:fld id="{EBFAE2DC-4196-45CA-8756-DACAEB52FAFB}" type="datetimeFigureOut">
-              <a:rPr lang="pt-BR"/>
-              <a:pPr>
-                <a:defRPr/>
-              </a:pPr>
-              <a:t>20/08/2017</a:t>
-            </a:fld>
-            <a:endParaRPr lang="pt-BR"/>
-          </a:p>
-        </p:txBody>
-      </p:sp>
-      <p:sp>
-        <p:nvSpPr>
-          <p:cNvPr id="6" name="Espaço Reservado para Rodapé 4"/>
-          <p:cNvSpPr>
-            <a:spLocks noGrp="1"/>
-          </p:cNvSpPr>
-          <p:nvPr>
-            <p:ph type="ftr" sz="quarter" idx="11"/>
-          </p:nvPr>
-        </p:nvSpPr>
-        <p:spPr/>
-        <p:txBody>
-          <a:bodyPr/>
-          <a:lstStyle>
-            <a:lvl1pPr>
-              <a:defRPr/>
-            </a:lvl1pPr>
-          </a:lstStyle>
-          <a:p>
-            <a:pPr>
-              <a:defRPr/>
-            </a:pPr>
-            <a:endParaRPr lang="pt-BR"/>
-          </a:p>
-        </p:txBody>
-      </p:sp>
-      <p:sp>
-        <p:nvSpPr>
-          <p:cNvPr id="7" name="Espaço Reservado para Número de Slide 5"/>
-          <p:cNvSpPr>
-            <a:spLocks noGrp="1"/>
-          </p:cNvSpPr>
-          <p:nvPr>
-            <p:ph type="sldNum" sz="quarter" idx="12"/>
-          </p:nvPr>
-        </p:nvSpPr>
-        <p:spPr/>
-        <p:txBody>
-          <a:bodyPr/>
-          <a:lstStyle>
-            <a:lvl1pPr>
-              <a:defRPr/>
-            </a:lvl1pPr>
-          </a:lstStyle>
-          <a:p>
-            <a:pPr>
-              <a:defRPr/>
-            </a:pPr>
-            <a:fld id="{6644B502-BDD1-432E-82A2-9164CBC0B892}" type="slidenum">
-              <a:rPr lang="pt-BR"/>
-              <a:pPr>
-                <a:defRPr/>
-              </a:pPr>
-              <a:t>‹#›</a:t>
-            </a:fld>
-            <a:endParaRPr lang="pt-BR"/>
-          </a:p>
-        </p:txBody>
-      </p:sp>
-    </p:spTree>
-  </p:cSld>
-  <p:clrMapOvr>
-    <a:masterClrMapping/>
-  </p:clrMapOvr>
-</p:sldLayout>
-</file>
-
-<file path=ppt/slideLayouts/slideLayout5.xml><?xml version="1.0" encoding="utf-8"?>
-<p:sldLayout xmlns:a="http://schemas.openxmlformats.org/drawingml/2006/main" xmlns:r="http://schemas.openxmlformats.org/officeDocument/2006/relationships" xmlns:p="http://schemas.openxmlformats.org/presentationml/2006/main" type="twoTxTwoObj" preserve="1">
-  <p:cSld name="Comparação">
-    <p:spTree>
-      <p:nvGrpSpPr>
-        <p:cNvPr id="1" name=""/>
-        <p:cNvGrpSpPr/>
-        <p:nvPr/>
-      </p:nvGrpSpPr>
-      <p:grpSpPr>
-        <a:xfrm>
-          <a:off x="0" y="0"/>
-          <a:ext cx="0" cy="0"/>
-          <a:chOff x="0" y="0"/>
-          <a:chExt cx="0" cy="0"/>
-        </a:xfrm>
-      </p:grpSpPr>
-      <p:sp>
-        <p:nvSpPr>
-          <p:cNvPr id="2" name="Título 1"/>
-          <p:cNvSpPr>
-            <a:spLocks noGrp="1"/>
-          </p:cNvSpPr>
-          <p:nvPr>
-            <p:ph type="title"/>
-          </p:nvPr>
-        </p:nvSpPr>
-        <p:spPr/>
-        <p:txBody>
-          <a:bodyPr/>
-          <a:lstStyle>
-            <a:lvl1pPr>
-              <a:defRPr/>
-            </a:lvl1pPr>
-          </a:lstStyle>
-          <a:p>
-            <a:r>
-              <a:rPr lang="pt-BR" smtClean="0"/>
-              <a:t>Clique para editar o estilo do título mestre</a:t>
-            </a:r>
-            <a:endParaRPr lang="pt-BR"/>
-          </a:p>
-        </p:txBody>
-      </p:sp>
-      <p:sp>
-        <p:nvSpPr>
-          <p:cNvPr id="3" name="Espaço Reservado para Texto 2"/>
-          <p:cNvSpPr>
-            <a:spLocks noGrp="1"/>
-          </p:cNvSpPr>
-          <p:nvPr>
-            <p:ph type="body" idx="1"/>
-          </p:nvPr>
-        </p:nvSpPr>
-        <p:spPr>
-          <a:xfrm>
-            <a:off x="457200" y="1535113"/>
-            <a:ext cx="4040188" cy="639762"/>
-          </a:xfrm>
-        </p:spPr>
-        <p:txBody>
-          <a:bodyPr anchor="b"/>
-          <a:lstStyle>
-            <a:lvl1pPr marL="0" indent="0">
-              <a:buNone/>
-              <a:defRPr sz="2400" b="1"/>
-            </a:lvl1pPr>
-            <a:lvl2pPr marL="457200" indent="0">
-              <a:buNone/>
-              <a:defRPr sz="2000" b="1"/>
-            </a:lvl2pPr>
-            <a:lvl3pPr marL="914400" indent="0">
-              <a:buNone/>
-              <a:defRPr sz="1800" b="1"/>
-            </a:lvl3pPr>
-            <a:lvl4pPr marL="1371600" indent="0">
-              <a:buNone/>
-              <a:defRPr sz="1600" b="1"/>
-            </a:lvl4pPr>
-            <a:lvl5pPr marL="1828800" indent="0">
-              <a:buNone/>
-              <a:defRPr sz="1600" b="1"/>
-            </a:lvl5pPr>
-            <a:lvl6pPr marL="2286000" indent="0">
-              <a:buNone/>
-              <a:defRPr sz="1600" b="1"/>
-            </a:lvl6pPr>
-            <a:lvl7pPr marL="2743200" indent="0">
-              <a:buNone/>
-              <a:defRPr sz="1600" b="1"/>
-            </a:lvl7pPr>
-            <a:lvl8pPr marL="3200400" indent="0">
-              <a:buNone/>
-              <a:defRPr sz="1600" b="1"/>
-            </a:lvl8pPr>
-            <a:lvl9pPr marL="3657600" indent="0">
-              <a:buNone/>
-              <a:defRPr sz="1600" b="1"/>
-            </a:lvl9pPr>
-          </a:lstStyle>
-          <a:p>
-            <a:pPr lvl="0"/>
-            <a:r>
-              <a:rPr lang="pt-BR" smtClean="0"/>
-              <a:t>Clique para editar os estilos do texto mestre</a:t>
-            </a:r>
-          </a:p>
-        </p:txBody>
-      </p:sp>
-      <p:sp>
-        <p:nvSpPr>
-          <p:cNvPr id="4" name="Espaço Reservado para Conteúdo 3"/>
-          <p:cNvSpPr>
-            <a:spLocks noGrp="1"/>
-          </p:cNvSpPr>
-          <p:nvPr>
-            <p:ph sz="half" idx="2"/>
-          </p:nvPr>
-        </p:nvSpPr>
-        <p:spPr>
-          <a:xfrm>
-            <a:off x="457200" y="2174875"/>
-            <a:ext cx="4040188" cy="3951288"/>
-          </a:xfrm>
-        </p:spPr>
-        <p:txBody>
-          <a:bodyPr/>
-          <a:lstStyle>
-            <a:lvl1pPr>
-              <a:defRPr sz="2400"/>
-            </a:lvl1pPr>
-            <a:lvl2pPr>
-              <a:defRPr sz="2000"/>
-            </a:lvl2pPr>
-            <a:lvl3pPr>
-              <a:defRPr sz="1800"/>
-            </a:lvl3pPr>
-            <a:lvl4pPr>
-              <a:defRPr sz="1600"/>
-            </a:lvl4pPr>
-            <a:lvl5pPr>
-              <a:defRPr sz="1600"/>
-            </a:lvl5pPr>
-            <a:lvl6pPr>
-              <a:defRPr sz="1600"/>
-            </a:lvl6pPr>
-            <a:lvl7pPr>
-              <a:defRPr sz="1600"/>
-            </a:lvl7pPr>
-            <a:lvl8pPr>
-              <a:defRPr sz="1600"/>
-            </a:lvl8pPr>
-            <a:lvl9pPr>
-              <a:defRPr sz="1600"/>
-            </a:lvl9pPr>
-          </a:lstStyle>
-          <a:p>
-            <a:pPr lvl="0"/>
-            <a:r>
-              <a:rPr lang="pt-BR" smtClean="0"/>
-              <a:t>Clique para editar os estilos do texto mestre</a:t>
-            </a:r>
-          </a:p>
-          <a:p>
-            <a:pPr lvl="1"/>
-            <a:r>
-              <a:rPr lang="pt-BR" smtClean="0"/>
-              <a:t>Segundo nível</a:t>
-            </a:r>
-          </a:p>
-          <a:p>
-            <a:pPr lvl="2"/>
-            <a:r>
-              <a:rPr lang="pt-BR" smtClean="0"/>
-              <a:t>Terceiro nível</a:t>
-            </a:r>
-          </a:p>
-          <a:p>
-            <a:pPr lvl="3"/>
-            <a:r>
-              <a:rPr lang="pt-BR" smtClean="0"/>
-              <a:t>Quarto nível</a:t>
-            </a:r>
-          </a:p>
-          <a:p>
-            <a:pPr lvl="4"/>
-            <a:r>
-              <a:rPr lang="pt-BR" smtClean="0"/>
-              <a:t>Quinto nível</a:t>
-            </a:r>
-            <a:endParaRPr lang="pt-BR"/>
-          </a:p>
-        </p:txBody>
-      </p:sp>
-      <p:sp>
-        <p:nvSpPr>
-          <p:cNvPr id="5" name="Espaço Reservado para Texto 4"/>
-          <p:cNvSpPr>
-            <a:spLocks noGrp="1"/>
-          </p:cNvSpPr>
-          <p:nvPr>
-            <p:ph type="body" sz="quarter" idx="3"/>
-          </p:nvPr>
-        </p:nvSpPr>
-        <p:spPr>
-          <a:xfrm>
-            <a:off x="4645025" y="1535113"/>
-            <a:ext cx="4041775" cy="639762"/>
-          </a:xfrm>
-        </p:spPr>
-        <p:txBody>
-          <a:bodyPr anchor="b"/>
-          <a:lstStyle>
-            <a:lvl1pPr marL="0" indent="0">
-              <a:buNone/>
-              <a:defRPr sz="2400" b="1"/>
-            </a:lvl1pPr>
-            <a:lvl2pPr marL="457200" indent="0">
-              <a:buNone/>
-              <a:defRPr sz="2000" b="1"/>
-            </a:lvl2pPr>
-            <a:lvl3pPr marL="914400" indent="0">
-              <a:buNone/>
-              <a:defRPr sz="1800" b="1"/>
-            </a:lvl3pPr>
-            <a:lvl4pPr marL="1371600" indent="0">
-              <a:buNone/>
-              <a:defRPr sz="1600" b="1"/>
-            </a:lvl4pPr>
-            <a:lvl5pPr marL="1828800" indent="0">
-              <a:buNone/>
-              <a:defRPr sz="1600" b="1"/>
-            </a:lvl5pPr>
-            <a:lvl6pPr marL="2286000" indent="0">
-              <a:buNone/>
-              <a:defRPr sz="1600" b="1"/>
-            </a:lvl6pPr>
-            <a:lvl7pPr marL="2743200" indent="0">
-              <a:buNone/>
-              <a:defRPr sz="1600" b="1"/>
-            </a:lvl7pPr>
-            <a:lvl8pPr marL="3200400" indent="0">
-              <a:buNone/>
-              <a:defRPr sz="1600" b="1"/>
-            </a:lvl8pPr>
-            <a:lvl9pPr marL="3657600" indent="0">
-              <a:buNone/>
-              <a:defRPr sz="1600" b="1"/>
-            </a:lvl9pPr>
-          </a:lstStyle>
-          <a:p>
-            <a:pPr lvl="0"/>
-            <a:r>
-              <a:rPr lang="pt-BR" smtClean="0"/>
-              <a:t>Clique para editar os estilos do texto mestre</a:t>
-            </a:r>
-          </a:p>
-        </p:txBody>
-      </p:sp>
-      <p:sp>
-        <p:nvSpPr>
-          <p:cNvPr id="6" name="Espaço Reservado para Conteúdo 5"/>
-          <p:cNvSpPr>
-            <a:spLocks noGrp="1"/>
-          </p:cNvSpPr>
-          <p:nvPr>
-            <p:ph sz="quarter" idx="4"/>
-          </p:nvPr>
-        </p:nvSpPr>
-        <p:spPr>
-          <a:xfrm>
-            <a:off x="4645025" y="2174875"/>
-            <a:ext cx="4041775" cy="3951288"/>
-          </a:xfrm>
-        </p:spPr>
-        <p:txBody>
-          <a:bodyPr/>
-          <a:lstStyle>
-            <a:lvl1pPr>
-              <a:defRPr sz="2400"/>
-            </a:lvl1pPr>
-            <a:lvl2pPr>
-              <a:defRPr sz="2000"/>
-            </a:lvl2pPr>
-            <a:lvl3pPr>
-              <a:defRPr sz="1800"/>
-            </a:lvl3pPr>
-            <a:lvl4pPr>
-              <a:defRPr sz="1600"/>
-            </a:lvl4pPr>
-            <a:lvl5pPr>
-              <a:defRPr sz="1600"/>
-            </a:lvl5pPr>
-            <a:lvl6pPr>
-              <a:defRPr sz="1600"/>
-            </a:lvl6pPr>
-            <a:lvl7pPr>
-              <a:defRPr sz="1600"/>
-            </a:lvl7pPr>
-            <a:lvl8pPr>
-              <a:defRPr sz="1600"/>
-            </a:lvl8pPr>
-            <a:lvl9pPr>
-              <a:defRPr sz="1600"/>
-            </a:lvl9pPr>
-          </a:lstStyle>
-          <a:p>
-            <a:pPr lvl="0"/>
-            <a:r>
-              <a:rPr lang="pt-BR" smtClean="0"/>
-              <a:t>Clique para editar os estilos do texto mestre</a:t>
-            </a:r>
-          </a:p>
-          <a:p>
-            <a:pPr lvl="1"/>
-            <a:r>
-              <a:rPr lang="pt-BR" smtClean="0"/>
-              <a:t>Segundo nível</a:t>
-            </a:r>
-          </a:p>
-          <a:p>
-            <a:pPr lvl="2"/>
-            <a:r>
-              <a:rPr lang="pt-BR" smtClean="0"/>
-              <a:t>Terceiro nível</a:t>
-            </a:r>
-          </a:p>
-          <a:p>
-            <a:pPr lvl="3"/>
-            <a:r>
-              <a:rPr lang="pt-BR" smtClean="0"/>
-              <a:t>Quarto nível</a:t>
-            </a:r>
-          </a:p>
-          <a:p>
-            <a:pPr lvl="4"/>
-            <a:r>
-              <a:rPr lang="pt-BR" smtClean="0"/>
-              <a:t>Quinto nível</a:t>
-            </a:r>
-            <a:endParaRPr lang="pt-BR"/>
-          </a:p>
-        </p:txBody>
-      </p:sp>
-      <p:sp>
-        <p:nvSpPr>
-          <p:cNvPr id="7" name="Espaço Reservado para Data 3"/>
-          <p:cNvSpPr>
-            <a:spLocks noGrp="1"/>
-          </p:cNvSpPr>
-          <p:nvPr>
-            <p:ph type="dt" sz="half" idx="10"/>
-          </p:nvPr>
-        </p:nvSpPr>
-        <p:spPr/>
-        <p:txBody>
-          <a:bodyPr/>
-          <a:lstStyle>
-            <a:lvl1pPr>
-              <a:defRPr/>
-            </a:lvl1pPr>
-          </a:lstStyle>
-          <a:p>
-            <a:pPr>
-              <a:defRPr/>
-            </a:pPr>
-            <a:fld id="{C960DF0A-43FF-416D-A8D0-F30D5C4DE905}" type="datetimeFigureOut">
-              <a:rPr lang="pt-BR"/>
-              <a:pPr>
-                <a:defRPr/>
-              </a:pPr>
-              <a:t>20/08/2017</a:t>
-            </a:fld>
-            <a:endParaRPr lang="pt-BR"/>
-          </a:p>
-        </p:txBody>
-      </p:sp>
-      <p:sp>
-        <p:nvSpPr>
-          <p:cNvPr id="8" name="Espaço Reservado para Rodapé 4"/>
-          <p:cNvSpPr>
-            <a:spLocks noGrp="1"/>
-          </p:cNvSpPr>
-          <p:nvPr>
-            <p:ph type="ftr" sz="quarter" idx="11"/>
-          </p:nvPr>
-        </p:nvSpPr>
-        <p:spPr/>
-        <p:txBody>
-          <a:bodyPr/>
-          <a:lstStyle>
-            <a:lvl1pPr>
-              <a:defRPr/>
-            </a:lvl1pPr>
-          </a:lstStyle>
-          <a:p>
-            <a:pPr>
-              <a:defRPr/>
-            </a:pPr>
-            <a:endParaRPr lang="pt-BR"/>
-          </a:p>
-        </p:txBody>
-      </p:sp>
-      <p:sp>
-        <p:nvSpPr>
-          <p:cNvPr id="9" name="Espaço Reservado para Número de Slide 5"/>
-          <p:cNvSpPr>
-            <a:spLocks noGrp="1"/>
-          </p:cNvSpPr>
-          <p:nvPr>
-            <p:ph type="sldNum" sz="quarter" idx="12"/>
-          </p:nvPr>
-        </p:nvSpPr>
-        <p:spPr/>
-        <p:txBody>
-          <a:bodyPr/>
-          <a:lstStyle>
-            <a:lvl1pPr>
-              <a:defRPr/>
-            </a:lvl1pPr>
-          </a:lstStyle>
-          <a:p>
-            <a:pPr>
-              <a:defRPr/>
-            </a:pPr>
-            <a:fld id="{D3783154-DC5A-40CF-8515-277F46CB5D71}" type="slidenum">
-              <a:rPr lang="pt-BR"/>
-              <a:pPr>
-                <a:defRPr/>
-              </a:pPr>
-              <a:t>‹#›</a:t>
-            </a:fld>
-            <a:endParaRPr lang="pt-BR"/>
-          </a:p>
-        </p:txBody>
-      </p:sp>
-    </p:spTree>
-  </p:cSld>
-  <p:clrMapOvr>
-    <a:masterClrMapping/>
-  </p:clrMapOvr>
-</p:sldLayout>
-</file>
-
-<file path=ppt/slideLayouts/slideLayout6.xml><?xml version="1.0" encoding="utf-8"?>
-<p:sldLayout xmlns:a="http://schemas.openxmlformats.org/drawingml/2006/main" xmlns:r="http://schemas.openxmlformats.org/officeDocument/2006/relationships" xmlns:p="http://schemas.openxmlformats.org/presentationml/2006/main" type="titleOnly" preserve="1">
-  <p:cSld name="Somente título">
-    <p:spTree>
-      <p:nvGrpSpPr>
-        <p:cNvPr id="1" name=""/>
-        <p:cNvGrpSpPr/>
-        <p:nvPr/>
-      </p:nvGrpSpPr>
-      <p:grpSpPr>
-        <a:xfrm>
-          <a:off x="0" y="0"/>
-          <a:ext cx="0" cy="0"/>
-          <a:chOff x="0" y="0"/>
-          <a:chExt cx="0" cy="0"/>
-        </a:xfrm>
-      </p:grpSpPr>
-      <p:sp>
-        <p:nvSpPr>
-          <p:cNvPr id="2" name="Título 1"/>
-          <p:cNvSpPr>
-            <a:spLocks noGrp="1"/>
-          </p:cNvSpPr>
-          <p:nvPr>
-            <p:ph type="title"/>
-          </p:nvPr>
-        </p:nvSpPr>
-        <p:spPr/>
-        <p:txBody>
-          <a:bodyPr/>
-          <a:lstStyle/>
-          <a:p>
-            <a:r>
-              <a:rPr lang="pt-BR" smtClean="0"/>
-              <a:t>Clique para editar o estilo do título mestre</a:t>
-            </a:r>
-            <a:endParaRPr lang="pt-BR"/>
-          </a:p>
-        </p:txBody>
-      </p:sp>
-      <p:sp>
-        <p:nvSpPr>
-          <p:cNvPr id="3" name="Espaço Reservado para Data 3"/>
-          <p:cNvSpPr>
-            <a:spLocks noGrp="1"/>
-          </p:cNvSpPr>
-          <p:nvPr>
-            <p:ph type="dt" sz="half" idx="10"/>
-          </p:nvPr>
-        </p:nvSpPr>
-        <p:spPr/>
-        <p:txBody>
-          <a:bodyPr/>
-          <a:lstStyle>
-            <a:lvl1pPr>
-              <a:defRPr/>
-            </a:lvl1pPr>
-          </a:lstStyle>
-          <a:p>
-            <a:pPr>
-              <a:defRPr/>
-            </a:pPr>
-            <a:fld id="{2213286A-73AF-45CC-9502-D27CAC2702D3}" type="datetimeFigureOut">
-              <a:rPr lang="pt-BR"/>
-              <a:pPr>
-                <a:defRPr/>
-              </a:pPr>
-              <a:t>20/08/2017</a:t>
-            </a:fld>
-            <a:endParaRPr lang="pt-BR"/>
-          </a:p>
-        </p:txBody>
-      </p:sp>
-      <p:sp>
-        <p:nvSpPr>
-          <p:cNvPr id="4" name="Espaço Reservado para Rodapé 4"/>
-          <p:cNvSpPr>
-            <a:spLocks noGrp="1"/>
-          </p:cNvSpPr>
-          <p:nvPr>
-            <p:ph type="ftr" sz="quarter" idx="11"/>
-          </p:nvPr>
-        </p:nvSpPr>
-        <p:spPr/>
-        <p:txBody>
-          <a:bodyPr/>
-          <a:lstStyle>
-            <a:lvl1pPr>
-              <a:defRPr/>
-            </a:lvl1pPr>
-          </a:lstStyle>
-          <a:p>
-            <a:pPr>
-              <a:defRPr/>
-            </a:pPr>
-            <a:endParaRPr lang="pt-BR"/>
-          </a:p>
-        </p:txBody>
-      </p:sp>
-      <p:sp>
-        <p:nvSpPr>
-          <p:cNvPr id="5" name="Espaço Reservado para Número de Slide 5"/>
-          <p:cNvSpPr>
-            <a:spLocks noGrp="1"/>
-          </p:cNvSpPr>
-          <p:nvPr>
-            <p:ph type="sldNum" sz="quarter" idx="12"/>
-          </p:nvPr>
-        </p:nvSpPr>
-        <p:spPr/>
-        <p:txBody>
-          <a:bodyPr/>
-          <a:lstStyle>
-            <a:lvl1pPr>
-              <a:defRPr/>
-            </a:lvl1pPr>
-          </a:lstStyle>
-          <a:p>
-            <a:pPr>
-              <a:defRPr/>
-            </a:pPr>
-            <a:fld id="{51DD9637-61D4-4B06-A239-06888EC83ACD}" type="slidenum">
-              <a:rPr lang="pt-BR"/>
-              <a:pPr>
-                <a:defRPr/>
-              </a:pPr>
-              <a:t>‹#›</a:t>
-            </a:fld>
-            <a:endParaRPr lang="pt-BR"/>
-          </a:p>
-        </p:txBody>
-      </p:sp>
-    </p:spTree>
-  </p:cSld>
-  <p:clrMapOvr>
-    <a:masterClrMapping/>
-  </p:clrMapOvr>
-</p:sldLayout>
-</file>
-
-<file path=ppt/slideLayouts/slideLayout7.xml><?xml version="1.0" encoding="utf-8"?>
-<p:sldLayout xmlns:a="http://schemas.openxmlformats.org/drawingml/2006/main" xmlns:r="http://schemas.openxmlformats.org/officeDocument/2006/relationships" xmlns:p="http://schemas.openxmlformats.org/presentationml/2006/main" type="blank" preserve="1">
-  <p:cSld name="Em branco">
-    <p:spTree>
-      <p:nvGrpSpPr>
-        <p:cNvPr id="1" name=""/>
-        <p:cNvGrpSpPr/>
-        <p:nvPr/>
-      </p:nvGrpSpPr>
-      <p:grpSpPr>
-        <a:xfrm>
-          <a:off x="0" y="0"/>
-          <a:ext cx="0" cy="0"/>
-          <a:chOff x="0" y="0"/>
-          <a:chExt cx="0" cy="0"/>
-        </a:xfrm>
-      </p:grpSpPr>
-      <p:sp>
-        <p:nvSpPr>
-          <p:cNvPr id="2" name="Espaço Reservado para Data 3"/>
-          <p:cNvSpPr>
-            <a:spLocks noGrp="1"/>
-          </p:cNvSpPr>
-          <p:nvPr>
-            <p:ph type="dt" sz="half" idx="10"/>
-          </p:nvPr>
-        </p:nvSpPr>
-        <p:spPr/>
-        <p:txBody>
-          <a:bodyPr/>
-          <a:lstStyle>
-            <a:lvl1pPr>
-              <a:defRPr/>
-            </a:lvl1pPr>
-          </a:lstStyle>
-          <a:p>
-            <a:pPr>
-              <a:defRPr/>
-            </a:pPr>
-            <a:fld id="{2722E7E9-1735-4E8B-83C3-09DAAD0AD716}" type="datetimeFigureOut">
-              <a:rPr lang="pt-BR"/>
-              <a:pPr>
-                <a:defRPr/>
-              </a:pPr>
-              <a:t>20/08/2017</a:t>
-            </a:fld>
-            <a:endParaRPr lang="pt-BR"/>
-          </a:p>
-        </p:txBody>
-      </p:sp>
-      <p:sp>
-        <p:nvSpPr>
-          <p:cNvPr id="3" name="Espaço Reservado para Rodapé 4"/>
-          <p:cNvSpPr>
-            <a:spLocks noGrp="1"/>
-          </p:cNvSpPr>
-          <p:nvPr>
-            <p:ph type="ftr" sz="quarter" idx="11"/>
-          </p:nvPr>
-        </p:nvSpPr>
-        <p:spPr/>
-        <p:txBody>
-          <a:bodyPr/>
-          <a:lstStyle>
-            <a:lvl1pPr>
-              <a:defRPr/>
-            </a:lvl1pPr>
-          </a:lstStyle>
-          <a:p>
-            <a:pPr>
-              <a:defRPr/>
-            </a:pPr>
-            <a:endParaRPr lang="pt-BR"/>
-          </a:p>
-        </p:txBody>
-      </p:sp>
-      <p:sp>
-        <p:nvSpPr>
-          <p:cNvPr id="4" name="Espaço Reservado para Número de Slide 5"/>
-          <p:cNvSpPr>
-            <a:spLocks noGrp="1"/>
-          </p:cNvSpPr>
-          <p:nvPr>
-            <p:ph type="sldNum" sz="quarter" idx="12"/>
-          </p:nvPr>
-        </p:nvSpPr>
-        <p:spPr/>
-        <p:txBody>
-          <a:bodyPr/>
-          <a:lstStyle>
-            <a:lvl1pPr>
-              <a:defRPr/>
-            </a:lvl1pPr>
-          </a:lstStyle>
-          <a:p>
-            <a:pPr>
-              <a:defRPr/>
-            </a:pPr>
-            <a:fld id="{FFA4DAA0-ED68-4A9A-8C2F-C73AC274281E}" type="slidenum">
-              <a:rPr lang="pt-BR"/>
-              <a:pPr>
-                <a:defRPr/>
-              </a:pPr>
-              <a:t>‹#›</a:t>
-            </a:fld>
-            <a:endParaRPr lang="pt-BR"/>
-          </a:p>
-        </p:txBody>
-      </p:sp>
-    </p:spTree>
-  </p:cSld>
-  <p:clrMapOvr>
-    <a:masterClrMapping/>
-  </p:clrMapOvr>
-</p:sldLayout>
-</file>
-
-<file path=ppt/slideLayouts/slideLayout8.xml><?xml version="1.0" encoding="utf-8"?>
-<p:sldLayout xmlns:a="http://schemas.openxmlformats.org/drawingml/2006/main" xmlns:r="http://schemas.openxmlformats.org/officeDocument/2006/relationships" xmlns:p="http://schemas.openxmlformats.org/presentationml/2006/main" type="objTx" preserve="1">
-  <p:cSld name="Conteúdo com Legenda">
-    <p:spTree>
-      <p:nvGrpSpPr>
-        <p:cNvPr id="1" name=""/>
-        <p:cNvGrpSpPr/>
-        <p:nvPr/>
-      </p:nvGrpSpPr>
-      <p:grpSpPr>
-        <a:xfrm>
-          <a:off x="0" y="0"/>
-          <a:ext cx="0" cy="0"/>
-          <a:chOff x="0" y="0"/>
-          <a:chExt cx="0" cy="0"/>
-        </a:xfrm>
-      </p:grpSpPr>
-      <p:sp>
-        <p:nvSpPr>
-          <p:cNvPr id="2" name="Título 1"/>
-          <p:cNvSpPr>
-            <a:spLocks noGrp="1"/>
-          </p:cNvSpPr>
-          <p:nvPr>
-            <p:ph type="title"/>
-          </p:nvPr>
-        </p:nvSpPr>
-        <p:spPr>
-          <a:xfrm>
-            <a:off x="457200" y="273050"/>
-            <a:ext cx="3008313" cy="1162050"/>
-          </a:xfrm>
-        </p:spPr>
-        <p:txBody>
-          <a:bodyPr anchor="b"/>
-          <a:lstStyle>
-            <a:lvl1pPr algn="l">
-              <a:defRPr sz="2000" b="1"/>
-            </a:lvl1pPr>
-          </a:lstStyle>
-          <a:p>
-            <a:r>
-              <a:rPr lang="pt-BR" smtClean="0"/>
-              <a:t>Clique para editar o estilo do título mestre</a:t>
-            </a:r>
-            <a:endParaRPr lang="pt-BR"/>
-          </a:p>
-        </p:txBody>
-      </p:sp>
-      <p:sp>
-        <p:nvSpPr>
-          <p:cNvPr id="3" name="Espaço Reservado para Conteúdo 2"/>
-          <p:cNvSpPr>
-            <a:spLocks noGrp="1"/>
-          </p:cNvSpPr>
-          <p:nvPr>
-            <p:ph idx="1"/>
-          </p:nvPr>
-        </p:nvSpPr>
-        <p:spPr>
-          <a:xfrm>
-            <a:off x="3575050" y="273050"/>
-            <a:ext cx="5111750" cy="5853113"/>
-          </a:xfrm>
-        </p:spPr>
-        <p:txBody>
-          <a:bodyPr/>
-          <a:lstStyle>
-            <a:lvl1pPr>
-              <a:defRPr sz="3200"/>
-            </a:lvl1pPr>
-            <a:lvl2pPr>
-              <a:defRPr sz="2800"/>
-            </a:lvl2pPr>
-            <a:lvl3pPr>
-              <a:defRPr sz="2400"/>
-            </a:lvl3pPr>
-            <a:lvl4pPr>
-              <a:defRPr sz="2000"/>
-            </a:lvl4pPr>
-            <a:lvl5pPr>
-              <a:defRPr sz="2000"/>
-            </a:lvl5pPr>
-            <a:lvl6pPr>
-              <a:defRPr sz="2000"/>
-            </a:lvl6pPr>
-            <a:lvl7pPr>
-              <a:defRPr sz="2000"/>
-            </a:lvl7pPr>
-            <a:lvl8pPr>
-              <a:defRPr sz="2000"/>
-            </a:lvl8pPr>
-            <a:lvl9pPr>
-              <a:defRPr sz="2000"/>
-            </a:lvl9pPr>
-          </a:lstStyle>
-          <a:p>
-            <a:pPr lvl="0"/>
-            <a:r>
-              <a:rPr lang="pt-BR" smtClean="0"/>
-              <a:t>Clique para editar os estilos do texto mestre</a:t>
-            </a:r>
-          </a:p>
-          <a:p>
-            <a:pPr lvl="1"/>
-            <a:r>
-              <a:rPr lang="pt-BR" smtClean="0"/>
-              <a:t>Segundo nível</a:t>
-            </a:r>
-          </a:p>
-          <a:p>
-            <a:pPr lvl="2"/>
-            <a:r>
-              <a:rPr lang="pt-BR" smtClean="0"/>
-              <a:t>Terceiro nível</a:t>
-            </a:r>
-          </a:p>
-          <a:p>
-            <a:pPr lvl="3"/>
-            <a:r>
-              <a:rPr lang="pt-BR" smtClean="0"/>
-              <a:t>Quarto nível</a:t>
-            </a:r>
-          </a:p>
-          <a:p>
-            <a:pPr lvl="4"/>
-            <a:r>
-              <a:rPr lang="pt-BR" smtClean="0"/>
-              <a:t>Quinto nível</a:t>
-            </a:r>
-            <a:endParaRPr lang="pt-BR"/>
-          </a:p>
-        </p:txBody>
-      </p:sp>
-      <p:sp>
-        <p:nvSpPr>
-          <p:cNvPr id="4" name="Espaço Reservado para Texto 3"/>
-          <p:cNvSpPr>
-            <a:spLocks noGrp="1"/>
-          </p:cNvSpPr>
-          <p:nvPr>
-            <p:ph type="body" sz="half" idx="2"/>
-          </p:nvPr>
-        </p:nvSpPr>
-        <p:spPr>
-          <a:xfrm>
-            <a:off x="457200" y="1435100"/>
-            <a:ext cx="3008313" cy="4691063"/>
-          </a:xfrm>
-        </p:spPr>
-        <p:txBody>
-          <a:bodyPr/>
-          <a:lstStyle>
-            <a:lvl1pPr marL="0" indent="0">
-              <a:buNone/>
-              <a:defRPr sz="1400"/>
-            </a:lvl1pPr>
-            <a:lvl2pPr marL="457200" indent="0">
-              <a:buNone/>
-              <a:defRPr sz="1200"/>
-            </a:lvl2pPr>
-            <a:lvl3pPr marL="914400" indent="0">
-              <a:buNone/>
-              <a:defRPr sz="1000"/>
-            </a:lvl3pPr>
-            <a:lvl4pPr marL="1371600" indent="0">
-              <a:buNone/>
-              <a:defRPr sz="900"/>
-            </a:lvl4pPr>
-            <a:lvl5pPr marL="1828800" indent="0">
-              <a:buNone/>
-              <a:defRPr sz="900"/>
-            </a:lvl5pPr>
-            <a:lvl6pPr marL="2286000" indent="0">
-              <a:buNone/>
-              <a:defRPr sz="900"/>
-            </a:lvl6pPr>
-            <a:lvl7pPr marL="2743200" indent="0">
-              <a:buNone/>
-              <a:defRPr sz="900"/>
-            </a:lvl7pPr>
-            <a:lvl8pPr marL="3200400" indent="0">
-              <a:buNone/>
-              <a:defRPr sz="900"/>
-            </a:lvl8pPr>
-            <a:lvl9pPr marL="3657600" indent="0">
-              <a:buNone/>
-              <a:defRPr sz="900"/>
-            </a:lvl9pPr>
-          </a:lstStyle>
-          <a:p>
-            <a:pPr lvl="0"/>
-            <a:r>
-              <a:rPr lang="pt-BR" smtClean="0"/>
-              <a:t>Clique para editar os estilos do texto mestre</a:t>
-            </a:r>
-          </a:p>
-        </p:txBody>
-      </p:sp>
-      <p:sp>
-        <p:nvSpPr>
-          <p:cNvPr id="5" name="Espaço Reservado para Data 3"/>
-          <p:cNvSpPr>
-            <a:spLocks noGrp="1"/>
-          </p:cNvSpPr>
-          <p:nvPr>
-            <p:ph type="dt" sz="half" idx="10"/>
-          </p:nvPr>
-        </p:nvSpPr>
-        <p:spPr/>
-        <p:txBody>
-          <a:bodyPr/>
-          <a:lstStyle>
-            <a:lvl1pPr>
-              <a:defRPr/>
-            </a:lvl1pPr>
-          </a:lstStyle>
-          <a:p>
-            <a:pPr>
-              <a:defRPr/>
-            </a:pPr>
-            <a:fld id="{43C10E8D-B352-4655-82F8-208730EDC59D}" type="datetimeFigureOut">
-              <a:rPr lang="pt-BR"/>
-              <a:pPr>
-                <a:defRPr/>
-              </a:pPr>
-              <a:t>20/08/2017</a:t>
-            </a:fld>
-            <a:endParaRPr lang="pt-BR"/>
-          </a:p>
-        </p:txBody>
-      </p:sp>
-      <p:sp>
-        <p:nvSpPr>
-          <p:cNvPr id="6" name="Espaço Reservado para Rodapé 4"/>
-          <p:cNvSpPr>
-            <a:spLocks noGrp="1"/>
-          </p:cNvSpPr>
-          <p:nvPr>
-            <p:ph type="ftr" sz="quarter" idx="11"/>
-          </p:nvPr>
-        </p:nvSpPr>
-        <p:spPr/>
-        <p:txBody>
-          <a:bodyPr/>
-          <a:lstStyle>
-            <a:lvl1pPr>
-              <a:defRPr/>
-            </a:lvl1pPr>
-          </a:lstStyle>
-          <a:p>
-            <a:pPr>
-              <a:defRPr/>
-            </a:pPr>
-            <a:endParaRPr lang="pt-BR"/>
-          </a:p>
-        </p:txBody>
-      </p:sp>
-      <p:sp>
-        <p:nvSpPr>
-          <p:cNvPr id="7" name="Espaço Reservado para Número de Slide 5"/>
-          <p:cNvSpPr>
-            <a:spLocks noGrp="1"/>
-          </p:cNvSpPr>
-          <p:nvPr>
-            <p:ph type="sldNum" sz="quarter" idx="12"/>
-          </p:nvPr>
-        </p:nvSpPr>
-        <p:spPr/>
-        <p:txBody>
-          <a:bodyPr/>
-          <a:lstStyle>
-            <a:lvl1pPr>
-              <a:defRPr/>
-            </a:lvl1pPr>
-          </a:lstStyle>
-          <a:p>
-            <a:pPr>
-              <a:defRPr/>
-            </a:pPr>
-            <a:fld id="{4211F026-2516-46DF-B435-1762C11B6E01}" type="slidenum">
-              <a:rPr lang="pt-BR"/>
-              <a:pPr>
-                <a:defRPr/>
-              </a:pPr>
-              <a:t>‹#›</a:t>
-            </a:fld>
-            <a:endParaRPr lang="pt-BR"/>
-          </a:p>
-        </p:txBody>
-      </p:sp>
-    </p:spTree>
-  </p:cSld>
-  <p:clrMapOvr>
-    <a:masterClrMapping/>
-  </p:clrMapOvr>
-</p:sldLayout>
-</file>
-
-<file path=ppt/slideLayouts/slideLayout9.xml><?xml version="1.0" encoding="utf-8"?>
-<p:sldLayout xmlns:a="http://schemas.openxmlformats.org/drawingml/2006/main" xmlns:r="http://schemas.openxmlformats.org/officeDocument/2006/relationships" xmlns:p="http://schemas.openxmlformats.org/presentationml/2006/main" type="vertTx" preserve="1">
-  <p:cSld name="Título e texto vertical">
-    <p:spTree>
-      <p:nvGrpSpPr>
-        <p:cNvPr id="1" name=""/>
-        <p:cNvGrpSpPr/>
-        <p:nvPr/>
-      </p:nvGrpSpPr>
-      <p:grpSpPr>
-        <a:xfrm>
-          <a:off x="0" y="0"/>
-          <a:ext cx="0" cy="0"/>
-          <a:chOff x="0" y="0"/>
-          <a:chExt cx="0" cy="0"/>
-        </a:xfrm>
-      </p:grpSpPr>
-      <p:pic>
-        <p:nvPicPr>
-          <p:cNvPr id="4" name="Picture 2"/>
-          <p:cNvPicPr>
-            <a:picLocks noChangeAspect="1" noChangeArrowheads="1"/>
-          </p:cNvPicPr>
-          <p:nvPr userDrawn="1"/>
-        </p:nvPicPr>
-        <p:blipFill>
-          <a:blip r:embed="rId2" cstate="print"/>
-          <a:srcRect l="52994" t="61194" r="26041" b="19403"/>
-          <a:stretch>
-            <a:fillRect/>
-          </a:stretch>
-        </p:blipFill>
-        <p:spPr bwMode="auto">
-          <a:xfrm>
-            <a:off x="7524750" y="5949950"/>
-            <a:ext cx="1479550" cy="773113"/>
-          </a:xfrm>
-          <a:prstGeom prst="rect">
-            <a:avLst/>
-          </a:prstGeom>
-          <a:noFill/>
-          <a:ln w="9525">
-            <a:noFill/>
-            <a:miter lim="800000"/>
-            <a:headEnd/>
-            <a:tailEnd/>
-          </a:ln>
-        </p:spPr>
-      </p:pic>
-      <p:pic>
-        <p:nvPicPr>
-          <p:cNvPr id="5" name="Picture 3"/>
-          <p:cNvPicPr>
-            <a:picLocks noChangeAspect="1" noChangeArrowheads="1"/>
-          </p:cNvPicPr>
-          <p:nvPr userDrawn="1"/>
-        </p:nvPicPr>
-        <p:blipFill>
-          <a:blip r:embed="rId3" cstate="print"/>
-          <a:srcRect/>
-          <a:stretch>
-            <a:fillRect/>
-          </a:stretch>
-        </p:blipFill>
-        <p:spPr bwMode="auto">
-          <a:xfrm>
-            <a:off x="0" y="-26988"/>
-            <a:ext cx="9144000" cy="1670051"/>
-          </a:xfrm>
-          <a:prstGeom prst="rect">
-            <a:avLst/>
-          </a:prstGeom>
-          <a:noFill/>
-          <a:ln w="9525">
-            <a:noFill/>
-            <a:miter lim="800000"/>
-            <a:headEnd/>
-            <a:tailEnd/>
-          </a:ln>
-        </p:spPr>
-      </p:pic>
-      <p:sp>
-        <p:nvSpPr>
-          <p:cNvPr id="2" name="Título 1"/>
-          <p:cNvSpPr>
-            <a:spLocks noGrp="1"/>
-          </p:cNvSpPr>
-          <p:nvPr>
-            <p:ph type="title"/>
-          </p:nvPr>
-        </p:nvSpPr>
-        <p:spPr/>
-        <p:txBody>
-          <a:bodyPr/>
-          <a:lstStyle/>
-          <a:p>
-            <a:r>
-              <a:rPr lang="pt-BR" dirty="0" smtClean="0"/>
-              <a:t>Clique para editar o estilo do título mestre</a:t>
-            </a:r>
-            <a:endParaRPr lang="pt-BR" dirty="0"/>
-          </a:p>
-        </p:txBody>
-      </p:sp>
-      <p:sp>
-        <p:nvSpPr>
-          <p:cNvPr id="3" name="Espaço Reservado para Texto Vertical 2"/>
-          <p:cNvSpPr>
-            <a:spLocks noGrp="1"/>
-          </p:cNvSpPr>
-          <p:nvPr>
-            <p:ph type="body" orient="vert" idx="1"/>
-          </p:nvPr>
-        </p:nvSpPr>
-        <p:spPr/>
-        <p:txBody>
-          <a:bodyPr vert="eaVert"/>
-          <a:lstStyle>
-            <a:lvl1pPr>
-              <a:defRPr>
-                <a:solidFill>
-                  <a:schemeClr val="accent2">
-                    <a:lumMod val="75000"/>
-                    <a:lumOff val="25000"/>
-                  </a:schemeClr>
-                </a:solidFill>
-              </a:defRPr>
-            </a:lvl1pPr>
-            <a:lvl2pPr>
-              <a:defRPr>
-                <a:solidFill>
-                  <a:schemeClr val="accent2">
-                    <a:lumMod val="75000"/>
-                    <a:lumOff val="25000"/>
-                  </a:schemeClr>
-                </a:solidFill>
-              </a:defRPr>
-            </a:lvl2pPr>
-            <a:lvl3pPr>
-              <a:defRPr>
-                <a:solidFill>
-                  <a:schemeClr val="accent2">
-                    <a:lumMod val="75000"/>
-                    <a:lumOff val="25000"/>
-                  </a:schemeClr>
-                </a:solidFill>
-              </a:defRPr>
-            </a:lvl3pPr>
-            <a:lvl4pPr>
-              <a:defRPr>
-                <a:solidFill>
-                  <a:schemeClr val="accent2">
-                    <a:lumMod val="75000"/>
-                    <a:lumOff val="25000"/>
-                  </a:schemeClr>
-                </a:solidFill>
-              </a:defRPr>
-            </a:lvl4pPr>
-            <a:lvl5pPr>
-              <a:defRPr>
-                <a:solidFill>
-                  <a:schemeClr val="accent2">
-                    <a:lumMod val="75000"/>
-                    <a:lumOff val="25000"/>
-                  </a:schemeClr>
-                </a:solidFill>
-              </a:defRPr>
-            </a:lvl5pPr>
-          </a:lstStyle>
-          <a:p>
-            <a:pPr lvl="0"/>
-            <a:r>
-              <a:rPr lang="pt-BR" dirty="0" smtClean="0"/>
-              <a:t>Clique para editar os estilos do texto mestre</a:t>
-            </a:r>
-          </a:p>
-          <a:p>
-            <a:pPr lvl="1"/>
-            <a:r>
-              <a:rPr lang="pt-BR" dirty="0" smtClean="0"/>
-              <a:t>Segundo nível</a:t>
-            </a:r>
-          </a:p>
-          <a:p>
-            <a:pPr lvl="2"/>
-            <a:r>
-              <a:rPr lang="pt-BR" dirty="0" smtClean="0"/>
-              <a:t>Terceiro nível</a:t>
-            </a:r>
-          </a:p>
-          <a:p>
-            <a:pPr lvl="3"/>
-            <a:r>
-              <a:rPr lang="pt-BR" dirty="0" smtClean="0"/>
-              <a:t>Quarto nível</a:t>
-            </a:r>
-          </a:p>
-          <a:p>
-            <a:pPr lvl="4"/>
-            <a:r>
-              <a:rPr lang="pt-BR" dirty="0" smtClean="0"/>
-              <a:t>Quinto nível</a:t>
-            </a:r>
-            <a:endParaRPr lang="pt-BR" dirty="0"/>
-          </a:p>
-        </p:txBody>
-      </p:sp>
-      <p:sp>
-        <p:nvSpPr>
-          <p:cNvPr id="6" name="Espaço Reservado para Data 3"/>
-          <p:cNvSpPr>
-            <a:spLocks noGrp="1"/>
-          </p:cNvSpPr>
-          <p:nvPr>
-            <p:ph type="dt" sz="half" idx="10"/>
-          </p:nvPr>
-        </p:nvSpPr>
-        <p:spPr/>
-        <p:txBody>
-          <a:bodyPr/>
-          <a:lstStyle>
-            <a:lvl1pPr>
-              <a:defRPr/>
-            </a:lvl1pPr>
-          </a:lstStyle>
-          <a:p>
-            <a:pPr>
-              <a:defRPr/>
-            </a:pPr>
-            <a:fld id="{1A5A5A01-7B2B-4A95-8D01-B1E2F00D60BB}" type="datetimeFigureOut">
-              <a:rPr lang="pt-BR"/>
-              <a:pPr>
-                <a:defRPr/>
-              </a:pPr>
-              <a:t>20/08/2017</a:t>
-            </a:fld>
-            <a:endParaRPr lang="pt-BR"/>
-          </a:p>
-        </p:txBody>
-      </p:sp>
-      <p:sp>
-        <p:nvSpPr>
-          <p:cNvPr id="7" name="Espaço Reservado para Rodapé 4"/>
-          <p:cNvSpPr>
-            <a:spLocks noGrp="1"/>
-          </p:cNvSpPr>
-          <p:nvPr>
-            <p:ph type="ftr" sz="quarter" idx="11"/>
-          </p:nvPr>
-        </p:nvSpPr>
-        <p:spPr/>
-        <p:txBody>
-          <a:bodyPr/>
-          <a:lstStyle>
-            <a:lvl1pPr>
-              <a:defRPr/>
-            </a:lvl1pPr>
-          </a:lstStyle>
-          <a:p>
-            <a:pPr>
-              <a:defRPr/>
-            </a:pPr>
-            <a:endParaRPr lang="pt-BR"/>
-          </a:p>
-        </p:txBody>
-      </p:sp>
-      <p:sp>
-        <p:nvSpPr>
-          <p:cNvPr id="8" name="Espaço Reservado para Número de Slide 5"/>
-          <p:cNvSpPr>
-            <a:spLocks noGrp="1"/>
-          </p:cNvSpPr>
-          <p:nvPr>
-            <p:ph type="sldNum" sz="quarter" idx="12"/>
-          </p:nvPr>
-        </p:nvSpPr>
-        <p:spPr/>
-        <p:txBody>
-          <a:bodyPr/>
-          <a:lstStyle>
-            <a:lvl1pPr>
-              <a:defRPr/>
-            </a:lvl1pPr>
-          </a:lstStyle>
-          <a:p>
-            <a:pPr>
-              <a:defRPr/>
-            </a:pPr>
-            <a:fld id="{3548931E-E3BB-4E25-9E03-E3B6E50D1FD8}" type="slidenum">
               <a:rPr lang="pt-BR"/>
               <a:pPr>
                 <a:defRPr/>
@@ -6454,7 +3889,7 @@
       </p:grpSpPr>
       <p:sp>
         <p:nvSpPr>
-          <p:cNvPr id="1026" name="Espaço Reservado para Título 1"/>
+          <p:cNvPr id="2" name="Espaço Reservado para Título 1"/>
           <p:cNvSpPr>
             <a:spLocks noGrp="1"/>
           </p:cNvSpPr>
@@ -6462,7 +3897,7 @@
             <p:ph type="title"/>
           </p:nvPr>
         </p:nvSpPr>
-        <p:spPr bwMode="auto">
+        <p:spPr>
           <a:xfrm>
             <a:off x="457200" y="274638"/>
             <a:ext cx="8229600" cy="1143000"/>
@@ -6470,33 +3905,24 @@
           <a:prstGeom prst="rect">
             <a:avLst/>
           </a:prstGeom>
-          <a:noFill/>
-          <a:ln w="9525">
-            <a:noFill/>
-            <a:miter lim="800000"/>
-            <a:headEnd/>
-            <a:tailEnd/>
-          </a:ln>
         </p:spPr>
         <p:txBody>
-          <a:bodyPr vert="horz" wrap="square" lIns="91440" tIns="45720" rIns="91440" bIns="45720" numCol="1" anchor="ctr" anchorCtr="0" compatLnSpc="1">
-            <a:prstTxWarp prst="textNoShape">
-              <a:avLst/>
-            </a:prstTxWarp>
+          <a:bodyPr vert="horz" lIns="91440" tIns="45720" rIns="91440" bIns="45720" rtlCol="0" anchor="ctr">
+            <a:normAutofit/>
           </a:bodyPr>
           <a:lstStyle/>
           <a:p>
-            <a:pPr lvl="0"/>
-            <a:r>
-              <a:rPr lang="pt-BR" altLang="pt-BR" smtClean="0"/>
+            <a:r>
+              <a:rPr lang="pt-BR" dirty="0" smtClean="0"/>
               <a:t>Clique para editar o estilo do título mestre</a:t>
             </a:r>
-          </a:p>
-        </p:txBody>
-      </p:sp>
-      <p:sp>
-        <p:nvSpPr>
-          <p:cNvPr id="1027" name="Espaço Reservado para Texto 2"/>
+            <a:endParaRPr lang="pt-BR" dirty="0"/>
+          </a:p>
+        </p:txBody>
+      </p:sp>
+      <p:sp>
+        <p:nvSpPr>
+          <p:cNvPr id="3" name="Espaço Reservado para Texto 2"/>
           <p:cNvSpPr>
             <a:spLocks noGrp="1"/>
           </p:cNvSpPr>
@@ -6504,7 +3930,7 @@
             <p:ph type="body" idx="1"/>
           </p:nvPr>
         </p:nvSpPr>
-        <p:spPr bwMode="auto">
+        <p:spPr>
           <a:xfrm>
             <a:off x="457200" y="1600200"/>
             <a:ext cx="8229600" cy="4525963"/>
@@ -6512,55 +3938,47 @@
           <a:prstGeom prst="rect">
             <a:avLst/>
           </a:prstGeom>
-          <a:noFill/>
-          <a:ln w="9525">
-            <a:noFill/>
-            <a:miter lim="800000"/>
-            <a:headEnd/>
-            <a:tailEnd/>
-          </a:ln>
         </p:spPr>
         <p:txBody>
-          <a:bodyPr vert="horz" wrap="square" lIns="91440" tIns="45720" rIns="91440" bIns="45720" numCol="1" anchor="t" anchorCtr="0" compatLnSpc="1">
-            <a:prstTxWarp prst="textNoShape">
-              <a:avLst/>
-            </a:prstTxWarp>
+          <a:bodyPr vert="horz" lIns="91440" tIns="45720" rIns="91440" bIns="45720" rtlCol="0">
+            <a:normAutofit/>
           </a:bodyPr>
           <a:lstStyle/>
           <a:p>
             <a:pPr lvl="0"/>
             <a:r>
-              <a:rPr lang="pt-BR" altLang="pt-BR" smtClean="0"/>
+              <a:rPr lang="pt-BR" dirty="0" smtClean="0"/>
               <a:t>Clique para editar os estilos do texto mestre</a:t>
             </a:r>
           </a:p>
           <a:p>
             <a:pPr lvl="1"/>
             <a:r>
-              <a:rPr lang="pt-BR" altLang="pt-BR" smtClean="0"/>
+              <a:rPr lang="pt-BR" dirty="0" smtClean="0"/>
               <a:t>Segundo nível</a:t>
             </a:r>
           </a:p>
           <a:p>
             <a:pPr lvl="2"/>
             <a:r>
-              <a:rPr lang="pt-BR" altLang="pt-BR" smtClean="0"/>
+              <a:rPr lang="pt-BR" dirty="0" smtClean="0"/>
               <a:t>Terceiro nível</a:t>
             </a:r>
           </a:p>
           <a:p>
             <a:pPr lvl="3"/>
             <a:r>
-              <a:rPr lang="pt-BR" altLang="pt-BR" smtClean="0"/>
+              <a:rPr lang="pt-BR" dirty="0" smtClean="0"/>
               <a:t>Quarto nível</a:t>
             </a:r>
           </a:p>
           <a:p>
             <a:pPr lvl="4"/>
             <a:r>
-              <a:rPr lang="pt-BR" altLang="pt-BR" smtClean="0"/>
+              <a:rPr lang="pt-BR" dirty="0" smtClean="0"/>
               <a:t>Quinto nível</a:t>
             </a:r>
+            <a:endParaRPr lang="pt-BR" dirty="0"/>
           </a:p>
         </p:txBody>
       </p:sp>
@@ -6586,34 +4004,21 @@
         <p:txBody>
           <a:bodyPr vert="horz" lIns="91440" tIns="45720" rIns="91440" bIns="45720" rtlCol="0" anchor="ctr"/>
           <a:lstStyle>
-            <a:lvl1pPr algn="l" fontAlgn="auto">
-              <a:spcBef>
-                <a:spcPts val="0"/>
-              </a:spcBef>
-              <a:spcAft>
-                <a:spcPts val="0"/>
-              </a:spcAft>
+            <a:lvl1pPr algn="l">
               <a:defRPr sz="1200">
                 <a:solidFill>
                   <a:schemeClr val="tx1">
                     <a:tint val="75000"/>
                   </a:schemeClr>
                 </a:solidFill>
-                <a:latin typeface="+mn-lt"/>
-                <a:cs typeface="+mn-cs"/>
               </a:defRPr>
             </a:lvl1pPr>
           </a:lstStyle>
           <a:p>
-            <a:pPr>
-              <a:defRPr/>
-            </a:pPr>
-            <a:fld id="{34C12B47-B88C-4C2B-B652-A11158C9AE95}" type="datetimeFigureOut">
-              <a:rPr lang="pt-BR"/>
-              <a:pPr>
-                <a:defRPr/>
-              </a:pPr>
-              <a:t>20/08/2017</a:t>
+            <a:fld id="{2E700DB3-DBF0-4086-B675-117E7A9610B8}" type="datetimeFigureOut">
+              <a:rPr lang="pt-BR" smtClean="0"/>
+              <a:pPr/>
+              <a:t>13/03/2019</a:t>
             </a:fld>
             <a:endParaRPr lang="pt-BR"/>
           </a:p>
@@ -6641,28 +4046,17 @@
         <p:txBody>
           <a:bodyPr vert="horz" lIns="91440" tIns="45720" rIns="91440" bIns="45720" rtlCol="0" anchor="ctr"/>
           <a:lstStyle>
-            <a:lvl1pPr algn="ctr" fontAlgn="auto">
-              <a:spcBef>
-                <a:spcPts val="0"/>
-              </a:spcBef>
-              <a:spcAft>
-                <a:spcPts val="0"/>
-              </a:spcAft>
+            <a:lvl1pPr algn="ctr">
               <a:defRPr sz="1200">
                 <a:solidFill>
                   <a:schemeClr val="tx1">
                     <a:tint val="75000"/>
                   </a:schemeClr>
                 </a:solidFill>
-                <a:latin typeface="+mn-lt"/>
-                <a:cs typeface="+mn-cs"/>
               </a:defRPr>
             </a:lvl1pPr>
           </a:lstStyle>
           <a:p>
-            <a:pPr>
-              <a:defRPr/>
-            </a:pPr>
             <a:endParaRPr lang="pt-BR"/>
           </a:p>
         </p:txBody>
@@ -6689,33 +4083,20 @@
         <p:txBody>
           <a:bodyPr vert="horz" lIns="91440" tIns="45720" rIns="91440" bIns="45720" rtlCol="0" anchor="ctr"/>
           <a:lstStyle>
-            <a:lvl1pPr algn="r" fontAlgn="auto">
-              <a:spcBef>
-                <a:spcPts val="0"/>
-              </a:spcBef>
-              <a:spcAft>
-                <a:spcPts val="0"/>
-              </a:spcAft>
+            <a:lvl1pPr algn="r">
               <a:defRPr sz="1200">
                 <a:solidFill>
                   <a:schemeClr val="tx1">
                     <a:tint val="75000"/>
                   </a:schemeClr>
                 </a:solidFill>
-                <a:latin typeface="+mn-lt"/>
-                <a:cs typeface="+mn-cs"/>
               </a:defRPr>
             </a:lvl1pPr>
           </a:lstStyle>
           <a:p>
-            <a:pPr>
-              <a:defRPr/>
-            </a:pPr>
-            <a:fld id="{5EE58044-CB32-4C1C-B993-03E9D09A7969}" type="slidenum">
-              <a:rPr lang="pt-BR"/>
-              <a:pPr>
-                <a:defRPr/>
-              </a:pPr>
+            <a:fld id="{2119D8CF-8DEC-4D9F-84EE-ADF04DFF3391}" type="slidenum">
+              <a:rPr lang="pt-BR" smtClean="0"/>
+              <a:pPr/>
               <a:t>‹#›</a:t>
             </a:fld>
             <a:endParaRPr lang="pt-BR"/>
@@ -6726,28 +4107,18 @@
   </p:cSld>
   <p:clrMap bg1="lt1" tx1="dk1" bg2="lt2" tx2="dk2" accent1="accent1" accent2="accent2" accent3="accent3" accent4="accent4" accent5="accent5" accent6="accent6" hlink="hlink" folHlink="folHlink"/>
   <p:sldLayoutIdLst>
-    <p:sldLayoutId id="2147484250" r:id="rId1"/>
-    <p:sldLayoutId id="2147484251" r:id="rId2"/>
-    <p:sldLayoutId id="2147484252" r:id="rId3"/>
-    <p:sldLayoutId id="2147484253" r:id="rId4"/>
-    <p:sldLayoutId id="2147484254" r:id="rId5"/>
-    <p:sldLayoutId id="2147484255" r:id="rId6"/>
-    <p:sldLayoutId id="2147484256" r:id="rId7"/>
-    <p:sldLayoutId id="2147484257" r:id="rId8"/>
-    <p:sldLayoutId id="2147484271" r:id="rId9"/>
-    <p:sldLayoutId id="2147484272" r:id="rId10"/>
-    <p:sldLayoutId id="2147484258" r:id="rId11"/>
-    <p:sldLayoutId id="2147484259" r:id="rId12"/>
+    <p:sldLayoutId id="2147483658" r:id="rId1"/>
+    <p:sldLayoutId id="2147483660" r:id="rId2"/>
+    <p:sldLayoutId id="2147483674" r:id="rId3"/>
+    <p:sldLayoutId id="2147483675" r:id="rId4"/>
   </p:sldLayoutIdLst>
   <p:txStyles>
     <p:titleStyle>
-      <a:lvl1pPr algn="ctr" rtl="0" eaLnBrk="0" fontAlgn="base" hangingPunct="0">
+      <a:lvl1pPr algn="ctr" defTabSz="914400" rtl="0" eaLnBrk="1" latinLnBrk="0" hangingPunct="1">
         <a:spcBef>
           <a:spcPct val="0"/>
         </a:spcBef>
-        <a:spcAft>
-          <a:spcPct val="0"/>
-        </a:spcAft>
+        <a:buNone/>
         <a:defRPr sz="4400" kern="1200">
           <a:solidFill>
             <a:schemeClr val="tx1"/>
@@ -6757,128 +4128,13 @@
           <a:cs typeface="+mj-cs"/>
         </a:defRPr>
       </a:lvl1pPr>
-      <a:lvl2pPr algn="ctr" rtl="0" eaLnBrk="0" fontAlgn="base" hangingPunct="0">
-        <a:spcBef>
-          <a:spcPct val="0"/>
-        </a:spcBef>
-        <a:spcAft>
-          <a:spcPct val="0"/>
-        </a:spcAft>
-        <a:defRPr sz="4400">
-          <a:solidFill>
-            <a:schemeClr val="tx1"/>
-          </a:solidFill>
-          <a:latin typeface="Calibri" pitchFamily="34" charset="0"/>
-        </a:defRPr>
-      </a:lvl2pPr>
-      <a:lvl3pPr algn="ctr" rtl="0" eaLnBrk="0" fontAlgn="base" hangingPunct="0">
-        <a:spcBef>
-          <a:spcPct val="0"/>
-        </a:spcBef>
-        <a:spcAft>
-          <a:spcPct val="0"/>
-        </a:spcAft>
-        <a:defRPr sz="4400">
-          <a:solidFill>
-            <a:schemeClr val="tx1"/>
-          </a:solidFill>
-          <a:latin typeface="Calibri" pitchFamily="34" charset="0"/>
-        </a:defRPr>
-      </a:lvl3pPr>
-      <a:lvl4pPr algn="ctr" rtl="0" eaLnBrk="0" fontAlgn="base" hangingPunct="0">
-        <a:spcBef>
-          <a:spcPct val="0"/>
-        </a:spcBef>
-        <a:spcAft>
-          <a:spcPct val="0"/>
-        </a:spcAft>
-        <a:defRPr sz="4400">
-          <a:solidFill>
-            <a:schemeClr val="tx1"/>
-          </a:solidFill>
-          <a:latin typeface="Calibri" pitchFamily="34" charset="0"/>
-        </a:defRPr>
-      </a:lvl4pPr>
-      <a:lvl5pPr algn="ctr" rtl="0" eaLnBrk="0" fontAlgn="base" hangingPunct="0">
-        <a:spcBef>
-          <a:spcPct val="0"/>
-        </a:spcBef>
-        <a:spcAft>
-          <a:spcPct val="0"/>
-        </a:spcAft>
-        <a:defRPr sz="4400">
-          <a:solidFill>
-            <a:schemeClr val="tx1"/>
-          </a:solidFill>
-          <a:latin typeface="Calibri" pitchFamily="34" charset="0"/>
-        </a:defRPr>
-      </a:lvl5pPr>
-      <a:lvl6pPr marL="457200" algn="ctr" rtl="0" fontAlgn="base">
-        <a:spcBef>
-          <a:spcPct val="0"/>
-        </a:spcBef>
-        <a:spcAft>
-          <a:spcPct val="0"/>
-        </a:spcAft>
-        <a:defRPr sz="4400">
-          <a:solidFill>
-            <a:schemeClr val="tx1"/>
-          </a:solidFill>
-          <a:latin typeface="Calibri" pitchFamily="34" charset="0"/>
-        </a:defRPr>
-      </a:lvl6pPr>
-      <a:lvl7pPr marL="914400" algn="ctr" rtl="0" fontAlgn="base">
-        <a:spcBef>
-          <a:spcPct val="0"/>
-        </a:spcBef>
-        <a:spcAft>
-          <a:spcPct val="0"/>
-        </a:spcAft>
-        <a:defRPr sz="4400">
-          <a:solidFill>
-            <a:schemeClr val="tx1"/>
-          </a:solidFill>
-          <a:latin typeface="Calibri" pitchFamily="34" charset="0"/>
-        </a:defRPr>
-      </a:lvl7pPr>
-      <a:lvl8pPr marL="1371600" algn="ctr" rtl="0" fontAlgn="base">
-        <a:spcBef>
-          <a:spcPct val="0"/>
-        </a:spcBef>
-        <a:spcAft>
-          <a:spcPct val="0"/>
-        </a:spcAft>
-        <a:defRPr sz="4400">
-          <a:solidFill>
-            <a:schemeClr val="tx1"/>
-          </a:solidFill>
-          <a:latin typeface="Calibri" pitchFamily="34" charset="0"/>
-        </a:defRPr>
-      </a:lvl8pPr>
-      <a:lvl9pPr marL="1828800" algn="ctr" rtl="0" fontAlgn="base">
-        <a:spcBef>
-          <a:spcPct val="0"/>
-        </a:spcBef>
-        <a:spcAft>
-          <a:spcPct val="0"/>
-        </a:spcAft>
-        <a:defRPr sz="4400">
-          <a:solidFill>
-            <a:schemeClr val="tx1"/>
-          </a:solidFill>
-          <a:latin typeface="Calibri" pitchFamily="34" charset="0"/>
-        </a:defRPr>
-      </a:lvl9pPr>
     </p:titleStyle>
     <p:bodyStyle>
-      <a:lvl1pPr marL="342900" indent="-342900" algn="l" rtl="0" eaLnBrk="0" fontAlgn="base" hangingPunct="0">
+      <a:lvl1pPr marL="342900" indent="-342900" algn="l" defTabSz="914400" rtl="0" eaLnBrk="1" latinLnBrk="0" hangingPunct="1">
         <a:spcBef>
           <a:spcPct val="20000"/>
         </a:spcBef>
-        <a:spcAft>
-          <a:spcPct val="0"/>
-        </a:spcAft>
-        <a:buFont typeface="Arial" charset="0"/>
+        <a:buFont typeface="Arial" pitchFamily="34" charset="0"/>
         <a:buChar char="•"/>
         <a:defRPr sz="3200" kern="1200">
           <a:solidFill>
@@ -6889,14 +4145,11 @@
           <a:cs typeface="+mn-cs"/>
         </a:defRPr>
       </a:lvl1pPr>
-      <a:lvl2pPr marL="742950" indent="-285750" algn="l" rtl="0" eaLnBrk="0" fontAlgn="base" hangingPunct="0">
+      <a:lvl2pPr marL="742950" indent="-285750" algn="l" defTabSz="914400" rtl="0" eaLnBrk="1" latinLnBrk="0" hangingPunct="1">
         <a:spcBef>
           <a:spcPct val="20000"/>
         </a:spcBef>
-        <a:spcAft>
-          <a:spcPct val="0"/>
-        </a:spcAft>
-        <a:buFont typeface="Arial" charset="0"/>
+        <a:buFont typeface="Arial" pitchFamily="34" charset="0"/>
         <a:buChar char="–"/>
         <a:defRPr sz="2800" kern="1200">
           <a:solidFill>
@@ -6907,14 +4160,11 @@
           <a:cs typeface="+mn-cs"/>
         </a:defRPr>
       </a:lvl2pPr>
-      <a:lvl3pPr marL="1143000" indent="-228600" algn="l" rtl="0" eaLnBrk="0" fontAlgn="base" hangingPunct="0">
+      <a:lvl3pPr marL="1143000" indent="-228600" algn="l" defTabSz="914400" rtl="0" eaLnBrk="1" latinLnBrk="0" hangingPunct="1">
         <a:spcBef>
           <a:spcPct val="20000"/>
         </a:spcBef>
-        <a:spcAft>
-          <a:spcPct val="0"/>
-        </a:spcAft>
-        <a:buFont typeface="Arial" charset="0"/>
+        <a:buFont typeface="Arial" pitchFamily="34" charset="0"/>
         <a:buChar char="•"/>
         <a:defRPr sz="2400" kern="1200">
           <a:solidFill>
@@ -6925,14 +4175,11 @@
           <a:cs typeface="+mn-cs"/>
         </a:defRPr>
       </a:lvl3pPr>
-      <a:lvl4pPr marL="1600200" indent="-228600" algn="l" rtl="0" eaLnBrk="0" fontAlgn="base" hangingPunct="0">
+      <a:lvl4pPr marL="1600200" indent="-228600" algn="l" defTabSz="914400" rtl="0" eaLnBrk="1" latinLnBrk="0" hangingPunct="1">
         <a:spcBef>
           <a:spcPct val="20000"/>
         </a:spcBef>
-        <a:spcAft>
-          <a:spcPct val="0"/>
-        </a:spcAft>
-        <a:buFont typeface="Arial" charset="0"/>
+        <a:buFont typeface="Arial" pitchFamily="34" charset="0"/>
         <a:buChar char="–"/>
         <a:defRPr sz="2000" kern="1200">
           <a:solidFill>
@@ -6943,14 +4190,11 @@
           <a:cs typeface="+mn-cs"/>
         </a:defRPr>
       </a:lvl4pPr>
-      <a:lvl5pPr marL="2057400" indent="-228600" algn="l" rtl="0" eaLnBrk="0" fontAlgn="base" hangingPunct="0">
+      <a:lvl5pPr marL="2057400" indent="-228600" algn="l" defTabSz="914400" rtl="0" eaLnBrk="1" latinLnBrk="0" hangingPunct="1">
         <a:spcBef>
           <a:spcPct val="20000"/>
         </a:spcBef>
-        <a:spcAft>
-          <a:spcPct val="0"/>
-        </a:spcAft>
-        <a:buFont typeface="Arial" charset="0"/>
+        <a:buFont typeface="Arial" pitchFamily="34" charset="0"/>
         <a:buChar char="»"/>
         <a:defRPr sz="2000" kern="1200">
           <a:solidFill>
@@ -7145,46 +4389,26 @@
       </p:grpSpPr>
       <p:pic>
         <p:nvPicPr>
-          <p:cNvPr id="2050" name="Picture 2"/>
+          <p:cNvPr id="9" name="Picture 9" descr="rede"/>
           <p:cNvPicPr>
             <a:picLocks noChangeAspect="1" noChangeArrowheads="1"/>
           </p:cNvPicPr>
           <p:nvPr userDrawn="1"/>
         </p:nvPicPr>
         <p:blipFill>
-          <a:blip r:embed="rId13" cstate="print"/>
-          <a:srcRect l="52994" t="61194" r="26041" b="19403"/>
-          <a:stretch>
-            <a:fillRect/>
-          </a:stretch>
-        </p:blipFill>
-        <p:spPr bwMode="auto">
-          <a:xfrm>
-            <a:off x="7524750" y="5949950"/>
-            <a:ext cx="1479550" cy="773113"/>
-          </a:xfrm>
-          <a:prstGeom prst="rect">
-            <a:avLst/>
-          </a:prstGeom>
-          <a:noFill/>
-          <a:ln w="9525">
-            <a:noFill/>
-            <a:miter lim="800000"/>
-            <a:headEnd/>
-            <a:tailEnd/>
-          </a:ln>
-        </p:spPr>
-      </p:pic>
-      <p:pic>
-        <p:nvPicPr>
-          <p:cNvPr id="2051" name="Picture 3"/>
-          <p:cNvPicPr>
-            <a:picLocks noChangeAspect="1" noChangeArrowheads="1"/>
-          </p:cNvPicPr>
-          <p:nvPr userDrawn="1"/>
-        </p:nvPicPr>
-        <p:blipFill>
-          <a:blip r:embed="rId14" cstate="print"/>
+          <a:blip r:embed="rId13" cstate="print">
+            <a:extLst>
+              <a:ext uri="{BEBA8EAE-BF5A-486C-A8C5-ECC9F3942E4B}">
+                <a14:imgProps xmlns="" xmlns:a14="http://schemas.microsoft.com/office/drawing/2010/main">
+                  <a14:imgLayer r:embed="rId14">
+                    <a14:imgEffect>
+                      <a14:saturation sat="305000"/>
+                    </a14:imgEffect>
+                  </a14:imgLayer>
+                </a14:imgProps>
+              </a:ext>
+            </a:extLst>
+          </a:blip>
           <a:srcRect/>
           <a:stretch>
             <a:fillRect/>
@@ -7192,8 +4416,8 @@
         </p:blipFill>
         <p:spPr bwMode="auto">
           <a:xfrm>
-            <a:off x="0" y="-26988"/>
-            <a:ext cx="9144000" cy="1670051"/>
+            <a:off x="-108520" y="171400"/>
+            <a:ext cx="9252520" cy="6713984"/>
           </a:xfrm>
           <a:prstGeom prst="rect">
             <a:avLst/>
@@ -7286,38 +4510,38 @@
           <a:p>
             <a:pPr lvl="0"/>
             <a:r>
-              <a:rPr lang="en-US" smtClean="0"/>
+              <a:rPr lang="en-US" dirty="0" smtClean="0"/>
               <a:t>Click to edit Master text styles</a:t>
             </a:r>
           </a:p>
           <a:p>
             <a:pPr lvl="1"/>
             <a:r>
-              <a:rPr lang="en-US" smtClean="0"/>
+              <a:rPr lang="en-US" dirty="0" smtClean="0"/>
               <a:t>Second level</a:t>
             </a:r>
           </a:p>
           <a:p>
             <a:pPr lvl="2"/>
             <a:r>
-              <a:rPr lang="en-US" smtClean="0"/>
+              <a:rPr lang="en-US" dirty="0" smtClean="0"/>
               <a:t>Third level</a:t>
             </a:r>
           </a:p>
           <a:p>
             <a:pPr lvl="3"/>
             <a:r>
-              <a:rPr lang="en-US" smtClean="0"/>
+              <a:rPr lang="en-US" dirty="0" smtClean="0"/>
               <a:t>Fourth level</a:t>
             </a:r>
           </a:p>
           <a:p>
             <a:pPr lvl="4"/>
             <a:r>
-              <a:rPr lang="en-US" smtClean="0"/>
+              <a:rPr lang="en-US" dirty="0" smtClean="0"/>
               <a:t>Fifth level</a:t>
             </a:r>
-            <a:endParaRPr lang="pt-BR" smtClean="0"/>
+            <a:endParaRPr lang="pt-BR" dirty="0" smtClean="0"/>
           </a:p>
         </p:txBody>
       </p:sp>
@@ -7362,7 +4586,7 @@
               <a:pPr>
                 <a:defRPr/>
               </a:pPr>
-              <a:t>20/08/2017</a:t>
+              <a:t>13/03/2019</a:t>
             </a:fld>
             <a:endParaRPr lang="pt-BR"/>
           </a:p>
@@ -7455,21 +4679,79 @@
           </a:p>
         </p:txBody>
       </p:sp>
+      <p:pic>
+        <p:nvPicPr>
+          <p:cNvPr id="10" name="Picture 11" descr="titulo3"/>
+          <p:cNvPicPr>
+            <a:picLocks noChangeAspect="1" noChangeArrowheads="1"/>
+          </p:cNvPicPr>
+          <p:nvPr userDrawn="1"/>
+        </p:nvPicPr>
+        <p:blipFill>
+          <a:blip r:embed="rId15" cstate="print"/>
+          <a:srcRect/>
+          <a:stretch>
+            <a:fillRect/>
+          </a:stretch>
+        </p:blipFill>
+        <p:spPr bwMode="auto">
+          <a:xfrm>
+            <a:off x="0" y="0"/>
+            <a:ext cx="9140825" cy="1343025"/>
+          </a:xfrm>
+          <a:prstGeom prst="rect">
+            <a:avLst/>
+          </a:prstGeom>
+          <a:noFill/>
+          <a:ln w="9525">
+            <a:noFill/>
+            <a:miter lim="800000"/>
+            <a:headEnd/>
+            <a:tailEnd/>
+          </a:ln>
+        </p:spPr>
+      </p:pic>
+      <p:pic>
+        <p:nvPicPr>
+          <p:cNvPr id="18434" name="Picture 2" descr="Imagem relacionada"/>
+          <p:cNvPicPr>
+            <a:picLocks noChangeAspect="1" noChangeArrowheads="1"/>
+          </p:cNvPicPr>
+          <p:nvPr userDrawn="1"/>
+        </p:nvPicPr>
+        <p:blipFill>
+          <a:blip r:embed="rId16" cstate="print"/>
+          <a:srcRect/>
+          <a:stretch>
+            <a:fillRect/>
+          </a:stretch>
+        </p:blipFill>
+        <p:spPr bwMode="auto">
+          <a:xfrm>
+            <a:off x="6804248" y="6165304"/>
+            <a:ext cx="2088232" cy="723920"/>
+          </a:xfrm>
+          <a:prstGeom prst="rect">
+            <a:avLst/>
+          </a:prstGeom>
+          <a:noFill/>
+        </p:spPr>
+      </p:pic>
     </p:spTree>
   </p:cSld>
   <p:clrMap bg1="lt1" tx1="dk1" bg2="lt2" tx2="dk2" accent1="accent1" accent2="accent2" accent3="accent3" accent4="accent4" accent5="accent5" accent6="accent6" hlink="hlink" folHlink="folHlink"/>
   <p:sldLayoutIdLst>
-    <p:sldLayoutId id="2147484260" r:id="rId1"/>
-    <p:sldLayoutId id="2147484261" r:id="rId2"/>
-    <p:sldLayoutId id="2147484262" r:id="rId3"/>
-    <p:sldLayoutId id="2147484263" r:id="rId4"/>
-    <p:sldLayoutId id="2147484264" r:id="rId5"/>
-    <p:sldLayoutId id="2147484265" r:id="rId6"/>
-    <p:sldLayoutId id="2147484266" r:id="rId7"/>
-    <p:sldLayoutId id="2147484267" r:id="rId8"/>
-    <p:sldLayoutId id="2147484268" r:id="rId9"/>
-    <p:sldLayoutId id="2147484269" r:id="rId10"/>
-    <p:sldLayoutId id="2147484270" r:id="rId11"/>
+    <p:sldLayoutId id="2147483663" r:id="rId1"/>
+    <p:sldLayoutId id="2147483664" r:id="rId2"/>
+    <p:sldLayoutId id="2147483665" r:id="rId3"/>
+    <p:sldLayoutId id="2147483666" r:id="rId4"/>
+    <p:sldLayoutId id="2147483667" r:id="rId5"/>
+    <p:sldLayoutId id="2147483668" r:id="rId6"/>
+    <p:sldLayoutId id="2147483669" r:id="rId7"/>
+    <p:sldLayoutId id="2147483670" r:id="rId8"/>
+    <p:sldLayoutId id="2147483671" r:id="rId9"/>
+    <p:sldLayoutId id="2147483672" r:id="rId10"/>
+    <p:sldLayoutId id="2147483673" r:id="rId11"/>
   </p:sldLayoutIdLst>
   <p:txStyles>
     <p:titleStyle>
@@ -7614,7 +4896,7 @@
         <a:buChar char="•"/>
         <a:defRPr sz="3200" kern="1200">
           <a:solidFill>
-            <a:srgbClr val="376092"/>
+            <a:schemeClr val="tx1"/>
           </a:solidFill>
           <a:latin typeface="+mn-lt"/>
           <a:ea typeface="+mn-ea"/>
@@ -7632,7 +4914,7 @@
         <a:buChar char="–"/>
         <a:defRPr sz="2800" kern="1200">
           <a:solidFill>
-            <a:srgbClr val="376092"/>
+            <a:schemeClr val="tx1"/>
           </a:solidFill>
           <a:latin typeface="+mn-lt"/>
           <a:ea typeface="+mn-ea"/>
@@ -7650,7 +4932,7 @@
         <a:buChar char="•"/>
         <a:defRPr sz="2400" kern="1200">
           <a:solidFill>
-            <a:srgbClr val="376092"/>
+            <a:schemeClr val="tx1"/>
           </a:solidFill>
           <a:latin typeface="+mn-lt"/>
           <a:ea typeface="+mn-ea"/>
@@ -7668,7 +4950,7 @@
         <a:buChar char="–"/>
         <a:defRPr sz="2000" kern="1200">
           <a:solidFill>
-            <a:srgbClr val="376092"/>
+            <a:schemeClr val="tx1"/>
           </a:solidFill>
           <a:latin typeface="+mn-lt"/>
           <a:ea typeface="+mn-ea"/>
@@ -7686,7 +4968,7 @@
         <a:buChar char="»"/>
         <a:defRPr sz="2000" kern="1200">
           <a:solidFill>
-            <a:srgbClr val="376092"/>
+            <a:schemeClr val="tx1"/>
           </a:solidFill>
           <a:latin typeface="+mn-lt"/>
           <a:ea typeface="+mn-ea"/>
@@ -7872,7 +5154,7 @@
       </p:grpSpPr>
       <p:sp>
         <p:nvSpPr>
-          <p:cNvPr id="3074" name="Retângulo 1"/>
+          <p:cNvPr id="2" name="Retângulo 1"/>
           <p:cNvSpPr>
             <a:spLocks noChangeArrowheads="1"/>
           </p:cNvSpPr>
@@ -7880,13 +5162,15 @@
         </p:nvSpPr>
         <p:spPr bwMode="auto">
           <a:xfrm>
-            <a:off x="107950" y="5373688"/>
+            <a:off x="0" y="4293096"/>
             <a:ext cx="7670800" cy="430212"/>
           </a:xfrm>
           <a:prstGeom prst="rect">
             <a:avLst/>
           </a:prstGeom>
-          <a:noFill/>
+          <a:solidFill>
+            <a:schemeClr val="tx2"/>
+          </a:solidFill>
           <a:ln>
             <a:noFill/>
           </a:ln>
@@ -7904,54 +5188,27 @@
             <a:r>
               <a:rPr lang="pt-BR" sz="2200" b="1" dirty="0">
                 <a:solidFill>
-                  <a:schemeClr val="accent2">
-                    <a:lumMod val="75000"/>
-                    <a:lumOff val="25000"/>
-                  </a:schemeClr>
+                  <a:schemeClr val="bg1"/>
                 </a:solidFill>
                 <a:latin typeface="+mn-lt"/>
                 <a:cs typeface="Arial" pitchFamily="34" charset="0"/>
               </a:rPr>
-              <a:t>Recife-PE</a:t>
-            </a:r>
-            <a:r>
-              <a:rPr lang="pt-BR" sz="2200" b="1" dirty="0">
-                <a:latin typeface="+mn-lt"/>
-                <a:cs typeface="Arial" pitchFamily="34" charset="0"/>
-              </a:rPr>
-              <a:t>, </a:t>
-            </a:r>
-            <a:r>
-              <a:rPr lang="pt-BR" sz="2200" b="1" dirty="0" smtClean="0">
-                <a:latin typeface="+mn-lt"/>
-                <a:cs typeface="Arial" pitchFamily="34" charset="0"/>
-              </a:rPr>
-              <a:t>21</a:t>
+              <a:t>Recife-PE, </a:t>
             </a:r>
             <a:r>
               <a:rPr lang="pt-BR" sz="2200" b="1" dirty="0" smtClean="0">
                 <a:solidFill>
-                  <a:schemeClr val="accent1"/>
+                  <a:schemeClr val="bg1"/>
                 </a:solidFill>
                 <a:latin typeface="+mn-lt"/>
                 <a:cs typeface="Arial" pitchFamily="34" charset="0"/>
               </a:rPr>
-              <a:t> </a:t>
+              <a:t>13 </a:t>
             </a:r>
             <a:r>
               <a:rPr lang="pt-BR" sz="2200" b="1" dirty="0">
                 <a:solidFill>
-                  <a:schemeClr val="accent1"/>
-                </a:solidFill>
-                <a:latin typeface="+mn-lt"/>
-                <a:cs typeface="Arial" pitchFamily="34" charset="0"/>
-              </a:rPr>
-              <a:t>de agosto </a:t>
-            </a:r>
-            <a:r>
-              <a:rPr lang="pt-BR" sz="2200" b="1">
-                <a:solidFill>
-                  <a:schemeClr val="accent1"/>
+                  <a:schemeClr val="bg1"/>
                 </a:solidFill>
                 <a:latin typeface="+mn-lt"/>
                 <a:cs typeface="Arial" pitchFamily="34" charset="0"/>
@@ -7959,18 +5216,38 @@
               <a:t>de </a:t>
             </a:r>
             <a:r>
-              <a:rPr lang="pt-BR" sz="2200" b="1" smtClean="0">
+              <a:rPr lang="pt-BR" sz="2200" b="1" dirty="0" smtClean="0">
                 <a:solidFill>
-                  <a:schemeClr val="accent1"/>
+                  <a:schemeClr val="bg1"/>
                 </a:solidFill>
                 <a:latin typeface="+mn-lt"/>
                 <a:cs typeface="Arial" pitchFamily="34" charset="0"/>
               </a:rPr>
-              <a:t>2017</a:t>
+              <a:t>março </a:t>
+            </a:r>
+            <a:r>
+              <a:rPr lang="pt-BR" sz="2200" b="1" dirty="0">
+                <a:solidFill>
+                  <a:schemeClr val="bg1"/>
+                </a:solidFill>
+                <a:latin typeface="+mn-lt"/>
+                <a:cs typeface="Arial" pitchFamily="34" charset="0"/>
+              </a:rPr>
+              <a:t>de </a:t>
+            </a:r>
+            <a:r>
+              <a:rPr lang="pt-BR" sz="2200" b="1" dirty="0" smtClean="0">
+                <a:solidFill>
+                  <a:schemeClr val="bg1"/>
+                </a:solidFill>
+                <a:latin typeface="+mn-lt"/>
+                <a:cs typeface="Arial" pitchFamily="34" charset="0"/>
+              </a:rPr>
+              <a:t>2019</a:t>
             </a:r>
             <a:endParaRPr lang="pt-BR" sz="2200" b="1" dirty="0">
               <a:solidFill>
-                <a:schemeClr val="accent1"/>
+                <a:schemeClr val="bg1"/>
               </a:solidFill>
               <a:latin typeface="+mn-lt"/>
               <a:cs typeface="Arial" pitchFamily="34" charset="0"/>
@@ -7980,184 +5257,22 @@
       </p:sp>
       <p:sp>
         <p:nvSpPr>
-          <p:cNvPr id="5123" name="AutoShape 8" descr="data:image/jpeg;base64,/9j/4AAQSkZJRgABAQAAAQABAAD/2wBDAAkGBwgHBgkIBwgKCgkLDRYPDQwMDRsUFRAWIB0iIiAdHx8kKDQsJCYxJx8fLT0tMTU3Ojo6Iys/RD84QzQ5Ojf/2wBDAQoKCg0MDRoPDxo3JR8lNzc3Nzc3Nzc3Nzc3Nzc3Nzc3Nzc3Nzc3Nzc3Nzc3Nzc3Nzc3Nzc3Nzc3Nzc3Nzc3Nzf/wAARCABoAPkDASIAAhEBAxEB/8QAHAAAAgIDAQEAAAAAAAAAAAAAAAYFBwIDBAEI/8QAThAAAQMDAwEDBwUKCwcFAAAAAQIDBAAFEQYSITETQVEHFBUiYXHRFjJVdJMXIzZCUlSBkZSyJTU3RVNicnODsbMkJjM0Q6HCRIKSosH/xAAZAQEAAwEBAAAAAAAAAAAAAAAAAQIDBAX/xAAoEQEAAgIBAgYCAgMAAAAAAAAAAQIDBBESMQUUIVFxkSOBMqEzNGH/2gAMAwEAAhEDEQA/ALxooooCiiigKKKKCB1uSnSl1KVFJEZWCDg1RBlSASO3e6/0qvjX0NeosadapUWa52cZ1spcWFAbU95yelIvyG0l33hXv86b+FUtHL09DYphrMWhh5HXXHBde1cWvHZY3KKsfO8aQbvIfTd5wS+8B5w5x2ivyz7auPSNjs9m869ETFSe129pl1K9uM46dOppemaT0c7MfcevgQ6t1SlpMtsYUSSRj35qJr6Q0xbVK573mJ4n/isvOpH9O99qr40edSPzh77VXxqyWtF6NddQ01fCtxZ2pSmW2ST4DFSP3LrJ+cTftE/Co6JdM+IYY7xP0qXzqQP/AFD49zyvjTDprWtys8hAkPuSoecLadUVEJ8Uk859lOUvydachM9tLnyWGs43uPJSM+8iuM6Q0X3X4A/XG6dNoUvta+WvE15/R3uMluVpyVKjr3NORFrQsccFBINUAJUjA/2h7p/TK+NXvZ4lsZ02qBCniRAbbW2p7tUq2gg59YccZpQGj9FYH8Pp/bWqtaOXLpZ6YeqJifpXHnUj84e+2V8aPOpH5w99sr41Y/yP0V9Pj9tao+R+ifp8ftrVU6Xf57F7T9K486kfnD32yvjW+BJfM+KC+8cvIGO1Ufxh7asD5H6J+nx+2tVsj6R0amSypm+hTgWChPnjZyc8DAqYqrbexTE+k/Tg8rrrrd4gpbdcQDGOdiyM+t7DSH50/wDnD32yvjV06t09ZLxLYcu04xnW2ilKUvJRlOc559tQfyG0j9ML/am/hU2rMyx1tvFTFFZifpWXnT/5w99sr40edP8A5w99sr41ZvyG0j9ML/am/hR8htI/TK/2pv4VXolv57D7T9K5iXa5QnEuRJ8ltaemHiQfeDxVu+T/AFWrUEdxiZtE1gAqKRgOJ/Kx3HxFRHyG0l9Mr/am/hUtpjTNgtF0TItdyU9ILakdn5whWUnBPA9wq1YmHJt5sGWk8RPPwcqK8HSva0eSKKKKAooooCiiigKKKKAooooIHXHOkbt9WVVBEDPQfqq/tcfgldvqyqoE9ayyS9vwr+FvlZnkYA/hXAH/AEv/ACqv7xxdp/1l3981YPkY/nX/AAv/ACqvrx/G0/6y7++aie0NcH+1k/To0v8AhJa/rTf7wr6Fr560v+Elr+tN/vCvoYVenZx+Kf5K/BN8q34JL+sN/wCdUxmrn8q34JL+sN/51S9Vyd3V4ZH4f2tPyf8A8n10P9Z//TFVYDwPdVp6A/k+un9p/wD0xVWDoKie0L6kflyfL2imPRFihX6bJYuElbCGmgtJSpIyc476cvucWD6Vf+0b+FRFZlpl3MWK3TZVWa6rQf4Wg/WG/wB4VZX3N7B9LPfaN/Ctsbye2JiSy8i6vqU2tKwO0b5IOfCrRWeWN97DNZj1+kJ5YgPTMHgH/Zj1/tGkDA/JH6qf/LD/ABzB+rH9+kDvqt+7bRiPL1GB+SP1UYH5I/VVk6Z8n1vu9jhz35cpDj7e5SUbcA5PsqT+5Xavz6Z/9PhUxSVLeIYKzMSqPaD0Cf1VZXkmsLqXXL1IaKEFBbj5Tjdn5yvdxj280wWzydWKC4HHG3pSgcgPrBSP/aAB+vNNzaAhISkAJHAA6AVeteO7h29+uSvRSPR6nisqKKu8sUUUUBRRRQFFFFAUUUUBRRRQQOuD/uldvqyqoI9a+i75bxdbTKgFwtCQ2W94Gdue/FIf3KGzz6XcH+CPjWd68vU0NnHhpMXlj5GP51/wv/Kq+vH8bT/rLv75q59HaUTpjzoJmKkecbeqAnbtz8agJfkvRKlvv+lVp7V1ThHYjjcc46+2k1niOF8W3irnveZ9JV/pf8JLX9ab/eFfQtV9bPJmi33KLMF1WssOpc2FkDdg5x1qwRVqxMR6ubfz0zXiaexO8q34JL+sN/51S9fQGqrGNQ2owTILALiV7wjd0PhSd9yhv6XX9gPjVb1mZdGjt4sWPpvLZ5P/AOT66f2n/wDTFVYOg91XtYNMJs9hlWkS1OiQXCXSgDbuSB0pYHknb4/hdz7AfGk1niFtfbxUyXm095VhR+mrP+5O39LufYD40fcnb+mHPsB8ar0Wdfn9b3/pWFdFv/jCLz/1kfvCrH+5O39MOfYD41mx5LG2H2nfSyz2a0qwWRzg58amK2Vvva81mIn+kZ5YRi8wPqx/fpAFXbq/RqdSzI76pyo5abLeA3uzznxqB+5Q2P54X9gPjS1JmeWOruYceKK2n1NWgPwQtf8Ac/8A6aYqjbBbRZ7RGt4dLoYRt3kYzz4VJVq8fJMWvMw8xXtFFFBRRRQFFFFAUUUUC7adRGTd9QRZiWI8a0utoDxXgFKkbiVZ4GKlWbvbX5rkJifFclt/PYQ8krT7xnNVrduInlT/ALCP9Cpe+2m321vR7sCGyw63dI6A402Eq2qQoKycZOe/PWgcZF6tcaamFIuMRqWvG1hx9KVnPTgnNR7mpoTWq2rAtxoPLjdsVqdSMK3ABG3ruIOceFIlxhpYj6kmRPQ16tSpLrk+POCmJLSgPWSHPZ+LkD2VNwlQ5XlAtUvsENpkWEPNpeAK9xcTjJPJUBxnrQSUjVzdtiWpV1XAD06YWD5vKCm20ZV6+T1A2gHwJpmZksPKWhl5txTeN6UKBKcjIz4ZBzVT29iKrTOklSW2Sj0+4kqcQMbSp7g57jxTZp+TGi6w1eH3mmQlyK766wkBHYJ9bnu4PPsoJG/6rt1oRbVl+O6ibLTHCw+kJQnPrLJ8E459vWpOZeLbb0tqnz4sUO/M7Z5KN/uyeaqyEmK9pDRzzzbSmzfz6ziBjYp1w4OR06fqplsEa2ydWap9MNRXJTbraGkyEJITE7JO3aD+LndnHGc0D2haVoC0kFJGQRyCKT3NZiLrxenpsZLcZTbYZlgn/irBIQruGcHHtFe+S8/7vSUskmAi4SEwDkkdgF+rj+rndj2VHvWeNftXaut8vIQ7Eh7Vp+c2sBZStPtBwRQMj95dZ1fEsoZQWn4Lkku5O4FKkgDHTHNdar7aETRBXdISZZVt7BUhIXnw25zn2VX1hu0x7XsaNe0KFytdrkMy1IScPAKQpLifHcnnHjmoW+HtPJtInxbfZbfbXkF2MHFqfmOLKsg7uMOd/wCNjmguK4XSBbW0uXGbHioUcBT7oQCf01zS57nnVtENcJyNKWoLWt/ClJCSQWwOFnP/AGpXhNxJXlDmi7oadcRbI5gJkAKGwlXaFAPfuxk9a4G/Q4velm9PpUITd3mpHXZvDSt2zu2ZzjHHWgfH7zbI0xEORcIjUpfzWFvJStWemEk5rZLuUKFu88mR4+1BWe1cCcJzjPPdkgfpqutPRrE/oK7vX5EVUwuSjcnJCU9ol0KV1JGQQNuP0YrzT8JVz1BpM31gPyEaeU6oPp3euFoAKge/Cu/v9tBZEafElxhJiyWXo5BPatrCk8deRxWiDe7VcXlswLlEkuo5Uhl5K1J94BquprtutLGt4r0EuwFT4yExGnOxQVuIR1UOEpKsZNZym5MXW2kxNaskZ4vuJQxbEK3pbLZHrKOMpzgDgUDvpe8O3qNMeeZQ0Y85+MAkk5DatoPvNd0+6W+37PSE6NG7RWEdu6lG4+zPWl7ydcW265+mZnT+8rjhswZXlB1Cm9Nx3XURo/miZKUqAjlJ3lIV3b85x7KCc05fTdIM6VKSywiLNfj7gv1djasBRJ6ZHNSVuulvuaFOW2dGloScKUw6lYB9uDVPbW/kdGZtyo/oleqHErMjJYLW5XZ9pg52btn/AGprtsKTH15bnJEqyMSjEdDka2MOJU+zxgr6pASrBBOO8DNAw63vkmwWUTITDL765DTCEPKKU5WoJySOe+uZD2ty4kPQtPBvcArbKeztzzj1PCuPytp36WaSVqQDcIoK0nBT98HNbo1mhMSW3vlhd3uzWFdm5ckFKsHOCMcjxoGGbebZAdQ1PuMSM458xDzyUFXuBNR921PCtl7tdrkOshc7eStbyUhsJTkEj+seBSrdYDi9RX6TanbPcSpLaZ8C6NqQtsBHAQ5jhJHswDmtUR22XCdoKW3BbjRXWJKUNPkL2hLYCU7j84AjigsduXHcS6pD7Sg0opcKVg7COoPgRWp+5wGISZr82O3EUAUvrdAQQemFZxSVY5saHa9aecyG2uyuctSw4oDAUkbf193jUXp1uO9J0KzdUNqhehVmMh4Ds/ORs7jxu2E4/TQO1l1Am6X66wmexciw247jMhpe7tO1Ssn2cbR08akIl5tk2QuPDuER99v57bTyVKT7wDVXXdEeKPKGnT+ENpZhh0Reic7+1246cE5x4mpzU8ayxoemXNPtxG5huEZMBUUJClNkjtOnJTsznPHSgdZF6tcWYmHJuURqUrG1hbyQs56YSTmu7Pv/AFVVFziIYY1HMiCy3q1KlPOT405KmJLSgPWSHD4Y9XjwwaPujWb6EvX/AMlfGgstVotyxMC4MYib/wA1lpP3/jHr/lccc1tfgxZAYD8ZpwMLDjO9APZqHRSfAjJ5ropa15f3NPWZt9gtJkSZDcZpx5JUhsrPK1AckAAnA8KDvmaasc6cJ0y0QX5Qx9+cYSpRx0ycc49tY39uxxkNXa+NRAIKwpqTIbBLKiQBg4yOcdPZSpY9VOjUcG3enEXuNNC0qcEIsrjuAbhnAAKSARzyDjk1JeVhW3REpW0qw/HO0DJP35HAqB5HvGg7pHTZWpFmejuL3IiKSkIUsnPCSMZySf01Oy9O2We+w/NtMJ91gBLS3GEqKAOgGR0HhSXqp+TqazP2i3aRuTMiQUpRJlx2mW2fWB37gongeFbLzqdxrUD9kN9RaWbey12kgxe3ckOqTngEEJSBjPeSakOr1jtT9vNvetsRcIqKzHUyko3Ekk7cYzkk5rVcNOWS59j6QtUKT2KQlvtWUq2p8B7OBx0pM+WF2k6VMiOAXWLj5nLnx4inEpZxnt0NHk5BSMcgHPXFb4OrHIlhvV0Re4F+iQ44cjrbSGngs5GxxCQABnGDwetQH5llthpLTLaW20DCUIGAkeAA6VrbhRWpT0tuO0mS8EpdeSgBawnoCepxk4pInydU2ZFmkyLrHlInTo7ElrzRKOx3nkII5I7vWye/NTenrpKmz9RtSHEqRBndiwNoG1PZIVz48k81I75XoiPeYrkhEZu5ykqZjuqQO1WkDcpIVjOO/Ga0t6V0+h151Nkt4W+FB0+bI9YK+cDx39/jSvY9RXGe1ol+UplblxXJ84V2Kc+qhWNvHq9O7rXHF1RdHZ6kSr7Et1z86KE2efE7JpbYXgbXcblEp5CgSM4GKB8uNhtN0ZaZuNtiyW2eGkutBWwYxgeHFbkWuAgRQiFHSIefNgGkjscjB2fk8ccUqanvEiLd3I72poNljhtJjtttJkSH1HqVIIOEjoABz4io1GrrxJ0fBng7FKnuRZk5mGpwtNoKh2ga6gnAzn5uTxQOcrTVkmT0z5dogvS04w84wkq46ZOOcVqvdzsNklMTry/FjSHEKZafdT6xTwSkHGcdDiuHRVzeuSZR9OQbzEQpPYSGUhDycg5S4gAAHpgj25FRuv3X2dS6TcjQTOdS/I2xwtKd/wB68VcDx58KDvh3/Rl3lvQYkq2ypFxOHmgjJkEJ/G49bCR3+FSDdh09Z4xfatcCM1HV5x2gYSOzKQfXzjIIBPPtNc1on3ORPQ3L0sq3tEEmSqQysJOOOE880ty5eoNRaYvF5i3BiPDLcltiAqMFBxpAUklS/nBZwSMcDjIPNA+WpuCIqXrYhlMeSS+CygJS4V87+OpPXNa7rY7VeOz9KW6LLLZygvtBe33ZpX0vc5TUrS9rSsCI9YO3UgpGStPZAc93CjxWN01bOtjmqlYQ/wCj3orMJpScDc6hPziOSNys0Dci025ER2IiBFTGeKlOMhlOxZPUlOMHNa7TYrTZt/oq3RYfafPLDQSVeGSKioETU0K4RlTLnGucRxKhJSY6WCyrGQW8ZyM8YOT35pOu+r7hbobs86ot0i4MK3O2mJGDzITuwUdqBuBx+MSBnuqBZtxt0K5xjFuMRiVHJBLT7YWkkdODxUBJ01ouLLixX7FZUSJRUGGzCby4UjJx6vcOa0ypt3vOpZlqtU5Ftj29hpb7/YJdW444CUpAVwEgDnvPsrQ5cL1GvGmIV4EMvyH5TbzjTYIcQhvKVpzygkdQDUhhuWnLLdn0P3K1Q5TqBhK3mUqUB4ZPd7K3TbNbLgwyxNgRpDTCgppDrQUGyOhSD0pOh3HU16sT2pbfcY0Zk9o7Et6oqVpcbQSAHF53blbc+rjFCNQ3fUF5tUWzS2oEafaBNWtxgOLaO/Hq54J5A5478UDZJ09ZpVwTcJFqhOzE4w+thJWMdOcd3d4VnKsdqlW1Fuk26I5CbADcdTSdiMdNo6DHspYg3q9otWoor8qA5cLTJDKJsgdi0pCkpUFrA4BAV0GASO6uG06nfTqe1wWNRtXuLOU426RCDQZUlBUChaQAc4xg5NA3WKNY0tPLsUeGhsKMd0x2gnlskbTgc4JV+s+NZ2/Tdktklcq32mFGfXnLjLCUnB6jIHFJq9R3VvTrkpjDKfTUiNIlMQ+1MZlK1AL7NPzjwASc9cnNTui7m7cRLIvsG8RUFHYyGUhDyc53JcQAAOcYIxnvHFBKTNNWKdOE6ZaIL8oYPbOMJUo46ZJHP6ak+yb/ACE/qrIdBjpXtAVD6nsgv1uTHTIXGkMvIkRpCBktOoOUqx3+6piigW7da7+q5MzL1eGVtR0KSiLBaU024o/jOblEnA6AcA11avsq9QWNy3NvpYK3Gl9opO4DY4lXT24xU1ijFBjjilqfYLmxfZF409OjR3pbaG5bEtlTjbhQMJWNqgQoDjwNM9FArmwXlNpaQ3qKQboiSZJkLRltZOctlsH/AIeOgzkda5GtFruEq6S9QvxnXrhD8zW3BZLSEozndkklS845PTFOeKxVgew0Fa6kt19iI063dLrHlRo94iNoDMYoW76xAU4SojIA6AAc5qed05eI12uciz3WPHi3RaXH0PRi440sJCSps7gOQB84EVH3vVU2NqpXYlv0Fbn2Is8qbBPaPA4UFdwRlvP9qmq83622QMG6S0x0vlSWyoE7iBkgY7/Z39KCBtOjXbcxplozUOehVPlR2cu9olQGOeMZrRctI3q5292yzLzHk2lxwntJEYrlJQVZ2he7bkdArGcVP2bUlsvYkCA+S5Gx2zTrSm1oz0JSoA4PjUdbNSMw9ORLlebq3JM9ZVHVHYV64OSlDaANysAdSM9c4oMDpu6wb9cLjZZ8NpNxDfa+dRlOONFCdo2KChkY5weM1ptuk7parQ1Ft98UmUzOdlIdW1lD6VkkodQCM9c5GMHpXZP1NCm6bnT7XdkRPNlJQ487GUpUdW5PC2zg5IOMHxzXZeNUWqzPojTpK/OVo3hlllbq9v5RSkHA9poObT2n5UK8zrzc5EVybLbQyUQ2C02lCSTk5JKlEnqTXmq7DcLrOtM61To8STbnHFpL7JcCt6dvQEd1TdsuEO6wm5lvkNyIzoylxHQ/AjwpO109qay2+ZdoOoGksJeQG4qreg7EqUlON5Vk4znpQStvhatROZXcL1bHoqVZdbagqQpQ8ArecVHvaQuzMO4Wm1Xhhi0zVOq2uRyp5jtMlSUK3AbSSeoJGa7UzpOmkl/VGoUTEPkNx2UQNiyvvCQgqKu7u4rbL1LAm6buVwtl1RG81bUHHnWFKMZWPx2zg59h60HG5pW4Rk2ORaJ8dq4WuF5movsqW08gpSDkBQI5SCMGtbWiHHot/au1zMh27qadU800Gy0tA4KRkjAIGB4Dk0wxrzDcnejTJBmojJkKSUFO5B43jPBGfA8d9c6tVWZNoTdjNSIS3C027sV99VkjCBjKskHGBzig4GbDfJklhV+vLS2YyFpQ3BaWyXVKSU73CVHOASQBgZ57qiF6JvTulFaZ9MQmbehoNtrYhKDjgBynflWMdM4AJpha1LbrnbLi9b53ZOxGVqcLzCkrjnaSFKbUAccZ9uK0L1dabXbYCrrc0uOyIiX0uIYUC+OAVJQASMk5x1A91BjN0/c2bwu72KfGYkyGG2ZbUphTjbuz5qhtUCCMkeBrXG0nJamWWW/dFynoL8h99bySS6p1OMJGfUSO4eFdk7WVkhOJadkuuOFpLykMRnHVNoUMgrCUnbx44qYt06Lc4TM2C8h+M8nc24g5ChQKSNKXuJBk2a1XphizvlewORSp+OhZJUhCtwSRycEjIzUlA0u3br9BmxHAmLDtfo9DBTlWAoEKz7hzTLXmBQJt10Wu4M31BmoQq4zWZbW5rclCm0oAStJOFAlHPvrNWnb3NvNoudzukPNteUpMaLGUhspUkpUcqUTu59w/TThijFAox9MXKDbVNW27+byk3F6ahXZktuBxSj2bic8jCuueoBro0/p6XCvMy83SRFcmymkMlMNgtNJSkk5wSSpRJ6k0y4r2gB0ooooCiiigKKKKAooooCuK9XFi02qXcZRwzFaU6v24Gcfp6UUUFfWnRt8uWlH2pV7aYTeQqVLjKgpWQtzCsbyrPHHuxWq33Jy8u6HTOSDNh3GRFlpV1DzTCxn/ALBX6aKKBh2hPlLuQA+dYmyT4kOrpXgiAjQ2in50ybbHG2T2F0jhJRGUUkEOZyNqhxyMUUVA13O5yp+kNVoefi3FhlUcIusaOGhJJWnIVjhRTgDI45xTDHuUHTut7+7fnkQ0z247kSU8MIWhCNqkBXTIVk49tFFB2+TptSo15nNtrahzrm7IiIWkpJbISN2D0CiCfca98q/4Eyv79j/VRRRUiL1yl2HrGz3N65O2yCIrscTksIcSw6VA4VuBCdw4z7Md9QdzSxKsGtblFuky577cllyathtph4pz8woxuKQcE4xzjNFFQJDWsR3UrsGzWNpKrlBh9vJkbygNtLRgMFQ/pPDuAzWm+T2Z8bSd6gPPWq2QnHWJCm2EuG3u7NgC0KBAAIKc44zniiigzR5vOkX+fGvUu8KZsjzDkpMZpEcggkI3IA3LGM9DgHrXVpltK9RaQKgCUaZUpJxyDlof5E0UUHku+FOpL3HevMbT/YvISltqGlUmcNgw4FKB3ZyUgBJPFTHkmVnRERJCwtt59K0rGFJPaq4I7jzzRRUhxooooCiiigKKKKAooooP/9k="/>
-          <p:cNvSpPr>
-            <a:spLocks noChangeAspect="1" noChangeArrowheads="1"/>
+          <p:cNvPr id="3" name="Retângulo 2"/>
+          <p:cNvSpPr>
+            <a:spLocks noChangeArrowheads="1"/>
           </p:cNvSpPr>
           <p:nvPr/>
         </p:nvSpPr>
         <p:spPr bwMode="auto">
           <a:xfrm>
-            <a:off x="63500" y="-7938"/>
-            <a:ext cx="1790700" cy="752476"/>
-          </a:xfrm>
-          <a:prstGeom prst="rect">
-            <a:avLst/>
-          </a:prstGeom>
-          <a:noFill/>
-          <a:ln w="9525">
-            <a:noFill/>
-            <a:miter lim="800000"/>
-            <a:headEnd/>
-            <a:tailEnd/>
-          </a:ln>
-        </p:spPr>
-        <p:txBody>
-          <a:bodyPr/>
-          <a:lstStyle/>
-          <a:p>
-            <a:endParaRPr lang="pt-BR" altLang="pt-BR"/>
-          </a:p>
-        </p:txBody>
-      </p:sp>
-      <p:sp>
-        <p:nvSpPr>
-          <p:cNvPr id="5124" name="AutoShape 10" descr="data:image/jpeg;base64,/9j/4AAQSkZJRgABAQAAAQABAAD/2wBDAAkGBwgHBgkIBwgKCgkLDRYPDQwMDRsUFRAWIB0iIiAdHx8kKDQsJCYxJx8fLT0tMTU3Ojo6Iys/RD84QzQ5Ojf/2wBDAQoKCg0MDRoPDxo3JR8lNzc3Nzc3Nzc3Nzc3Nzc3Nzc3Nzc3Nzc3Nzc3Nzc3Nzc3Nzc3Nzc3Nzc3Nzc3Nzc3Nzf/wAARCABoAPkDASIAAhEBAxEB/8QAHAAAAgIDAQEAAAAAAAAAAAAAAAYFBwIDBAEI/8QAThAAAQMDAwEDBwUKCwcFAAAAAQIDBAAFEQYSITETQVEHFBUiYXHRFjJVdJMXIzZCUlSBkZSyJTU3RVNicnODsbMkJjM0Q6HCRIKSosH/xAAZAQEAAwEBAAAAAAAAAAAAAAAAAQIDBAX/xAAoEQEAAgIBAgYCAgMAAAAAAAAAAQIDBBESMQUUIVFxkSOBMqEzNGH/2gAMAwEAAhEDEQA/ALxooooCiiigKKKKCB1uSnSl1KVFJEZWCDg1RBlSASO3e6/0qvjX0NeosadapUWa52cZ1spcWFAbU95yelIvyG0l33hXv86b+FUtHL09DYphrMWhh5HXXHBde1cWvHZY3KKsfO8aQbvIfTd5wS+8B5w5x2ivyz7auPSNjs9m869ETFSe129pl1K9uM46dOppemaT0c7MfcevgQ6t1SlpMtsYUSSRj35qJr6Q0xbVK573mJ4n/isvOpH9O99qr40edSPzh77VXxqyWtF6NddQ01fCtxZ2pSmW2ST4DFSP3LrJ+cTftE/Co6JdM+IYY7xP0qXzqQP/AFD49zyvjTDprWtys8hAkPuSoecLadUVEJ8Uk859lOUvydachM9tLnyWGs43uPJSM+8iuM6Q0X3X4A/XG6dNoUvta+WvE15/R3uMluVpyVKjr3NORFrQsccFBINUAJUjA/2h7p/TK+NXvZ4lsZ02qBCniRAbbW2p7tUq2gg59YccZpQGj9FYH8Pp/bWqtaOXLpZ6YeqJifpXHnUj84e+2V8aPOpH5w99sr41Y/yP0V9Pj9tao+R+ifp8ftrVU6Xf57F7T9K486kfnD32yvjW+BJfM+KC+8cvIGO1Ufxh7asD5H6J+nx+2tVsj6R0amSypm+hTgWChPnjZyc8DAqYqrbexTE+k/Tg8rrrrd4gpbdcQDGOdiyM+t7DSH50/wDnD32yvjV06t09ZLxLYcu04xnW2ilKUvJRlOc559tQfyG0j9ML/am/hU2rMyx1tvFTFFZifpWXnT/5w99sr40edP8A5w99sr41ZvyG0j9ML/am/hR8htI/TK/2pv4VXolv57D7T9K5iXa5QnEuRJ8ltaemHiQfeDxVu+T/AFWrUEdxiZtE1gAqKRgOJ/Kx3HxFRHyG0l9Mr/am/hUtpjTNgtF0TItdyU9ILakdn5whWUnBPA9wq1YmHJt5sGWk8RPPwcqK8HSva0eSKKKKAooooCiiigKKKKAooooIHXHOkbt9WVVBEDPQfqq/tcfgldvqyqoE9ayyS9vwr+FvlZnkYA/hXAH/AEv/ACqv7xxdp/1l3981YPkY/nX/AAv/ACqvrx/G0/6y7++aie0NcH+1k/To0v8AhJa/rTf7wr6Fr560v+Elr+tN/vCvoYVenZx+Kf5K/BN8q34JL+sN/wCdUxmrn8q34JL+sN/51S9Vyd3V4ZH4f2tPyf8A8n10P9Z//TFVYDwPdVp6A/k+un9p/wD0xVWDoKie0L6kflyfL2imPRFihX6bJYuElbCGmgtJSpIyc476cvucWD6Vf+0b+FRFZlpl3MWK3TZVWa6rQf4Wg/WG/wB4VZX3N7B9LPfaN/Ctsbye2JiSy8i6vqU2tKwO0b5IOfCrRWeWN97DNZj1+kJ5YgPTMHgH/Zj1/tGkDA/JH6qf/LD/ABzB+rH9+kDvqt+7bRiPL1GB+SP1UYH5I/VVk6Z8n1vu9jhz35cpDj7e5SUbcA5PsqT+5Xavz6Z/9PhUxSVLeIYKzMSqPaD0Cf1VZXkmsLqXXL1IaKEFBbj5Tjdn5yvdxj280wWzydWKC4HHG3pSgcgPrBSP/aAB+vNNzaAhISkAJHAA6AVeteO7h29+uSvRSPR6nisqKKu8sUUUUBRRRQFFFFAUUUUBRRRQQOuD/uldvqyqoI9a+i75bxdbTKgFwtCQ2W94Gdue/FIf3KGzz6XcH+CPjWd68vU0NnHhpMXlj5GP51/wv/Kq+vH8bT/rLv75q59HaUTpjzoJmKkecbeqAnbtz8agJfkvRKlvv+lVp7V1ThHYjjcc46+2k1niOF8W3irnveZ9JV/pf8JLX9ab/eFfQtV9bPJmi33KLMF1WssOpc2FkDdg5x1qwRVqxMR6ubfz0zXiaexO8q34JL+sN/51S9fQGqrGNQ2owTILALiV7wjd0PhSd9yhv6XX9gPjVb1mZdGjt4sWPpvLZ5P/AOT66f2n/wDTFVYOg91XtYNMJs9hlWkS1OiQXCXSgDbuSB0pYHknb4/hdz7AfGk1niFtfbxUyXm095VhR+mrP+5O39LufYD40fcnb+mHPsB8ar0Wdfn9b3/pWFdFv/jCLz/1kfvCrH+5O39MOfYD41mx5LG2H2nfSyz2a0qwWRzg58amK2Vvva81mIn+kZ5YRi8wPqx/fpAFXbq/RqdSzI76pyo5abLeA3uzznxqB+5Q2P54X9gPjS1JmeWOruYceKK2n1NWgPwQtf8Ac/8A6aYqjbBbRZ7RGt4dLoYRt3kYzz4VJVq8fJMWvMw8xXtFFFBRRRQFFFFAUUUUC7adRGTd9QRZiWI8a0utoDxXgFKkbiVZ4GKlWbvbX5rkJifFclt/PYQ8krT7xnNVrduInlT/ALCP9Cpe+2m321vR7sCGyw63dI6A402Eq2qQoKycZOe/PWgcZF6tcaamFIuMRqWvG1hx9KVnPTgnNR7mpoTWq2rAtxoPLjdsVqdSMK3ABG3ruIOceFIlxhpYj6kmRPQ16tSpLrk+POCmJLSgPWSHPZ+LkD2VNwlQ5XlAtUvsENpkWEPNpeAK9xcTjJPJUBxnrQSUjVzdtiWpV1XAD06YWD5vKCm20ZV6+T1A2gHwJpmZksPKWhl5txTeN6UKBKcjIz4ZBzVT29iKrTOklSW2Sj0+4kqcQMbSp7g57jxTZp+TGi6w1eH3mmQlyK766wkBHYJ9bnu4PPsoJG/6rt1oRbVl+O6ibLTHCw+kJQnPrLJ8E459vWpOZeLbb0tqnz4sUO/M7Z5KN/uyeaqyEmK9pDRzzzbSmzfz6ziBjYp1w4OR06fqplsEa2ydWap9MNRXJTbraGkyEJITE7JO3aD+LndnHGc0D2haVoC0kFJGQRyCKT3NZiLrxenpsZLcZTbYZlgn/irBIQruGcHHtFe+S8/7vSUskmAi4SEwDkkdgF+rj+rndj2VHvWeNftXaut8vIQ7Eh7Vp+c2sBZStPtBwRQMj95dZ1fEsoZQWn4Lkku5O4FKkgDHTHNdar7aETRBXdISZZVt7BUhIXnw25zn2VX1hu0x7XsaNe0KFytdrkMy1IScPAKQpLifHcnnHjmoW+HtPJtInxbfZbfbXkF2MHFqfmOLKsg7uMOd/wCNjmguK4XSBbW0uXGbHioUcBT7oQCf01zS57nnVtENcJyNKWoLWt/ClJCSQWwOFnP/AGpXhNxJXlDmi7oadcRbI5gJkAKGwlXaFAPfuxk9a4G/Q4velm9PpUITd3mpHXZvDSt2zu2ZzjHHWgfH7zbI0xEORcIjUpfzWFvJStWemEk5rZLuUKFu88mR4+1BWe1cCcJzjPPdkgfpqutPRrE/oK7vX5EVUwuSjcnJCU9ol0KV1JGQQNuP0YrzT8JVz1BpM31gPyEaeU6oPp3euFoAKge/Cu/v9tBZEafElxhJiyWXo5BPatrCk8deRxWiDe7VcXlswLlEkuo5Uhl5K1J94BquprtutLGt4r0EuwFT4yExGnOxQVuIR1UOEpKsZNZym5MXW2kxNaskZ4vuJQxbEK3pbLZHrKOMpzgDgUDvpe8O3qNMeeZQ0Y85+MAkk5DatoPvNd0+6W+37PSE6NG7RWEdu6lG4+zPWl7ydcW265+mZnT+8rjhswZXlB1Cm9Nx3XURo/miZKUqAjlJ3lIV3b85x7KCc05fTdIM6VKSywiLNfj7gv1djasBRJ6ZHNSVuulvuaFOW2dGloScKUw6lYB9uDVPbW/kdGZtyo/oleqHErMjJYLW5XZ9pg52btn/AGprtsKTH15bnJEqyMSjEdDka2MOJU+zxgr6pASrBBOO8DNAw63vkmwWUTITDL765DTCEPKKU5WoJySOe+uZD2ty4kPQtPBvcArbKeztzzj1PCuPytp36WaSVqQDcIoK0nBT98HNbo1mhMSW3vlhd3uzWFdm5ckFKsHOCMcjxoGGbebZAdQ1PuMSM458xDzyUFXuBNR921PCtl7tdrkOshc7eStbyUhsJTkEj+seBSrdYDi9RX6TanbPcSpLaZ8C6NqQtsBHAQ5jhJHswDmtUR22XCdoKW3BbjRXWJKUNPkL2hLYCU7j84AjigsduXHcS6pD7Sg0opcKVg7COoPgRWp+5wGISZr82O3EUAUvrdAQQemFZxSVY5saHa9aecyG2uyuctSw4oDAUkbf193jUXp1uO9J0KzdUNqhehVmMh4Ds/ORs7jxu2E4/TQO1l1Am6X66wmexciw247jMhpe7tO1Ssn2cbR08akIl5tk2QuPDuER99v57bTyVKT7wDVXXdEeKPKGnT+ENpZhh0Reic7+1246cE5x4mpzU8ayxoemXNPtxG5huEZMBUUJClNkjtOnJTsznPHSgdZF6tcWYmHJuURqUrG1hbyQs56YSTmu7Pv/AFVVFziIYY1HMiCy3q1KlPOT405KmJLSgPWSHD4Y9XjwwaPujWb6EvX/AMlfGgstVotyxMC4MYib/wA1lpP3/jHr/lccc1tfgxZAYD8ZpwMLDjO9APZqHRSfAjJ5ropa15f3NPWZt9gtJkSZDcZpx5JUhsrPK1AckAAnA8KDvmaasc6cJ0y0QX5Qx9+cYSpRx0ycc49tY39uxxkNXa+NRAIKwpqTIbBLKiQBg4yOcdPZSpY9VOjUcG3enEXuNNC0qcEIsrjuAbhnAAKSARzyDjk1JeVhW3REpW0qw/HO0DJP35HAqB5HvGg7pHTZWpFmejuL3IiKSkIUsnPCSMZySf01Oy9O2We+w/NtMJ91gBLS3GEqKAOgGR0HhSXqp+TqazP2i3aRuTMiQUpRJlx2mW2fWB37gongeFbLzqdxrUD9kN9RaWbey12kgxe3ckOqTngEEJSBjPeSakOr1jtT9vNvetsRcIqKzHUyko3Ekk7cYzkk5rVcNOWS59j6QtUKT2KQlvtWUq2p8B7OBx0pM+WF2k6VMiOAXWLj5nLnx4inEpZxnt0NHk5BSMcgHPXFb4OrHIlhvV0Re4F+iQ44cjrbSGngs5GxxCQABnGDwetQH5llthpLTLaW20DCUIGAkeAA6VrbhRWpT0tuO0mS8EpdeSgBawnoCepxk4pInydU2ZFmkyLrHlInTo7ElrzRKOx3nkII5I7vWye/NTenrpKmz9RtSHEqRBndiwNoG1PZIVz48k81I75XoiPeYrkhEZu5ykqZjuqQO1WkDcpIVjOO/Ga0t6V0+h151Nkt4W+FB0+bI9YK+cDx39/jSvY9RXGe1ol+UplblxXJ84V2Kc+qhWNvHq9O7rXHF1RdHZ6kSr7Et1z86KE2efE7JpbYXgbXcblEp5CgSM4GKB8uNhtN0ZaZuNtiyW2eGkutBWwYxgeHFbkWuAgRQiFHSIefNgGkjscjB2fk8ccUqanvEiLd3I72poNljhtJjtttJkSH1HqVIIOEjoABz4io1GrrxJ0fBng7FKnuRZk5mGpwtNoKh2ga6gnAzn5uTxQOcrTVkmT0z5dogvS04w84wkq46ZOOcVqvdzsNklMTry/FjSHEKZafdT6xTwSkHGcdDiuHRVzeuSZR9OQbzEQpPYSGUhDycg5S4gAAHpgj25FRuv3X2dS6TcjQTOdS/I2xwtKd/wB68VcDx58KDvh3/Rl3lvQYkq2ypFxOHmgjJkEJ/G49bCR3+FSDdh09Z4xfatcCM1HV5x2gYSOzKQfXzjIIBPPtNc1on3ORPQ3L0sq3tEEmSqQysJOOOE880ty5eoNRaYvF5i3BiPDLcltiAqMFBxpAUklS/nBZwSMcDjIPNA+WpuCIqXrYhlMeSS+CygJS4V87+OpPXNa7rY7VeOz9KW6LLLZygvtBe33ZpX0vc5TUrS9rSsCI9YO3UgpGStPZAc93CjxWN01bOtjmqlYQ/wCj3orMJpScDc6hPziOSNys0Dci025ER2IiBFTGeKlOMhlOxZPUlOMHNa7TYrTZt/oq3RYfafPLDQSVeGSKioETU0K4RlTLnGucRxKhJSY6WCyrGQW8ZyM8YOT35pOu+r7hbobs86ot0i4MK3O2mJGDzITuwUdqBuBx+MSBnuqBZtxt0K5xjFuMRiVHJBLT7YWkkdODxUBJ01ouLLixX7FZUSJRUGGzCby4UjJx6vcOa0ypt3vOpZlqtU5Ftj29hpb7/YJdW444CUpAVwEgDnvPsrQ5cL1GvGmIV4EMvyH5TbzjTYIcQhvKVpzygkdQDUhhuWnLLdn0P3K1Q5TqBhK3mUqUB4ZPd7K3TbNbLgwyxNgRpDTCgppDrQUGyOhSD0pOh3HU16sT2pbfcY0Zk9o7Et6oqVpcbQSAHF53blbc+rjFCNQ3fUF5tUWzS2oEafaBNWtxgOLaO/Hq54J5A5478UDZJ09ZpVwTcJFqhOzE4w+thJWMdOcd3d4VnKsdqlW1Fuk26I5CbADcdTSdiMdNo6DHspYg3q9otWoor8qA5cLTJDKJsgdi0pCkpUFrA4BAV0GASO6uG06nfTqe1wWNRtXuLOU426RCDQZUlBUChaQAc4xg5NA3WKNY0tPLsUeGhsKMd0x2gnlskbTgc4JV+s+NZ2/Tdktklcq32mFGfXnLjLCUnB6jIHFJq9R3VvTrkpjDKfTUiNIlMQ+1MZlK1AL7NPzjwASc9cnNTui7m7cRLIvsG8RUFHYyGUhDyc53JcQAAOcYIxnvHFBKTNNWKdOE6ZaIL8oYPbOMJUo46ZJHP6ak+yb/ACE/qrIdBjpXtAVD6nsgv1uTHTIXGkMvIkRpCBktOoOUqx3+6piigW7da7+q5MzL1eGVtR0KSiLBaU024o/jOblEnA6AcA11avsq9QWNy3NvpYK3Gl9opO4DY4lXT24xU1ijFBjjilqfYLmxfZF409OjR3pbaG5bEtlTjbhQMJWNqgQoDjwNM9FArmwXlNpaQ3qKQboiSZJkLRltZOctlsH/AIeOgzkda5GtFruEq6S9QvxnXrhD8zW3BZLSEozndkklS845PTFOeKxVgew0Fa6kt19iI063dLrHlRo94iNoDMYoW76xAU4SojIA6AAc5qed05eI12uciz3WPHi3RaXH0PRi440sJCSps7gOQB84EVH3vVU2NqpXYlv0Fbn2Is8qbBPaPA4UFdwRlvP9qmq83622QMG6S0x0vlSWyoE7iBkgY7/Z39KCBtOjXbcxplozUOehVPlR2cu9olQGOeMZrRctI3q5292yzLzHk2lxwntJEYrlJQVZ2he7bkdArGcVP2bUlsvYkCA+S5Gx2zTrSm1oz0JSoA4PjUdbNSMw9ORLlebq3JM9ZVHVHYV64OSlDaANysAdSM9c4oMDpu6wb9cLjZZ8NpNxDfa+dRlOONFCdo2KChkY5weM1ptuk7parQ1Ft98UmUzOdlIdW1lD6VkkodQCM9c5GMHpXZP1NCm6bnT7XdkRPNlJQ487GUpUdW5PC2zg5IOMHxzXZeNUWqzPojTpK/OVo3hlllbq9v5RSkHA9poObT2n5UK8zrzc5EVybLbQyUQ2C02lCSTk5JKlEnqTXmq7DcLrOtM61To8STbnHFpL7JcCt6dvQEd1TdsuEO6wm5lvkNyIzoylxHQ/AjwpO109qay2+ZdoOoGksJeQG4qreg7EqUlON5Vk4znpQStvhatROZXcL1bHoqVZdbagqQpQ8ArecVHvaQuzMO4Wm1Xhhi0zVOq2uRyp5jtMlSUK3AbSSeoJGa7UzpOmkl/VGoUTEPkNx2UQNiyvvCQgqKu7u4rbL1LAm6buVwtl1RG81bUHHnWFKMZWPx2zg59h60HG5pW4Rk2ORaJ8dq4WuF5movsqW08gpSDkBQI5SCMGtbWiHHot/au1zMh27qadU800Gy0tA4KRkjAIGB4Dk0wxrzDcnejTJBmojJkKSUFO5B43jPBGfA8d9c6tVWZNoTdjNSIS3C027sV99VkjCBjKskHGBzig4GbDfJklhV+vLS2YyFpQ3BaWyXVKSU73CVHOASQBgZ57qiF6JvTulFaZ9MQmbehoNtrYhKDjgBynflWMdM4AJpha1LbrnbLi9b53ZOxGVqcLzCkrjnaSFKbUAccZ9uK0L1dabXbYCrrc0uOyIiX0uIYUC+OAVJQASMk5x1A91BjN0/c2bwu72KfGYkyGG2ZbUphTjbuz5qhtUCCMkeBrXG0nJamWWW/dFynoL8h99bySS6p1OMJGfUSO4eFdk7WVkhOJadkuuOFpLykMRnHVNoUMgrCUnbx44qYt06Lc4TM2C8h+M8nc24g5ChQKSNKXuJBk2a1XphizvlewORSp+OhZJUhCtwSRycEjIzUlA0u3br9BmxHAmLDtfo9DBTlWAoEKz7hzTLXmBQJt10Wu4M31BmoQq4zWZbW5rclCm0oAStJOFAlHPvrNWnb3NvNoudzukPNteUpMaLGUhspUkpUcqUTu59w/TThijFAox9MXKDbVNW27+byk3F6ahXZktuBxSj2bic8jCuueoBro0/p6XCvMy83SRFcmymkMlMNgtNJSkk5wSSpRJ6k0y4r2gB0ooooCiiigKKKKAooooCuK9XFi02qXcZRwzFaU6v24Gcfp6UUUFfWnRt8uWlH2pV7aYTeQqVLjKgpWQtzCsbyrPHHuxWq33Jy8u6HTOSDNh3GRFlpV1DzTCxn/ALBX6aKKBh2hPlLuQA+dYmyT4kOrpXgiAjQ2in50ybbHG2T2F0jhJRGUUkEOZyNqhxyMUUVA13O5yp+kNVoefi3FhlUcIusaOGhJJWnIVjhRTgDI45xTDHuUHTut7+7fnkQ0z247kSU8MIWhCNqkBXTIVk49tFFB2+TptSo15nNtrahzrm7IiIWkpJbISN2D0CiCfca98q/4Eyv79j/VRRRUiL1yl2HrGz3N65O2yCIrscTksIcSw6VA4VuBCdw4z7Md9QdzSxKsGtblFuky577cllyathtph4pz8woxuKQcE4xzjNFFQJDWsR3UrsGzWNpKrlBh9vJkbygNtLRgMFQ/pPDuAzWm+T2Z8bSd6gPPWq2QnHWJCm2EuG3u7NgC0KBAAIKc44zniiigzR5vOkX+fGvUu8KZsjzDkpMZpEcggkI3IA3LGM9DgHrXVpltK9RaQKgCUaZUpJxyDlof5E0UUHku+FOpL3HevMbT/YvISltqGlUmcNgw4FKB3ZyUgBJPFTHkmVnRERJCwtt59K0rGFJPaq4I7jzzRRUhxooooCiiigKKKKAooooP/9k="/>
-          <p:cNvSpPr>
-            <a:spLocks noChangeAspect="1" noChangeArrowheads="1"/>
-          </p:cNvSpPr>
-          <p:nvPr/>
-        </p:nvSpPr>
-        <p:spPr bwMode="auto">
-          <a:xfrm>
-            <a:off x="63500" y="-7938"/>
-            <a:ext cx="1790700" cy="752476"/>
-          </a:xfrm>
-          <a:prstGeom prst="rect">
-            <a:avLst/>
-          </a:prstGeom>
-          <a:noFill/>
-          <a:ln w="9525">
-            <a:noFill/>
-            <a:miter lim="800000"/>
-            <a:headEnd/>
-            <a:tailEnd/>
-          </a:ln>
-        </p:spPr>
-        <p:txBody>
-          <a:bodyPr/>
-          <a:lstStyle/>
-          <a:p>
-            <a:endParaRPr lang="pt-BR" altLang="pt-BR"/>
-          </a:p>
-        </p:txBody>
-      </p:sp>
-      <p:sp>
-        <p:nvSpPr>
-          <p:cNvPr id="5125" name="AutoShape 12" descr="data:image/jpeg;base64,/9j/4AAQSkZJRgABAQAAAQABAAD/2wBDAAkGBwgHBgkIBwgKCgkLDRYPDQwMDRsUFRAWIB0iIiAdHx8kKDQsJCYxJx8fLT0tMTU3Ojo6Iys/RD84QzQ5Ojf/2wBDAQoKCg0MDRoPDxo3JR8lNzc3Nzc3Nzc3Nzc3Nzc3Nzc3Nzc3Nzc3Nzc3Nzc3Nzc3Nzc3Nzc3Nzc3Nzc3Nzc3Nzf/wAARCABoAPkDASIAAhEBAxEB/8QAHAAAAgIDAQEAAAAAAAAAAAAAAAYFBwIDBAEI/8QAThAAAQMDAwEDBwUKCwcFAAAAAQIDBAAFEQYSITETQVEHFBUiYXHRFjJVdJMXIzZCUlSBkZSyJTU3RVNicnODsbMkJjM0Q6HCRIKSosH/xAAZAQEAAwEBAAAAAAAAAAAAAAAAAQIDBAX/xAAoEQEAAgIBAgYCAgMAAAAAAAAAAQIDBBESMQUUIVFxkSOBMqEzNGH/2gAMAwEAAhEDEQA/ALxooooCiiigKKKKCB1uSnSl1KVFJEZWCDg1RBlSASO3e6/0qvjX0NeosadapUWa52cZ1spcWFAbU95yelIvyG0l33hXv86b+FUtHL09DYphrMWhh5HXXHBde1cWvHZY3KKsfO8aQbvIfTd5wS+8B5w5x2ivyz7auPSNjs9m869ETFSe129pl1K9uM46dOppemaT0c7MfcevgQ6t1SlpMtsYUSSRj35qJr6Q0xbVK573mJ4n/isvOpH9O99qr40edSPzh77VXxqyWtF6NddQ01fCtxZ2pSmW2ST4DFSP3LrJ+cTftE/Co6JdM+IYY7xP0qXzqQP/AFD49zyvjTDprWtys8hAkPuSoecLadUVEJ8Uk859lOUvydachM9tLnyWGs43uPJSM+8iuM6Q0X3X4A/XG6dNoUvta+WvE15/R3uMluVpyVKjr3NORFrQsccFBINUAJUjA/2h7p/TK+NXvZ4lsZ02qBCniRAbbW2p7tUq2gg59YccZpQGj9FYH8Pp/bWqtaOXLpZ6YeqJifpXHnUj84e+2V8aPOpH5w99sr41Y/yP0V9Pj9tao+R+ifp8ftrVU6Xf57F7T9K486kfnD32yvjW+BJfM+KC+8cvIGO1Ufxh7asD5H6J+nx+2tVsj6R0amSypm+hTgWChPnjZyc8DAqYqrbexTE+k/Tg8rrrrd4gpbdcQDGOdiyM+t7DSH50/wDnD32yvjV06t09ZLxLYcu04xnW2ilKUvJRlOc559tQfyG0j9ML/am/hU2rMyx1tvFTFFZifpWXnT/5w99sr40edP8A5w99sr41ZvyG0j9ML/am/hR8htI/TK/2pv4VXolv57D7T9K5iXa5QnEuRJ8ltaemHiQfeDxVu+T/AFWrUEdxiZtE1gAqKRgOJ/Kx3HxFRHyG0l9Mr/am/hUtpjTNgtF0TItdyU9ILakdn5whWUnBPA9wq1YmHJt5sGWk8RPPwcqK8HSva0eSKKKKAooooCiiigKKKKAooooIHXHOkbt9WVVBEDPQfqq/tcfgldvqyqoE9ayyS9vwr+FvlZnkYA/hXAH/AEv/ACqv7xxdp/1l3981YPkY/nX/AAv/ACqvrx/G0/6y7++aie0NcH+1k/To0v8AhJa/rTf7wr6Fr560v+Elr+tN/vCvoYVenZx+Kf5K/BN8q34JL+sN/wCdUxmrn8q34JL+sN/51S9Vyd3V4ZH4f2tPyf8A8n10P9Z//TFVYDwPdVp6A/k+un9p/wD0xVWDoKie0L6kflyfL2imPRFihX6bJYuElbCGmgtJSpIyc476cvucWD6Vf+0b+FRFZlpl3MWK3TZVWa6rQf4Wg/WG/wB4VZX3N7B9LPfaN/Ctsbye2JiSy8i6vqU2tKwO0b5IOfCrRWeWN97DNZj1+kJ5YgPTMHgH/Zj1/tGkDA/JH6qf/LD/ABzB+rH9+kDvqt+7bRiPL1GB+SP1UYH5I/VVk6Z8n1vu9jhz35cpDj7e5SUbcA5PsqT+5Xavz6Z/9PhUxSVLeIYKzMSqPaD0Cf1VZXkmsLqXXL1IaKEFBbj5Tjdn5yvdxj280wWzydWKC4HHG3pSgcgPrBSP/aAB+vNNzaAhISkAJHAA6AVeteO7h29+uSvRSPR6nisqKKu8sUUUUBRRRQFFFFAUUUUBRRRQQOuD/uldvqyqoI9a+i75bxdbTKgFwtCQ2W94Gdue/FIf3KGzz6XcH+CPjWd68vU0NnHhpMXlj5GP51/wv/Kq+vH8bT/rLv75q59HaUTpjzoJmKkecbeqAnbtz8agJfkvRKlvv+lVp7V1ThHYjjcc46+2k1niOF8W3irnveZ9JV/pf8JLX9ab/eFfQtV9bPJmi33KLMF1WssOpc2FkDdg5x1qwRVqxMR6ubfz0zXiaexO8q34JL+sN/51S9fQGqrGNQ2owTILALiV7wjd0PhSd9yhv6XX9gPjVb1mZdGjt4sWPpvLZ5P/AOT66f2n/wDTFVYOg91XtYNMJs9hlWkS1OiQXCXSgDbuSB0pYHknb4/hdz7AfGk1niFtfbxUyXm095VhR+mrP+5O39LufYD40fcnb+mHPsB8ar0Wdfn9b3/pWFdFv/jCLz/1kfvCrH+5O39MOfYD41mx5LG2H2nfSyz2a0qwWRzg58amK2Vvva81mIn+kZ5YRi8wPqx/fpAFXbq/RqdSzI76pyo5abLeA3uzznxqB+5Q2P54X9gPjS1JmeWOruYceKK2n1NWgPwQtf8Ac/8A6aYqjbBbRZ7RGt4dLoYRt3kYzz4VJVq8fJMWvMw8xXtFFFBRRRQFFFFAUUUUC7adRGTd9QRZiWI8a0utoDxXgFKkbiVZ4GKlWbvbX5rkJifFclt/PYQ8krT7xnNVrduInlT/ALCP9Cpe+2m321vR7sCGyw63dI6A402Eq2qQoKycZOe/PWgcZF6tcaamFIuMRqWvG1hx9KVnPTgnNR7mpoTWq2rAtxoPLjdsVqdSMK3ABG3ruIOceFIlxhpYj6kmRPQ16tSpLrk+POCmJLSgPWSHPZ+LkD2VNwlQ5XlAtUvsENpkWEPNpeAK9xcTjJPJUBxnrQSUjVzdtiWpV1XAD06YWD5vKCm20ZV6+T1A2gHwJpmZksPKWhl5txTeN6UKBKcjIz4ZBzVT29iKrTOklSW2Sj0+4kqcQMbSp7g57jxTZp+TGi6w1eH3mmQlyK766wkBHYJ9bnu4PPsoJG/6rt1oRbVl+O6ibLTHCw+kJQnPrLJ8E459vWpOZeLbb0tqnz4sUO/M7Z5KN/uyeaqyEmK9pDRzzzbSmzfz6ziBjYp1w4OR06fqplsEa2ydWap9MNRXJTbraGkyEJITE7JO3aD+LndnHGc0D2haVoC0kFJGQRyCKT3NZiLrxenpsZLcZTbYZlgn/irBIQruGcHHtFe+S8/7vSUskmAi4SEwDkkdgF+rj+rndj2VHvWeNftXaut8vIQ7Eh7Vp+c2sBZStPtBwRQMj95dZ1fEsoZQWn4Lkku5O4FKkgDHTHNdar7aETRBXdISZZVt7BUhIXnw25zn2VX1hu0x7XsaNe0KFytdrkMy1IScPAKQpLifHcnnHjmoW+HtPJtInxbfZbfbXkF2MHFqfmOLKsg7uMOd/wCNjmguK4XSBbW0uXGbHioUcBT7oQCf01zS57nnVtENcJyNKWoLWt/ClJCSQWwOFnP/AGpXhNxJXlDmi7oadcRbI5gJkAKGwlXaFAPfuxk9a4G/Q4velm9PpUITd3mpHXZvDSt2zu2ZzjHHWgfH7zbI0xEORcIjUpfzWFvJStWemEk5rZLuUKFu88mR4+1BWe1cCcJzjPPdkgfpqutPRrE/oK7vX5EVUwuSjcnJCU9ol0KV1JGQQNuP0YrzT8JVz1BpM31gPyEaeU6oPp3euFoAKge/Cu/v9tBZEafElxhJiyWXo5BPatrCk8deRxWiDe7VcXlswLlEkuo5Uhl5K1J94BquprtutLGt4r0EuwFT4yExGnOxQVuIR1UOEpKsZNZym5MXW2kxNaskZ4vuJQxbEK3pbLZHrKOMpzgDgUDvpe8O3qNMeeZQ0Y85+MAkk5DatoPvNd0+6W+37PSE6NG7RWEdu6lG4+zPWl7ydcW265+mZnT+8rjhswZXlB1Cm9Nx3XURo/miZKUqAjlJ3lIV3b85x7KCc05fTdIM6VKSywiLNfj7gv1djasBRJ6ZHNSVuulvuaFOW2dGloScKUw6lYB9uDVPbW/kdGZtyo/oleqHErMjJYLW5XZ9pg52btn/AGprtsKTH15bnJEqyMSjEdDka2MOJU+zxgr6pASrBBOO8DNAw63vkmwWUTITDL765DTCEPKKU5WoJySOe+uZD2ty4kPQtPBvcArbKeztzzj1PCuPytp36WaSVqQDcIoK0nBT98HNbo1mhMSW3vlhd3uzWFdm5ckFKsHOCMcjxoGGbebZAdQ1PuMSM458xDzyUFXuBNR921PCtl7tdrkOshc7eStbyUhsJTkEj+seBSrdYDi9RX6TanbPcSpLaZ8C6NqQtsBHAQ5jhJHswDmtUR22XCdoKW3BbjRXWJKUNPkL2hLYCU7j84AjigsduXHcS6pD7Sg0opcKVg7COoPgRWp+5wGISZr82O3EUAUvrdAQQemFZxSVY5saHa9aecyG2uyuctSw4oDAUkbf193jUXp1uO9J0KzdUNqhehVmMh4Ds/ORs7jxu2E4/TQO1l1Am6X66wmexciw247jMhpe7tO1Ssn2cbR08akIl5tk2QuPDuER99v57bTyVKT7wDVXXdEeKPKGnT+ENpZhh0Reic7+1246cE5x4mpzU8ayxoemXNPtxG5huEZMBUUJClNkjtOnJTsznPHSgdZF6tcWYmHJuURqUrG1hbyQs56YSTmu7Pv/AFVVFziIYY1HMiCy3q1KlPOT405KmJLSgPWSHD4Y9XjwwaPujWb6EvX/AMlfGgstVotyxMC4MYib/wA1lpP3/jHr/lccc1tfgxZAYD8ZpwMLDjO9APZqHRSfAjJ5ropa15f3NPWZt9gtJkSZDcZpx5JUhsrPK1AckAAnA8KDvmaasc6cJ0y0QX5Qx9+cYSpRx0ycc49tY39uxxkNXa+NRAIKwpqTIbBLKiQBg4yOcdPZSpY9VOjUcG3enEXuNNC0qcEIsrjuAbhnAAKSARzyDjk1JeVhW3REpW0qw/HO0DJP35HAqB5HvGg7pHTZWpFmejuL3IiKSkIUsnPCSMZySf01Oy9O2We+w/NtMJ91gBLS3GEqKAOgGR0HhSXqp+TqazP2i3aRuTMiQUpRJlx2mW2fWB37gongeFbLzqdxrUD9kN9RaWbey12kgxe3ckOqTngEEJSBjPeSakOr1jtT9vNvetsRcIqKzHUyko3Ekk7cYzkk5rVcNOWS59j6QtUKT2KQlvtWUq2p8B7OBx0pM+WF2k6VMiOAXWLj5nLnx4inEpZxnt0NHk5BSMcgHPXFb4OrHIlhvV0Re4F+iQ44cjrbSGngs5GxxCQABnGDwetQH5llthpLTLaW20DCUIGAkeAA6VrbhRWpT0tuO0mS8EpdeSgBawnoCepxk4pInydU2ZFmkyLrHlInTo7ElrzRKOx3nkII5I7vWye/NTenrpKmz9RtSHEqRBndiwNoG1PZIVz48k81I75XoiPeYrkhEZu5ykqZjuqQO1WkDcpIVjOO/Ga0t6V0+h151Nkt4W+FB0+bI9YK+cDx39/jSvY9RXGe1ol+UplblxXJ84V2Kc+qhWNvHq9O7rXHF1RdHZ6kSr7Et1z86KE2efE7JpbYXgbXcblEp5CgSM4GKB8uNhtN0ZaZuNtiyW2eGkutBWwYxgeHFbkWuAgRQiFHSIefNgGkjscjB2fk8ccUqanvEiLd3I72poNljhtJjtttJkSH1HqVIIOEjoABz4io1GrrxJ0fBng7FKnuRZk5mGpwtNoKh2ga6gnAzn5uTxQOcrTVkmT0z5dogvS04w84wkq46ZOOcVqvdzsNklMTry/FjSHEKZafdT6xTwSkHGcdDiuHRVzeuSZR9OQbzEQpPYSGUhDycg5S4gAAHpgj25FRuv3X2dS6TcjQTOdS/I2xwtKd/wB68VcDx58KDvh3/Rl3lvQYkq2ypFxOHmgjJkEJ/G49bCR3+FSDdh09Z4xfatcCM1HV5x2gYSOzKQfXzjIIBPPtNc1on3ORPQ3L0sq3tEEmSqQysJOOOE880ty5eoNRaYvF5i3BiPDLcltiAqMFBxpAUklS/nBZwSMcDjIPNA+WpuCIqXrYhlMeSS+CygJS4V87+OpPXNa7rY7VeOz9KW6LLLZygvtBe33ZpX0vc5TUrS9rSsCI9YO3UgpGStPZAc93CjxWN01bOtjmqlYQ/wCj3orMJpScDc6hPziOSNys0Dci025ER2IiBFTGeKlOMhlOxZPUlOMHNa7TYrTZt/oq3RYfafPLDQSVeGSKioETU0K4RlTLnGucRxKhJSY6WCyrGQW8ZyM8YOT35pOu+r7hbobs86ot0i4MK3O2mJGDzITuwUdqBuBx+MSBnuqBZtxt0K5xjFuMRiVHJBLT7YWkkdODxUBJ01ouLLixX7FZUSJRUGGzCby4UjJx6vcOa0ypt3vOpZlqtU5Ftj29hpb7/YJdW444CUpAVwEgDnvPsrQ5cL1GvGmIV4EMvyH5TbzjTYIcQhvKVpzygkdQDUhhuWnLLdn0P3K1Q5TqBhK3mUqUB4ZPd7K3TbNbLgwyxNgRpDTCgppDrQUGyOhSD0pOh3HU16sT2pbfcY0Zk9o7Et6oqVpcbQSAHF53blbc+rjFCNQ3fUF5tUWzS2oEafaBNWtxgOLaO/Hq54J5A5478UDZJ09ZpVwTcJFqhOzE4w+thJWMdOcd3d4VnKsdqlW1Fuk26I5CbADcdTSdiMdNo6DHspYg3q9otWoor8qA5cLTJDKJsgdi0pCkpUFrA4BAV0GASO6uG06nfTqe1wWNRtXuLOU426RCDQZUlBUChaQAc4xg5NA3WKNY0tPLsUeGhsKMd0x2gnlskbTgc4JV+s+NZ2/Tdktklcq32mFGfXnLjLCUnB6jIHFJq9R3VvTrkpjDKfTUiNIlMQ+1MZlK1AL7NPzjwASc9cnNTui7m7cRLIvsG8RUFHYyGUhDyc53JcQAAOcYIxnvHFBKTNNWKdOE6ZaIL8oYPbOMJUo46ZJHP6ak+yb/ACE/qrIdBjpXtAVD6nsgv1uTHTIXGkMvIkRpCBktOoOUqx3+6piigW7da7+q5MzL1eGVtR0KSiLBaU024o/jOblEnA6AcA11avsq9QWNy3NvpYK3Gl9opO4DY4lXT24xU1ijFBjjilqfYLmxfZF409OjR3pbaG5bEtlTjbhQMJWNqgQoDjwNM9FArmwXlNpaQ3qKQboiSZJkLRltZOctlsH/AIeOgzkda5GtFruEq6S9QvxnXrhD8zW3BZLSEozndkklS845PTFOeKxVgew0Fa6kt19iI063dLrHlRo94iNoDMYoW76xAU4SojIA6AAc5qed05eI12uciz3WPHi3RaXH0PRi440sJCSps7gOQB84EVH3vVU2NqpXYlv0Fbn2Is8qbBPaPA4UFdwRlvP9qmq83622QMG6S0x0vlSWyoE7iBkgY7/Z39KCBtOjXbcxplozUOehVPlR2cu9olQGOeMZrRctI3q5292yzLzHk2lxwntJEYrlJQVZ2he7bkdArGcVP2bUlsvYkCA+S5Gx2zTrSm1oz0JSoA4PjUdbNSMw9ORLlebq3JM9ZVHVHYV64OSlDaANysAdSM9c4oMDpu6wb9cLjZZ8NpNxDfa+dRlOONFCdo2KChkY5weM1ptuk7parQ1Ft98UmUzOdlIdW1lD6VkkodQCM9c5GMHpXZP1NCm6bnT7XdkRPNlJQ487GUpUdW5PC2zg5IOMHxzXZeNUWqzPojTpK/OVo3hlllbq9v5RSkHA9poObT2n5UK8zrzc5EVybLbQyUQ2C02lCSTk5JKlEnqTXmq7DcLrOtM61To8STbnHFpL7JcCt6dvQEd1TdsuEO6wm5lvkNyIzoylxHQ/AjwpO109qay2+ZdoOoGksJeQG4qreg7EqUlON5Vk4znpQStvhatROZXcL1bHoqVZdbagqQpQ8ArecVHvaQuzMO4Wm1Xhhi0zVOq2uRyp5jtMlSUK3AbSSeoJGa7UzpOmkl/VGoUTEPkNx2UQNiyvvCQgqKu7u4rbL1LAm6buVwtl1RG81bUHHnWFKMZWPx2zg59h60HG5pW4Rk2ORaJ8dq4WuF5movsqW08gpSDkBQI5SCMGtbWiHHot/au1zMh27qadU800Gy0tA4KRkjAIGB4Dk0wxrzDcnejTJBmojJkKSUFO5B43jPBGfA8d9c6tVWZNoTdjNSIS3C027sV99VkjCBjKskHGBzig4GbDfJklhV+vLS2YyFpQ3BaWyXVKSU73CVHOASQBgZ57qiF6JvTulFaZ9MQmbehoNtrYhKDjgBynflWMdM4AJpha1LbrnbLi9b53ZOxGVqcLzCkrjnaSFKbUAccZ9uK0L1dabXbYCrrc0uOyIiX0uIYUC+OAVJQASMk5x1A91BjN0/c2bwu72KfGYkyGG2ZbUphTjbuz5qhtUCCMkeBrXG0nJamWWW/dFynoL8h99bySS6p1OMJGfUSO4eFdk7WVkhOJadkuuOFpLykMRnHVNoUMgrCUnbx44qYt06Lc4TM2C8h+M8nc24g5ChQKSNKXuJBk2a1XphizvlewORSp+OhZJUhCtwSRycEjIzUlA0u3br9BmxHAmLDtfo9DBTlWAoEKz7hzTLXmBQJt10Wu4M31BmoQq4zWZbW5rclCm0oAStJOFAlHPvrNWnb3NvNoudzukPNteUpMaLGUhspUkpUcqUTu59w/TThijFAox9MXKDbVNW27+byk3F6ahXZktuBxSj2bic8jCuueoBro0/p6XCvMy83SRFcmymkMlMNgtNJSkk5wSSpRJ6k0y4r2gB0ooooCiiigKKKKAooooCuK9XFi02qXcZRwzFaU6v24Gcfp6UUUFfWnRt8uWlH2pV7aYTeQqVLjKgpWQtzCsbyrPHHuxWq33Jy8u6HTOSDNh3GRFlpV1DzTCxn/ALBX6aKKBh2hPlLuQA+dYmyT4kOrpXgiAjQ2in50ybbHG2T2F0jhJRGUUkEOZyNqhxyMUUVA13O5yp+kNVoefi3FhlUcIusaOGhJJWnIVjhRTgDI45xTDHuUHTut7+7fnkQ0z247kSU8MIWhCNqkBXTIVk49tFFB2+TptSo15nNtrahzrm7IiIWkpJbISN2D0CiCfca98q/4Eyv79j/VRRRUiL1yl2HrGz3N65O2yCIrscTksIcSw6VA4VuBCdw4z7Md9QdzSxKsGtblFuky577cllyathtph4pz8woxuKQcE4xzjNFFQJDWsR3UrsGzWNpKrlBh9vJkbygNtLRgMFQ/pPDuAzWm+T2Z8bSd6gPPWq2QnHWJCm2EuG3u7NgC0KBAAIKc44zniiigzR5vOkX+fGvUu8KZsjzDkpMZpEcggkI3IA3LGM9DgHrXVpltK9RaQKgCUaZUpJxyDlof5E0UUHku+FOpL3HevMbT/YvISltqGlUmcNgw4FKB3ZyUgBJPFTHkmVnRERJCwtt59K0rGFJPaq4I7jzzRRUhxooooCiiigKKKKAooooP/9k="/>
-          <p:cNvSpPr>
-            <a:spLocks noChangeAspect="1" noChangeArrowheads="1"/>
-          </p:cNvSpPr>
-          <p:nvPr/>
-        </p:nvSpPr>
-        <p:spPr bwMode="auto">
-          <a:xfrm>
-            <a:off x="63500" y="-7938"/>
-            <a:ext cx="1790700" cy="752476"/>
-          </a:xfrm>
-          <a:prstGeom prst="rect">
-            <a:avLst/>
-          </a:prstGeom>
-          <a:noFill/>
-          <a:ln w="9525">
-            <a:noFill/>
-            <a:miter lim="800000"/>
-            <a:headEnd/>
-            <a:tailEnd/>
-          </a:ln>
-        </p:spPr>
-        <p:txBody>
-          <a:bodyPr/>
-          <a:lstStyle/>
-          <a:p>
-            <a:endParaRPr lang="pt-BR" altLang="pt-BR"/>
-          </a:p>
-        </p:txBody>
-      </p:sp>
-      <p:sp>
-        <p:nvSpPr>
-          <p:cNvPr id="5126" name="AutoShape 14" descr="data:image/jpeg;base64,/9j/4AAQSkZJRgABAQAAAQABAAD/2wBDAAkGBwgHBgkIBwgKCgkLDRYPDQwMDRsUFRAWIB0iIiAdHx8kKDQsJCYxJx8fLT0tMTU3Ojo6Iys/RD84QzQ5Ojf/2wBDAQoKCg0MDRoPDxo3JR8lNzc3Nzc3Nzc3Nzc3Nzc3Nzc3Nzc3Nzc3Nzc3Nzc3Nzc3Nzc3Nzc3Nzc3Nzc3Nzc3Nzf/wAARCABoAPkDASIAAhEBAxEB/8QAHAAAAgIDAQEAAAAAAAAAAAAAAAYFBwIDBAEI/8QAThAAAQMDAwEDBwUKCwcFAAAAAQIDBAAFEQYSITETQVEHFBUiYXHRFjJVdJMXIzZCUlSBkZSyJTU3RVNicnODsbMkJjM0Q6HCRIKSosH/xAAZAQEAAwEBAAAAAAAAAAAAAAAAAQIDBAX/xAAoEQEAAgIBAgYCAgMAAAAAAAAAAQIDBBESMQUUIVFxkSOBMqEzNGH/2gAMAwEAAhEDEQA/ALxooooCiiigKKKKCB1uSnSl1KVFJEZWCDg1RBlSASO3e6/0qvjX0NeosadapUWa52cZ1spcWFAbU95yelIvyG0l33hXv86b+FUtHL09DYphrMWhh5HXXHBde1cWvHZY3KKsfO8aQbvIfTd5wS+8B5w5x2ivyz7auPSNjs9m869ETFSe129pl1K9uM46dOppemaT0c7MfcevgQ6t1SlpMtsYUSSRj35qJr6Q0xbVK573mJ4n/isvOpH9O99qr40edSPzh77VXxqyWtF6NddQ01fCtxZ2pSmW2ST4DFSP3LrJ+cTftE/Co6JdM+IYY7xP0qXzqQP/AFD49zyvjTDprWtys8hAkPuSoecLadUVEJ8Uk859lOUvydachM9tLnyWGs43uPJSM+8iuM6Q0X3X4A/XG6dNoUvta+WvE15/R3uMluVpyVKjr3NORFrQsccFBINUAJUjA/2h7p/TK+NXvZ4lsZ02qBCniRAbbW2p7tUq2gg59YccZpQGj9FYH8Pp/bWqtaOXLpZ6YeqJifpXHnUj84e+2V8aPOpH5w99sr41Y/yP0V9Pj9tao+R+ifp8ftrVU6Xf57F7T9K486kfnD32yvjW+BJfM+KC+8cvIGO1Ufxh7asD5H6J+nx+2tVsj6R0amSypm+hTgWChPnjZyc8DAqYqrbexTE+k/Tg8rrrrd4gpbdcQDGOdiyM+t7DSH50/wDnD32yvjV06t09ZLxLYcu04xnW2ilKUvJRlOc559tQfyG0j9ML/am/hU2rMyx1tvFTFFZifpWXnT/5w99sr40edP8A5w99sr41ZvyG0j9ML/am/hR8htI/TK/2pv4VXolv57D7T9K5iXa5QnEuRJ8ltaemHiQfeDxVu+T/AFWrUEdxiZtE1gAqKRgOJ/Kx3HxFRHyG0l9Mr/am/hUtpjTNgtF0TItdyU9ILakdn5whWUnBPA9wq1YmHJt5sGWk8RPPwcqK8HSva0eSKKKKAooooCiiigKKKKAooooIHXHOkbt9WVVBEDPQfqq/tcfgldvqyqoE9ayyS9vwr+FvlZnkYA/hXAH/AEv/ACqv7xxdp/1l3981YPkY/nX/AAv/ACqvrx/G0/6y7++aie0NcH+1k/To0v8AhJa/rTf7wr6Fr560v+Elr+tN/vCvoYVenZx+Kf5K/BN8q34JL+sN/wCdUxmrn8q34JL+sN/51S9Vyd3V4ZH4f2tPyf8A8n10P9Z//TFVYDwPdVp6A/k+un9p/wD0xVWDoKie0L6kflyfL2imPRFihX6bJYuElbCGmgtJSpIyc476cvucWD6Vf+0b+FRFZlpl3MWK3TZVWa6rQf4Wg/WG/wB4VZX3N7B9LPfaN/Ctsbye2JiSy8i6vqU2tKwO0b5IOfCrRWeWN97DNZj1+kJ5YgPTMHgH/Zj1/tGkDA/JH6qf/LD/ABzB+rH9+kDvqt+7bRiPL1GB+SP1UYH5I/VVk6Z8n1vu9jhz35cpDj7e5SUbcA5PsqT+5Xavz6Z/9PhUxSVLeIYKzMSqPaD0Cf1VZXkmsLqXXL1IaKEFBbj5Tjdn5yvdxj280wWzydWKC4HHG3pSgcgPrBSP/aAB+vNNzaAhISkAJHAA6AVeteO7h29+uSvRSPR6nisqKKu8sUUUUBRRRQFFFFAUUUUBRRRQQOuD/uldvqyqoI9a+i75bxdbTKgFwtCQ2W94Gdue/FIf3KGzz6XcH+CPjWd68vU0NnHhpMXlj5GP51/wv/Kq+vH8bT/rLv75q59HaUTpjzoJmKkecbeqAnbtz8agJfkvRKlvv+lVp7V1ThHYjjcc46+2k1niOF8W3irnveZ9JV/pf8JLX9ab/eFfQtV9bPJmi33KLMF1WssOpc2FkDdg5x1qwRVqxMR6ubfz0zXiaexO8q34JL+sN/51S9fQGqrGNQ2owTILALiV7wjd0PhSd9yhv6XX9gPjVb1mZdGjt4sWPpvLZ5P/AOT66f2n/wDTFVYOg91XtYNMJs9hlWkS1OiQXCXSgDbuSB0pYHknb4/hdz7AfGk1niFtfbxUyXm095VhR+mrP+5O39LufYD40fcnb+mHPsB8ar0Wdfn9b3/pWFdFv/jCLz/1kfvCrH+5O39MOfYD41mx5LG2H2nfSyz2a0qwWRzg58amK2Vvva81mIn+kZ5YRi8wPqx/fpAFXbq/RqdSzI76pyo5abLeA3uzznxqB+5Q2P54X9gPjS1JmeWOruYceKK2n1NWgPwQtf8Ac/8A6aYqjbBbRZ7RGt4dLoYRt3kYzz4VJVq8fJMWvMw8xXtFFFBRRRQFFFFAUUUUC7adRGTd9QRZiWI8a0utoDxXgFKkbiVZ4GKlWbvbX5rkJifFclt/PYQ8krT7xnNVrduInlT/ALCP9Cpe+2m321vR7sCGyw63dI6A402Eq2qQoKycZOe/PWgcZF6tcaamFIuMRqWvG1hx9KVnPTgnNR7mpoTWq2rAtxoPLjdsVqdSMK3ABG3ruIOceFIlxhpYj6kmRPQ16tSpLrk+POCmJLSgPWSHPZ+LkD2VNwlQ5XlAtUvsENpkWEPNpeAK9xcTjJPJUBxnrQSUjVzdtiWpV1XAD06YWD5vKCm20ZV6+T1A2gHwJpmZksPKWhl5txTeN6UKBKcjIz4ZBzVT29iKrTOklSW2Sj0+4kqcQMbSp7g57jxTZp+TGi6w1eH3mmQlyK766wkBHYJ9bnu4PPsoJG/6rt1oRbVl+O6ibLTHCw+kJQnPrLJ8E459vWpOZeLbb0tqnz4sUO/M7Z5KN/uyeaqyEmK9pDRzzzbSmzfz6ziBjYp1w4OR06fqplsEa2ydWap9MNRXJTbraGkyEJITE7JO3aD+LndnHGc0D2haVoC0kFJGQRyCKT3NZiLrxenpsZLcZTbYZlgn/irBIQruGcHHtFe+S8/7vSUskmAi4SEwDkkdgF+rj+rndj2VHvWeNftXaut8vIQ7Eh7Vp+c2sBZStPtBwRQMj95dZ1fEsoZQWn4Lkku5O4FKkgDHTHNdar7aETRBXdISZZVt7BUhIXnw25zn2VX1hu0x7XsaNe0KFytdrkMy1IScPAKQpLifHcnnHjmoW+HtPJtInxbfZbfbXkF2MHFqfmOLKsg7uMOd/wCNjmguK4XSBbW0uXGbHioUcBT7oQCf01zS57nnVtENcJyNKWoLWt/ClJCSQWwOFnP/AGpXhNxJXlDmi7oadcRbI5gJkAKGwlXaFAPfuxk9a4G/Q4velm9PpUITd3mpHXZvDSt2zu2ZzjHHWgfH7zbI0xEORcIjUpfzWFvJStWemEk5rZLuUKFu88mR4+1BWe1cCcJzjPPdkgfpqutPRrE/oK7vX5EVUwuSjcnJCU9ol0KV1JGQQNuP0YrzT8JVz1BpM31gPyEaeU6oPp3euFoAKge/Cu/v9tBZEafElxhJiyWXo5BPatrCk8deRxWiDe7VcXlswLlEkuo5Uhl5K1J94BquprtutLGt4r0EuwFT4yExGnOxQVuIR1UOEpKsZNZym5MXW2kxNaskZ4vuJQxbEK3pbLZHrKOMpzgDgUDvpe8O3qNMeeZQ0Y85+MAkk5DatoPvNd0+6W+37PSE6NG7RWEdu6lG4+zPWl7ydcW265+mZnT+8rjhswZXlB1Cm9Nx3XURo/miZKUqAjlJ3lIV3b85x7KCc05fTdIM6VKSywiLNfj7gv1djasBRJ6ZHNSVuulvuaFOW2dGloScKUw6lYB9uDVPbW/kdGZtyo/oleqHErMjJYLW5XZ9pg52btn/AGprtsKTH15bnJEqyMSjEdDka2MOJU+zxgr6pASrBBOO8DNAw63vkmwWUTITDL765DTCEPKKU5WoJySOe+uZD2ty4kPQtPBvcArbKeztzzj1PCuPytp36WaSVqQDcIoK0nBT98HNbo1mhMSW3vlhd3uzWFdm5ckFKsHOCMcjxoGGbebZAdQ1PuMSM458xDzyUFXuBNR921PCtl7tdrkOshc7eStbyUhsJTkEj+seBSrdYDi9RX6TanbPcSpLaZ8C6NqQtsBHAQ5jhJHswDmtUR22XCdoKW3BbjRXWJKUNPkL2hLYCU7j84AjigsduXHcS6pD7Sg0opcKVg7COoPgRWp+5wGISZr82O3EUAUvrdAQQemFZxSVY5saHa9aecyG2uyuctSw4oDAUkbf193jUXp1uO9J0KzdUNqhehVmMh4Ds/ORs7jxu2E4/TQO1l1Am6X66wmexciw247jMhpe7tO1Ssn2cbR08akIl5tk2QuPDuER99v57bTyVKT7wDVXXdEeKPKGnT+ENpZhh0Reic7+1246cE5x4mpzU8ayxoemXNPtxG5huEZMBUUJClNkjtOnJTsznPHSgdZF6tcWYmHJuURqUrG1hbyQs56YSTmu7Pv/AFVVFziIYY1HMiCy3q1KlPOT405KmJLSgPWSHD4Y9XjwwaPujWb6EvX/AMlfGgstVotyxMC4MYib/wA1lpP3/jHr/lccc1tfgxZAYD8ZpwMLDjO9APZqHRSfAjJ5ropa15f3NPWZt9gtJkSZDcZpx5JUhsrPK1AckAAnA8KDvmaasc6cJ0y0QX5Qx9+cYSpRx0ycc49tY39uxxkNXa+NRAIKwpqTIbBLKiQBg4yOcdPZSpY9VOjUcG3enEXuNNC0qcEIsrjuAbhnAAKSARzyDjk1JeVhW3REpW0qw/HO0DJP35HAqB5HvGg7pHTZWpFmejuL3IiKSkIUsnPCSMZySf01Oy9O2We+w/NtMJ91gBLS3GEqKAOgGR0HhSXqp+TqazP2i3aRuTMiQUpRJlx2mW2fWB37gongeFbLzqdxrUD9kN9RaWbey12kgxe3ckOqTngEEJSBjPeSakOr1jtT9vNvetsRcIqKzHUyko3Ekk7cYzkk5rVcNOWS59j6QtUKT2KQlvtWUq2p8B7OBx0pM+WF2k6VMiOAXWLj5nLnx4inEpZxnt0NHk5BSMcgHPXFb4OrHIlhvV0Re4F+iQ44cjrbSGngs5GxxCQABnGDwetQH5llthpLTLaW20DCUIGAkeAA6VrbhRWpT0tuO0mS8EpdeSgBawnoCepxk4pInydU2ZFmkyLrHlInTo7ElrzRKOx3nkII5I7vWye/NTenrpKmz9RtSHEqRBndiwNoG1PZIVz48k81I75XoiPeYrkhEZu5ykqZjuqQO1WkDcpIVjOO/Ga0t6V0+h151Nkt4W+FB0+bI9YK+cDx39/jSvY9RXGe1ol+UplblxXJ84V2Kc+qhWNvHq9O7rXHF1RdHZ6kSr7Et1z86KE2efE7JpbYXgbXcblEp5CgSM4GKB8uNhtN0ZaZuNtiyW2eGkutBWwYxgeHFbkWuAgRQiFHSIefNgGkjscjB2fk8ccUqanvEiLd3I72poNljhtJjtttJkSH1HqVIIOEjoABz4io1GrrxJ0fBng7FKnuRZk5mGpwtNoKh2ga6gnAzn5uTxQOcrTVkmT0z5dogvS04w84wkq46ZOOcVqvdzsNklMTry/FjSHEKZafdT6xTwSkHGcdDiuHRVzeuSZR9OQbzEQpPYSGUhDycg5S4gAAHpgj25FRuv3X2dS6TcjQTOdS/I2xwtKd/wB68VcDx58KDvh3/Rl3lvQYkq2ypFxOHmgjJkEJ/G49bCR3+FSDdh09Z4xfatcCM1HV5x2gYSOzKQfXzjIIBPPtNc1on3ORPQ3L0sq3tEEmSqQysJOOOE880ty5eoNRaYvF5i3BiPDLcltiAqMFBxpAUklS/nBZwSMcDjIPNA+WpuCIqXrYhlMeSS+CygJS4V87+OpPXNa7rY7VeOz9KW6LLLZygvtBe33ZpX0vc5TUrS9rSsCI9YO3UgpGStPZAc93CjxWN01bOtjmqlYQ/wCj3orMJpScDc6hPziOSNys0Dci025ER2IiBFTGeKlOMhlOxZPUlOMHNa7TYrTZt/oq3RYfafPLDQSVeGSKioETU0K4RlTLnGucRxKhJSY6WCyrGQW8ZyM8YOT35pOu+r7hbobs86ot0i4MK3O2mJGDzITuwUdqBuBx+MSBnuqBZtxt0K5xjFuMRiVHJBLT7YWkkdODxUBJ01ouLLixX7FZUSJRUGGzCby4UjJx6vcOa0ypt3vOpZlqtU5Ftj29hpb7/YJdW444CUpAVwEgDnvPsrQ5cL1GvGmIV4EMvyH5TbzjTYIcQhvKVpzygkdQDUhhuWnLLdn0P3K1Q5TqBhK3mUqUB4ZPd7K3TbNbLgwyxNgRpDTCgppDrQUGyOhSD0pOh3HU16sT2pbfcY0Zk9o7Et6oqVpcbQSAHF53blbc+rjFCNQ3fUF5tUWzS2oEafaBNWtxgOLaO/Hq54J5A5478UDZJ09ZpVwTcJFqhOzE4w+thJWMdOcd3d4VnKsdqlW1Fuk26I5CbADcdTSdiMdNo6DHspYg3q9otWoor8qA5cLTJDKJsgdi0pCkpUFrA4BAV0GASO6uG06nfTqe1wWNRtXuLOU426RCDQZUlBUChaQAc4xg5NA3WKNY0tPLsUeGhsKMd0x2gnlskbTgc4JV+s+NZ2/Tdktklcq32mFGfXnLjLCUnB6jIHFJq9R3VvTrkpjDKfTUiNIlMQ+1MZlK1AL7NPzjwASc9cnNTui7m7cRLIvsG8RUFHYyGUhDyc53JcQAAOcYIxnvHFBKTNNWKdOE6ZaIL8oYPbOMJUo46ZJHP6ak+yb/ACE/qrIdBjpXtAVD6nsgv1uTHTIXGkMvIkRpCBktOoOUqx3+6piigW7da7+q5MzL1eGVtR0KSiLBaU024o/jOblEnA6AcA11avsq9QWNy3NvpYK3Gl9opO4DY4lXT24xU1ijFBjjilqfYLmxfZF409OjR3pbaG5bEtlTjbhQMJWNqgQoDjwNM9FArmwXlNpaQ3qKQboiSZJkLRltZOctlsH/AIeOgzkda5GtFruEq6S9QvxnXrhD8zW3BZLSEozndkklS845PTFOeKxVgew0Fa6kt19iI063dLrHlRo94iNoDMYoW76xAU4SojIA6AAc5qed05eI12uciz3WPHi3RaXH0PRi440sJCSps7gOQB84EVH3vVU2NqpXYlv0Fbn2Is8qbBPaPA4UFdwRlvP9qmq83622QMG6S0x0vlSWyoE7iBkgY7/Z39KCBtOjXbcxplozUOehVPlR2cu9olQGOeMZrRctI3q5292yzLzHk2lxwntJEYrlJQVZ2he7bkdArGcVP2bUlsvYkCA+S5Gx2zTrSm1oz0JSoA4PjUdbNSMw9ORLlebq3JM9ZVHVHYV64OSlDaANysAdSM9c4oMDpu6wb9cLjZZ8NpNxDfa+dRlOONFCdo2KChkY5weM1ptuk7parQ1Ft98UmUzOdlIdW1lD6VkkodQCM9c5GMHpXZP1NCm6bnT7XdkRPNlJQ487GUpUdW5PC2zg5IOMHxzXZeNUWqzPojTpK/OVo3hlllbq9v5RSkHA9poObT2n5UK8zrzc5EVybLbQyUQ2C02lCSTk5JKlEnqTXmq7DcLrOtM61To8STbnHFpL7JcCt6dvQEd1TdsuEO6wm5lvkNyIzoylxHQ/AjwpO109qay2+ZdoOoGksJeQG4qreg7EqUlON5Vk4znpQStvhatROZXcL1bHoqVZdbagqQpQ8ArecVHvaQuzMO4Wm1Xhhi0zVOq2uRyp5jtMlSUK3AbSSeoJGa7UzpOmkl/VGoUTEPkNx2UQNiyvvCQgqKu7u4rbL1LAm6buVwtl1RG81bUHHnWFKMZWPx2zg59h60HG5pW4Rk2ORaJ8dq4WuF5movsqW08gpSDkBQI5SCMGtbWiHHot/au1zMh27qadU800Gy0tA4KRkjAIGB4Dk0wxrzDcnejTJBmojJkKSUFO5B43jPBGfA8d9c6tVWZNoTdjNSIS3C027sV99VkjCBjKskHGBzig4GbDfJklhV+vLS2YyFpQ3BaWyXVKSU73CVHOASQBgZ57qiF6JvTulFaZ9MQmbehoNtrYhKDjgBynflWMdM4AJpha1LbrnbLi9b53ZOxGVqcLzCkrjnaSFKbUAccZ9uK0L1dabXbYCrrc0uOyIiX0uIYUC+OAVJQASMk5x1A91BjN0/c2bwu72KfGYkyGG2ZbUphTjbuz5qhtUCCMkeBrXG0nJamWWW/dFynoL8h99bySS6p1OMJGfUSO4eFdk7WVkhOJadkuuOFpLykMRnHVNoUMgrCUnbx44qYt06Lc4TM2C8h+M8nc24g5ChQKSNKXuJBk2a1XphizvlewORSp+OhZJUhCtwSRycEjIzUlA0u3br9BmxHAmLDtfo9DBTlWAoEKz7hzTLXmBQJt10Wu4M31BmoQq4zWZbW5rclCm0oAStJOFAlHPvrNWnb3NvNoudzukPNteUpMaLGUhspUkpUcqUTu59w/TThijFAox9MXKDbVNW27+byk3F6ahXZktuBxSj2bic8jCuueoBro0/p6XCvMy83SRFcmymkMlMNgtNJSkk5wSSpRJ6k0y4r2gB0ooooCiiigKKKKAooooCuK9XFi02qXcZRwzFaU6v24Gcfp6UUUFfWnRt8uWlH2pV7aYTeQqVLjKgpWQtzCsbyrPHHuxWq33Jy8u6HTOSDNh3GRFlpV1DzTCxn/ALBX6aKKBh2hPlLuQA+dYmyT4kOrpXgiAjQ2in50ybbHG2T2F0jhJRGUUkEOZyNqhxyMUUVA13O5yp+kNVoefi3FhlUcIusaOGhJJWnIVjhRTgDI45xTDHuUHTut7+7fnkQ0z247kSU8MIWhCNqkBXTIVk49tFFB2+TptSo15nNtrahzrm7IiIWkpJbISN2D0CiCfca98q/4Eyv79j/VRRRUiL1yl2HrGz3N65O2yCIrscTksIcSw6VA4VuBCdw4z7Md9QdzSxKsGtblFuky577cllyathtph4pz8woxuKQcE4xzjNFFQJDWsR3UrsGzWNpKrlBh9vJkbygNtLRgMFQ/pPDuAzWm+T2Z8bSd6gPPWq2QnHWJCm2EuG3u7NgC0KBAAIKc44zniiigzR5vOkX+fGvUu8KZsjzDkpMZpEcggkI3IA3LGM9DgHrXVpltK9RaQKgCUaZUpJxyDlof5E0UUHku+FOpL3HevMbT/YvISltqGlUmcNgw4FKB3ZyUgBJPFTHkmVnRERJCwtt59K0rGFJPaq4I7jzzRRUhxooooCiiigKKKKAooooP/9k="/>
-          <p:cNvSpPr>
-            <a:spLocks noChangeAspect="1" noChangeArrowheads="1"/>
-          </p:cNvSpPr>
-          <p:nvPr/>
-        </p:nvSpPr>
-        <p:spPr bwMode="auto">
-          <a:xfrm>
-            <a:off x="63500" y="-7938"/>
-            <a:ext cx="1790700" cy="752476"/>
-          </a:xfrm>
-          <a:prstGeom prst="rect">
-            <a:avLst/>
-          </a:prstGeom>
-          <a:noFill/>
-          <a:ln w="9525">
-            <a:noFill/>
-            <a:miter lim="800000"/>
-            <a:headEnd/>
-            <a:tailEnd/>
-          </a:ln>
-        </p:spPr>
-        <p:txBody>
-          <a:bodyPr/>
-          <a:lstStyle/>
-          <a:p>
-            <a:endParaRPr lang="pt-BR" altLang="pt-BR"/>
-          </a:p>
-        </p:txBody>
-      </p:sp>
-      <p:pic>
-        <p:nvPicPr>
-          <p:cNvPr id="14" name="Picture 2"/>
-          <p:cNvPicPr>
-            <a:picLocks noChangeAspect="1" noChangeArrowheads="1"/>
-          </p:cNvPicPr>
-          <p:nvPr/>
-        </p:nvPicPr>
-        <p:blipFill>
-          <a:blip r:embed="rId3" cstate="print"/>
-          <a:srcRect l="52994" t="61194" r="26041" b="19403"/>
-          <a:stretch>
-            <a:fillRect/>
-          </a:stretch>
-        </p:blipFill>
-        <p:spPr bwMode="auto">
-          <a:xfrm>
-            <a:off x="2843213" y="1939925"/>
-            <a:ext cx="3538537" cy="1920875"/>
-          </a:xfrm>
-          <a:prstGeom prst="rect">
-            <a:avLst/>
-          </a:prstGeom>
-          <a:noFill/>
-          <a:ln w="9525">
-            <a:noFill/>
-            <a:miter lim="800000"/>
-            <a:headEnd/>
-            <a:tailEnd/>
-          </a:ln>
-        </p:spPr>
-      </p:pic>
-      <p:sp>
-        <p:nvSpPr>
-          <p:cNvPr id="15" name="Retângulo 2"/>
-          <p:cNvSpPr>
-            <a:spLocks noChangeArrowheads="1"/>
-          </p:cNvSpPr>
-          <p:nvPr/>
-        </p:nvSpPr>
-        <p:spPr bwMode="auto">
-          <a:xfrm>
-            <a:off x="34925" y="4203700"/>
-            <a:ext cx="9144000" cy="954088"/>
+            <a:off x="34925" y="2795092"/>
+            <a:ext cx="9144000" cy="1384995"/>
           </a:xfrm>
           <a:prstGeom prst="rect">
             <a:avLst/>
           </a:prstGeom>
           <a:solidFill>
-            <a:schemeClr val="accent5">
-              <a:alpha val="68000"/>
-            </a:schemeClr>
+            <a:schemeClr val="tx2"/>
           </a:solidFill>
           <a:ln>
             <a:noFill/>
@@ -8287,12 +5402,12 @@
                   </a:schemeClr>
                 </a:solidFill>
               </a:rPr>
-              <a:t>                     </a:t>
+              <a:t>		 </a:t>
             </a:r>
             <a:r>
               <a:rPr lang="pt-BR" altLang="pt-BR" sz="2800" b="1" dirty="0" smtClean="0">
                 <a:solidFill>
-                  <a:schemeClr val="accent2"/>
+                  <a:schemeClr val="bg1"/>
                 </a:solidFill>
               </a:rPr>
               <a:t>Redes de Computadores:</a:t>
@@ -8305,24 +5420,43 @@
             <a:r>
               <a:rPr lang="pt-BR" altLang="pt-BR" sz="2800" b="1" dirty="0" smtClean="0">
                 <a:solidFill>
-                  <a:schemeClr val="accent2"/>
+                  <a:schemeClr val="bg1"/>
                 </a:solidFill>
               </a:rPr>
-              <a:t>                     Camada de Aplicação – DNS e Email</a:t>
+              <a:t>	 	 Email e DNS</a:t>
+            </a:r>
+          </a:p>
+          <a:p>
+            <a:pPr eaLnBrk="1" hangingPunct="1">
+              <a:defRPr/>
+            </a:pPr>
+            <a:r>
+              <a:rPr lang="pt-BR" altLang="pt-BR" sz="2800" b="1" dirty="0" smtClean="0">
+                <a:solidFill>
+                  <a:schemeClr val="bg1"/>
+                </a:solidFill>
+              </a:rPr>
+              <a:t>		 Nivia Cruz Quental, Dra</a:t>
             </a:r>
           </a:p>
         </p:txBody>
       </p:sp>
       <p:pic>
         <p:nvPicPr>
-          <p:cNvPr id="5129" name="Picture 4" descr="http://www.unisinos.br/blogs/historia/files/2011/10/pesquisa.jpg"/>
+          <p:cNvPr id="4" name="Picture 4" descr="http://www.unisinos.br/blogs/historia/files/2011/10/pesquisa.jpg"/>
           <p:cNvPicPr>
             <a:picLocks noChangeAspect="1" noChangeArrowheads="1"/>
           </p:cNvPicPr>
           <p:nvPr/>
         </p:nvPicPr>
         <p:blipFill>
-          <a:blip r:embed="rId4" cstate="print"/>
+          <a:blip r:embed="rId2" cstate="print">
+            <a:extLst>
+              <a:ext uri="{28A0092B-C50C-407E-A947-70E740481C1C}">
+                <a14:useLocalDpi xmlns="" xmlns:a14="http://schemas.microsoft.com/office/drawing/2010/main" val="0"/>
+              </a:ext>
+            </a:extLst>
+          </a:blip>
           <a:srcRect/>
           <a:stretch>
             <a:fillRect/>
@@ -8330,18 +5464,17 @@
         </p:blipFill>
         <p:spPr bwMode="auto">
           <a:xfrm>
-            <a:off x="350838" y="3902075"/>
+            <a:off x="350838" y="2708920"/>
             <a:ext cx="1597025" cy="1447800"/>
           </a:xfrm>
           <a:prstGeom prst="rect">
             <a:avLst/>
           </a:prstGeom>
-          <a:noFill/>
-          <a:ln w="9525">
+          <a:solidFill>
+            <a:schemeClr val="tx2"/>
+          </a:solidFill>
+          <a:ln>
             <a:noFill/>
-            <a:miter lim="800000"/>
-            <a:headEnd/>
-            <a:tailEnd/>
           </a:ln>
         </p:spPr>
       </p:pic>
@@ -8350,161 +5483,10 @@
   <p:clrMapOvr>
     <a:masterClrMapping/>
   </p:clrMapOvr>
-  <p:transition spd="med">
-    <p:wipe dir="d"/>
-  </p:transition>
   <p:timing>
     <p:tnLst>
       <p:par>
-        <p:cTn id="1" dur="indefinite" restart="never" nodeType="tmRoot">
-          <p:childTnLst>
-            <p:seq concurrent="1" nextAc="seek">
-              <p:cTn id="2" dur="indefinite" nodeType="mainSeq">
-                <p:childTnLst>
-                  <p:par>
-                    <p:cTn id="3" fill="hold" nodeType="clickPar">
-                      <p:stCondLst>
-                        <p:cond delay="indefinite"/>
-                        <p:cond evt="onBegin" delay="0">
-                          <p:tn val="2"/>
-                        </p:cond>
-                      </p:stCondLst>
-                      <p:childTnLst>
-                        <p:par>
-                          <p:cTn id="4" fill="hold" nodeType="withGroup">
-                            <p:stCondLst>
-                              <p:cond delay="0"/>
-                            </p:stCondLst>
-                            <p:childTnLst>
-                              <p:par>
-                                <p:cTn id="5" presetID="31" presetClass="entr" presetSubtype="0" fill="hold" nodeType="withEffect">
-                                  <p:stCondLst>
-                                    <p:cond delay="1000"/>
-                                  </p:stCondLst>
-                                  <p:childTnLst>
-                                    <p:set>
-                                      <p:cBhvr>
-                                        <p:cTn id="6" dur="1" fill="hold">
-                                          <p:stCondLst>
-                                            <p:cond delay="0"/>
-                                          </p:stCondLst>
-                                        </p:cTn>
-                                        <p:tgtEl>
-                                          <p:spTgt spid="14"/>
-                                        </p:tgtEl>
-                                        <p:attrNameLst>
-                                          <p:attrName>style.visibility</p:attrName>
-                                        </p:attrNameLst>
-                                      </p:cBhvr>
-                                      <p:to>
-                                        <p:strVal val="visible"/>
-                                      </p:to>
-                                    </p:set>
-                                    <p:anim calcmode="lin" valueType="num">
-                                      <p:cBhvr>
-                                        <p:cTn id="7" dur="4000" fill="hold"/>
-                                        <p:tgtEl>
-                                          <p:spTgt spid="14"/>
-                                        </p:tgtEl>
-                                        <p:attrNameLst>
-                                          <p:attrName>ppt_w</p:attrName>
-                                        </p:attrNameLst>
-                                      </p:cBhvr>
-                                      <p:tavLst>
-                                        <p:tav tm="0">
-                                          <p:val>
-                                            <p:fltVal val="0"/>
-                                          </p:val>
-                                        </p:tav>
-                                        <p:tav tm="100000">
-                                          <p:val>
-                                            <p:strVal val="#ppt_w"/>
-                                          </p:val>
-                                        </p:tav>
-                                      </p:tavLst>
-                                    </p:anim>
-                                    <p:anim calcmode="lin" valueType="num">
-                                      <p:cBhvr>
-                                        <p:cTn id="8" dur="4000" fill="hold"/>
-                                        <p:tgtEl>
-                                          <p:spTgt spid="14"/>
-                                        </p:tgtEl>
-                                        <p:attrNameLst>
-                                          <p:attrName>ppt_h</p:attrName>
-                                        </p:attrNameLst>
-                                      </p:cBhvr>
-                                      <p:tavLst>
-                                        <p:tav tm="0">
-                                          <p:val>
-                                            <p:fltVal val="0"/>
-                                          </p:val>
-                                        </p:tav>
-                                        <p:tav tm="100000">
-                                          <p:val>
-                                            <p:strVal val="#ppt_h"/>
-                                          </p:val>
-                                        </p:tav>
-                                      </p:tavLst>
-                                    </p:anim>
-                                    <p:anim calcmode="lin" valueType="num">
-                                      <p:cBhvr>
-                                        <p:cTn id="9" dur="4000" fill="hold"/>
-                                        <p:tgtEl>
-                                          <p:spTgt spid="14"/>
-                                        </p:tgtEl>
-                                        <p:attrNameLst>
-                                          <p:attrName>style.rotation</p:attrName>
-                                        </p:attrNameLst>
-                                      </p:cBhvr>
-                                      <p:tavLst>
-                                        <p:tav tm="0">
-                                          <p:val>
-                                            <p:fltVal val="90"/>
-                                          </p:val>
-                                        </p:tav>
-                                        <p:tav tm="100000">
-                                          <p:val>
-                                            <p:fltVal val="0"/>
-                                          </p:val>
-                                        </p:tav>
-                                      </p:tavLst>
-                                    </p:anim>
-                                    <p:animEffect transition="in" filter="fade">
-                                      <p:cBhvr>
-                                        <p:cTn id="10" dur="4000"/>
-                                        <p:tgtEl>
-                                          <p:spTgt spid="14"/>
-                                        </p:tgtEl>
-                                      </p:cBhvr>
-                                    </p:animEffect>
-                                  </p:childTnLst>
-                                </p:cTn>
-                              </p:par>
-                            </p:childTnLst>
-                          </p:cTn>
-                        </p:par>
-                      </p:childTnLst>
-                    </p:cTn>
-                  </p:par>
-                </p:childTnLst>
-              </p:cTn>
-              <p:prevCondLst>
-                <p:cond evt="onPrev" delay="0">
-                  <p:tgtEl>
-                    <p:sldTgt/>
-                  </p:tgtEl>
-                </p:cond>
-              </p:prevCondLst>
-              <p:nextCondLst>
-                <p:cond evt="onNext" delay="0">
-                  <p:tgtEl>
-                    <p:sldTgt/>
-                  </p:tgtEl>
-                </p:cond>
-              </p:nextCondLst>
-            </p:seq>
-          </p:childTnLst>
-        </p:cTn>
+        <p:cTn id="1" dur="indefinite" restart="never" nodeType="tmRoot"/>
       </p:par>
     </p:tnLst>
   </p:timing>
@@ -8561,40 +5543,133 @@
             <p:ph idx="1"/>
           </p:nvPr>
         </p:nvSpPr>
-        <p:spPr/>
+        <p:spPr>
+          <a:xfrm>
+            <a:off x="457200" y="1260491"/>
+            <a:ext cx="8229600" cy="4525963"/>
+          </a:xfrm>
+        </p:spPr>
         <p:txBody>
           <a:bodyPr/>
           <a:lstStyle/>
           <a:p>
             <a:r>
-              <a:rPr lang="pt-BR" dirty="0" smtClean="0"/>
-              <a:t>RFC 1939</a:t>
-            </a:r>
-          </a:p>
-          <a:p>
-            <a:r>
-              <a:rPr lang="pt-BR" dirty="0" smtClean="0"/>
-              <a:t>Porta 110</a:t>
-            </a:r>
-          </a:p>
-          <a:p>
-            <a:r>
-              <a:rPr lang="pt-BR" dirty="0" smtClean="0"/>
-              <a:t>Após enviar lista de mensagens, elas são deletadas no servidor</a:t>
-            </a:r>
-          </a:p>
-          <a:p>
-            <a:r>
-              <a:rPr lang="pt-BR" dirty="0" smtClean="0"/>
-              <a:t>Stateless</a:t>
+              <a:rPr lang="pt-BR" sz="2800" dirty="0" smtClean="0"/>
+              <a:t>Fase de autorização</a:t>
             </a:r>
           </a:p>
           <a:p>
             <a:pPr lvl="1"/>
             <a:r>
-              <a:rPr lang="pt-BR" dirty="0" smtClean="0"/>
-              <a:t>Após fim da sessão, servidor não guarda nenhuma preferência do usuário</a:t>
-            </a:r>
+              <a:rPr lang="pt-BR" sz="2400" dirty="0" smtClean="0"/>
+              <a:t> comandos do cliente:</a:t>
+            </a:r>
+          </a:p>
+          <a:p>
+            <a:pPr lvl="2"/>
+            <a:r>
+              <a:rPr lang="pt-BR" sz="2000" dirty="0" smtClean="0"/>
+              <a:t> </a:t>
+            </a:r>
+            <a:r>
+              <a:rPr lang="pt-BR" sz="2000" b="1" dirty="0" smtClean="0"/>
+              <a:t>user: username</a:t>
+            </a:r>
+          </a:p>
+          <a:p>
+            <a:pPr lvl="2"/>
+            <a:r>
+              <a:rPr lang="pt-BR" sz="2000" dirty="0" smtClean="0"/>
+              <a:t> </a:t>
+            </a:r>
+            <a:r>
+              <a:rPr lang="pt-BR" sz="2000" b="1" dirty="0" smtClean="0"/>
+              <a:t>pass: password</a:t>
+            </a:r>
+          </a:p>
+          <a:p>
+            <a:pPr lvl="1"/>
+            <a:r>
+              <a:rPr lang="pt-BR" sz="2400" dirty="0" smtClean="0"/>
+              <a:t> respostas do servidor</a:t>
+            </a:r>
+          </a:p>
+          <a:p>
+            <a:pPr lvl="2"/>
+            <a:r>
+              <a:rPr lang="pt-BR" sz="2000" dirty="0" smtClean="0"/>
+              <a:t> </a:t>
+            </a:r>
+            <a:r>
+              <a:rPr lang="pt-BR" sz="2000" b="1" dirty="0" smtClean="0"/>
+              <a:t>+OK</a:t>
+            </a:r>
+          </a:p>
+          <a:p>
+            <a:pPr lvl="2"/>
+            <a:r>
+              <a:rPr lang="pt-BR" sz="2000" dirty="0" smtClean="0"/>
+              <a:t> </a:t>
+            </a:r>
+            <a:r>
+              <a:rPr lang="pt-BR" sz="2000" b="1" dirty="0" smtClean="0"/>
+              <a:t>-ERR</a:t>
+            </a:r>
+          </a:p>
+          <a:p>
+            <a:r>
+              <a:rPr lang="pt-BR" sz="2800" dirty="0" smtClean="0"/>
+              <a:t>Fase de transação, cliente:</a:t>
+            </a:r>
+          </a:p>
+          <a:p>
+            <a:pPr lvl="1"/>
+            <a:r>
+              <a:rPr lang="pt-BR" sz="2400" dirty="0" smtClean="0"/>
+              <a:t> </a:t>
+            </a:r>
+            <a:r>
+              <a:rPr lang="pt-BR" sz="2400" b="1" dirty="0" smtClean="0"/>
+              <a:t>list: lista números de msgs</a:t>
+            </a:r>
+          </a:p>
+          <a:p>
+            <a:pPr lvl="1"/>
+            <a:r>
+              <a:rPr lang="pt-BR" sz="2400" dirty="0" smtClean="0"/>
+              <a:t> </a:t>
+            </a:r>
+            <a:r>
+              <a:rPr lang="pt-BR" sz="2400" b="1" dirty="0" smtClean="0"/>
+              <a:t>retr: recupera msg pelo </a:t>
+            </a:r>
+            <a:r>
+              <a:rPr lang="pt-BR" sz="2400" dirty="0" smtClean="0"/>
+              <a:t>número</a:t>
+            </a:r>
+          </a:p>
+          <a:p>
+            <a:pPr lvl="1"/>
+            <a:r>
+              <a:rPr lang="pt-BR" sz="2400" dirty="0" smtClean="0"/>
+              <a:t> </a:t>
+            </a:r>
+            <a:r>
+              <a:rPr lang="pt-BR" sz="2400" b="1" dirty="0" smtClean="0"/>
+              <a:t>dele: deleta</a:t>
+            </a:r>
+          </a:p>
+          <a:p>
+            <a:pPr lvl="1"/>
+            <a:r>
+              <a:rPr lang="pt-BR" sz="2400" dirty="0" smtClean="0"/>
+              <a:t> </a:t>
+            </a:r>
+            <a:r>
+              <a:rPr lang="pt-BR" sz="2400" b="1" dirty="0" smtClean="0"/>
+              <a:t>quit</a:t>
+            </a:r>
+            <a:endParaRPr lang="pt-BR" sz="2400" dirty="0"/>
           </a:p>
         </p:txBody>
       </p:sp>
@@ -8640,7 +5715,7 @@
           <a:p>
             <a:r>
               <a:rPr lang="pt-BR" dirty="0" smtClean="0"/>
-              <a:t>IMAP</a:t>
+              <a:t>POP3</a:t>
             </a:r>
             <a:endParaRPr lang="pt-BR" dirty="0"/>
           </a:p>
@@ -8663,37 +5738,33 @@
           <a:p>
             <a:r>
               <a:rPr lang="pt-BR" dirty="0" smtClean="0"/>
-              <a:t>IMAP (Internet Mail Access Protocol – RFC 2060)</a:t>
+              <a:t>RFC 1939</a:t>
+            </a:r>
+          </a:p>
+          <a:p>
+            <a:r>
+              <a:rPr lang="pt-BR" dirty="0" smtClean="0"/>
+              <a:t>Porta 110</a:t>
+            </a:r>
+          </a:p>
+          <a:p>
+            <a:r>
+              <a:rPr lang="pt-BR" dirty="0" smtClean="0"/>
+              <a:t>Após enviar lista de mensagens, elas são deletadas no servidor</a:t>
+            </a:r>
+          </a:p>
+          <a:p>
+            <a:r>
+              <a:rPr lang="pt-BR" dirty="0" smtClean="0"/>
+              <a:t>Stateless</a:t>
             </a:r>
           </a:p>
           <a:p>
             <a:pPr lvl="1"/>
             <a:r>
               <a:rPr lang="pt-BR" dirty="0" smtClean="0"/>
-              <a:t> Mantém todas as msgs em um lugar: no servidor</a:t>
-            </a:r>
-          </a:p>
-          <a:p>
-            <a:pPr lvl="1"/>
-            <a:r>
-              <a:rPr lang="pt-BR" dirty="0" smtClean="0"/>
-              <a:t> Permite usuários organzarem msgs em pastas</a:t>
-            </a:r>
-          </a:p>
-          <a:p>
-            <a:pPr lvl="1"/>
-            <a:r>
-              <a:rPr lang="pt-BR" dirty="0" smtClean="0"/>
-              <a:t>Mantém “estado” do usuário através de sessões:</a:t>
-            </a:r>
-          </a:p>
-          <a:p>
-            <a:pPr lvl="1"/>
-            <a:r>
-              <a:rPr lang="pt-BR" dirty="0" smtClean="0"/>
-              <a:t> Nome de pastas e mapeamento entre Ids de msgs e nome de pasta</a:t>
-            </a:r>
-            <a:endParaRPr lang="pt-BR" dirty="0"/>
+              <a:t>Após fim da sessão, servidor não guarda nenhuma preferência do usuário</a:t>
+            </a:r>
           </a:p>
         </p:txBody>
       </p:sp>
@@ -8761,79 +5832,38 @@
           <a:lstStyle/>
           <a:p>
             <a:r>
-              <a:rPr lang="pt-BR" sz="2800" dirty="0" smtClean="0"/>
-              <a:t>Estados</a:t>
+              <a:rPr lang="pt-BR" dirty="0" smtClean="0"/>
+              <a:t>IMAP (Internet Mail Access Protocol – RFC 2060)</a:t>
             </a:r>
           </a:p>
           <a:p>
             <a:pPr lvl="1"/>
             <a:r>
-              <a:rPr lang="pt-BR" sz="2400" dirty="0" smtClean="0"/>
-              <a:t>Não autenticado</a:t>
-            </a:r>
-          </a:p>
-          <a:p>
-            <a:pPr lvl="2"/>
-            <a:r>
-              <a:rPr lang="pt-BR" sz="2000" dirty="0" smtClean="0"/>
-              <a:t>Deve fornecer login e senha</a:t>
+              <a:rPr lang="pt-BR" dirty="0" smtClean="0"/>
+              <a:t> Mantém todas as msgs em um lugar: no servidor</a:t>
             </a:r>
           </a:p>
           <a:p>
             <a:pPr lvl="1"/>
             <a:r>
-              <a:rPr lang="pt-BR" sz="2400" dirty="0" smtClean="0"/>
-              <a:t>Autenticado</a:t>
-            </a:r>
-          </a:p>
-          <a:p>
-            <a:pPr lvl="2"/>
-            <a:r>
-              <a:rPr lang="pt-BR" sz="2000" dirty="0" smtClean="0"/>
-              <a:t>Deve escolher uma pasta para listar mensagens</a:t>
+              <a:rPr lang="pt-BR" dirty="0" smtClean="0"/>
+              <a:t> Permite usuários organizarem mensagens em pastas</a:t>
             </a:r>
           </a:p>
           <a:p>
             <a:pPr lvl="1"/>
             <a:r>
-              <a:rPr lang="pt-BR" sz="2400" dirty="0" smtClean="0"/>
-              <a:t>Selecionado</a:t>
-            </a:r>
-          </a:p>
-          <a:p>
-            <a:pPr lvl="2"/>
-            <a:r>
-              <a:rPr lang="pt-BR" sz="2000" dirty="0" smtClean="0"/>
-              <a:t>Pode mandar comandos de alterar, mover, apagar,...</a:t>
+              <a:rPr lang="pt-BR" dirty="0" smtClean="0"/>
+              <a:t>Mantém “estado” do usuário através de sessões:</a:t>
             </a:r>
           </a:p>
           <a:p>
             <a:pPr lvl="1"/>
             <a:r>
-              <a:rPr lang="pt-BR" sz="2400" dirty="0" smtClean="0"/>
-              <a:t>Logout </a:t>
-            </a:r>
-          </a:p>
-          <a:p>
-            <a:pPr lvl="2"/>
-            <a:r>
-              <a:rPr lang="pt-BR" sz="2000" dirty="0" smtClean="0"/>
-              <a:t>Para encerrar</a:t>
-            </a:r>
-          </a:p>
-          <a:p>
-            <a:r>
-              <a:rPr lang="pt-BR" sz="2800" dirty="0" smtClean="0"/>
-              <a:t>Comandos organizados por estado </a:t>
-            </a:r>
-          </a:p>
-          <a:p>
-            <a:pPr lvl="1"/>
-            <a:r>
-              <a:rPr lang="pt-BR" sz="2400" dirty="0" smtClean="0"/>
-              <a:t>Ver RFC</a:t>
-            </a:r>
-            <a:endParaRPr lang="pt-BR" sz="2400" dirty="0"/>
+              <a:rPr lang="pt-BR" dirty="0" smtClean="0"/>
+              <a:t> Nome de pastas e mapeamento entre Ids de msgs e nome de pasta</a:t>
+            </a:r>
+            <a:endParaRPr lang="pt-BR" dirty="0"/>
           </a:p>
         </p:txBody>
       </p:sp>
@@ -8879,7 +5909,7 @@
           <a:p>
             <a:r>
               <a:rPr lang="pt-BR" dirty="0" smtClean="0"/>
-              <a:t>Http-Webmail</a:t>
+              <a:t>IMAP</a:t>
             </a:r>
             <a:endParaRPr lang="pt-BR" dirty="0"/>
           </a:p>
@@ -8901,41 +5931,79 @@
           <a:lstStyle/>
           <a:p>
             <a:r>
-              <a:rPr lang="pt-BR" dirty="0" smtClean="0"/>
-              <a:t>Cliente de email é o browser</a:t>
+              <a:rPr lang="pt-BR" sz="2800" dirty="0" smtClean="0"/>
+              <a:t>Estados</a:t>
             </a:r>
           </a:p>
           <a:p>
             <a:pPr lvl="1"/>
             <a:r>
-              <a:rPr lang="pt-BR" dirty="0" smtClean="0"/>
-              <a:t>Porta 80 e 443 mesmo!</a:t>
-            </a:r>
-          </a:p>
-          <a:p>
-            <a:r>
-              <a:rPr lang="pt-BR" dirty="0" smtClean="0"/>
-              <a:t>Leitura com GET</a:t>
-            </a:r>
-          </a:p>
-          <a:p>
-            <a:r>
-              <a:rPr lang="pt-BR" dirty="0" smtClean="0"/>
-              <a:t>Envio com POST</a:t>
-            </a:r>
-          </a:p>
-          <a:p>
-            <a:r>
-              <a:rPr lang="pt-BR" dirty="0" smtClean="0"/>
-              <a:t>Mais populares atualmente</a:t>
-            </a:r>
-          </a:p>
-          <a:p>
-            <a:r>
-              <a:rPr lang="pt-BR" dirty="0" smtClean="0"/>
-              <a:t>Teste um envio com o inspetor do Chrome aberto (F12)</a:t>
-            </a:r>
-            <a:endParaRPr lang="pt-BR" dirty="0"/>
+              <a:rPr lang="pt-BR" sz="2400" dirty="0" smtClean="0"/>
+              <a:t>Não autenticado</a:t>
+            </a:r>
+          </a:p>
+          <a:p>
+            <a:pPr lvl="2"/>
+            <a:r>
+              <a:rPr lang="pt-BR" sz="2000" dirty="0" smtClean="0"/>
+              <a:t>Deve fornecer login e senha</a:t>
+            </a:r>
+          </a:p>
+          <a:p>
+            <a:pPr lvl="1"/>
+            <a:r>
+              <a:rPr lang="pt-BR" sz="2400" dirty="0" smtClean="0"/>
+              <a:t>Autenticado</a:t>
+            </a:r>
+          </a:p>
+          <a:p>
+            <a:pPr lvl="2"/>
+            <a:r>
+              <a:rPr lang="pt-BR" sz="2000" dirty="0" smtClean="0"/>
+              <a:t>Deve escolher uma pasta para listar mensagens</a:t>
+            </a:r>
+          </a:p>
+          <a:p>
+            <a:pPr lvl="1"/>
+            <a:r>
+              <a:rPr lang="pt-BR" sz="2400" dirty="0" smtClean="0"/>
+              <a:t>Selecionado</a:t>
+            </a:r>
+          </a:p>
+          <a:p>
+            <a:pPr lvl="2"/>
+            <a:r>
+              <a:rPr lang="pt-BR" sz="2000" dirty="0" smtClean="0"/>
+              <a:t>Pode mandar comandos de alterar, mover, apagar,...</a:t>
+            </a:r>
+          </a:p>
+          <a:p>
+            <a:pPr lvl="1"/>
+            <a:r>
+              <a:rPr lang="pt-BR" sz="2400" dirty="0" smtClean="0"/>
+              <a:t>Logout </a:t>
+            </a:r>
+          </a:p>
+          <a:p>
+            <a:pPr lvl="2"/>
+            <a:r>
+              <a:rPr lang="pt-BR" sz="2000" dirty="0" smtClean="0"/>
+              <a:t>Para encerrar</a:t>
+            </a:r>
+          </a:p>
+          <a:p>
+            <a:r>
+              <a:rPr lang="pt-BR" sz="2800" dirty="0" smtClean="0"/>
+              <a:t>Comandos organizados por estado </a:t>
+            </a:r>
+          </a:p>
+          <a:p>
+            <a:pPr lvl="1"/>
+            <a:r>
+              <a:rPr lang="pt-BR" sz="2400" dirty="0" smtClean="0"/>
+              <a:t>Ver RFC</a:t>
+            </a:r>
+            <a:endParaRPr lang="pt-BR" sz="2400" dirty="0"/>
           </a:p>
         </p:txBody>
       </p:sp>
@@ -8981,7 +6049,7 @@
           <a:p>
             <a:r>
               <a:rPr lang="pt-BR" dirty="0" smtClean="0"/>
-              <a:t>dns</a:t>
+              <a:t>Http-Webmail</a:t>
             </a:r>
             <a:endParaRPr lang="pt-BR" dirty="0"/>
           </a:p>
@@ -8989,12 +6057,12 @@
       </p:sp>
       <p:sp>
         <p:nvSpPr>
-          <p:cNvPr id="3" name="Text Placeholder 2"/>
-          <p:cNvSpPr>
-            <a:spLocks noGrp="1"/>
-          </p:cNvSpPr>
-          <p:nvPr>
-            <p:ph type="body" idx="1"/>
+          <p:cNvPr id="3" name="Content Placeholder 2"/>
+          <p:cNvSpPr>
+            <a:spLocks noGrp="1"/>
+          </p:cNvSpPr>
+          <p:nvPr>
+            <p:ph idx="1"/>
           </p:nvPr>
         </p:nvSpPr>
         <p:spPr/>
@@ -9002,7 +6070,42 @@
           <a:bodyPr/>
           <a:lstStyle/>
           <a:p>
-            <a:endParaRPr lang="pt-BR"/>
+            <a:r>
+              <a:rPr lang="pt-BR" dirty="0" smtClean="0"/>
+              <a:t>Cliente de email é o browser</a:t>
+            </a:r>
+          </a:p>
+          <a:p>
+            <a:pPr lvl="1"/>
+            <a:r>
+              <a:rPr lang="pt-BR" dirty="0" smtClean="0"/>
+              <a:t>Porta 80 e 443 mesmo!</a:t>
+            </a:r>
+          </a:p>
+          <a:p>
+            <a:r>
+              <a:rPr lang="pt-BR" dirty="0" smtClean="0"/>
+              <a:t>Leitura com GET</a:t>
+            </a:r>
+          </a:p>
+          <a:p>
+            <a:r>
+              <a:rPr lang="pt-BR" dirty="0" smtClean="0"/>
+              <a:t>Envio com POST</a:t>
+            </a:r>
+          </a:p>
+          <a:p>
+            <a:r>
+              <a:rPr lang="pt-BR" dirty="0" smtClean="0"/>
+              <a:t>Mais populares atualmente</a:t>
+            </a:r>
+          </a:p>
+          <a:p>
+            <a:r>
+              <a:rPr lang="pt-BR" dirty="0" smtClean="0"/>
+              <a:t>Teste um envio com o inspetor do Chrome aberto (F12)</a:t>
+            </a:r>
+            <a:endParaRPr lang="pt-BR" dirty="0"/>
           </a:p>
         </p:txBody>
       </p:sp>
@@ -9048,7 +6151,7 @@
           <a:p>
             <a:r>
               <a:rPr lang="pt-BR" dirty="0" smtClean="0"/>
-              <a:t>DNS</a:t>
+              <a:t>dns</a:t>
             </a:r>
             <a:endParaRPr lang="pt-BR" dirty="0"/>
           </a:p>
@@ -9056,12 +6159,12 @@
       </p:sp>
       <p:sp>
         <p:nvSpPr>
-          <p:cNvPr id="3" name="Content Placeholder 2"/>
-          <p:cNvSpPr>
-            <a:spLocks noGrp="1"/>
-          </p:cNvSpPr>
-          <p:nvPr>
-            <p:ph idx="1"/>
+          <p:cNvPr id="3" name="Text Placeholder 2"/>
+          <p:cNvSpPr>
+            <a:spLocks noGrp="1"/>
+          </p:cNvSpPr>
+          <p:nvPr>
+            <p:ph type="body" idx="1"/>
           </p:nvPr>
         </p:nvSpPr>
         <p:spPr/>
@@ -9069,41 +6172,7 @@
           <a:bodyPr/>
           <a:lstStyle/>
           <a:p>
-            <a:r>
-              <a:rPr lang="pt-BR" dirty="0" smtClean="0"/>
-              <a:t>Domain Name System</a:t>
-            </a:r>
-          </a:p>
-          <a:p>
-            <a:r>
-              <a:rPr lang="pt-BR" dirty="0" smtClean="0"/>
-              <a:t>RFC 1034, RFC 1035 e outras</a:t>
-            </a:r>
-          </a:p>
-          <a:p>
-            <a:r>
-              <a:rPr lang="pt-BR" dirty="0" smtClean="0"/>
-              <a:t>Porta 53, sobre UDP</a:t>
-            </a:r>
-          </a:p>
-          <a:p>
-            <a:r>
-              <a:rPr lang="pt-BR" dirty="0" smtClean="0"/>
-              <a:t>Base de dados distribuída</a:t>
-            </a:r>
-          </a:p>
-          <a:p>
-            <a:r>
-              <a:rPr lang="pt-BR" dirty="0" smtClean="0"/>
-              <a:t>Hierárquica, com muitos servidores de nome</a:t>
-            </a:r>
-          </a:p>
-          <a:p>
-            <a:r>
-              <a:rPr lang="pt-BR" dirty="0" smtClean="0"/>
-              <a:t>Permite hosts e servidores de nome se comunicarem para resolução de endereços (traduçãoendereço/nome)</a:t>
-            </a:r>
-            <a:endParaRPr lang="pt-BR" dirty="0"/>
+            <a:endParaRPr lang="pt-BR"/>
           </a:p>
         </p:txBody>
       </p:sp>
@@ -9172,56 +6241,37 @@
           <a:p>
             <a:r>
               <a:rPr lang="pt-BR" dirty="0" smtClean="0"/>
-              <a:t>Serviços</a:t>
-            </a:r>
-          </a:p>
-          <a:p>
-            <a:pPr lvl="1"/>
-            <a:r>
-              <a:rPr lang="pt-BR" dirty="0" smtClean="0"/>
-              <a:t> Tradução do nome do host - endereço IP</a:t>
-            </a:r>
-          </a:p>
-          <a:p>
-            <a:pPr lvl="1"/>
-            <a:r>
-              <a:rPr lang="pt-BR" dirty="0" smtClean="0"/>
-              <a:t> Host aliasing</a:t>
-            </a:r>
-          </a:p>
-          <a:p>
-            <a:pPr lvl="2"/>
-            <a:r>
-              <a:rPr lang="pt-BR" dirty="0" smtClean="0"/>
-              <a:t> Nome canônico e alternativo</a:t>
-            </a:r>
-          </a:p>
-          <a:p>
-            <a:pPr lvl="1"/>
-            <a:r>
-              <a:rPr lang="pt-BR" dirty="0" smtClean="0"/>
-              <a:t> Mail server aliasing</a:t>
-            </a:r>
-          </a:p>
-          <a:p>
-            <a:pPr lvl="1"/>
-            <a:r>
-              <a:rPr lang="pt-BR" dirty="0" smtClean="0"/>
-              <a:t> Distribuição de carga</a:t>
-            </a:r>
-          </a:p>
-          <a:p>
-            <a:pPr lvl="1"/>
-            <a:r>
-              <a:rPr lang="pt-BR" dirty="0" smtClean="0"/>
-              <a:t> Replicação de servidores: </a:t>
-            </a:r>
-          </a:p>
-          <a:p>
-            <a:pPr lvl="2"/>
-            <a:r>
-              <a:rPr lang="pt-BR" dirty="0" smtClean="0"/>
-              <a:t>conjunto de endereços IP para um nome canônico</a:t>
+              <a:t>Domain Name System</a:t>
+            </a:r>
+          </a:p>
+          <a:p>
+            <a:r>
+              <a:rPr lang="pt-BR" dirty="0" smtClean="0"/>
+              <a:t>RFC 1034, RFC 1035 e outras</a:t>
+            </a:r>
+          </a:p>
+          <a:p>
+            <a:r>
+              <a:rPr lang="pt-BR" dirty="0" smtClean="0"/>
+              <a:t>Porta 53, sobre UDP</a:t>
+            </a:r>
+          </a:p>
+          <a:p>
+            <a:r>
+              <a:rPr lang="pt-BR" dirty="0" smtClean="0"/>
+              <a:t>Base de dados distribuída</a:t>
+            </a:r>
+          </a:p>
+          <a:p>
+            <a:r>
+              <a:rPr lang="pt-BR" dirty="0" smtClean="0"/>
+              <a:t>Hierárquica, com muitos servidores de nome</a:t>
+            </a:r>
+          </a:p>
+          <a:p>
+            <a:r>
+              <a:rPr lang="pt-BR" dirty="0" smtClean="0"/>
+              <a:t>Permite hosts e servidores de nome se comunicarem para resolução de endereços (tradução endereço/nome)</a:t>
             </a:r>
             <a:endParaRPr lang="pt-BR" dirty="0"/>
           </a:p>
@@ -9236,6 +6286,126 @@
 </file>
 
 <file path=ppt/slides/slide17.xml><?xml version="1.0" encoding="utf-8"?>
+<p:sld xmlns:a="http://schemas.openxmlformats.org/drawingml/2006/main" xmlns:r="http://schemas.openxmlformats.org/officeDocument/2006/relationships" xmlns:p="http://schemas.openxmlformats.org/presentationml/2006/main">
+  <p:cSld>
+    <p:spTree>
+      <p:nvGrpSpPr>
+        <p:cNvPr id="1" name=""/>
+        <p:cNvGrpSpPr/>
+        <p:nvPr/>
+      </p:nvGrpSpPr>
+      <p:grpSpPr>
+        <a:xfrm>
+          <a:off x="0" y="0"/>
+          <a:ext cx="0" cy="0"/>
+          <a:chOff x="0" y="0"/>
+          <a:chExt cx="0" cy="0"/>
+        </a:xfrm>
+      </p:grpSpPr>
+      <p:sp>
+        <p:nvSpPr>
+          <p:cNvPr id="2" name="Title 1"/>
+          <p:cNvSpPr>
+            <a:spLocks noGrp="1"/>
+          </p:cNvSpPr>
+          <p:nvPr>
+            <p:ph type="title"/>
+          </p:nvPr>
+        </p:nvSpPr>
+        <p:spPr/>
+        <p:txBody>
+          <a:bodyPr/>
+          <a:lstStyle/>
+          <a:p>
+            <a:r>
+              <a:rPr lang="pt-BR" dirty="0" smtClean="0"/>
+              <a:t>DNS</a:t>
+            </a:r>
+            <a:endParaRPr lang="pt-BR" dirty="0"/>
+          </a:p>
+        </p:txBody>
+      </p:sp>
+      <p:sp>
+        <p:nvSpPr>
+          <p:cNvPr id="3" name="Content Placeholder 2"/>
+          <p:cNvSpPr>
+            <a:spLocks noGrp="1"/>
+          </p:cNvSpPr>
+          <p:nvPr>
+            <p:ph idx="1"/>
+          </p:nvPr>
+        </p:nvSpPr>
+        <p:spPr/>
+        <p:txBody>
+          <a:bodyPr/>
+          <a:lstStyle/>
+          <a:p>
+            <a:r>
+              <a:rPr lang="pt-BR" dirty="0" smtClean="0"/>
+              <a:t>Serviços</a:t>
+            </a:r>
+          </a:p>
+          <a:p>
+            <a:pPr lvl="1"/>
+            <a:r>
+              <a:rPr lang="pt-BR" dirty="0" smtClean="0"/>
+              <a:t> Tradução do nome do host - endereço IP</a:t>
+            </a:r>
+          </a:p>
+          <a:p>
+            <a:pPr lvl="1"/>
+            <a:r>
+              <a:rPr lang="pt-BR" dirty="0" smtClean="0"/>
+              <a:t> Host aliasing</a:t>
+            </a:r>
+          </a:p>
+          <a:p>
+            <a:pPr lvl="2"/>
+            <a:r>
+              <a:rPr lang="pt-BR" dirty="0" smtClean="0"/>
+              <a:t> Nome canônico e alternativo</a:t>
+            </a:r>
+          </a:p>
+          <a:p>
+            <a:pPr lvl="1"/>
+            <a:r>
+              <a:rPr lang="pt-BR" dirty="0" smtClean="0"/>
+              <a:t> Mail server aliasing</a:t>
+            </a:r>
+          </a:p>
+          <a:p>
+            <a:pPr lvl="1"/>
+            <a:r>
+              <a:rPr lang="pt-BR" dirty="0" smtClean="0"/>
+              <a:t> Distribuição de carga</a:t>
+            </a:r>
+          </a:p>
+          <a:p>
+            <a:pPr lvl="1"/>
+            <a:r>
+              <a:rPr lang="pt-BR" dirty="0" smtClean="0"/>
+              <a:t> Replicação de servidores: </a:t>
+            </a:r>
+          </a:p>
+          <a:p>
+            <a:pPr lvl="2"/>
+            <a:r>
+              <a:rPr lang="pt-BR" dirty="0" smtClean="0"/>
+              <a:t>conjunto de endereços IP para um nome canônico</a:t>
+            </a:r>
+            <a:endParaRPr lang="pt-BR" dirty="0"/>
+          </a:p>
+        </p:txBody>
+      </p:sp>
+    </p:spTree>
+  </p:cSld>
+  <p:clrMapOvr>
+    <a:masterClrMapping/>
+  </p:clrMapOvr>
+</p:sld>
+</file>
+
+<file path=ppt/slides/slide18.xml><?xml version="1.0" encoding="utf-8"?>
 <p:sld xmlns:a="http://schemas.openxmlformats.org/drawingml/2006/main" xmlns:r="http://schemas.openxmlformats.org/officeDocument/2006/relationships" xmlns:p="http://schemas.openxmlformats.org/presentationml/2006/main">
   <p:cSld>
     <p:spTree>
@@ -9339,7 +6509,7 @@
 </p:sld>
 </file>
 
-<file path=ppt/slides/slide18.xml><?xml version="1.0" encoding="utf-8"?>
+<file path=ppt/slides/slide19.xml><?xml version="1.0" encoding="utf-8"?>
 <p:sld xmlns:a="http://schemas.openxmlformats.org/drawingml/2006/main" xmlns:r="http://schemas.openxmlformats.org/officeDocument/2006/relationships" xmlns:p="http://schemas.openxmlformats.org/presentationml/2006/main">
   <p:cSld>
     <p:spTree>
@@ -9583,7 +6753,74 @@
 </p:sld>
 </file>
 
-<file path=ppt/slides/slide19.xml><?xml version="1.0" encoding="utf-8"?>
+<file path=ppt/slides/slide2.xml><?xml version="1.0" encoding="utf-8"?>
+<p:sld xmlns:a="http://schemas.openxmlformats.org/drawingml/2006/main" xmlns:r="http://schemas.openxmlformats.org/officeDocument/2006/relationships" xmlns:p="http://schemas.openxmlformats.org/presentationml/2006/main">
+  <p:cSld>
+    <p:spTree>
+      <p:nvGrpSpPr>
+        <p:cNvPr id="1" name=""/>
+        <p:cNvGrpSpPr/>
+        <p:nvPr/>
+      </p:nvGrpSpPr>
+      <p:grpSpPr>
+        <a:xfrm>
+          <a:off x="0" y="0"/>
+          <a:ext cx="0" cy="0"/>
+          <a:chOff x="0" y="0"/>
+          <a:chExt cx="0" cy="0"/>
+        </a:xfrm>
+      </p:grpSpPr>
+      <p:sp>
+        <p:nvSpPr>
+          <p:cNvPr id="2" name="Title 1"/>
+          <p:cNvSpPr>
+            <a:spLocks noGrp="1"/>
+          </p:cNvSpPr>
+          <p:nvPr>
+            <p:ph type="title"/>
+          </p:nvPr>
+        </p:nvSpPr>
+        <p:spPr/>
+        <p:txBody>
+          <a:bodyPr/>
+          <a:lstStyle/>
+          <a:p>
+            <a:r>
+              <a:rPr lang="pt-BR" dirty="0" smtClean="0"/>
+              <a:t>E-mail</a:t>
+            </a:r>
+            <a:endParaRPr lang="pt-BR" dirty="0"/>
+          </a:p>
+        </p:txBody>
+      </p:sp>
+      <p:sp>
+        <p:nvSpPr>
+          <p:cNvPr id="3" name="Text Placeholder 2"/>
+          <p:cNvSpPr>
+            <a:spLocks noGrp="1"/>
+          </p:cNvSpPr>
+          <p:nvPr>
+            <p:ph type="body" idx="1"/>
+          </p:nvPr>
+        </p:nvSpPr>
+        <p:spPr/>
+        <p:txBody>
+          <a:bodyPr/>
+          <a:lstStyle/>
+          <a:p>
+            <a:endParaRPr lang="pt-BR"/>
+          </a:p>
+        </p:txBody>
+      </p:sp>
+    </p:spTree>
+  </p:cSld>
+  <p:clrMapOvr>
+    <a:masterClrMapping/>
+  </p:clrMapOvr>
+</p:sld>
+</file>
+
+<file path=ppt/slides/slide20.xml><?xml version="1.0" encoding="utf-8"?>
 <p:sld xmlns:a="http://schemas.openxmlformats.org/drawingml/2006/main" xmlns:r="http://schemas.openxmlformats.org/officeDocument/2006/relationships" xmlns:p="http://schemas.openxmlformats.org/presentationml/2006/main">
   <p:cSld>
     <p:spTree>
@@ -9815,7 +7052,7 @@
 </p:sld>
 </file>
 
-<file path=ppt/slides/slide2.xml><?xml version="1.0" encoding="utf-8"?>
+<file path=ppt/slides/slide21.xml><?xml version="1.0" encoding="utf-8"?>
 <p:sld xmlns:a="http://schemas.openxmlformats.org/drawingml/2006/main" xmlns:r="http://schemas.openxmlformats.org/officeDocument/2006/relationships" xmlns:p="http://schemas.openxmlformats.org/presentationml/2006/main">
   <p:cSld>
     <p:spTree>
@@ -9849,7 +7086,14 @@
           <a:p>
             <a:r>
               <a:rPr lang="pt-BR" dirty="0" smtClean="0"/>
-              <a:t>E-mail</a:t>
+              <a:t>Registros</a:t>
+            </a:r>
+            <a:br>
+              <a:rPr lang="pt-BR" dirty="0" smtClean="0"/>
+            </a:br>
+            <a:r>
+              <a:rPr lang="pt-BR" dirty="0" smtClean="0"/>
+              <a:t>DNS</a:t>
             </a:r>
             <a:endParaRPr lang="pt-BR" dirty="0"/>
           </a:p>
@@ -9857,12 +7101,12 @@
       </p:sp>
       <p:sp>
         <p:nvSpPr>
-          <p:cNvPr id="3" name="Text Placeholder 2"/>
-          <p:cNvSpPr>
-            <a:spLocks noGrp="1"/>
-          </p:cNvSpPr>
-          <p:nvPr>
-            <p:ph type="body" idx="1"/>
+          <p:cNvPr id="3" name="Content Placeholder 2"/>
+          <p:cNvSpPr>
+            <a:spLocks noGrp="1"/>
+          </p:cNvSpPr>
+          <p:nvPr>
+            <p:ph idx="1"/>
           </p:nvPr>
         </p:nvSpPr>
         <p:spPr/>
@@ -9870,80 +7114,6 @@
           <a:bodyPr/>
           <a:lstStyle/>
           <a:p>
-            <a:endParaRPr lang="pt-BR"/>
-          </a:p>
-        </p:txBody>
-      </p:sp>
-    </p:spTree>
-  </p:cSld>
-  <p:clrMapOvr>
-    <a:masterClrMapping/>
-  </p:clrMapOvr>
-</p:sld>
-</file>
-
-<file path=ppt/slides/slide20.xml><?xml version="1.0" encoding="utf-8"?>
-<p:sld xmlns:a="http://schemas.openxmlformats.org/drawingml/2006/main" xmlns:r="http://schemas.openxmlformats.org/officeDocument/2006/relationships" xmlns:p="http://schemas.openxmlformats.org/presentationml/2006/main">
-  <p:cSld>
-    <p:spTree>
-      <p:nvGrpSpPr>
-        <p:cNvPr id="1" name=""/>
-        <p:cNvGrpSpPr/>
-        <p:nvPr/>
-      </p:nvGrpSpPr>
-      <p:grpSpPr>
-        <a:xfrm>
-          <a:off x="0" y="0"/>
-          <a:ext cx="0" cy="0"/>
-          <a:chOff x="0" y="0"/>
-          <a:chExt cx="0" cy="0"/>
-        </a:xfrm>
-      </p:grpSpPr>
-      <p:sp>
-        <p:nvSpPr>
-          <p:cNvPr id="2" name="Title 1"/>
-          <p:cNvSpPr>
-            <a:spLocks noGrp="1"/>
-          </p:cNvSpPr>
-          <p:nvPr>
-            <p:ph type="title"/>
-          </p:nvPr>
-        </p:nvSpPr>
-        <p:spPr/>
-        <p:txBody>
-          <a:bodyPr/>
-          <a:lstStyle/>
-          <a:p>
-            <a:r>
-              <a:rPr lang="pt-BR" dirty="0" smtClean="0"/>
-              <a:t>Registros</a:t>
-            </a:r>
-            <a:br>
-              <a:rPr lang="pt-BR" dirty="0" smtClean="0"/>
-            </a:br>
-            <a:r>
-              <a:rPr lang="pt-BR" dirty="0" smtClean="0"/>
-              <a:t>DNS</a:t>
-            </a:r>
-            <a:endParaRPr lang="pt-BR" dirty="0"/>
-          </a:p>
-        </p:txBody>
-      </p:sp>
-      <p:sp>
-        <p:nvSpPr>
-          <p:cNvPr id="3" name="Content Placeholder 2"/>
-          <p:cNvSpPr>
-            <a:spLocks noGrp="1"/>
-          </p:cNvSpPr>
-          <p:nvPr>
-            <p:ph idx="1"/>
-          </p:nvPr>
-        </p:nvSpPr>
-        <p:spPr/>
-        <p:txBody>
-          <a:bodyPr/>
-          <a:lstStyle/>
-          <a:p>
             <a:r>
               <a:rPr lang="pt-BR" sz="2400" dirty="0" smtClean="0"/>
               <a:t> Tipo=A</a:t>
@@ -10020,13 +7190,8 @@
             <a:pPr lvl="1"/>
             <a:r>
               <a:rPr lang="pt-BR" sz="2000" dirty="0" smtClean="0"/>
-              <a:t>valor é nome do servidor </a:t>
-            </a:r>
-            <a:r>
-              <a:rPr lang="pt-BR" sz="2000" dirty="0" smtClean="0"/>
-              <a:t>de email</a:t>
-            </a:r>
-            <a:endParaRPr lang="pt-BR" sz="2000" dirty="0" smtClean="0"/>
+              <a:t>valor é nome do servidor de email</a:t>
+            </a:r>
           </a:p>
           <a:p>
             <a:pPr lvl="1"/>
@@ -10122,10 +7287,95 @@
   <p:clrMapOvr>
     <a:masterClrMapping/>
   </p:clrMapOvr>
+  <p:timing>
+    <p:tnLst>
+      <p:par>
+        <p:cTn id="1" dur="indefinite" restart="never" nodeType="tmRoot"/>
+      </p:par>
+    </p:tnLst>
+  </p:timing>
 </p:sld>
 </file>
 
-<file path=ppt/slides/slide21.xml><?xml version="1.0" encoding="utf-8"?>
+<file path=ppt/slides/slide22.xml><?xml version="1.0" encoding="utf-8"?>
+<p:sld xmlns:a="http://schemas.openxmlformats.org/drawingml/2006/main" xmlns:r="http://schemas.openxmlformats.org/officeDocument/2006/relationships" xmlns:p="http://schemas.openxmlformats.org/presentationml/2006/main">
+  <p:cSld>
+    <p:spTree>
+      <p:nvGrpSpPr>
+        <p:cNvPr id="1" name=""/>
+        <p:cNvGrpSpPr/>
+        <p:nvPr/>
+      </p:nvGrpSpPr>
+      <p:grpSpPr>
+        <a:xfrm>
+          <a:off x="0" y="0"/>
+          <a:ext cx="0" cy="0"/>
+          <a:chOff x="0" y="0"/>
+          <a:chExt cx="0" cy="0"/>
+        </a:xfrm>
+      </p:grpSpPr>
+      <p:sp>
+        <p:nvSpPr>
+          <p:cNvPr id="2" name="Title 1"/>
+          <p:cNvSpPr>
+            <a:spLocks noGrp="1"/>
+          </p:cNvSpPr>
+          <p:nvPr>
+            <p:ph type="title"/>
+          </p:nvPr>
+        </p:nvSpPr>
+        <p:spPr/>
+        <p:txBody>
+          <a:bodyPr/>
+          <a:lstStyle/>
+          <a:p>
+            <a:r>
+              <a:rPr lang="pt-BR" dirty="0" smtClean="0"/>
+              <a:t>Registros DNS</a:t>
+            </a:r>
+            <a:endParaRPr lang="pt-BR" dirty="0"/>
+          </a:p>
+        </p:txBody>
+      </p:sp>
+      <p:sp>
+        <p:nvSpPr>
+          <p:cNvPr id="3" name="Content Placeholder 2"/>
+          <p:cNvSpPr>
+            <a:spLocks noGrp="1"/>
+          </p:cNvSpPr>
+          <p:nvPr>
+            <p:ph idx="1"/>
+          </p:nvPr>
+        </p:nvSpPr>
+        <p:spPr/>
+        <p:txBody>
+          <a:bodyPr/>
+          <a:lstStyle/>
+          <a:p>
+            <a:r>
+              <a:rPr lang="pt-BR" dirty="0" smtClean="0"/>
+              <a:t>Outros tipos</a:t>
+            </a:r>
+          </a:p>
+          <a:p>
+            <a:pPr lvl="1"/>
+            <a:r>
+              <a:rPr lang="pt-BR" dirty="0" smtClean="0"/>
+              <a:t>https://en.wikipedia.org/wiki/List_of_DNS_record_types</a:t>
+            </a:r>
+            <a:endParaRPr lang="pt-BR" dirty="0"/>
+          </a:p>
+        </p:txBody>
+      </p:sp>
+    </p:spTree>
+  </p:cSld>
+  <p:clrMapOvr>
+    <a:masterClrMapping/>
+  </p:clrMapOvr>
+</p:sld>
+</file>
+
+<file path=ppt/slides/slide23.xml><?xml version="1.0" encoding="utf-8"?>
 <p:sld xmlns:a="http://schemas.openxmlformats.org/drawingml/2006/main" xmlns:r="http://schemas.openxmlformats.org/officeDocument/2006/relationships" xmlns:p="http://schemas.openxmlformats.org/presentationml/2006/main">
   <p:cSld>
     <p:spTree>
@@ -10350,13 +7600,8 @@
           <a:p>
             <a:r>
               <a:rPr lang="pt-BR" dirty="0" smtClean="0"/>
-              <a:t>para query. Reply </a:t>
-            </a:r>
-            <a:r>
-              <a:rPr lang="pt-BR" dirty="0" smtClean="0"/>
-              <a:t>da</a:t>
-            </a:r>
-            <a:endParaRPr lang="pt-BR" dirty="0" smtClean="0"/>
+              <a:t>para query. Reply da</a:t>
+            </a:r>
           </a:p>
           <a:p>
             <a:r>
@@ -10375,7 +7620,7 @@
 </p:sld>
 </file>
 
-<file path=ppt/slides/slide22.xml><?xml version="1.0" encoding="utf-8"?>
+<file path=ppt/slides/slide24.xml><?xml version="1.0" encoding="utf-8"?>
 <p:sld xmlns:a="http://schemas.openxmlformats.org/drawingml/2006/main" xmlns:r="http://schemas.openxmlformats.org/officeDocument/2006/relationships" xmlns:p="http://schemas.openxmlformats.org/presentationml/2006/main">
   <p:cSld>
     <p:spTree>
@@ -10544,7 +7789,7 @@
 </p:sld>
 </file>
 
-<file path=ppt/slides/slide23.xml><?xml version="1.0" encoding="utf-8"?>
+<file path=ppt/slides/slide25.xml><?xml version="1.0" encoding="utf-8"?>
 <p:sld xmlns:a="http://schemas.openxmlformats.org/drawingml/2006/main" xmlns:r="http://schemas.openxmlformats.org/officeDocument/2006/relationships" xmlns:p="http://schemas.openxmlformats.org/presentationml/2006/main">
   <p:cSld>
     <p:spTree>
@@ -10699,7 +7944,7 @@
 </p:sld>
 </file>
 
-<file path=ppt/slides/slide24.xml><?xml version="1.0" encoding="utf-8"?>
+<file path=ppt/slides/slide26.xml><?xml version="1.0" encoding="utf-8"?>
 <p:sld xmlns:a="http://schemas.openxmlformats.org/drawingml/2006/main" xmlns:r="http://schemas.openxmlformats.org/officeDocument/2006/relationships" xmlns:p="http://schemas.openxmlformats.org/presentationml/2006/main">
   <p:cSld>
     <p:spTree>
@@ -12248,6 +9493,53 @@
           </a:p>
         </p:txBody>
       </p:sp>
+      <p:sp>
+        <p:nvSpPr>
+          <p:cNvPr id="39" name="Rectangular Callout 38"/>
+          <p:cNvSpPr/>
+          <p:nvPr/>
+        </p:nvSpPr>
+        <p:spPr>
+          <a:xfrm>
+            <a:off x="7215206" y="2204864"/>
+            <a:ext cx="1928794" cy="1143008"/>
+          </a:xfrm>
+          <a:prstGeom prst="wedgeRectCallout">
+            <a:avLst>
+              <a:gd name="adj1" fmla="val -60877"/>
+              <a:gd name="adj2" fmla="val 246595"/>
+            </a:avLst>
+          </a:prstGeom>
+        </p:spPr>
+        <p:style>
+          <a:lnRef idx="2">
+            <a:schemeClr val="accent1">
+              <a:shade val="50000"/>
+            </a:schemeClr>
+          </a:lnRef>
+          <a:fillRef idx="1">
+            <a:schemeClr val="accent1"/>
+          </a:fillRef>
+          <a:effectRef idx="0">
+            <a:schemeClr val="accent1"/>
+          </a:effectRef>
+          <a:fontRef idx="minor">
+            <a:schemeClr val="lt1"/>
+          </a:fontRef>
+        </p:style>
+        <p:txBody>
+          <a:bodyPr rtlCol="0" anchor="ctr"/>
+          <a:lstStyle/>
+          <a:p>
+            <a:pPr algn="ctr"/>
+            <a:r>
+              <a:rPr lang="pt-BR" dirty="0" smtClean="0"/>
+              <a:t>O cliente SMTP tem que tratar os ‘.’ digitados pelo usuário.</a:t>
+            </a:r>
+            <a:endParaRPr lang="pt-BR" dirty="0"/>
+          </a:p>
+        </p:txBody>
+      </p:sp>
     </p:spTree>
   </p:cSld>
   <p:clrMapOvr>
@@ -12552,7 +9844,7 @@
           <a:p>
             <a:r>
               <a:rPr lang="pt-BR" dirty="0" smtClean="0"/>
-              <a:t>Acesso ao e-mail</a:t>
+              <a:t>Mensagem</a:t>
             </a:r>
             <a:endParaRPr lang="pt-BR" dirty="0"/>
           </a:p>
@@ -12575,50 +9867,57 @@
           <a:p>
             <a:r>
               <a:rPr lang="pt-BR" dirty="0" smtClean="0"/>
-              <a:t>POP: Post Office Protocol [RFC 1939]</a:t>
+              <a:t>MIME</a:t>
             </a:r>
           </a:p>
           <a:p>
             <a:pPr lvl="1"/>
             <a:r>
               <a:rPr lang="pt-BR" dirty="0" smtClean="0"/>
-              <a:t>autorização (agente &lt;--&gt;servidor) e download</a:t>
-            </a:r>
-          </a:p>
-          <a:p>
-            <a:r>
-              <a:rPr lang="fr-FR" dirty="0" smtClean="0"/>
-              <a:t> IMAP: Internet Mail Access Protocol [RFC 1730]</a:t>
-            </a:r>
-          </a:p>
-          <a:p>
-            <a:pPr lvl="1"/>
-            <a:r>
-              <a:rPr lang="pt-BR" dirty="0" smtClean="0"/>
-              <a:t>mais possibilidades (mais complexo)</a:t>
-            </a:r>
-          </a:p>
-          <a:p>
-            <a:pPr lvl="1"/>
-            <a:r>
-              <a:rPr lang="pt-BR" dirty="0" smtClean="0"/>
-              <a:t>manipulação de msgs armazenadas no servidor</a:t>
-            </a:r>
-          </a:p>
-          <a:p>
-            <a:r>
-              <a:rPr lang="fr-FR" dirty="0" smtClean="0"/>
-              <a:t> HTTP (</a:t>
-            </a:r>
-            <a:r>
-              <a:rPr lang="fr-FR" dirty="0" err="1" smtClean="0"/>
-              <a:t>Webmail</a:t>
-            </a:r>
-            <a:r>
-              <a:rPr lang="fr-FR" dirty="0" smtClean="0"/>
-              <a:t>): Hotmail , Yahoo! Mail, etc.</a:t>
+              <a:t>Quando se tem mais de um anexo, pode-se determinar uma string de fronteira</a:t>
             </a:r>
             <a:endParaRPr lang="pt-BR" dirty="0"/>
+          </a:p>
+        </p:txBody>
+      </p:sp>
+      <p:sp>
+        <p:nvSpPr>
+          <p:cNvPr id="4" name="Rectangle 3"/>
+          <p:cNvSpPr/>
+          <p:nvPr/>
+        </p:nvSpPr>
+        <p:spPr>
+          <a:xfrm>
+            <a:off x="179512" y="3164681"/>
+            <a:ext cx="8640960" cy="2031325"/>
+          </a:xfrm>
+          <a:prstGeom prst="rect">
+            <a:avLst/>
+          </a:prstGeom>
+        </p:spPr>
+        <p:txBody>
+          <a:bodyPr wrap="square">
+            <a:spAutoFit/>
+          </a:bodyPr>
+          <a:lstStyle/>
+          <a:p>
+            <a:r>
+              <a:rPr lang="pt-BR" dirty="0" smtClean="0"/>
+              <a:t>Content-type: multipart/mixed; </a:t>
+            </a:r>
+            <a:r>
+              <a:rPr lang="pt-BR" b="1" dirty="0" smtClean="0"/>
+              <a:t>boundary="frontier" </a:t>
+            </a:r>
+            <a:r>
+              <a:rPr lang="pt-BR" dirty="0" smtClean="0"/>
+              <a:t>MIME-version: 1.0 --frontier Content-type: text/plain Este é o corpo da mensagem. --frontier Content-type: application/octet-stream Content-transfer-encoding: base64 gajwO4+n2Fy4FV3V7zD9awd7uG8/TITP/vIocxXnnf/5mjgQjcipBUL1b3uyLwAVtBLOP4nV LdIAhSzlZnyLAF8na0n7g6OSeej7aqIl3NIXCfxDsPsY6NQjSvV77j4hWEjlF/aglS6ghfju FgRr+OX8QZMI1OmR4rUJUS7xgoknalqj3HJvaOpeb3CFlNI9VGZYz6H6zuQBOWZzNB8glwpC </a:t>
+            </a:r>
+            <a:r>
+              <a:rPr lang="pt-BR" b="1" dirty="0" smtClean="0"/>
+              <a:t>--frontier--</a:t>
+            </a:r>
+            <a:endParaRPr lang="pt-BR" b="1" dirty="0"/>
           </a:p>
         </p:txBody>
       </p:sp>
@@ -12664,7 +9963,7 @@
           <a:p>
             <a:r>
               <a:rPr lang="pt-BR" dirty="0" smtClean="0"/>
-              <a:t>POP3</a:t>
+              <a:t>Acesso ao e-mail</a:t>
             </a:r>
             <a:endParaRPr lang="pt-BR" dirty="0"/>
           </a:p>
@@ -12680,133 +9979,57 @@
             <p:ph idx="1"/>
           </p:nvPr>
         </p:nvSpPr>
-        <p:spPr>
-          <a:xfrm>
-            <a:off x="457200" y="1260491"/>
-            <a:ext cx="8229600" cy="4525963"/>
-          </a:xfrm>
-        </p:spPr>
+        <p:spPr/>
         <p:txBody>
           <a:bodyPr/>
           <a:lstStyle/>
           <a:p>
             <a:r>
-              <a:rPr lang="pt-BR" sz="2800" dirty="0" smtClean="0"/>
-              <a:t>Fase de autorização</a:t>
+              <a:rPr lang="pt-BR" dirty="0" smtClean="0"/>
+              <a:t>POP: Post Office Protocol [RFC 1939]</a:t>
             </a:r>
           </a:p>
           <a:p>
             <a:pPr lvl="1"/>
             <a:r>
-              <a:rPr lang="pt-BR" sz="2400" dirty="0" smtClean="0"/>
-              <a:t> comandos do cliente:</a:t>
-            </a:r>
-          </a:p>
-          <a:p>
-            <a:pPr lvl="2"/>
-            <a:r>
-              <a:rPr lang="pt-BR" sz="2000" dirty="0" smtClean="0"/>
-              <a:t> </a:t>
-            </a:r>
-            <a:r>
-              <a:rPr lang="pt-BR" sz="2000" b="1" dirty="0" smtClean="0"/>
-              <a:t>user: username</a:t>
-            </a:r>
-          </a:p>
-          <a:p>
-            <a:pPr lvl="2"/>
-            <a:r>
-              <a:rPr lang="pt-BR" sz="2000" dirty="0" smtClean="0"/>
-              <a:t> </a:t>
-            </a:r>
-            <a:r>
-              <a:rPr lang="pt-BR" sz="2000" b="1" dirty="0" smtClean="0"/>
-              <a:t>pass: password</a:t>
+              <a:rPr lang="pt-BR" dirty="0" smtClean="0"/>
+              <a:t>autorização (agente &lt;--&gt;servidor) e download</a:t>
+            </a:r>
+          </a:p>
+          <a:p>
+            <a:r>
+              <a:rPr lang="fr-FR" dirty="0" smtClean="0"/>
+              <a:t> IMAP: Internet Mail Access Protocol [RFC 1730]</a:t>
             </a:r>
           </a:p>
           <a:p>
             <a:pPr lvl="1"/>
             <a:r>
-              <a:rPr lang="pt-BR" sz="2400" dirty="0" smtClean="0"/>
-              <a:t> respostas do servidor</a:t>
-            </a:r>
-          </a:p>
-          <a:p>
-            <a:pPr lvl="2"/>
-            <a:r>
-              <a:rPr lang="pt-BR" sz="2000" dirty="0" smtClean="0"/>
-              <a:t> </a:t>
-            </a:r>
-            <a:r>
-              <a:rPr lang="pt-BR" sz="2000" b="1" dirty="0" smtClean="0"/>
-              <a:t>+OK</a:t>
-            </a:r>
-          </a:p>
-          <a:p>
-            <a:pPr lvl="2"/>
-            <a:r>
-              <a:rPr lang="pt-BR" sz="2000" dirty="0" smtClean="0"/>
-              <a:t> </a:t>
-            </a:r>
-            <a:r>
-              <a:rPr lang="pt-BR" sz="2000" b="1" dirty="0" smtClean="0"/>
-              <a:t>-ERR</a:t>
-            </a:r>
-          </a:p>
-          <a:p>
-            <a:r>
-              <a:rPr lang="pt-BR" sz="2800" dirty="0" smtClean="0"/>
-              <a:t>Fase de transação, cliente:</a:t>
+              <a:rPr lang="pt-BR" dirty="0" smtClean="0"/>
+              <a:t>mais possibilidades (mais complexo)</a:t>
             </a:r>
           </a:p>
           <a:p>
             <a:pPr lvl="1"/>
             <a:r>
-              <a:rPr lang="pt-BR" sz="2400" dirty="0" smtClean="0"/>
-              <a:t> </a:t>
-            </a:r>
-            <a:r>
-              <a:rPr lang="pt-BR" sz="2400" b="1" dirty="0" smtClean="0"/>
-              <a:t>list: lista números de msgs</a:t>
-            </a:r>
-          </a:p>
-          <a:p>
-            <a:pPr lvl="1"/>
-            <a:r>
-              <a:rPr lang="pt-BR" sz="2400" dirty="0" smtClean="0"/>
-              <a:t> </a:t>
-            </a:r>
-            <a:r>
-              <a:rPr lang="pt-BR" sz="2400" b="1" dirty="0" smtClean="0"/>
-              <a:t>retr: recupera msg pelo </a:t>
-            </a:r>
-            <a:r>
-              <a:rPr lang="pt-BR" sz="2400" dirty="0" smtClean="0"/>
-              <a:t>número</a:t>
-            </a:r>
-          </a:p>
-          <a:p>
-            <a:pPr lvl="1"/>
-            <a:r>
-              <a:rPr lang="pt-BR" sz="2400" dirty="0" smtClean="0"/>
-              <a:t> </a:t>
-            </a:r>
-            <a:r>
-              <a:rPr lang="pt-BR" sz="2400" b="1" dirty="0" smtClean="0"/>
-              <a:t>dele: deleta</a:t>
-            </a:r>
-          </a:p>
-          <a:p>
-            <a:pPr lvl="1"/>
-            <a:r>
-              <a:rPr lang="pt-BR" sz="2400" dirty="0" smtClean="0"/>
-              <a:t> </a:t>
-            </a:r>
-            <a:r>
-              <a:rPr lang="pt-BR" sz="2400" b="1" dirty="0" smtClean="0"/>
-              <a:t>quit</a:t>
-            </a:r>
-            <a:endParaRPr lang="pt-BR" sz="2400" dirty="0"/>
+              <a:rPr lang="pt-BR" dirty="0" smtClean="0"/>
+              <a:t>manipulação de msgs armazenadas no servidor</a:t>
+            </a:r>
+          </a:p>
+          <a:p>
+            <a:r>
+              <a:rPr lang="fr-FR" dirty="0" smtClean="0"/>
+              <a:t> HTTP (</a:t>
+            </a:r>
+            <a:r>
+              <a:rPr lang="fr-FR" dirty="0" err="1" smtClean="0"/>
+              <a:t>Webmail</a:t>
+            </a:r>
+            <a:r>
+              <a:rPr lang="fr-FR" dirty="0" smtClean="0"/>
+              <a:t>): Hotmail , Yahoo! Mail, etc.</a:t>
+            </a:r>
+            <a:endParaRPr lang="pt-BR" dirty="0"/>
           </a:p>
         </p:txBody>
       </p:sp>
@@ -12821,42 +10044,42 @@
 <file path=ppt/theme/theme1.xml><?xml version="1.0" encoding="utf-8"?>
 <a:theme xmlns:a="http://schemas.openxmlformats.org/drawingml/2006/main" name="Tema do Office">
   <a:themeElements>
-    <a:clrScheme name="Personalizada 1">
+    <a:clrScheme name="Escritório">
       <a:dk1>
-        <a:srgbClr val="2F2B20"/>
+        <a:sysClr val="windowText" lastClr="000000"/>
       </a:dk1>
       <a:lt1>
-        <a:srgbClr val="FFFFFF"/>
+        <a:sysClr val="window" lastClr="FFFFFF"/>
       </a:lt1>
       <a:dk2>
-        <a:srgbClr val="675E47"/>
+        <a:srgbClr val="1F497D"/>
       </a:dk2>
       <a:lt2>
-        <a:srgbClr val="DFDCB7"/>
+        <a:srgbClr val="EEECE1"/>
       </a:lt2>
       <a:accent1>
-        <a:srgbClr val="FF0000"/>
+        <a:srgbClr val="4F81BD"/>
       </a:accent1>
       <a:accent2>
-        <a:srgbClr val="002060"/>
+        <a:srgbClr val="C0504D"/>
       </a:accent2>
       <a:accent3>
-        <a:srgbClr val="FF0000"/>
+        <a:srgbClr val="9BBB59"/>
       </a:accent3>
       <a:accent4>
-        <a:srgbClr val="002060"/>
+        <a:srgbClr val="8064A2"/>
       </a:accent4>
       <a:accent5>
-        <a:srgbClr val="FF0000"/>
+        <a:srgbClr val="4BACC6"/>
       </a:accent5>
       <a:accent6>
-        <a:srgbClr val="002060"/>
+        <a:srgbClr val="F79646"/>
       </a:accent6>
       <a:hlink>
-        <a:srgbClr val="D25814"/>
+        <a:srgbClr val="0000FF"/>
       </a:hlink>
       <a:folHlink>
-        <a:srgbClr val="849A0A"/>
+        <a:srgbClr val="800080"/>
       </a:folHlink>
     </a:clrScheme>
     <a:fontScheme name="Escritório">
@@ -13385,9 +10608,9 @@
 </file>
 
 <file path=ppt/theme/theme3.xml><?xml version="1.0" encoding="utf-8"?>
-<a:theme xmlns:a="http://schemas.openxmlformats.org/drawingml/2006/main" name="Tema do Office">
+<a:theme xmlns:a="http://schemas.openxmlformats.org/drawingml/2006/main" name="Office Theme">
   <a:themeElements>
-    <a:clrScheme name="Escritório">
+    <a:clrScheme name="Office">
       <a:dk1>
         <a:sysClr val="windowText" lastClr="000000"/>
       </a:dk1>
@@ -13425,7 +10648,7 @@
         <a:srgbClr val="800080"/>
       </a:folHlink>
     </a:clrScheme>
-    <a:fontScheme name="Escritório">
+    <a:fontScheme name="Office">
       <a:majorFont>
         <a:latin typeface="Calibri"/>
         <a:ea typeface=""/>
@@ -13495,7 +10718,7 @@
         <a:font script="Uigh" typeface="Microsoft Uighur"/>
       </a:minorFont>
     </a:fontScheme>
-    <a:fmtScheme name="Escritório">
+    <a:fmtScheme name="Office">
       <a:fillStyleLst>
         <a:solidFill>
           <a:schemeClr val="phClr"/>
